--- a/presentazione/Presentazione ProjectWork-DrivenChoice.pptx
+++ b/presentazione/Presentazione ProjectWork-DrivenChoice.pptx
@@ -1,33 +1,106 @@
 
 <file path=ppt/presentation.xml><?xml version="1.0" encoding="utf-8"?>
-<p:presentation xmlns:a="http://schemas.openxmlformats.org/drawingml/2006/main" xmlns:r="http://schemas.openxmlformats.org/officeDocument/2006/relationships" xmlns:p="http://schemas.openxmlformats.org/presentationml/2006/main" embedTrueTypeFonts="1" saveSubsetFonts="1">
+<p:presentation xmlns:a="http://schemas.openxmlformats.org/drawingml/2006/main" xmlns:r="http://schemas.openxmlformats.org/officeDocument/2006/relationships" xmlns:p="http://schemas.openxmlformats.org/presentationml/2006/main" saveSubsetFonts="1" embedTrueTypeFonts="true">
   <p:sldMasterIdLst>
     <p:sldMasterId id="2147483648" r:id="rId1"/>
   </p:sldMasterIdLst>
   <p:sldIdLst>
-    <p:sldId id="256" r:id="rId2"/>
-    <p:sldId id="257" r:id="rId3"/>
-    <p:sldId id="258" r:id="rId4"/>
-    <p:sldId id="259" r:id="rId5"/>
-    <p:sldId id="260" r:id="rId6"/>
-    <p:sldId id="261" r:id="rId7"/>
-    <p:sldId id="262" r:id="rId8"/>
-    <p:sldId id="263" r:id="rId9"/>
+    <p:sldId id="256" r:id="rId27"/>
+    <p:sldId id="257" r:id="rId28"/>
+    <p:sldId id="258" r:id="rId29"/>
+    <p:sldId id="259" r:id="rId30"/>
+    <p:sldId id="260" r:id="rId31"/>
+    <p:sldId id="261" r:id="rId32"/>
+    <p:sldId id="262" r:id="rId33"/>
+    <p:sldId id="263" r:id="rId34"/>
+    <p:sldId id="264" r:id="rId35"/>
   </p:sldIdLst>
   <p:sldSz cx="18288000" cy="10287000"/>
   <p:notesSz cx="6858000" cy="9144000"/>
   <p:embeddedFontLst>
     <p:embeddedFont>
-      <p:font typeface="Archivo Black" panose="020B0604020202020204" charset="0"/>
+      <p:font typeface="Open Sans 1" charset="1" panose="020B0606030504020204"/>
+      <p:regular r:id="rId6"/>
+    </p:embeddedFont>
+    <p:embeddedFont>
+      <p:font typeface="Open Sans 1 Bold" charset="1" panose="020B0806030504020204"/>
+      <p:regular r:id="rId7"/>
+    </p:embeddedFont>
+    <p:embeddedFont>
+      <p:font typeface="Open Sans 1 Italics" charset="1" panose="020B0606030504020204"/>
+      <p:regular r:id="rId8"/>
+    </p:embeddedFont>
+    <p:embeddedFont>
+      <p:font typeface="Open Sans 1 Bold Italics" charset="1" panose="020B0806030504020204"/>
+      <p:regular r:id="rId9"/>
+    </p:embeddedFont>
+    <p:embeddedFont>
+      <p:font typeface="Arimo" charset="1" panose="020B0604020202020204"/>
       <p:regular r:id="rId10"/>
     </p:embeddedFont>
     <p:embeddedFont>
-      <p:font typeface="Open Sans" panose="020B0606030504020204" pitchFamily="34" charset="0"/>
+      <p:font typeface="Arimo Bold" charset="1" panose="020B0704020202020204"/>
       <p:regular r:id="rId11"/>
     </p:embeddedFont>
     <p:embeddedFont>
-      <p:font typeface="Open Sans Bold" panose="020B0604020202020204" charset="0"/>
+      <p:font typeface="Arimo Italics" charset="1" panose="020B0604020202090204"/>
       <p:regular r:id="rId12"/>
+    </p:embeddedFont>
+    <p:embeddedFont>
+      <p:font typeface="Arimo Bold Italics" charset="1" panose="020B0704020202090204"/>
+      <p:regular r:id="rId13"/>
+    </p:embeddedFont>
+    <p:embeddedFont>
+      <p:font typeface="Archivo Black" charset="1" panose="020B0A03020202020B04"/>
+      <p:regular r:id="rId14"/>
+    </p:embeddedFont>
+    <p:embeddedFont>
+      <p:font typeface="Open Sans 2" charset="1" panose="00000000000000000000"/>
+      <p:regular r:id="rId15"/>
+    </p:embeddedFont>
+    <p:embeddedFont>
+      <p:font typeface="Open Sans 2 Bold" charset="1" panose="00000000000000000000"/>
+      <p:regular r:id="rId16"/>
+    </p:embeddedFont>
+    <p:embeddedFont>
+      <p:font typeface="Open Sans 2 Italics" charset="1" panose="00000000000000000000"/>
+      <p:regular r:id="rId17"/>
+    </p:embeddedFont>
+    <p:embeddedFont>
+      <p:font typeface="Open Sans 2 Bold Italics" charset="1" panose="00000000000000000000"/>
+      <p:regular r:id="rId18"/>
+    </p:embeddedFont>
+    <p:embeddedFont>
+      <p:font typeface="Open Sans 2 Light" charset="1" panose="00000000000000000000"/>
+      <p:regular r:id="rId19"/>
+    </p:embeddedFont>
+    <p:embeddedFont>
+      <p:font typeface="Open Sans 2 Light Italics" charset="1" panose="00000000000000000000"/>
+      <p:regular r:id="rId20"/>
+    </p:embeddedFont>
+    <p:embeddedFont>
+      <p:font typeface="Open Sans 2 Medium" charset="1" panose="00000000000000000000"/>
+      <p:regular r:id="rId21"/>
+    </p:embeddedFont>
+    <p:embeddedFont>
+      <p:font typeface="Open Sans 2 Medium Italics" charset="1" panose="00000000000000000000"/>
+      <p:regular r:id="rId22"/>
+    </p:embeddedFont>
+    <p:embeddedFont>
+      <p:font typeface="Open Sans 2 Semi-Bold" charset="1" panose="00000000000000000000"/>
+      <p:regular r:id="rId23"/>
+    </p:embeddedFont>
+    <p:embeddedFont>
+      <p:font typeface="Open Sans 2 Semi-Bold Italics" charset="1" panose="00000000000000000000"/>
+      <p:regular r:id="rId24"/>
+    </p:embeddedFont>
+    <p:embeddedFont>
+      <p:font typeface="Open Sans 2 Ultra-Bold" charset="1" panose="00000000000000000000"/>
+      <p:regular r:id="rId25"/>
+    </p:embeddedFont>
+    <p:embeddedFont>
+      <p:font typeface="Open Sans 2 Ultra-Bold Italics" charset="1" panose="00000000000000000000"/>
+      <p:regular r:id="rId26"/>
     </p:embeddedFont>
   </p:embeddedFontLst>
   <p:defaultTextStyle>
@@ -125,22 +198,6 @@
       </a:defRPr>
     </a:lvl9pPr>
   </p:defaultTextStyle>
-  <p:extLst>
-    <p:ext uri="{EFAFB233-063F-42B5-8137-9DF3F51BA10A}">
-      <p15:sldGuideLst xmlns:p15="http://schemas.microsoft.com/office/powerpoint/2012/main">
-        <p15:guide id="1" orient="horz" pos="2160">
-          <p15:clr>
-            <a:srgbClr val="A4A3A4"/>
-          </p15:clr>
-        </p15:guide>
-        <p15:guide id="2" pos="2880">
-          <p15:clr>
-            <a:srgbClr val="A4A3A4"/>
-          </p15:clr>
-        </p15:guide>
-      </p15:sldGuideLst>
-    </p:ext>
-  </p:extLst>
 </p:presentation>
 </file>
 
@@ -182,9 +239,10 @@
           <a:lstStyle/>
           <a:p>
             <a:r>
-              <a:rPr lang="en-US"/>
+              <a:rPr lang="en-US" smtClean="0"/>
               <a:t>Click to edit Master title style</a:t>
             </a:r>
+            <a:endParaRPr lang="en-US"/>
           </a:p>
         </p:txBody>
       </p:sp>
@@ -300,9 +358,10 @@
           </a:lstStyle>
           <a:p>
             <a:r>
-              <a:rPr lang="en-US"/>
+              <a:rPr lang="en-US" smtClean="0"/>
               <a:t>Click to edit Master subtitle style</a:t>
             </a:r>
+            <a:endParaRPr lang="en-US"/>
           </a:p>
         </p:txBody>
       </p:sp>
@@ -324,7 +383,7 @@
             <a:fld id="{1D8BD707-D9CF-40AE-B4C6-C98DA3205C09}" type="datetimeFigureOut">
               <a:rPr lang="en-US" smtClean="0"/>
               <a:pPr/>
-              <a:t>2/28/2024</a:t>
+              <a:t>8/1/2011</a:t>
             </a:fld>
             <a:endParaRPr lang="en-US"/>
           </a:p>
@@ -367,7 +426,7 @@
             <a:fld id="{B6F15528-21DE-4FAA-801E-634DDDAF4B2B}" type="slidenum">
               <a:rPr lang="en-US" smtClean="0"/>
               <a:pPr/>
-              <a:t>‹N›</a:t>
+              <a:t>‹#›</a:t>
             </a:fld>
             <a:endParaRPr lang="en-US"/>
           </a:p>
@@ -414,9 +473,10 @@
           <a:lstStyle/>
           <a:p>
             <a:r>
-              <a:rPr lang="en-US"/>
+              <a:rPr lang="en-US" smtClean="0"/>
               <a:t>Click to edit Master title style</a:t>
             </a:r>
+            <a:endParaRPr lang="en-US"/>
           </a:p>
         </p:txBody>
       </p:sp>
@@ -437,37 +497,38 @@
           <a:p>
             <a:pPr lvl="0"/>
             <a:r>
-              <a:rPr lang="en-US"/>
+              <a:rPr lang="en-US" smtClean="0"/>
               <a:t>Click to edit Master text styles</a:t>
             </a:r>
           </a:p>
           <a:p>
             <a:pPr lvl="1"/>
             <a:r>
-              <a:rPr lang="en-US"/>
+              <a:rPr lang="en-US" smtClean="0"/>
               <a:t>Second level</a:t>
             </a:r>
           </a:p>
           <a:p>
             <a:pPr lvl="2"/>
             <a:r>
-              <a:rPr lang="en-US"/>
+              <a:rPr lang="en-US" smtClean="0"/>
               <a:t>Third level</a:t>
             </a:r>
           </a:p>
           <a:p>
             <a:pPr lvl="3"/>
             <a:r>
-              <a:rPr lang="en-US"/>
+              <a:rPr lang="en-US" smtClean="0"/>
               <a:t>Fourth level</a:t>
             </a:r>
           </a:p>
           <a:p>
             <a:pPr lvl="4"/>
             <a:r>
-              <a:rPr lang="en-US"/>
+              <a:rPr lang="en-US" smtClean="0"/>
               <a:t>Fifth level</a:t>
             </a:r>
+            <a:endParaRPr lang="en-US"/>
           </a:p>
         </p:txBody>
       </p:sp>
@@ -489,7 +550,7 @@
             <a:fld id="{1D8BD707-D9CF-40AE-B4C6-C98DA3205C09}" type="datetimeFigureOut">
               <a:rPr lang="en-US" smtClean="0"/>
               <a:pPr/>
-              <a:t>2/28/2024</a:t>
+              <a:t>8/1/2011</a:t>
             </a:fld>
             <a:endParaRPr lang="en-US"/>
           </a:p>
@@ -532,7 +593,7 @@
             <a:fld id="{B6F15528-21DE-4FAA-801E-634DDDAF4B2B}" type="slidenum">
               <a:rPr lang="en-US" smtClean="0"/>
               <a:pPr/>
-              <a:t>‹N›</a:t>
+              <a:t>‹#›</a:t>
             </a:fld>
             <a:endParaRPr lang="en-US"/>
           </a:p>
@@ -584,9 +645,10 @@
           <a:lstStyle/>
           <a:p>
             <a:r>
-              <a:rPr lang="en-US"/>
+              <a:rPr lang="en-US" smtClean="0"/>
               <a:t>Click to edit Master title style</a:t>
             </a:r>
+            <a:endParaRPr lang="en-US"/>
           </a:p>
         </p:txBody>
       </p:sp>
@@ -612,37 +674,38 @@
           <a:p>
             <a:pPr lvl="0"/>
             <a:r>
-              <a:rPr lang="en-US"/>
+              <a:rPr lang="en-US" smtClean="0"/>
               <a:t>Click to edit Master text styles</a:t>
             </a:r>
           </a:p>
           <a:p>
             <a:pPr lvl="1"/>
             <a:r>
-              <a:rPr lang="en-US"/>
+              <a:rPr lang="en-US" smtClean="0"/>
               <a:t>Second level</a:t>
             </a:r>
           </a:p>
           <a:p>
             <a:pPr lvl="2"/>
             <a:r>
-              <a:rPr lang="en-US"/>
+              <a:rPr lang="en-US" smtClean="0"/>
               <a:t>Third level</a:t>
             </a:r>
           </a:p>
           <a:p>
             <a:pPr lvl="3"/>
             <a:r>
-              <a:rPr lang="en-US"/>
+              <a:rPr lang="en-US" smtClean="0"/>
               <a:t>Fourth level</a:t>
             </a:r>
           </a:p>
           <a:p>
             <a:pPr lvl="4"/>
             <a:r>
-              <a:rPr lang="en-US"/>
+              <a:rPr lang="en-US" smtClean="0"/>
               <a:t>Fifth level</a:t>
             </a:r>
+            <a:endParaRPr lang="en-US"/>
           </a:p>
         </p:txBody>
       </p:sp>
@@ -664,7 +727,7 @@
             <a:fld id="{1D8BD707-D9CF-40AE-B4C6-C98DA3205C09}" type="datetimeFigureOut">
               <a:rPr lang="en-US" smtClean="0"/>
               <a:pPr/>
-              <a:t>2/28/2024</a:t>
+              <a:t>8/1/2011</a:t>
             </a:fld>
             <a:endParaRPr lang="en-US"/>
           </a:p>
@@ -707,7 +770,7 @@
             <a:fld id="{B6F15528-21DE-4FAA-801E-634DDDAF4B2B}" type="slidenum">
               <a:rPr lang="en-US" smtClean="0"/>
               <a:pPr/>
-              <a:t>‹N›</a:t>
+              <a:t>‹#›</a:t>
             </a:fld>
             <a:endParaRPr lang="en-US"/>
           </a:p>
@@ -754,9 +817,10 @@
           <a:lstStyle/>
           <a:p>
             <a:r>
-              <a:rPr lang="en-US"/>
+              <a:rPr lang="en-US" smtClean="0"/>
               <a:t>Click to edit Master title style</a:t>
             </a:r>
+            <a:endParaRPr lang="en-US"/>
           </a:p>
         </p:txBody>
       </p:sp>
@@ -777,37 +841,38 @@
           <a:p>
             <a:pPr lvl="0"/>
             <a:r>
-              <a:rPr lang="en-US"/>
+              <a:rPr lang="en-US" smtClean="0"/>
               <a:t>Click to edit Master text styles</a:t>
             </a:r>
           </a:p>
           <a:p>
             <a:pPr lvl="1"/>
             <a:r>
-              <a:rPr lang="en-US"/>
+              <a:rPr lang="en-US" smtClean="0"/>
               <a:t>Second level</a:t>
             </a:r>
           </a:p>
           <a:p>
             <a:pPr lvl="2"/>
             <a:r>
-              <a:rPr lang="en-US"/>
+              <a:rPr lang="en-US" smtClean="0"/>
               <a:t>Third level</a:t>
             </a:r>
           </a:p>
           <a:p>
             <a:pPr lvl="3"/>
             <a:r>
-              <a:rPr lang="en-US"/>
+              <a:rPr lang="en-US" smtClean="0"/>
               <a:t>Fourth level</a:t>
             </a:r>
           </a:p>
           <a:p>
             <a:pPr lvl="4"/>
             <a:r>
-              <a:rPr lang="en-US"/>
+              <a:rPr lang="en-US" smtClean="0"/>
               <a:t>Fifth level</a:t>
             </a:r>
+            <a:endParaRPr lang="en-US"/>
           </a:p>
         </p:txBody>
       </p:sp>
@@ -829,7 +894,7 @@
             <a:fld id="{1D8BD707-D9CF-40AE-B4C6-C98DA3205C09}" type="datetimeFigureOut">
               <a:rPr lang="en-US" smtClean="0"/>
               <a:pPr/>
-              <a:t>2/28/2024</a:t>
+              <a:t>8/1/2011</a:t>
             </a:fld>
             <a:endParaRPr lang="en-US"/>
           </a:p>
@@ -872,7 +937,7 @@
             <a:fld id="{B6F15528-21DE-4FAA-801E-634DDDAF4B2B}" type="slidenum">
               <a:rPr lang="en-US" smtClean="0"/>
               <a:pPr/>
-              <a:t>‹N›</a:t>
+              <a:t>‹#›</a:t>
             </a:fld>
             <a:endParaRPr lang="en-US"/>
           </a:p>
@@ -928,9 +993,10 @@
           </a:lstStyle>
           <a:p>
             <a:r>
-              <a:rPr lang="en-US"/>
+              <a:rPr lang="en-US" smtClean="0"/>
               <a:t>Click to edit Master title style</a:t>
             </a:r>
+            <a:endParaRPr lang="en-US"/>
           </a:p>
         </p:txBody>
       </p:sp>
@@ -1047,7 +1113,7 @@
           <a:p>
             <a:pPr lvl="0"/>
             <a:r>
-              <a:rPr lang="en-US"/>
+              <a:rPr lang="en-US" smtClean="0"/>
               <a:t>Click to edit Master text styles</a:t>
             </a:r>
           </a:p>
@@ -1071,7 +1137,7 @@
             <a:fld id="{1D8BD707-D9CF-40AE-B4C6-C98DA3205C09}" type="datetimeFigureOut">
               <a:rPr lang="en-US" smtClean="0"/>
               <a:pPr/>
-              <a:t>2/28/2024</a:t>
+              <a:t>8/1/2011</a:t>
             </a:fld>
             <a:endParaRPr lang="en-US"/>
           </a:p>
@@ -1114,7 +1180,7 @@
             <a:fld id="{B6F15528-21DE-4FAA-801E-634DDDAF4B2B}" type="slidenum">
               <a:rPr lang="en-US" smtClean="0"/>
               <a:pPr/>
-              <a:t>‹N›</a:t>
+              <a:t>‹#›</a:t>
             </a:fld>
             <a:endParaRPr lang="en-US"/>
           </a:p>
@@ -1161,9 +1227,10 @@
           <a:lstStyle/>
           <a:p>
             <a:r>
-              <a:rPr lang="en-US"/>
+              <a:rPr lang="en-US" smtClean="0"/>
               <a:t>Click to edit Master title style</a:t>
             </a:r>
+            <a:endParaRPr lang="en-US"/>
           </a:p>
         </p:txBody>
       </p:sp>
@@ -1217,37 +1284,38 @@
           <a:p>
             <a:pPr lvl="0"/>
             <a:r>
-              <a:rPr lang="en-US"/>
+              <a:rPr lang="en-US" smtClean="0"/>
               <a:t>Click to edit Master text styles</a:t>
             </a:r>
           </a:p>
           <a:p>
             <a:pPr lvl="1"/>
             <a:r>
-              <a:rPr lang="en-US"/>
+              <a:rPr lang="en-US" smtClean="0"/>
               <a:t>Second level</a:t>
             </a:r>
           </a:p>
           <a:p>
             <a:pPr lvl="2"/>
             <a:r>
-              <a:rPr lang="en-US"/>
+              <a:rPr lang="en-US" smtClean="0"/>
               <a:t>Third level</a:t>
             </a:r>
           </a:p>
           <a:p>
             <a:pPr lvl="3"/>
             <a:r>
-              <a:rPr lang="en-US"/>
+              <a:rPr lang="en-US" smtClean="0"/>
               <a:t>Fourth level</a:t>
             </a:r>
           </a:p>
           <a:p>
             <a:pPr lvl="4"/>
             <a:r>
-              <a:rPr lang="en-US"/>
+              <a:rPr lang="en-US" smtClean="0"/>
               <a:t>Fifth level</a:t>
             </a:r>
+            <a:endParaRPr lang="en-US"/>
           </a:p>
         </p:txBody>
       </p:sp>
@@ -1301,37 +1369,38 @@
           <a:p>
             <a:pPr lvl="0"/>
             <a:r>
-              <a:rPr lang="en-US"/>
+              <a:rPr lang="en-US" smtClean="0"/>
               <a:t>Click to edit Master text styles</a:t>
             </a:r>
           </a:p>
           <a:p>
             <a:pPr lvl="1"/>
             <a:r>
-              <a:rPr lang="en-US"/>
+              <a:rPr lang="en-US" smtClean="0"/>
               <a:t>Second level</a:t>
             </a:r>
           </a:p>
           <a:p>
             <a:pPr lvl="2"/>
             <a:r>
-              <a:rPr lang="en-US"/>
+              <a:rPr lang="en-US" smtClean="0"/>
               <a:t>Third level</a:t>
             </a:r>
           </a:p>
           <a:p>
             <a:pPr lvl="3"/>
             <a:r>
-              <a:rPr lang="en-US"/>
+              <a:rPr lang="en-US" smtClean="0"/>
               <a:t>Fourth level</a:t>
             </a:r>
           </a:p>
           <a:p>
             <a:pPr lvl="4"/>
             <a:r>
-              <a:rPr lang="en-US"/>
+              <a:rPr lang="en-US" smtClean="0"/>
               <a:t>Fifth level</a:t>
             </a:r>
+            <a:endParaRPr lang="en-US"/>
           </a:p>
         </p:txBody>
       </p:sp>
@@ -1353,7 +1422,7 @@
             <a:fld id="{1D8BD707-D9CF-40AE-B4C6-C98DA3205C09}" type="datetimeFigureOut">
               <a:rPr lang="en-US" smtClean="0"/>
               <a:pPr/>
-              <a:t>2/28/2024</a:t>
+              <a:t>8/1/2011</a:t>
             </a:fld>
             <a:endParaRPr lang="en-US"/>
           </a:p>
@@ -1396,7 +1465,7 @@
             <a:fld id="{B6F15528-21DE-4FAA-801E-634DDDAF4B2B}" type="slidenum">
               <a:rPr lang="en-US" smtClean="0"/>
               <a:pPr/>
-              <a:t>‹N›</a:t>
+              <a:t>‹#›</a:t>
             </a:fld>
             <a:endParaRPr lang="en-US"/>
           </a:p>
@@ -1447,9 +1516,10 @@
           </a:lstStyle>
           <a:p>
             <a:r>
-              <a:rPr lang="en-US"/>
+              <a:rPr lang="en-US" smtClean="0"/>
               <a:t>Click to edit Master title style</a:t>
             </a:r>
+            <a:endParaRPr lang="en-US"/>
           </a:p>
         </p:txBody>
       </p:sp>
@@ -1512,7 +1582,7 @@
           <a:p>
             <a:pPr lvl="0"/>
             <a:r>
-              <a:rPr lang="en-US"/>
+              <a:rPr lang="en-US" smtClean="0"/>
               <a:t>Click to edit Master text styles</a:t>
             </a:r>
           </a:p>
@@ -1568,37 +1638,38 @@
           <a:p>
             <a:pPr lvl="0"/>
             <a:r>
-              <a:rPr lang="en-US"/>
+              <a:rPr lang="en-US" smtClean="0"/>
               <a:t>Click to edit Master text styles</a:t>
             </a:r>
           </a:p>
           <a:p>
             <a:pPr lvl="1"/>
             <a:r>
-              <a:rPr lang="en-US"/>
+              <a:rPr lang="en-US" smtClean="0"/>
               <a:t>Second level</a:t>
             </a:r>
           </a:p>
           <a:p>
             <a:pPr lvl="2"/>
             <a:r>
-              <a:rPr lang="en-US"/>
+              <a:rPr lang="en-US" smtClean="0"/>
               <a:t>Third level</a:t>
             </a:r>
           </a:p>
           <a:p>
             <a:pPr lvl="3"/>
             <a:r>
-              <a:rPr lang="en-US"/>
+              <a:rPr lang="en-US" smtClean="0"/>
               <a:t>Fourth level</a:t>
             </a:r>
           </a:p>
           <a:p>
             <a:pPr lvl="4"/>
             <a:r>
-              <a:rPr lang="en-US"/>
+              <a:rPr lang="en-US" smtClean="0"/>
               <a:t>Fifth level</a:t>
             </a:r>
+            <a:endParaRPr lang="en-US"/>
           </a:p>
         </p:txBody>
       </p:sp>
@@ -1661,7 +1732,7 @@
           <a:p>
             <a:pPr lvl="0"/>
             <a:r>
-              <a:rPr lang="en-US"/>
+              <a:rPr lang="en-US" smtClean="0"/>
               <a:t>Click to edit Master text styles</a:t>
             </a:r>
           </a:p>
@@ -1717,37 +1788,38 @@
           <a:p>
             <a:pPr lvl="0"/>
             <a:r>
-              <a:rPr lang="en-US"/>
+              <a:rPr lang="en-US" smtClean="0"/>
               <a:t>Click to edit Master text styles</a:t>
             </a:r>
           </a:p>
           <a:p>
             <a:pPr lvl="1"/>
             <a:r>
-              <a:rPr lang="en-US"/>
+              <a:rPr lang="en-US" smtClean="0"/>
               <a:t>Second level</a:t>
             </a:r>
           </a:p>
           <a:p>
             <a:pPr lvl="2"/>
             <a:r>
-              <a:rPr lang="en-US"/>
+              <a:rPr lang="en-US" smtClean="0"/>
               <a:t>Third level</a:t>
             </a:r>
           </a:p>
           <a:p>
             <a:pPr lvl="3"/>
             <a:r>
-              <a:rPr lang="en-US"/>
+              <a:rPr lang="en-US" smtClean="0"/>
               <a:t>Fourth level</a:t>
             </a:r>
           </a:p>
           <a:p>
             <a:pPr lvl="4"/>
             <a:r>
-              <a:rPr lang="en-US"/>
+              <a:rPr lang="en-US" smtClean="0"/>
               <a:t>Fifth level</a:t>
             </a:r>
+            <a:endParaRPr lang="en-US"/>
           </a:p>
         </p:txBody>
       </p:sp>
@@ -1769,7 +1841,7 @@
             <a:fld id="{1D8BD707-D9CF-40AE-B4C6-C98DA3205C09}" type="datetimeFigureOut">
               <a:rPr lang="en-US" smtClean="0"/>
               <a:pPr/>
-              <a:t>2/28/2024</a:t>
+              <a:t>8/1/2011</a:t>
             </a:fld>
             <a:endParaRPr lang="en-US"/>
           </a:p>
@@ -1812,7 +1884,7 @@
             <a:fld id="{B6F15528-21DE-4FAA-801E-634DDDAF4B2B}" type="slidenum">
               <a:rPr lang="en-US" smtClean="0"/>
               <a:pPr/>
-              <a:t>‹N›</a:t>
+              <a:t>‹#›</a:t>
             </a:fld>
             <a:endParaRPr lang="en-US"/>
           </a:p>
@@ -1859,9 +1931,10 @@
           <a:lstStyle/>
           <a:p>
             <a:r>
-              <a:rPr lang="en-US"/>
+              <a:rPr lang="en-US" smtClean="0"/>
               <a:t>Click to edit Master title style</a:t>
             </a:r>
+            <a:endParaRPr lang="en-US"/>
           </a:p>
         </p:txBody>
       </p:sp>
@@ -1883,7 +1956,7 @@
             <a:fld id="{1D8BD707-D9CF-40AE-B4C6-C98DA3205C09}" type="datetimeFigureOut">
               <a:rPr lang="en-US" smtClean="0"/>
               <a:pPr/>
-              <a:t>2/28/2024</a:t>
+              <a:t>8/1/2011</a:t>
             </a:fld>
             <a:endParaRPr lang="en-US"/>
           </a:p>
@@ -1926,7 +1999,7 @@
             <a:fld id="{B6F15528-21DE-4FAA-801E-634DDDAF4B2B}" type="slidenum">
               <a:rPr lang="en-US" smtClean="0"/>
               <a:pPr/>
-              <a:t>‹N›</a:t>
+              <a:t>‹#›</a:t>
             </a:fld>
             <a:endParaRPr lang="en-US"/>
           </a:p>
@@ -1975,7 +2048,7 @@
             <a:fld id="{1D8BD707-D9CF-40AE-B4C6-C98DA3205C09}" type="datetimeFigureOut">
               <a:rPr lang="en-US" smtClean="0"/>
               <a:pPr/>
-              <a:t>2/28/2024</a:t>
+              <a:t>8/1/2011</a:t>
             </a:fld>
             <a:endParaRPr lang="en-US"/>
           </a:p>
@@ -2018,7 +2091,7 @@
             <a:fld id="{B6F15528-21DE-4FAA-801E-634DDDAF4B2B}" type="slidenum">
               <a:rPr lang="en-US" smtClean="0"/>
               <a:pPr/>
-              <a:t>‹N›</a:t>
+              <a:t>‹#›</a:t>
             </a:fld>
             <a:endParaRPr lang="en-US"/>
           </a:p>
@@ -2074,9 +2147,10 @@
           </a:lstStyle>
           <a:p>
             <a:r>
-              <a:rPr lang="en-US"/>
+              <a:rPr lang="en-US" smtClean="0"/>
               <a:t>Click to edit Master title style</a:t>
             </a:r>
+            <a:endParaRPr lang="en-US"/>
           </a:p>
         </p:txBody>
       </p:sp>
@@ -2130,37 +2204,38 @@
           <a:p>
             <a:pPr lvl="0"/>
             <a:r>
-              <a:rPr lang="en-US"/>
+              <a:rPr lang="en-US" smtClean="0"/>
               <a:t>Click to edit Master text styles</a:t>
             </a:r>
           </a:p>
           <a:p>
             <a:pPr lvl="1"/>
             <a:r>
-              <a:rPr lang="en-US"/>
+              <a:rPr lang="en-US" smtClean="0"/>
               <a:t>Second level</a:t>
             </a:r>
           </a:p>
           <a:p>
             <a:pPr lvl="2"/>
             <a:r>
-              <a:rPr lang="en-US"/>
+              <a:rPr lang="en-US" smtClean="0"/>
               <a:t>Third level</a:t>
             </a:r>
           </a:p>
           <a:p>
             <a:pPr lvl="3"/>
             <a:r>
-              <a:rPr lang="en-US"/>
+              <a:rPr lang="en-US" smtClean="0"/>
               <a:t>Fourth level</a:t>
             </a:r>
           </a:p>
           <a:p>
             <a:pPr lvl="4"/>
             <a:r>
-              <a:rPr lang="en-US"/>
+              <a:rPr lang="en-US" smtClean="0"/>
               <a:t>Fifth level</a:t>
             </a:r>
+            <a:endParaRPr lang="en-US"/>
           </a:p>
         </p:txBody>
       </p:sp>
@@ -2223,7 +2298,7 @@
           <a:p>
             <a:pPr lvl="0"/>
             <a:r>
-              <a:rPr lang="en-US"/>
+              <a:rPr lang="en-US" smtClean="0"/>
               <a:t>Click to edit Master text styles</a:t>
             </a:r>
           </a:p>
@@ -2247,7 +2322,7 @@
             <a:fld id="{1D8BD707-D9CF-40AE-B4C6-C98DA3205C09}" type="datetimeFigureOut">
               <a:rPr lang="en-US" smtClean="0"/>
               <a:pPr/>
-              <a:t>2/28/2024</a:t>
+              <a:t>8/1/2011</a:t>
             </a:fld>
             <a:endParaRPr lang="en-US"/>
           </a:p>
@@ -2290,7 +2365,7 @@
             <a:fld id="{B6F15528-21DE-4FAA-801E-634DDDAF4B2B}" type="slidenum">
               <a:rPr lang="en-US" smtClean="0"/>
               <a:pPr/>
-              <a:t>‹N›</a:t>
+              <a:t>‹#›</a:t>
             </a:fld>
             <a:endParaRPr lang="en-US"/>
           </a:p>
@@ -2346,9 +2421,10 @@
           </a:lstStyle>
           <a:p>
             <a:r>
-              <a:rPr lang="en-US"/>
+              <a:rPr lang="en-US" smtClean="0"/>
               <a:t>Click to edit Master title style</a:t>
             </a:r>
+            <a:endParaRPr lang="en-US"/>
           </a:p>
         </p:txBody>
       </p:sp>
@@ -2472,7 +2548,7 @@
           <a:p>
             <a:pPr lvl="0"/>
             <a:r>
-              <a:rPr lang="en-US"/>
+              <a:rPr lang="en-US" smtClean="0"/>
               <a:t>Click to edit Master text styles</a:t>
             </a:r>
           </a:p>
@@ -2496,7 +2572,7 @@
             <a:fld id="{1D8BD707-D9CF-40AE-B4C6-C98DA3205C09}" type="datetimeFigureOut">
               <a:rPr lang="en-US" smtClean="0"/>
               <a:pPr/>
-              <a:t>2/28/2024</a:t>
+              <a:t>8/1/2011</a:t>
             </a:fld>
             <a:endParaRPr lang="en-US"/>
           </a:p>
@@ -2539,7 +2615,7 @@
             <a:fld id="{B6F15528-21DE-4FAA-801E-634DDDAF4B2B}" type="slidenum">
               <a:rPr lang="en-US" smtClean="0"/>
               <a:pPr/>
-              <a:t>‹N›</a:t>
+              <a:t>‹#›</a:t>
             </a:fld>
             <a:endParaRPr lang="en-US"/>
           </a:p>
@@ -2601,9 +2677,10 @@
           <a:lstStyle/>
           <a:p>
             <a:r>
-              <a:rPr lang="en-US"/>
+              <a:rPr lang="en-US" smtClean="0"/>
               <a:t>Click to edit Master title style</a:t>
             </a:r>
+            <a:endParaRPr lang="en-US"/>
           </a:p>
         </p:txBody>
       </p:sp>
@@ -2634,37 +2711,38 @@
           <a:p>
             <a:pPr lvl="0"/>
             <a:r>
-              <a:rPr lang="en-US"/>
+              <a:rPr lang="en-US" smtClean="0"/>
               <a:t>Click to edit Master text styles</a:t>
             </a:r>
           </a:p>
           <a:p>
             <a:pPr lvl="1"/>
             <a:r>
-              <a:rPr lang="en-US"/>
+              <a:rPr lang="en-US" smtClean="0"/>
               <a:t>Second level</a:t>
             </a:r>
           </a:p>
           <a:p>
             <a:pPr lvl="2"/>
             <a:r>
-              <a:rPr lang="en-US"/>
+              <a:rPr lang="en-US" smtClean="0"/>
               <a:t>Third level</a:t>
             </a:r>
           </a:p>
           <a:p>
             <a:pPr lvl="3"/>
             <a:r>
-              <a:rPr lang="en-US"/>
+              <a:rPr lang="en-US" smtClean="0"/>
               <a:t>Fourth level</a:t>
             </a:r>
           </a:p>
           <a:p>
             <a:pPr lvl="4"/>
             <a:r>
-              <a:rPr lang="en-US"/>
+              <a:rPr lang="en-US" smtClean="0"/>
               <a:t>Fifth level</a:t>
             </a:r>
+            <a:endParaRPr lang="en-US"/>
           </a:p>
         </p:txBody>
       </p:sp>
@@ -2704,7 +2782,7 @@
             <a:fld id="{1D8BD707-D9CF-40AE-B4C6-C98DA3205C09}" type="datetimeFigureOut">
               <a:rPr lang="en-US" smtClean="0"/>
               <a:pPr/>
-              <a:t>2/28/2024</a:t>
+              <a:t>8/1/2011</a:t>
             </a:fld>
             <a:endParaRPr lang="en-US"/>
           </a:p>
@@ -2783,7 +2861,7 @@
             <a:fld id="{B6F15528-21DE-4FAA-801E-634DDDAF4B2B}" type="slidenum">
               <a:rPr lang="en-US" smtClean="0"/>
               <a:pPr/>
-              <a:t>‹N›</a:t>
+              <a:t>‹#›</a:t>
             </a:fld>
             <a:endParaRPr lang="en-US"/>
           </a:p>
@@ -3059,14 +3137,13 @@
 </file>
 
 <file path=ppt/slides/slide1.xml><?xml version="1.0" encoding="utf-8"?>
-<p:sld xmlns:a="http://schemas.openxmlformats.org/drawingml/2006/main" xmlns:r="http://schemas.openxmlformats.org/officeDocument/2006/relationships" xmlns:p="http://schemas.openxmlformats.org/presentationml/2006/main">
+<p:sld xmlns:p="http://schemas.openxmlformats.org/presentationml/2006/main" xmlns:a="http://schemas.openxmlformats.org/drawingml/2006/main" xmlns:r="http://schemas.openxmlformats.org/officeDocument/2006/relationships">
   <p:cSld>
     <p:bg>
       <p:bgPr>
         <a:solidFill>
           <a:srgbClr val="FFF9F3"/>
         </a:solidFill>
-        <a:effectLst/>
       </p:bgPr>
     </p:bg>
     <p:spTree>
@@ -3085,12 +3162,12 @@
       </p:grpSpPr>
       <p:grpSp>
         <p:nvGrpSpPr>
-          <p:cNvPr id="2" name="Group 2"/>
+          <p:cNvPr name="Group 2" id="2"/>
           <p:cNvGrpSpPr/>
           <p:nvPr/>
         </p:nvGrpSpPr>
         <p:grpSpPr>
-          <a:xfrm>
+          <a:xfrm rot="0">
             <a:off x="9967792" y="695647"/>
             <a:ext cx="8846915" cy="8895706"/>
             <a:chOff x="0" y="0"/>
@@ -3099,12 +3176,12 @@
         </p:grpSpPr>
         <p:sp>
           <p:nvSpPr>
-            <p:cNvPr id="3" name="Freeform 3"/>
+            <p:cNvPr name="Freeform 3" id="3"/>
             <p:cNvSpPr/>
             <p:nvPr/>
           </p:nvSpPr>
           <p:spPr>
-            <a:xfrm>
+            <a:xfrm flipH="false" flipV="false" rot="0">
               <a:off x="0" y="0"/>
               <a:ext cx="2330052" cy="2342902"/>
             </a:xfrm>
@@ -3113,9 +3190,9 @@
               <a:gdLst/>
               <a:ahLst/>
               <a:cxnLst/>
-              <a:rect l="l" t="t" r="r" b="b"/>
+              <a:rect r="r" b="b" t="t" l="l"/>
               <a:pathLst>
-                <a:path w="2330052" h="2342902">
+                <a:path h="2342902" w="2330052">
                   <a:moveTo>
                     <a:pt x="0" y="0"/>
                   </a:moveTo>
@@ -3136,18 +3213,11 @@
               <a:srgbClr val="8CA87C"/>
             </a:solidFill>
           </p:spPr>
-          <p:txBody>
-            <a:bodyPr/>
-            <a:lstStyle/>
-            <a:p>
-              <a:endParaRPr lang="it-IT"/>
-            </a:p>
-          </p:txBody>
         </p:sp>
         <p:sp>
           <p:nvSpPr>
-            <p:cNvPr id="4" name="TextBox 4"/>
-            <p:cNvSpPr txBox="1"/>
+            <p:cNvPr name="TextBox 4" id="4"/>
+            <p:cNvSpPr txBox="true"/>
             <p:nvPr/>
           </p:nvSpPr>
           <p:spPr>
@@ -3160,7 +3230,7 @@
             </a:prstGeom>
           </p:spPr>
           <p:txBody>
-            <a:bodyPr lIns="50800" tIns="50800" rIns="50800" bIns="50800" rtlCol="0" anchor="ctr"/>
+            <a:bodyPr anchor="ctr" rtlCol="false" tIns="50800" lIns="50800" bIns="50800" rIns="50800"/>
             <a:lstStyle/>
             <a:p>
               <a:pPr algn="ctr">
@@ -3168,19 +3238,18 @@
                   <a:spcPts val="3150"/>
                 </a:lnSpc>
               </a:pPr>
-              <a:endParaRPr/>
             </a:p>
           </p:txBody>
         </p:sp>
       </p:grpSp>
       <p:grpSp>
         <p:nvGrpSpPr>
-          <p:cNvPr id="5" name="Group 5"/>
+          <p:cNvPr name="Group 5" id="5"/>
           <p:cNvGrpSpPr/>
           <p:nvPr/>
         </p:nvGrpSpPr>
         <p:grpSpPr>
-          <a:xfrm>
+          <a:xfrm rot="0">
             <a:off x="16093379" y="9392570"/>
             <a:ext cx="2091000" cy="70256"/>
             <a:chOff x="0" y="0"/>
@@ -3189,12 +3258,12 @@
         </p:grpSpPr>
         <p:sp>
           <p:nvSpPr>
-            <p:cNvPr id="6" name="Freeform 6"/>
+            <p:cNvPr name="Freeform 6" id="6"/>
             <p:cNvSpPr/>
             <p:nvPr/>
           </p:nvSpPr>
           <p:spPr>
-            <a:xfrm>
+            <a:xfrm flipH="false" flipV="false" rot="0">
               <a:off x="0" y="0"/>
               <a:ext cx="547795" cy="18406"/>
             </a:xfrm>
@@ -3203,9 +3272,9 @@
               <a:gdLst/>
               <a:ahLst/>
               <a:cxnLst/>
-              <a:rect l="l" t="t" r="r" b="b"/>
+              <a:rect r="r" b="b" t="t" l="l"/>
               <a:pathLst>
-                <a:path w="547795" h="18406">
+                <a:path h="18406" w="547795">
                   <a:moveTo>
                     <a:pt x="0" y="0"/>
                   </a:moveTo>
@@ -3226,18 +3295,11 @@
               <a:srgbClr val="414B3B"/>
             </a:solidFill>
           </p:spPr>
-          <p:txBody>
-            <a:bodyPr/>
-            <a:lstStyle/>
-            <a:p>
-              <a:endParaRPr lang="it-IT"/>
-            </a:p>
-          </p:txBody>
         </p:sp>
         <p:sp>
           <p:nvSpPr>
-            <p:cNvPr id="7" name="TextBox 7"/>
-            <p:cNvSpPr txBox="1"/>
+            <p:cNvPr name="TextBox 7" id="7"/>
+            <p:cNvSpPr txBox="true"/>
             <p:nvPr/>
           </p:nvSpPr>
           <p:spPr>
@@ -3250,7 +3312,7 @@
             </a:prstGeom>
           </p:spPr>
           <p:txBody>
-            <a:bodyPr lIns="50800" tIns="50800" rIns="50800" bIns="50800" rtlCol="0" anchor="ctr"/>
+            <a:bodyPr anchor="ctr" rtlCol="false" tIns="50800" lIns="50800" bIns="50800" rIns="50800"/>
             <a:lstStyle/>
             <a:p>
               <a:pPr algn="ctr">
@@ -3258,19 +3320,18 @@
                   <a:spcPts val="4420"/>
                 </a:lnSpc>
               </a:pPr>
-              <a:endParaRPr/>
             </a:p>
           </p:txBody>
         </p:sp>
       </p:grpSp>
       <p:sp>
         <p:nvSpPr>
-          <p:cNvPr id="8" name="Freeform 8"/>
+          <p:cNvPr name="Freeform 8" id="8"/>
           <p:cNvSpPr/>
           <p:nvPr/>
         </p:nvSpPr>
         <p:spPr>
-          <a:xfrm>
+          <a:xfrm flipH="false" flipV="false" rot="0">
             <a:off x="10279536" y="2380565"/>
             <a:ext cx="7494114" cy="5525869"/>
           </a:xfrm>
@@ -3279,9 +3340,9 @@
             <a:gdLst/>
             <a:ahLst/>
             <a:cxnLst/>
-            <a:rect l="l" t="t" r="r" b="b"/>
+            <a:rect r="r" b="b" t="t" l="l"/>
             <a:pathLst>
-              <a:path w="7494114" h="5525869">
+              <a:path h="5525869" w="7494114">
                 <a:moveTo>
                   <a:pt x="0" y="0"/>
                 </a:moveTo>
@@ -3310,26 +3371,19 @@
               </a:extLst>
             </a:blip>
             <a:stretch>
-              <a:fillRect/>
+              <a:fillRect l="0" t="0" r="0" b="0"/>
             </a:stretch>
           </a:blipFill>
         </p:spPr>
-        <p:txBody>
-          <a:bodyPr/>
-          <a:lstStyle/>
-          <a:p>
-            <a:endParaRPr lang="it-IT"/>
-          </a:p>
-        </p:txBody>
-      </p:sp>
-      <p:sp>
-        <p:nvSpPr>
-          <p:cNvPr id="9" name="TextBox 9"/>
-          <p:cNvSpPr txBox="1"/>
+      </p:sp>
+      <p:sp>
+        <p:nvSpPr>
+          <p:cNvPr name="TextBox 9" id="9"/>
+          <p:cNvSpPr txBox="true"/>
           <p:nvPr/>
         </p:nvSpPr>
         <p:spPr>
-          <a:xfrm>
+          <a:xfrm rot="0">
             <a:off x="670465" y="1620223"/>
             <a:ext cx="7379790" cy="685443"/>
           </a:xfrm>
@@ -3338,12 +3392,12 @@
           </a:prstGeom>
         </p:spPr>
         <p:txBody>
-          <a:bodyPr lIns="0" tIns="0" rIns="0" bIns="0" rtlCol="0" anchor="t">
+          <a:bodyPr anchor="t" rtlCol="false" tIns="0" lIns="0" bIns="0" rIns="0">
             <a:spAutoFit/>
           </a:bodyPr>
           <a:lstStyle/>
           <a:p>
-            <a:pPr marL="0" lvl="0" indent="0">
+            <a:pPr marL="0" indent="0" lvl="0">
               <a:lnSpc>
                 <a:spcPts val="5230"/>
               </a:lnSpc>
@@ -3353,7 +3407,7 @@
                 <a:solidFill>
                   <a:srgbClr val="414B3B"/>
                 </a:solidFill>
-                <a:latin typeface="Open Sans Bold"/>
+                <a:latin typeface="Open Sans 1 Bold"/>
               </a:rPr>
               <a:t>DRIVENCHOICE</a:t>
             </a:r>
@@ -3362,7 +3416,7 @@
       </p:sp>
       <p:sp>
         <p:nvSpPr>
-          <p:cNvPr id="10" name="AutoShape 10"/>
+          <p:cNvPr name="AutoShape 10" id="10"/>
           <p:cNvSpPr/>
           <p:nvPr/>
         </p:nvSpPr>
@@ -3374,31 +3428,24 @@
           <a:prstGeom prst="line">
             <a:avLst/>
           </a:prstGeom>
-          <a:ln w="38100" cap="flat">
+          <a:ln cap="flat" w="38100">
             <a:solidFill>
               <a:srgbClr val="414B3B"/>
             </a:solidFill>
             <a:prstDash val="solid"/>
-            <a:headEnd type="none" w="sm" len="sm"/>
-            <a:tailEnd type="none" w="sm" len="sm"/>
+            <a:headEnd type="none" len="sm" w="sm"/>
+            <a:tailEnd type="none" len="sm" w="sm"/>
           </a:ln>
         </p:spPr>
-        <p:txBody>
-          <a:bodyPr/>
-          <a:lstStyle/>
-          <a:p>
-            <a:endParaRPr lang="it-IT"/>
-          </a:p>
-        </p:txBody>
-      </p:sp>
-      <p:sp>
-        <p:nvSpPr>
-          <p:cNvPr id="11" name="TextBox 11"/>
-          <p:cNvSpPr txBox="1"/>
+      </p:sp>
+      <p:sp>
+        <p:nvSpPr>
+          <p:cNvPr name="TextBox 11" id="11"/>
+          <p:cNvSpPr txBox="true"/>
           <p:nvPr/>
         </p:nvSpPr>
         <p:spPr>
-          <a:xfrm>
+          <a:xfrm rot="0">
             <a:off x="1028700" y="6610350"/>
             <a:ext cx="6461944" cy="2647950"/>
           </a:xfrm>
@@ -3407,12 +3454,12 @@
           </a:prstGeom>
         </p:spPr>
         <p:txBody>
-          <a:bodyPr lIns="0" tIns="0" rIns="0" bIns="0" rtlCol="0" anchor="t">
+          <a:bodyPr anchor="t" rtlCol="false" tIns="0" lIns="0" bIns="0" rIns="0">
             <a:spAutoFit/>
           </a:bodyPr>
           <a:lstStyle/>
           <a:p>
-            <a:pPr marL="0" lvl="0" indent="0">
+            <a:pPr marL="0" indent="0" lvl="0">
               <a:lnSpc>
                 <a:spcPts val="4200"/>
               </a:lnSpc>
@@ -3422,7 +3469,7 @@
                 <a:solidFill>
                   <a:srgbClr val="414B3B"/>
                 </a:solidFill>
-                <a:latin typeface="Open Sans"/>
+                <a:latin typeface="Open Sans 1"/>
               </a:rPr>
               <a:t>“Sotto la guida della passione, potenza e precisione: l'esperto venditore di macchine che trasforma le tue ambizioni in realtà.”</a:t>
             </a:r>
@@ -3434,21 +3481,17 @@
   <p:clrMapOvr>
     <a:masterClrMapping/>
   </p:clrMapOvr>
-  <p:transition spd="slow">
-    <p:cover/>
-  </p:transition>
 </p:sld>
 </file>
 
 <file path=ppt/slides/slide2.xml><?xml version="1.0" encoding="utf-8"?>
-<p:sld xmlns:a="http://schemas.openxmlformats.org/drawingml/2006/main" xmlns:r="http://schemas.openxmlformats.org/officeDocument/2006/relationships" xmlns:p="http://schemas.openxmlformats.org/presentationml/2006/main">
+<p:sld xmlns:p="http://schemas.openxmlformats.org/presentationml/2006/main" xmlns:a="http://schemas.openxmlformats.org/drawingml/2006/main" xmlns:r="http://schemas.openxmlformats.org/officeDocument/2006/relationships">
   <p:cSld>
     <p:bg>
       <p:bgPr>
         <a:solidFill>
           <a:srgbClr val="FFF9F3"/>
         </a:solidFill>
-        <a:effectLst/>
       </p:bgPr>
     </p:bg>
     <p:spTree>
@@ -3467,12 +3510,12 @@
       </p:grpSpPr>
       <p:grpSp>
         <p:nvGrpSpPr>
-          <p:cNvPr id="2" name="Group 2"/>
+          <p:cNvPr name="Group 2" id="2"/>
           <p:cNvGrpSpPr/>
           <p:nvPr/>
         </p:nvGrpSpPr>
         <p:grpSpPr>
-          <a:xfrm>
+          <a:xfrm rot="0">
             <a:off x="0" y="0"/>
             <a:ext cx="9430959" cy="10287000"/>
             <a:chOff x="0" y="0"/>
@@ -3481,12 +3524,12 @@
         </p:grpSpPr>
         <p:sp>
           <p:nvSpPr>
-            <p:cNvPr id="3" name="Freeform 3"/>
+            <p:cNvPr name="Freeform 3" id="3"/>
             <p:cNvSpPr/>
             <p:nvPr/>
           </p:nvSpPr>
           <p:spPr>
-            <a:xfrm>
+            <a:xfrm flipH="false" flipV="false" rot="0">
               <a:off x="0" y="0"/>
               <a:ext cx="2483874" cy="2709333"/>
             </a:xfrm>
@@ -3495,9 +3538,9 @@
               <a:gdLst/>
               <a:ahLst/>
               <a:cxnLst/>
-              <a:rect l="l" t="t" r="r" b="b"/>
+              <a:rect r="r" b="b" t="t" l="l"/>
               <a:pathLst>
-                <a:path w="2483874" h="2709333">
+                <a:path h="2709333" w="2483874">
                   <a:moveTo>
                     <a:pt x="0" y="0"/>
                   </a:moveTo>
@@ -3518,18 +3561,11 @@
               <a:srgbClr val="8CA87C"/>
             </a:solidFill>
           </p:spPr>
-          <p:txBody>
-            <a:bodyPr/>
-            <a:lstStyle/>
-            <a:p>
-              <a:endParaRPr lang="it-IT"/>
-            </a:p>
-          </p:txBody>
         </p:sp>
         <p:sp>
           <p:nvSpPr>
-            <p:cNvPr id="4" name="TextBox 4"/>
-            <p:cNvSpPr txBox="1"/>
+            <p:cNvPr name="TextBox 4" id="4"/>
+            <p:cNvSpPr txBox="true"/>
             <p:nvPr/>
           </p:nvSpPr>
           <p:spPr>
@@ -3542,7 +3578,7 @@
             </a:prstGeom>
           </p:spPr>
           <p:txBody>
-            <a:bodyPr lIns="50800" tIns="50800" rIns="50800" bIns="50800" rtlCol="0" anchor="ctr"/>
+            <a:bodyPr anchor="ctr" rtlCol="false" tIns="50800" lIns="50800" bIns="50800" rIns="50800"/>
             <a:lstStyle/>
             <a:p>
               <a:pPr algn="ctr">
@@ -3550,19 +3586,18 @@
                   <a:spcPts val="3150"/>
                 </a:lnSpc>
               </a:pPr>
-              <a:endParaRPr/>
             </a:p>
           </p:txBody>
         </p:sp>
       </p:grpSp>
       <p:sp>
         <p:nvSpPr>
-          <p:cNvPr id="5" name="Freeform 5"/>
+          <p:cNvPr name="Freeform 5" id="5"/>
           <p:cNvSpPr/>
           <p:nvPr/>
         </p:nvSpPr>
         <p:spPr>
-          <a:xfrm>
+          <a:xfrm flipH="false" flipV="false" rot="0">
             <a:off x="998738" y="1832222"/>
             <a:ext cx="7433482" cy="6622557"/>
           </a:xfrm>
@@ -3571,9 +3606,9 @@
             <a:gdLst/>
             <a:ahLst/>
             <a:cxnLst/>
-            <a:rect l="l" t="t" r="r" b="b"/>
+            <a:rect r="r" b="b" t="t" l="l"/>
             <a:pathLst>
-              <a:path w="7433482" h="6622557">
+              <a:path h="6622557" w="7433482">
                 <a:moveTo>
                   <a:pt x="0" y="0"/>
                 </a:moveTo>
@@ -3602,26 +3637,19 @@
               </a:extLst>
             </a:blip>
             <a:stretch>
-              <a:fillRect/>
+              <a:fillRect l="0" t="0" r="0" b="0"/>
             </a:stretch>
           </a:blipFill>
         </p:spPr>
-        <p:txBody>
-          <a:bodyPr/>
-          <a:lstStyle/>
-          <a:p>
-            <a:endParaRPr lang="it-IT"/>
-          </a:p>
-        </p:txBody>
-      </p:sp>
-      <p:sp>
-        <p:nvSpPr>
-          <p:cNvPr id="6" name="TextBox 6"/>
-          <p:cNvSpPr txBox="1"/>
+      </p:sp>
+      <p:sp>
+        <p:nvSpPr>
+          <p:cNvPr name="TextBox 6" id="6"/>
+          <p:cNvSpPr txBox="true"/>
           <p:nvPr/>
         </p:nvSpPr>
         <p:spPr>
-          <a:xfrm>
+          <a:xfrm rot="0">
             <a:off x="10868037" y="1104900"/>
             <a:ext cx="5122944" cy="828584"/>
           </a:xfrm>
@@ -3630,12 +3658,12 @@
           </a:prstGeom>
         </p:spPr>
         <p:txBody>
-          <a:bodyPr lIns="0" tIns="0" rIns="0" bIns="0" rtlCol="0" anchor="t">
+          <a:bodyPr anchor="t" rtlCol="false" tIns="0" lIns="0" bIns="0" rIns="0">
             <a:spAutoFit/>
           </a:bodyPr>
           <a:lstStyle/>
           <a:p>
-            <a:pPr marL="0" lvl="0" indent="0">
+            <a:pPr marL="0" indent="0" lvl="0">
               <a:lnSpc>
                 <a:spcPts val="6295"/>
               </a:lnSpc>
@@ -3654,36 +3682,36 @@
       </p:sp>
       <p:sp>
         <p:nvSpPr>
-          <p:cNvPr id="7" name="TextBox 7"/>
-          <p:cNvSpPr txBox="1"/>
+          <p:cNvPr name="TextBox 7" id="7"/>
+          <p:cNvSpPr txBox="true"/>
           <p:nvPr/>
         </p:nvSpPr>
         <p:spPr>
-          <a:xfrm>
+          <a:xfrm rot="0">
             <a:off x="10185735" y="3072000"/>
-            <a:ext cx="7416995" cy="5854332"/>
+            <a:ext cx="7416995" cy="6118225"/>
           </a:xfrm>
           <a:prstGeom prst="rect">
             <a:avLst/>
           </a:prstGeom>
         </p:spPr>
         <p:txBody>
-          <a:bodyPr lIns="0" tIns="0" rIns="0" bIns="0" rtlCol="0" anchor="t">
+          <a:bodyPr anchor="t" rtlCol="false" tIns="0" lIns="0" bIns="0" rIns="0">
             <a:spAutoFit/>
           </a:bodyPr>
           <a:lstStyle/>
           <a:p>
             <a:pPr>
               <a:lnSpc>
-                <a:spcPts val="3345"/>
+                <a:spcPts val="3499"/>
               </a:lnSpc>
             </a:pPr>
             <a:r>
-              <a:rPr lang="en-US" sz="2389" spc="47">
+              <a:rPr lang="en-US" sz="2499" spc="49">
                 <a:solidFill>
                   <a:srgbClr val="414B3B"/>
                 </a:solidFill>
-                <a:latin typeface="Open Sans"/>
+                <a:latin typeface="Open Sans 1"/>
               </a:rPr>
               <a:t>Siamo lieti di presentarvi  Drivenchoice, un punto di riferimento per le vostre esigenze automobilistiche dal 2023. Attraverso il nostro sito, offriamo un'ampia gamma di modelli di automobili per soddisfare ogni preferenza e necessità. Il nostro obiettivo è rendere l'esperienza dell'utente pratica e semplice, permettendo agli utenti di accedere facilmente a una vasta selezione di veicoli.</a:t>
             </a:r>
@@ -3691,28 +3719,22 @@
           <a:p>
             <a:pPr>
               <a:lnSpc>
-                <a:spcPts val="3345"/>
+                <a:spcPts val="3499"/>
               </a:lnSpc>
             </a:pPr>
-            <a:endParaRPr lang="en-US" sz="2389" spc="47">
-              <a:solidFill>
-                <a:srgbClr val="414B3B"/>
-              </a:solidFill>
-              <a:latin typeface="Open Sans"/>
-            </a:endParaRPr>
-          </a:p>
-          <a:p>
-            <a:pPr marL="0" lvl="0" indent="0">
+          </a:p>
+          <a:p>
+            <a:pPr marL="0" indent="0" lvl="0">
               <a:lnSpc>
-                <a:spcPts val="3345"/>
+                <a:spcPts val="3499"/>
               </a:lnSpc>
             </a:pPr>
             <a:r>
-              <a:rPr lang="en-US" sz="2389" spc="47">
+              <a:rPr lang="en-US" sz="2499" spc="49">
                 <a:solidFill>
                   <a:srgbClr val="414B3B"/>
                 </a:solidFill>
-                <a:latin typeface="Open Sans"/>
+                <a:latin typeface="Open Sans 1"/>
               </a:rPr>
               <a:t>Abbiamo implementato funzionalità intuitive e pratiche, garantendo che gli utenti possano navigare e trovare il veicolo perfetto per loro con facilità.</a:t>
             </a:r>
@@ -3721,7 +3743,7 @@
       </p:sp>
       <p:sp>
         <p:nvSpPr>
-          <p:cNvPr id="8" name="AutoShape 8"/>
+          <p:cNvPr name="AutoShape 8" id="8"/>
           <p:cNvSpPr/>
           <p:nvPr/>
         </p:nvSpPr>
@@ -3733,52 +3755,32 @@
           <a:prstGeom prst="line">
             <a:avLst/>
           </a:prstGeom>
-          <a:ln w="38100" cap="flat">
+          <a:ln cap="flat" w="38100">
             <a:solidFill>
               <a:srgbClr val="5D5340"/>
             </a:solidFill>
             <a:prstDash val="solid"/>
-            <a:headEnd type="none" w="sm" len="sm"/>
-            <a:tailEnd type="none" w="sm" len="sm"/>
+            <a:headEnd type="none" len="sm" w="sm"/>
+            <a:tailEnd type="none" len="sm" w="sm"/>
           </a:ln>
         </p:spPr>
-        <p:txBody>
-          <a:bodyPr/>
-          <a:lstStyle/>
-          <a:p>
-            <a:endParaRPr lang="it-IT"/>
-          </a:p>
-        </p:txBody>
       </p:sp>
     </p:spTree>
   </p:cSld>
   <p:clrMapOvr>
     <a:masterClrMapping/>
   </p:clrMapOvr>
-  <mc:AlternateContent xmlns:mc="http://schemas.openxmlformats.org/markup-compatibility/2006">
-    <mc:Choice xmlns:p14="http://schemas.microsoft.com/office/powerpoint/2010/main" Requires="p14">
-      <p:transition spd="med" p14:dur="700">
-        <p:fade/>
-      </p:transition>
-    </mc:Choice>
-    <mc:Fallback>
-      <p:transition spd="med">
-        <p:fade/>
-      </p:transition>
-    </mc:Fallback>
-  </mc:AlternateContent>
 </p:sld>
 </file>
 
 <file path=ppt/slides/slide3.xml><?xml version="1.0" encoding="utf-8"?>
-<p:sld xmlns:a="http://schemas.openxmlformats.org/drawingml/2006/main" xmlns:r="http://schemas.openxmlformats.org/officeDocument/2006/relationships" xmlns:p="http://schemas.openxmlformats.org/presentationml/2006/main">
+<p:sld xmlns:p="http://schemas.openxmlformats.org/presentationml/2006/main" xmlns:a="http://schemas.openxmlformats.org/drawingml/2006/main" xmlns:r="http://schemas.openxmlformats.org/officeDocument/2006/relationships">
   <p:cSld>
     <p:bg>
       <p:bgPr>
         <a:solidFill>
           <a:srgbClr val="FFF9F3"/>
         </a:solidFill>
-        <a:effectLst/>
       </p:bgPr>
     </p:bg>
     <p:spTree>
@@ -3797,12 +3799,12 @@
       </p:grpSpPr>
       <p:sp>
         <p:nvSpPr>
-          <p:cNvPr id="2" name="AutoShape 2"/>
+          <p:cNvPr name="AutoShape 2" id="2"/>
           <p:cNvSpPr/>
           <p:nvPr/>
         </p:nvSpPr>
         <p:spPr>
-          <a:xfrm>
+          <a:xfrm rot="0">
             <a:off x="0" y="0"/>
             <a:ext cx="9144000" cy="10287000"/>
           </a:xfrm>
@@ -3813,23 +3815,16 @@
             <a:srgbClr val="8CA87C"/>
           </a:solidFill>
         </p:spPr>
-        <p:txBody>
-          <a:bodyPr/>
-          <a:lstStyle/>
-          <a:p>
-            <a:endParaRPr lang="it-IT"/>
-          </a:p>
-        </p:txBody>
-      </p:sp>
-      <p:sp>
-        <p:nvSpPr>
-          <p:cNvPr id="3" name="Freeform 3"/>
+      </p:sp>
+      <p:sp>
+        <p:nvSpPr>
+          <p:cNvPr name="Freeform 3" id="3"/>
           <p:cNvSpPr/>
           <p:nvPr/>
         </p:nvSpPr>
         <p:spPr>
-          <a:xfrm>
-            <a:off x="2030505" y="5036083"/>
+          <a:xfrm flipH="false" flipV="false" rot="0">
+            <a:off x="1955826" y="4214609"/>
             <a:ext cx="4114800" cy="4114800"/>
           </a:xfrm>
           <a:custGeom>
@@ -3837,9 +3832,9 @@
             <a:gdLst/>
             <a:ahLst/>
             <a:cxnLst/>
-            <a:rect l="l" t="t" r="r" b="b"/>
+            <a:rect r="r" b="b" t="t" l="l"/>
             <a:pathLst>
-              <a:path w="4114800" h="4114800">
+              <a:path h="4114800" w="4114800">
                 <a:moveTo>
                   <a:pt x="0" y="0"/>
                 </a:moveTo>
@@ -3868,26 +3863,19 @@
               </a:extLst>
             </a:blip>
             <a:stretch>
-              <a:fillRect/>
+              <a:fillRect l="0" t="0" r="0" b="0"/>
             </a:stretch>
           </a:blipFill>
         </p:spPr>
-        <p:txBody>
-          <a:bodyPr/>
-          <a:lstStyle/>
-          <a:p>
-            <a:endParaRPr lang="it-IT"/>
-          </a:p>
-        </p:txBody>
-      </p:sp>
-      <p:sp>
-        <p:nvSpPr>
-          <p:cNvPr id="4" name="TextBox 4"/>
-          <p:cNvSpPr txBox="1"/>
+      </p:sp>
+      <p:sp>
+        <p:nvSpPr>
+          <p:cNvPr name="TextBox 4" id="4"/>
+          <p:cNvSpPr txBox="true"/>
           <p:nvPr/>
         </p:nvSpPr>
         <p:spPr>
-          <a:xfrm>
+          <a:xfrm rot="0">
             <a:off x="1094445" y="1318895"/>
             <a:ext cx="6955109" cy="2219325"/>
           </a:xfrm>
@@ -3896,12 +3884,12 @@
           </a:prstGeom>
         </p:spPr>
         <p:txBody>
-          <a:bodyPr lIns="0" tIns="0" rIns="0" bIns="0" rtlCol="0" anchor="t">
+          <a:bodyPr anchor="t" rtlCol="false" tIns="0" lIns="0" bIns="0" rIns="0">
             <a:spAutoFit/>
           </a:bodyPr>
           <a:lstStyle/>
           <a:p>
-            <a:pPr marL="0" lvl="0" indent="0">
+            <a:pPr marL="0" indent="0" lvl="0">
               <a:lnSpc>
                 <a:spcPts val="8925"/>
               </a:lnSpc>
@@ -3923,39 +3911,39 @@
       </p:sp>
       <p:sp>
         <p:nvSpPr>
-          <p:cNvPr id="5" name="TextBox 5"/>
-          <p:cNvSpPr txBox="1"/>
+          <p:cNvPr name="TextBox 5" id="5"/>
+          <p:cNvSpPr txBox="true"/>
           <p:nvPr/>
         </p:nvSpPr>
         <p:spPr>
-          <a:xfrm>
-            <a:off x="10430865" y="2106193"/>
-            <a:ext cx="6622754" cy="5212081"/>
+          <a:xfrm rot="0">
+            <a:off x="10391803" y="3490595"/>
+            <a:ext cx="6622754" cy="3051175"/>
           </a:xfrm>
           <a:prstGeom prst="rect">
             <a:avLst/>
           </a:prstGeom>
         </p:spPr>
         <p:txBody>
-          <a:bodyPr lIns="0" tIns="0" rIns="0" bIns="0" rtlCol="0" anchor="t">
+          <a:bodyPr anchor="t" rtlCol="false" tIns="0" lIns="0" bIns="0" rIns="0">
             <a:spAutoFit/>
           </a:bodyPr>
           <a:lstStyle/>
           <a:p>
-            <a:pPr marL="0" lvl="0" indent="0" algn="l">
+            <a:pPr algn="l" marL="0" indent="0" lvl="0">
               <a:lnSpc>
-                <a:spcPts val="4619"/>
+                <a:spcPts val="3499"/>
               </a:lnSpc>
               <a:spcBef>
                 <a:spcPct val="0"/>
               </a:spcBef>
             </a:pPr>
             <a:r>
-              <a:rPr lang="en-US" sz="3299" spc="65">
+              <a:rPr lang="en-US" sz="2499" spc="49">
                 <a:solidFill>
                   <a:srgbClr val="414B3B"/>
                 </a:solidFill>
-                <a:latin typeface="Open Sans"/>
+                <a:latin typeface="Open Sans 1"/>
               </a:rPr>
               <a:t>abbiamo utilizzato la metodologia Scrum in questo progetto. Scrum ci ha permesso di mantenere il focus sulle priorità, adattarci rapidamente ai cambiamenti e mantenere una comunicazione trasparente e continua all'interno del nostro team.</a:t>
             </a:r>
@@ -3967,21 +3955,17 @@
   <p:clrMapOvr>
     <a:masterClrMapping/>
   </p:clrMapOvr>
-  <p:transition spd="slow">
-    <p:push dir="u"/>
-  </p:transition>
 </p:sld>
 </file>
 
 <file path=ppt/slides/slide4.xml><?xml version="1.0" encoding="utf-8"?>
-<p:sld xmlns:a="http://schemas.openxmlformats.org/drawingml/2006/main" xmlns:r="http://schemas.openxmlformats.org/officeDocument/2006/relationships" xmlns:p="http://schemas.openxmlformats.org/presentationml/2006/main">
+<p:sld xmlns:p="http://schemas.openxmlformats.org/presentationml/2006/main" xmlns:a="http://schemas.openxmlformats.org/drawingml/2006/main" xmlns:r="http://schemas.openxmlformats.org/officeDocument/2006/relationships">
   <p:cSld>
     <p:bg>
       <p:bgPr>
         <a:solidFill>
           <a:srgbClr val="FFF9F3"/>
         </a:solidFill>
-        <a:effectLst/>
       </p:bgPr>
     </p:bg>
     <p:spTree>
@@ -4000,12 +3984,12 @@
       </p:grpSpPr>
       <p:sp>
         <p:nvSpPr>
-          <p:cNvPr id="2" name="Freeform 2"/>
+          <p:cNvPr name="Freeform 2" id="2"/>
           <p:cNvSpPr/>
           <p:nvPr/>
         </p:nvSpPr>
         <p:spPr>
-          <a:xfrm>
+          <a:xfrm flipH="false" flipV="false" rot="0">
             <a:off x="8119835" y="674173"/>
             <a:ext cx="1430883" cy="1452003"/>
           </a:xfrm>
@@ -4014,9 +3998,9 @@
             <a:gdLst/>
             <a:ahLst/>
             <a:cxnLst/>
-            <a:rect l="l" t="t" r="r" b="b"/>
+            <a:rect r="r" b="b" t="t" l="l"/>
             <a:pathLst>
-              <a:path w="1430883" h="1452003">
+              <a:path h="1452003" w="1430883">
                 <a:moveTo>
                   <a:pt x="0" y="0"/>
                 </a:moveTo>
@@ -4045,48 +4029,41 @@
               </a:extLst>
             </a:blip>
             <a:stretch>
-              <a:fillRect/>
+              <a:fillRect l="0" t="0" r="0" b="0"/>
             </a:stretch>
           </a:blipFill>
         </p:spPr>
-        <p:txBody>
-          <a:bodyPr/>
-          <a:lstStyle/>
-          <a:p>
-            <a:endParaRPr lang="it-IT"/>
-          </a:p>
-        </p:txBody>
-      </p:sp>
-      <p:sp>
-        <p:nvSpPr>
-          <p:cNvPr id="3" name="Freeform 3"/>
+      </p:sp>
+      <p:sp>
+        <p:nvSpPr>
+          <p:cNvPr name="Freeform 3" id="3"/>
           <p:cNvSpPr/>
           <p:nvPr/>
         </p:nvSpPr>
         <p:spPr>
-          <a:xfrm>
-            <a:off x="7753665" y="2954157"/>
-            <a:ext cx="2163224" cy="2163224"/>
+          <a:xfrm flipH="false" flipV="false" rot="0">
+            <a:off x="7771252" y="3205631"/>
+            <a:ext cx="1779467" cy="1779467"/>
           </a:xfrm>
           <a:custGeom>
             <a:avLst/>
             <a:gdLst/>
             <a:ahLst/>
             <a:cxnLst/>
-            <a:rect l="l" t="t" r="r" b="b"/>
+            <a:rect r="r" b="b" t="t" l="l"/>
             <a:pathLst>
-              <a:path w="2163224" h="2163224">
+              <a:path h="1779467" w="1779467">
                 <a:moveTo>
                   <a:pt x="0" y="0"/>
                 </a:moveTo>
                 <a:lnTo>
-                  <a:pt x="2163224" y="0"/>
+                  <a:pt x="1779467" y="0"/>
                 </a:lnTo>
                 <a:lnTo>
-                  <a:pt x="2163224" y="2163224"/>
+                  <a:pt x="1779467" y="1779467"/>
                 </a:lnTo>
                 <a:lnTo>
-                  <a:pt x="0" y="2163224"/>
+                  <a:pt x="0" y="1779467"/>
                 </a:lnTo>
                 <a:lnTo>
                   <a:pt x="0" y="0"/>
@@ -4104,26 +4081,19 @@
               </a:extLst>
             </a:blip>
             <a:stretch>
-              <a:fillRect/>
+              <a:fillRect l="0" t="0" r="0" b="0"/>
             </a:stretch>
           </a:blipFill>
         </p:spPr>
-        <p:txBody>
-          <a:bodyPr/>
-          <a:lstStyle/>
-          <a:p>
-            <a:endParaRPr lang="it-IT"/>
-          </a:p>
-        </p:txBody>
-      </p:sp>
-      <p:sp>
-        <p:nvSpPr>
-          <p:cNvPr id="4" name="Freeform 4"/>
+      </p:sp>
+      <p:sp>
+        <p:nvSpPr>
+          <p:cNvPr name="Freeform 4" id="4"/>
           <p:cNvSpPr/>
           <p:nvPr/>
         </p:nvSpPr>
         <p:spPr>
-          <a:xfrm>
+          <a:xfrm flipH="false" flipV="false" rot="0">
             <a:off x="7713117" y="5813773"/>
             <a:ext cx="2244321" cy="1281303"/>
           </a:xfrm>
@@ -4132,9 +4102,9 @@
             <a:gdLst/>
             <a:ahLst/>
             <a:cxnLst/>
-            <a:rect l="l" t="t" r="r" b="b"/>
+            <a:rect r="r" b="b" t="t" l="l"/>
             <a:pathLst>
-              <a:path w="2244321" h="1281303">
+              <a:path h="1281303" w="2244321">
                 <a:moveTo>
                   <a:pt x="0" y="0"/>
                 </a:moveTo>
@@ -4163,35 +4133,28 @@
               </a:extLst>
             </a:blip>
             <a:stretch>
-              <a:fillRect/>
+              <a:fillRect l="0" t="0" r="0" b="0"/>
             </a:stretch>
           </a:blipFill>
         </p:spPr>
-        <p:txBody>
-          <a:bodyPr/>
-          <a:lstStyle/>
-          <a:p>
-            <a:endParaRPr lang="it-IT"/>
-          </a:p>
-        </p:txBody>
-      </p:sp>
-      <p:sp>
-        <p:nvSpPr>
-          <p:cNvPr id="5" name="TextBox 5"/>
-          <p:cNvSpPr txBox="1"/>
+      </p:sp>
+      <p:sp>
+        <p:nvSpPr>
+          <p:cNvPr name="TextBox 5" id="5"/>
+          <p:cNvSpPr txBox="true"/>
           <p:nvPr/>
         </p:nvSpPr>
         <p:spPr>
-          <a:xfrm>
-            <a:off x="10476842" y="1028700"/>
-            <a:ext cx="6706916" cy="742950"/>
+          <a:xfrm rot="0">
+            <a:off x="10476842" y="1086387"/>
+            <a:ext cx="1493648" cy="742950"/>
           </a:xfrm>
           <a:prstGeom prst="rect">
             <a:avLst/>
           </a:prstGeom>
         </p:spPr>
         <p:txBody>
-          <a:bodyPr lIns="0" tIns="0" rIns="0" bIns="0" rtlCol="0" anchor="t">
+          <a:bodyPr anchor="t" rtlCol="false" tIns="0" lIns="0" bIns="0" rIns="0">
             <a:spAutoFit/>
           </a:bodyPr>
           <a:lstStyle/>
@@ -4206,13 +4169,13 @@
                 <a:solidFill>
                   <a:srgbClr val="414B3B"/>
                 </a:solidFill>
-                <a:latin typeface="Open Sans"/>
+                <a:latin typeface="Open Sans 1"/>
               </a:rPr>
-              <a:t>Power BI</a:t>
-            </a:r>
-          </a:p>
-          <a:p>
-            <a:pPr marL="0" lvl="0" indent="0" algn="l">
+              <a:t>Power BI:</a:t>
+            </a:r>
+          </a:p>
+          <a:p>
+            <a:pPr algn="l" marL="0" indent="0" lvl="0">
               <a:lnSpc>
                 <a:spcPts val="2999"/>
               </a:lnSpc>
@@ -4225,30 +4188,30 @@
                 <a:solidFill>
                   <a:srgbClr val="414B3B"/>
                 </a:solidFill>
-                <a:latin typeface="Open Sans"/>
+                <a:latin typeface="Open Sans 1"/>
               </a:rPr>
-              <a:t>-Grafici</a:t>
-            </a:r>
-          </a:p>
-        </p:txBody>
-      </p:sp>
-      <p:sp>
-        <p:nvSpPr>
-          <p:cNvPr id="6" name="TextBox 6"/>
-          <p:cNvSpPr txBox="1"/>
+              <a:t>Grafici</a:t>
+            </a:r>
+          </a:p>
+        </p:txBody>
+      </p:sp>
+      <p:sp>
+        <p:nvSpPr>
+          <p:cNvPr name="TextBox 6" id="6"/>
+          <p:cNvSpPr txBox="true"/>
           <p:nvPr/>
         </p:nvSpPr>
         <p:spPr>
-          <a:xfrm>
-            <a:off x="10552384" y="3602906"/>
-            <a:ext cx="6706916" cy="742950"/>
+          <a:xfrm rot="0">
+            <a:off x="10476842" y="3555825"/>
+            <a:ext cx="1628715" cy="742950"/>
           </a:xfrm>
           <a:prstGeom prst="rect">
             <a:avLst/>
           </a:prstGeom>
         </p:spPr>
         <p:txBody>
-          <a:bodyPr lIns="0" tIns="0" rIns="0" bIns="0" rtlCol="0" anchor="t">
+          <a:bodyPr anchor="t" rtlCol="false" tIns="0" lIns="0" bIns="0" rIns="0">
             <a:spAutoFit/>
           </a:bodyPr>
           <a:lstStyle/>
@@ -4263,13 +4226,13 @@
                 <a:solidFill>
                   <a:srgbClr val="414B3B"/>
                 </a:solidFill>
-                <a:latin typeface="Open Sans"/>
+                <a:latin typeface="Open Sans 1"/>
               </a:rPr>
-              <a:t>Python</a:t>
-            </a:r>
-          </a:p>
-          <a:p>
-            <a:pPr marL="0" lvl="0" indent="0" algn="l">
+              <a:t>Python:</a:t>
+            </a:r>
+          </a:p>
+          <a:p>
+            <a:pPr algn="l" marL="0" indent="0" lvl="0">
               <a:lnSpc>
                 <a:spcPts val="2999"/>
               </a:lnSpc>
@@ -4282,7 +4245,7 @@
                 <a:solidFill>
                   <a:srgbClr val="414B3B"/>
                 </a:solidFill>
-                <a:latin typeface="Open Sans"/>
+                <a:latin typeface="Open Sans 1"/>
               </a:rPr>
               <a:t>Back-end</a:t>
             </a:r>
@@ -4291,21 +4254,21 @@
       </p:sp>
       <p:sp>
         <p:nvSpPr>
-          <p:cNvPr id="7" name="TextBox 7"/>
-          <p:cNvSpPr txBox="1"/>
+          <p:cNvPr name="TextBox 7" id="7"/>
+          <p:cNvSpPr txBox="true"/>
           <p:nvPr/>
         </p:nvSpPr>
         <p:spPr>
-          <a:xfrm>
+          <a:xfrm rot="0">
             <a:off x="10552384" y="6082949"/>
-            <a:ext cx="6706916" cy="742950"/>
+            <a:ext cx="1553173" cy="742950"/>
           </a:xfrm>
           <a:prstGeom prst="rect">
             <a:avLst/>
           </a:prstGeom>
         </p:spPr>
         <p:txBody>
-          <a:bodyPr lIns="0" tIns="0" rIns="0" bIns="0" rtlCol="0" anchor="t">
+          <a:bodyPr anchor="t" rtlCol="false" tIns="0" lIns="0" bIns="0" rIns="0">
             <a:spAutoFit/>
           </a:bodyPr>
           <a:lstStyle/>
@@ -4320,13 +4283,13 @@
                 <a:solidFill>
                   <a:srgbClr val="414B3B"/>
                 </a:solidFill>
-                <a:latin typeface="Open Sans"/>
+                <a:latin typeface="Open Sans 1"/>
               </a:rPr>
-              <a:t>MySQL</a:t>
-            </a:r>
-          </a:p>
-          <a:p>
-            <a:pPr marL="0" lvl="0" indent="0" algn="l">
+              <a:t>MySQL:</a:t>
+            </a:r>
+          </a:p>
+          <a:p>
+            <a:pPr algn="l" marL="0" indent="0" lvl="0">
               <a:lnSpc>
                 <a:spcPts val="2999"/>
               </a:lnSpc>
@@ -4339,7 +4302,7 @@
                 <a:solidFill>
                   <a:srgbClr val="414B3B"/>
                 </a:solidFill>
-                <a:latin typeface="Open Sans"/>
+                <a:latin typeface="Open Sans 1"/>
               </a:rPr>
               <a:t>Database</a:t>
             </a:r>
@@ -4348,12 +4311,12 @@
       </p:sp>
       <p:grpSp>
         <p:nvGrpSpPr>
-          <p:cNvPr id="8" name="Group 8"/>
+          <p:cNvPr name="Group 8" id="8"/>
           <p:cNvGrpSpPr/>
           <p:nvPr/>
         </p:nvGrpSpPr>
         <p:grpSpPr>
-          <a:xfrm>
+          <a:xfrm rot="0">
             <a:off x="16751300" y="-82023"/>
             <a:ext cx="1536700" cy="10451045"/>
             <a:chOff x="0" y="0"/>
@@ -4362,12 +4325,12 @@
         </p:grpSpPr>
         <p:sp>
           <p:nvSpPr>
-            <p:cNvPr id="9" name="Freeform 9"/>
+            <p:cNvPr name="Freeform 9" id="9"/>
             <p:cNvSpPr/>
             <p:nvPr/>
           </p:nvSpPr>
           <p:spPr>
-            <a:xfrm>
+            <a:xfrm flipH="false" flipV="false" rot="0">
               <a:off x="0" y="0"/>
               <a:ext cx="404728" cy="2752539"/>
             </a:xfrm>
@@ -4376,9 +4339,9 @@
               <a:gdLst/>
               <a:ahLst/>
               <a:cxnLst/>
-              <a:rect l="l" t="t" r="r" b="b"/>
+              <a:rect r="r" b="b" t="t" l="l"/>
               <a:pathLst>
-                <a:path w="404728" h="2752539">
+                <a:path h="2752539" w="404728">
                   <a:moveTo>
                     <a:pt x="0" y="0"/>
                   </a:moveTo>
@@ -4399,18 +4362,11 @@
               <a:srgbClr val="414B3B"/>
             </a:solidFill>
           </p:spPr>
-          <p:txBody>
-            <a:bodyPr/>
-            <a:lstStyle/>
-            <a:p>
-              <a:endParaRPr lang="it-IT"/>
-            </a:p>
-          </p:txBody>
         </p:sp>
         <p:sp>
           <p:nvSpPr>
-            <p:cNvPr id="10" name="TextBox 10"/>
-            <p:cNvSpPr txBox="1"/>
+            <p:cNvPr name="TextBox 10" id="10"/>
+            <p:cNvSpPr txBox="true"/>
             <p:nvPr/>
           </p:nvSpPr>
           <p:spPr>
@@ -4423,7 +4379,7 @@
             </a:prstGeom>
           </p:spPr>
           <p:txBody>
-            <a:bodyPr lIns="50800" tIns="50800" rIns="50800" bIns="50800" rtlCol="0" anchor="ctr"/>
+            <a:bodyPr anchor="ctr" rtlCol="false" tIns="50800" lIns="50800" bIns="50800" rIns="50800"/>
             <a:lstStyle/>
             <a:p>
               <a:pPr algn="ctr">
@@ -4431,19 +4387,18 @@
                   <a:spcPts val="3150"/>
                 </a:lnSpc>
               </a:pPr>
-              <a:endParaRPr/>
             </a:p>
           </p:txBody>
         </p:sp>
       </p:grpSp>
       <p:grpSp>
         <p:nvGrpSpPr>
-          <p:cNvPr id="11" name="Group 11"/>
+          <p:cNvPr name="Group 11" id="11"/>
           <p:cNvGrpSpPr/>
           <p:nvPr/>
         </p:nvGrpSpPr>
         <p:grpSpPr>
-          <a:xfrm>
+          <a:xfrm rot="0">
             <a:off x="0" y="0"/>
             <a:ext cx="6487951" cy="10287000"/>
             <a:chOff x="0" y="0"/>
@@ -4452,12 +4407,12 @@
         </p:grpSpPr>
         <p:sp>
           <p:nvSpPr>
-            <p:cNvPr id="12" name="Freeform 12"/>
+            <p:cNvPr name="Freeform 12" id="12"/>
             <p:cNvSpPr/>
             <p:nvPr/>
           </p:nvSpPr>
           <p:spPr>
-            <a:xfrm>
+            <a:xfrm flipH="false" flipV="false" rot="0">
               <a:off x="0" y="0"/>
               <a:ext cx="1708761" cy="2709333"/>
             </a:xfrm>
@@ -4466,9 +4421,9 @@
               <a:gdLst/>
               <a:ahLst/>
               <a:cxnLst/>
-              <a:rect l="l" t="t" r="r" b="b"/>
+              <a:rect r="r" b="b" t="t" l="l"/>
               <a:pathLst>
-                <a:path w="1708761" h="2709333">
+                <a:path h="2709333" w="1708761">
                   <a:moveTo>
                     <a:pt x="0" y="0"/>
                   </a:moveTo>
@@ -4489,18 +4444,11 @@
               <a:srgbClr val="8CA87C"/>
             </a:solidFill>
           </p:spPr>
-          <p:txBody>
-            <a:bodyPr/>
-            <a:lstStyle/>
-            <a:p>
-              <a:endParaRPr lang="it-IT"/>
-            </a:p>
-          </p:txBody>
         </p:sp>
         <p:sp>
           <p:nvSpPr>
-            <p:cNvPr id="13" name="TextBox 13"/>
-            <p:cNvSpPr txBox="1"/>
+            <p:cNvPr name="TextBox 13" id="13"/>
+            <p:cNvSpPr txBox="true"/>
             <p:nvPr/>
           </p:nvSpPr>
           <p:spPr>
@@ -4513,7 +4461,7 @@
             </a:prstGeom>
           </p:spPr>
           <p:txBody>
-            <a:bodyPr lIns="50800" tIns="50800" rIns="50800" bIns="50800" rtlCol="0" anchor="ctr"/>
+            <a:bodyPr anchor="ctr" rtlCol="false" tIns="50800" lIns="50800" bIns="50800" rIns="50800"/>
             <a:lstStyle/>
             <a:p>
               <a:pPr algn="ctr">
@@ -4521,19 +4469,18 @@
                   <a:spcPts val="3150"/>
                 </a:lnSpc>
               </a:pPr>
-              <a:endParaRPr/>
             </a:p>
           </p:txBody>
         </p:sp>
       </p:grpSp>
       <p:sp>
         <p:nvSpPr>
-          <p:cNvPr id="14" name="Freeform 14"/>
+          <p:cNvPr name="Freeform 14" id="14"/>
           <p:cNvSpPr/>
           <p:nvPr/>
         </p:nvSpPr>
         <p:spPr>
-          <a:xfrm>
+          <a:xfrm flipH="false" flipV="false" rot="0">
             <a:off x="8119835" y="7923751"/>
             <a:ext cx="1413296" cy="1768221"/>
           </a:xfrm>
@@ -4542,9 +4489,9 @@
             <a:gdLst/>
             <a:ahLst/>
             <a:cxnLst/>
-            <a:rect l="l" t="t" r="r" b="b"/>
+            <a:rect r="r" b="b" t="t" l="l"/>
             <a:pathLst>
-              <a:path w="1413296" h="1768221">
+              <a:path h="1768221" w="1413296">
                 <a:moveTo>
                   <a:pt x="0" y="0"/>
                 </a:moveTo>
@@ -4573,26 +4520,71 @@
               </a:extLst>
             </a:blip>
             <a:stretch>
-              <a:fillRect/>
+              <a:fillRect l="0" t="0" r="0" b="0"/>
             </a:stretch>
           </a:blipFill>
         </p:spPr>
-        <p:txBody>
-          <a:bodyPr/>
-          <a:lstStyle/>
-          <a:p>
-            <a:endParaRPr lang="it-IT"/>
-          </a:p>
-        </p:txBody>
-      </p:sp>
-      <p:sp>
-        <p:nvSpPr>
-          <p:cNvPr id="15" name="TextBox 15"/>
-          <p:cNvSpPr txBox="1"/>
+      </p:sp>
+      <p:sp>
+        <p:nvSpPr>
+          <p:cNvPr name="Freeform 15" id="15"/>
+          <p:cNvSpPr/>
           <p:nvPr/>
         </p:nvSpPr>
         <p:spPr>
-          <a:xfrm>
+          <a:xfrm flipH="false" flipV="false" rot="0">
+            <a:off x="12613384" y="806497"/>
+            <a:ext cx="1336628" cy="1336628"/>
+          </a:xfrm>
+          <a:custGeom>
+            <a:avLst/>
+            <a:gdLst/>
+            <a:ahLst/>
+            <a:cxnLst/>
+            <a:rect r="r" b="b" t="t" l="l"/>
+            <a:pathLst>
+              <a:path h="1336628" w="1336628">
+                <a:moveTo>
+                  <a:pt x="0" y="0"/>
+                </a:moveTo>
+                <a:lnTo>
+                  <a:pt x="1336629" y="0"/>
+                </a:lnTo>
+                <a:lnTo>
+                  <a:pt x="1336629" y="1336628"/>
+                </a:lnTo>
+                <a:lnTo>
+                  <a:pt x="0" y="1336628"/>
+                </a:lnTo>
+                <a:lnTo>
+                  <a:pt x="0" y="0"/>
+                </a:lnTo>
+                <a:close/>
+              </a:path>
+            </a:pathLst>
+          </a:custGeom>
+          <a:blipFill>
+            <a:blip r:embed="rId10">
+              <a:extLst>
+                <a:ext uri="{96DAC541-7B7A-43D3-8B79-37D633B846F1}">
+                  <asvg:svgBlip xmlns:asvg="http://schemas.microsoft.com/office/drawing/2016/SVG/main" r:embed="rId11"/>
+                </a:ext>
+              </a:extLst>
+            </a:blip>
+            <a:stretch>
+              <a:fillRect l="0" t="0" r="0" b="0"/>
+            </a:stretch>
+          </a:blipFill>
+        </p:spPr>
+      </p:sp>
+      <p:sp>
+        <p:nvSpPr>
+          <p:cNvPr name="TextBox 16" id="16"/>
+          <p:cNvSpPr txBox="true"/>
+          <p:nvPr/>
+        </p:nvSpPr>
+        <p:spPr>
+          <a:xfrm rot="0">
             <a:off x="308362" y="4088681"/>
             <a:ext cx="5686038" cy="782395"/>
           </a:xfrm>
@@ -4601,12 +4593,12 @@
           </a:prstGeom>
         </p:spPr>
         <p:txBody>
-          <a:bodyPr lIns="0" tIns="0" rIns="0" bIns="0" rtlCol="0" anchor="t">
+          <a:bodyPr anchor="t" rtlCol="false" tIns="0" lIns="0" bIns="0" rIns="0">
             <a:spAutoFit/>
           </a:bodyPr>
           <a:lstStyle/>
           <a:p>
-            <a:pPr marL="0" lvl="0" indent="0" algn="l">
+            <a:pPr algn="l" marL="0" indent="0" lvl="0">
               <a:lnSpc>
                 <a:spcPts val="5738"/>
               </a:lnSpc>
@@ -4615,7 +4607,7 @@
               </a:spcBef>
             </a:pPr>
             <a:r>
-              <a:rPr lang="en-US" sz="5915" u="none" spc="118">
+              <a:rPr lang="en-US" sz="5915" spc="118" u="none">
                 <a:solidFill>
                   <a:srgbClr val="414B3B"/>
                 </a:solidFill>
@@ -4628,21 +4620,21 @@
       </p:sp>
       <p:sp>
         <p:nvSpPr>
-          <p:cNvPr id="16" name="TextBox 16"/>
-          <p:cNvSpPr txBox="1"/>
+          <p:cNvPr name="TextBox 17" id="17"/>
+          <p:cNvSpPr txBox="true"/>
           <p:nvPr/>
         </p:nvSpPr>
         <p:spPr>
-          <a:xfrm>
+          <a:xfrm rot="0">
             <a:off x="10552384" y="8064911"/>
-            <a:ext cx="6706916" cy="1114425"/>
+            <a:ext cx="1553173" cy="1114425"/>
           </a:xfrm>
           <a:prstGeom prst="rect">
             <a:avLst/>
           </a:prstGeom>
         </p:spPr>
         <p:txBody>
-          <a:bodyPr lIns="0" tIns="0" rIns="0" bIns="0" rtlCol="0" anchor="t">
+          <a:bodyPr anchor="t" rtlCol="false" tIns="0" lIns="0" bIns="0" rIns="0">
             <a:spAutoFit/>
           </a:bodyPr>
           <a:lstStyle/>
@@ -4657,9 +4649,9 @@
                 <a:solidFill>
                   <a:srgbClr val="414B3B"/>
                 </a:solidFill>
-                <a:latin typeface="Open Sans"/>
+                <a:latin typeface="Open Sans 1"/>
               </a:rPr>
-              <a:t>HTML</a:t>
+              <a:t>HTML:</a:t>
             </a:r>
           </a:p>
           <a:p>
@@ -4673,13 +4665,13 @@
                 <a:solidFill>
                   <a:srgbClr val="414B3B"/>
                 </a:solidFill>
-                <a:latin typeface="Open Sans"/>
+                <a:latin typeface="Open Sans 1"/>
               </a:rPr>
               <a:t>CSS</a:t>
             </a:r>
           </a:p>
           <a:p>
-            <a:pPr marL="0" lvl="0" indent="0" algn="l">
+            <a:pPr algn="l" marL="0" indent="0" lvl="0">
               <a:lnSpc>
                 <a:spcPts val="2999"/>
               </a:lnSpc>
@@ -4692,9 +4684,82 @@
                 <a:solidFill>
                   <a:srgbClr val="414B3B"/>
                 </a:solidFill>
-                <a:latin typeface="Open Sans"/>
+                <a:latin typeface="Open Sans 1"/>
               </a:rPr>
               <a:t>Bootstrap</a:t>
+            </a:r>
+          </a:p>
+        </p:txBody>
+      </p:sp>
+      <p:sp>
+        <p:nvSpPr>
+          <p:cNvPr name="TextBox 18" id="18"/>
+          <p:cNvSpPr txBox="true"/>
+          <p:nvPr/>
+        </p:nvSpPr>
+        <p:spPr>
+          <a:xfrm rot="0">
+            <a:off x="14166192" y="1028700"/>
+            <a:ext cx="6706916" cy="1114425"/>
+          </a:xfrm>
+          <a:prstGeom prst="rect">
+            <a:avLst/>
+          </a:prstGeom>
+        </p:spPr>
+        <p:txBody>
+          <a:bodyPr anchor="t" rtlCol="false" tIns="0" lIns="0" bIns="0" rIns="0">
+            <a:spAutoFit/>
+          </a:bodyPr>
+          <a:lstStyle/>
+          <a:p>
+            <a:pPr>
+              <a:lnSpc>
+                <a:spcPts val="2999"/>
+              </a:lnSpc>
+            </a:pPr>
+            <a:r>
+              <a:rPr lang="en-US" sz="2499" spc="49">
+                <a:solidFill>
+                  <a:srgbClr val="414B3B"/>
+                </a:solidFill>
+                <a:latin typeface="Open Sans 1"/>
+              </a:rPr>
+              <a:t>Trello:</a:t>
+            </a:r>
+          </a:p>
+          <a:p>
+            <a:pPr>
+              <a:lnSpc>
+                <a:spcPts val="2999"/>
+              </a:lnSpc>
+            </a:pPr>
+            <a:r>
+              <a:rPr lang="en-US" sz="2499" spc="49">
+                <a:solidFill>
+                  <a:srgbClr val="414B3B"/>
+                </a:solidFill>
+                <a:latin typeface="Open Sans 1"/>
+              </a:rPr>
+              <a:t>Coordinazione</a:t>
+            </a:r>
+          </a:p>
+          <a:p>
+            <a:pPr algn="l" marL="0" indent="0" lvl="0">
+              <a:lnSpc>
+                <a:spcPts val="2999"/>
+              </a:lnSpc>
+              <a:spcBef>
+                <a:spcPct val="0"/>
+              </a:spcBef>
+            </a:pPr>
+            <a:r>
+              <a:rPr lang="en-US" sz="2499" spc="49">
+                <a:solidFill>
+                  <a:srgbClr val="414B3B"/>
+                </a:solidFill>
+                <a:latin typeface="Open Sans 1"/>
+              </a:rPr>
+              <a:t> Scrum</a:t>
             </a:r>
           </a:p>
         </p:txBody>
@@ -4704,21 +4769,17 @@
   <p:clrMapOvr>
     <a:masterClrMapping/>
   </p:clrMapOvr>
-  <p:transition spd="slow">
-    <p:push dir="u"/>
-  </p:transition>
 </p:sld>
 </file>
 
 <file path=ppt/slides/slide5.xml><?xml version="1.0" encoding="utf-8"?>
-<p:sld xmlns:a="http://schemas.openxmlformats.org/drawingml/2006/main" xmlns:r="http://schemas.openxmlformats.org/officeDocument/2006/relationships" xmlns:p="http://schemas.openxmlformats.org/presentationml/2006/main">
+<p:sld xmlns:p="http://schemas.openxmlformats.org/presentationml/2006/main" xmlns:a="http://schemas.openxmlformats.org/drawingml/2006/main" xmlns:r="http://schemas.openxmlformats.org/officeDocument/2006/relationships">
   <p:cSld>
     <p:bg>
       <p:bgPr>
         <a:solidFill>
           <a:srgbClr val="FFF9F3"/>
         </a:solidFill>
-        <a:effectLst/>
       </p:bgPr>
     </p:bg>
     <p:spTree>
@@ -4737,13 +4798,13 @@
       </p:grpSpPr>
       <p:sp>
         <p:nvSpPr>
-          <p:cNvPr id="2" name="Freeform 2" descr="Cycle Arrow Chart"/>
+          <p:cNvPr name="Freeform 2" id="2" descr="Cycle Arrow Chart"/>
           <p:cNvSpPr/>
           <p:nvPr/>
         </p:nvSpPr>
         <p:spPr>
-          <a:xfrm>
-            <a:off x="15771333" y="8327299"/>
+          <a:xfrm flipH="false" flipV="false" rot="0">
+            <a:off x="15584912" y="1141640"/>
             <a:ext cx="1959701" cy="1959701"/>
           </a:xfrm>
           <a:custGeom>
@@ -4751,17 +4812,17 @@
             <a:gdLst/>
             <a:ahLst/>
             <a:cxnLst/>
-            <a:rect l="l" t="t" r="r" b="b"/>
+            <a:rect r="r" b="b" t="t" l="l"/>
             <a:pathLst>
-              <a:path w="1959701" h="1959701">
+              <a:path h="1959701" w="1959701">
                 <a:moveTo>
                   <a:pt x="0" y="0"/>
                 </a:moveTo>
                 <a:lnTo>
-                  <a:pt x="1959701" y="0"/>
+                  <a:pt x="1959702" y="0"/>
                 </a:lnTo>
                 <a:lnTo>
-                  <a:pt x="1959701" y="1959701"/>
+                  <a:pt x="1959702" y="1959701"/>
                 </a:lnTo>
                 <a:lnTo>
                   <a:pt x="0" y="1959701"/>
@@ -4782,50 +4843,46 @@
               </a:extLst>
             </a:blip>
             <a:stretch>
-              <a:fillRect/>
+              <a:fillRect l="0" t="0" r="0" b="0"/>
             </a:stretch>
           </a:blipFill>
         </p:spPr>
-        <p:txBody>
-          <a:bodyPr/>
-          <a:lstStyle/>
-          <a:p>
-            <a:endParaRPr lang="it-IT"/>
-          </a:p>
-        </p:txBody>
-      </p:sp>
-      <p:sp>
-        <p:nvSpPr>
-          <p:cNvPr id="3" name="TextBox 3"/>
-          <p:cNvSpPr txBox="1"/>
+      </p:sp>
+      <p:sp>
+        <p:nvSpPr>
+          <p:cNvPr name="TextBox 3" id="3"/>
+          <p:cNvSpPr txBox="true"/>
           <p:nvPr/>
         </p:nvSpPr>
         <p:spPr>
-          <a:xfrm>
-            <a:off x="1893341" y="3036585"/>
-            <a:ext cx="14501319" cy="651986"/>
+          <a:xfrm rot="0">
+            <a:off x="1384300" y="1238250"/>
+            <a:ext cx="9372600" cy="1703070"/>
           </a:xfrm>
           <a:prstGeom prst="rect">
             <a:avLst/>
           </a:prstGeom>
         </p:spPr>
         <p:txBody>
-          <a:bodyPr lIns="0" tIns="0" rIns="0" bIns="0" rtlCol="0" anchor="t">
+          <a:bodyPr anchor="t" rtlCol="false" tIns="0" lIns="0" bIns="0" rIns="0">
             <a:spAutoFit/>
           </a:bodyPr>
           <a:lstStyle/>
           <a:p>
-            <a:pPr marL="0" lvl="0" indent="0" algn="ctr">
+            <a:pPr algn="l" marL="0" indent="0" lvl="0">
               <a:lnSpc>
-                <a:spcPts val="4961"/>
+                <a:spcPts val="6480"/>
               </a:lnSpc>
+              <a:spcBef>
+                <a:spcPct val="0"/>
+              </a:spcBef>
             </a:pPr>
             <a:r>
-              <a:rPr lang="en-US" sz="4725" spc="236">
+              <a:rPr lang="en-US" sz="7200" spc="359" strike="noStrike" u="none">
                 <a:solidFill>
-                  <a:srgbClr val="414B3B"/>
+                  <a:srgbClr val="000000"/>
                 </a:solidFill>
-                <a:latin typeface="Open Sans Bold"/>
+                <a:latin typeface="Open Sans 1 Bold"/>
               </a:rPr>
               <a:t>IMPLEMENTAZIONI SITO</a:t>
             </a:r>
@@ -4834,106 +4891,118 @@
       </p:sp>
       <p:sp>
         <p:nvSpPr>
-          <p:cNvPr id="4" name="TextBox 4"/>
-          <p:cNvSpPr txBox="1"/>
+          <p:cNvPr name="TextBox 4" id="4"/>
+          <p:cNvSpPr txBox="true"/>
           <p:nvPr/>
         </p:nvSpPr>
         <p:spPr>
-          <a:xfrm>
-            <a:off x="1893341" y="5436932"/>
-            <a:ext cx="6906958" cy="1433965"/>
+          <a:xfrm rot="0">
+            <a:off x="1384300" y="5458450"/>
+            <a:ext cx="5862227" cy="1857375"/>
           </a:xfrm>
           <a:prstGeom prst="rect">
             <a:avLst/>
           </a:prstGeom>
         </p:spPr>
         <p:txBody>
-          <a:bodyPr lIns="0" tIns="0" rIns="0" bIns="0" rtlCol="0" anchor="t">
+          <a:bodyPr anchor="t" rtlCol="false" tIns="0" lIns="0" bIns="0" rIns="0">
             <a:spAutoFit/>
           </a:bodyPr>
           <a:lstStyle/>
           <a:p>
-            <a:pPr marL="0" lvl="0" indent="0" algn="just">
+            <a:pPr algn="l" marL="0" indent="0" lvl="0">
               <a:lnSpc>
-                <a:spcPts val="2856"/>
+                <a:spcPts val="2999"/>
               </a:lnSpc>
+              <a:spcBef>
+                <a:spcPct val="0"/>
+              </a:spcBef>
             </a:pPr>
             <a:r>
-              <a:rPr lang="en-US" sz="2040" spc="40">
+              <a:rPr lang="en-US" sz="2499" spc="49" strike="noStrike" u="none">
                 <a:solidFill>
-                  <a:srgbClr val="414B3B"/>
+                  <a:srgbClr val="000000"/>
                 </a:solidFill>
-                <a:latin typeface="Open Sans"/>
+                <a:latin typeface="Open Sans 1"/>
               </a:rPr>
               <a:t>1. Filtri Avanzati:</a:t>
             </a:r>
           </a:p>
           <a:p>
-            <a:pPr marL="0" lvl="0" indent="0" algn="just">
+            <a:pPr algn="l" marL="0" indent="0" lvl="0">
               <a:lnSpc>
-                <a:spcPts val="2856"/>
+                <a:spcPts val="2999"/>
               </a:lnSpc>
+              <a:spcBef>
+                <a:spcPct val="0"/>
+              </a:spcBef>
             </a:pPr>
             <a:r>
-              <a:rPr lang="en-US" sz="2040" spc="40">
+              <a:rPr lang="en-US" sz="2499" spc="49" strike="noStrike" u="none">
                 <a:solidFill>
-                  <a:srgbClr val="414B3B"/>
+                  <a:srgbClr val="000000"/>
                 </a:solidFill>
-                <a:latin typeface="Open Sans"/>
+                <a:latin typeface="Open Sans 1"/>
               </a:rPr>
-              <a:t> sito offre filtri avanzati per personalizzare la ricerca di auto in base a criteri come esigenze e budget, semplificando la selezione.</a:t>
-            </a:r>
-          </a:p>
-        </p:txBody>
-      </p:sp>
-      <p:sp>
-        <p:nvSpPr>
-          <p:cNvPr id="5" name="TextBox 5"/>
-          <p:cNvSpPr txBox="1"/>
+              <a:t> sito offre filtri avanzati per personalizzare la ricerca di auto in base a determinati criteri , semplificando la selezione.</a:t>
+            </a:r>
+          </a:p>
+        </p:txBody>
+      </p:sp>
+      <p:sp>
+        <p:nvSpPr>
+          <p:cNvPr name="TextBox 5" id="5"/>
+          <p:cNvSpPr txBox="true"/>
           <p:nvPr/>
         </p:nvSpPr>
         <p:spPr>
-          <a:xfrm>
-            <a:off x="9624410" y="5446457"/>
-            <a:ext cx="6770249" cy="2101850"/>
+          <a:xfrm rot="0">
+            <a:off x="10875531" y="5458450"/>
+            <a:ext cx="5986879" cy="3343275"/>
           </a:xfrm>
           <a:prstGeom prst="rect">
             <a:avLst/>
           </a:prstGeom>
         </p:spPr>
         <p:txBody>
-          <a:bodyPr lIns="0" tIns="0" rIns="0" bIns="0" rtlCol="0" anchor="t">
+          <a:bodyPr anchor="t" rtlCol="false" tIns="0" lIns="0" bIns="0" rIns="0">
             <a:spAutoFit/>
           </a:bodyPr>
           <a:lstStyle/>
           <a:p>
-            <a:pPr marL="0" lvl="0" indent="0" algn="just">
+            <a:pPr algn="l" marL="0" indent="0" lvl="0">
               <a:lnSpc>
-                <a:spcPts val="2799"/>
+                <a:spcPts val="2999"/>
               </a:lnSpc>
+              <a:spcBef>
+                <a:spcPct val="0"/>
+              </a:spcBef>
             </a:pPr>
             <a:r>
-              <a:rPr lang="en-US" sz="1999" spc="39">
+              <a:rPr lang="en-US" sz="2499" spc="49" strike="noStrike" u="none">
                 <a:solidFill>
-                  <a:srgbClr val="414B3B"/>
+                  <a:srgbClr val="000000"/>
                 </a:solidFill>
-                <a:latin typeface="Open Sans"/>
+                <a:latin typeface="Open Sans 1"/>
               </a:rPr>
               <a:t>2. Login Utente:</a:t>
             </a:r>
           </a:p>
           <a:p>
-            <a:pPr marL="0" lvl="0" indent="0" algn="just">
+            <a:pPr algn="l" marL="0" indent="0" lvl="0">
               <a:lnSpc>
-                <a:spcPts val="2799"/>
+                <a:spcPts val="2999"/>
               </a:lnSpc>
+              <a:spcBef>
+                <a:spcPct val="0"/>
+              </a:spcBef>
             </a:pPr>
             <a:r>
-              <a:rPr lang="en-US" sz="1999" spc="39">
+              <a:rPr lang="en-US" sz="2499" spc="49" strike="noStrike" u="none">
                 <a:solidFill>
-                  <a:srgbClr val="414B3B"/>
+                  <a:srgbClr val="000000"/>
                 </a:solidFill>
-                <a:latin typeface="Open Sans"/>
+                <a:latin typeface="Open Sans 1"/>
               </a:rPr>
               <a:t>Offriamo agli utenti la possibilità di creare un account personale attraverso il quale possono anche salvare le loro automobili preferite. Non solo semplifica il processo di ricerca e acquisto, ma offre anche un'esperienza personalizzata e più interattiva.</a:t>
             </a:r>
@@ -4942,55 +5011,44 @@
       </p:sp>
       <p:sp>
         <p:nvSpPr>
-          <p:cNvPr id="6" name="AutoShape 6"/>
+          <p:cNvPr name="AutoShape 6" id="6"/>
           <p:cNvSpPr/>
           <p:nvPr/>
         </p:nvSpPr>
         <p:spPr>
-          <a:xfrm>
-            <a:off x="1893341" y="4532057"/>
-            <a:ext cx="14501319" cy="0"/>
+          <a:xfrm flipH="true" flipV="true">
+            <a:off x="5" y="4058197"/>
+            <a:ext cx="18288049" cy="9525"/>
           </a:xfrm>
           <a:prstGeom prst="line">
             <a:avLst/>
           </a:prstGeom>
-          <a:ln w="38100" cap="flat">
+          <a:ln cap="flat" w="19050">
             <a:solidFill>
               <a:srgbClr val="414B3B"/>
             </a:solidFill>
             <a:prstDash val="solid"/>
-            <a:headEnd type="none" w="sm" len="sm"/>
-            <a:tailEnd type="none" w="sm" len="sm"/>
+            <a:headEnd type="none" len="sm" w="sm"/>
+            <a:tailEnd type="none" len="sm" w="sm"/>
           </a:ln>
         </p:spPr>
-        <p:txBody>
-          <a:bodyPr/>
-          <a:lstStyle/>
-          <a:p>
-            <a:endParaRPr lang="it-IT"/>
-          </a:p>
-        </p:txBody>
       </p:sp>
     </p:spTree>
   </p:cSld>
   <p:clrMapOvr>
     <a:masterClrMapping/>
   </p:clrMapOvr>
-  <p:transition spd="slow">
-    <p:push dir="u"/>
-  </p:transition>
 </p:sld>
 </file>
 
 <file path=ppt/slides/slide6.xml><?xml version="1.0" encoding="utf-8"?>
-<p:sld xmlns:a="http://schemas.openxmlformats.org/drawingml/2006/main" xmlns:r="http://schemas.openxmlformats.org/officeDocument/2006/relationships" xmlns:p="http://schemas.openxmlformats.org/presentationml/2006/main">
+<p:sld xmlns:p="http://schemas.openxmlformats.org/presentationml/2006/main" xmlns:a="http://schemas.openxmlformats.org/drawingml/2006/main" xmlns:r="http://schemas.openxmlformats.org/officeDocument/2006/relationships">
   <p:cSld>
     <p:bg>
       <p:bgPr>
         <a:solidFill>
           <a:srgbClr val="FFF9F3"/>
         </a:solidFill>
-        <a:effectLst/>
       </p:bgPr>
     </p:bg>
     <p:spTree>
@@ -5009,12 +5067,12 @@
       </p:grpSpPr>
       <p:sp>
         <p:nvSpPr>
-          <p:cNvPr id="2" name="Freeform 2"/>
+          <p:cNvPr name="Freeform 2" id="2" descr="Growth graph icon"/>
           <p:cNvSpPr/>
           <p:nvPr/>
         </p:nvSpPr>
         <p:spPr>
-          <a:xfrm>
+          <a:xfrm flipH="false" flipV="false" rot="0">
             <a:off x="0" y="8018323"/>
             <a:ext cx="2627162" cy="2192486"/>
           </a:xfrm>
@@ -5023,9 +5081,9 @@
             <a:gdLst/>
             <a:ahLst/>
             <a:cxnLst/>
-            <a:rect l="l" t="t" r="r" b="b"/>
+            <a:rect r="r" b="b" t="t" l="l"/>
             <a:pathLst>
-              <a:path w="2627162" h="2192486">
+              <a:path h="2192486" w="2627162">
                 <a:moveTo>
                   <a:pt x="0" y="0"/>
                 </a:moveTo>
@@ -5054,66 +5112,59 @@
               </a:extLst>
             </a:blip>
             <a:stretch>
-              <a:fillRect/>
+              <a:fillRect l="0" t="0" r="0" b="0"/>
             </a:stretch>
           </a:blipFill>
         </p:spPr>
-        <p:txBody>
-          <a:bodyPr/>
-          <a:lstStyle/>
-          <a:p>
-            <a:endParaRPr lang="it-IT"/>
-          </a:p>
-        </p:txBody>
-      </p:sp>
-      <p:sp>
-        <p:nvSpPr>
-          <p:cNvPr id="3" name="TextBox 3"/>
-          <p:cNvSpPr txBox="1"/>
+      </p:sp>
+      <p:sp>
+        <p:nvSpPr>
+          <p:cNvPr name="TextBox 3" id="3"/>
+          <p:cNvSpPr txBox="true"/>
           <p:nvPr/>
         </p:nvSpPr>
         <p:spPr>
-          <a:xfrm>
-            <a:off x="1738113" y="4119215"/>
-            <a:ext cx="6962330" cy="1191431"/>
+          <a:xfrm rot="0">
+            <a:off x="1599564" y="3471862"/>
+            <a:ext cx="4001772" cy="3343275"/>
           </a:xfrm>
           <a:prstGeom prst="rect">
             <a:avLst/>
           </a:prstGeom>
         </p:spPr>
         <p:txBody>
-          <a:bodyPr lIns="0" tIns="0" rIns="0" bIns="0" rtlCol="0" anchor="t">
+          <a:bodyPr anchor="t" rtlCol="false" tIns="0" lIns="0" bIns="0" rIns="0">
             <a:spAutoFit/>
           </a:bodyPr>
           <a:lstStyle/>
           <a:p>
-            <a:pPr marL="0" lvl="0" indent="0" algn="ctr">
+            <a:pPr algn="ctr" marL="0" indent="0" lvl="0">
               <a:lnSpc>
-                <a:spcPts val="2358"/>
+                <a:spcPts val="2999"/>
               </a:lnSpc>
             </a:pPr>
             <a:r>
-              <a:rPr lang="en-US" sz="2033" spc="40">
+              <a:rPr lang="en-US" sz="2499" spc="49">
                 <a:solidFill>
-                  <a:srgbClr val="414B3B"/>
+                  <a:srgbClr val="000000"/>
                 </a:solidFill>
-                <a:latin typeface="Open Sans"/>
+                <a:latin typeface="Open Sans 1"/>
               </a:rPr>
               <a:t>3. Grafici delle Tendenze del Momento:</a:t>
             </a:r>
           </a:p>
           <a:p>
-            <a:pPr marL="0" lvl="0" indent="0" algn="ctr">
+            <a:pPr algn="ctr" marL="0" indent="0" lvl="0">
               <a:lnSpc>
-                <a:spcPts val="2358"/>
+                <a:spcPts val="2999"/>
               </a:lnSpc>
             </a:pPr>
             <a:r>
-              <a:rPr lang="en-US" sz="2033" spc="40">
+              <a:rPr lang="en-US" sz="2499" spc="49">
                 <a:solidFill>
-                  <a:srgbClr val="414B3B"/>
+                  <a:srgbClr val="000000"/>
                 </a:solidFill>
-                <a:latin typeface="Open Sans"/>
+                <a:latin typeface="Open Sans 1"/>
               </a:rPr>
               <a:t>I nostri grafici forniscono agli utenti una panoramica chiara delle tendenze attuali e li aiutano a valutare meglio le loro opzioni di acquisto.</a:t>
             </a:r>
@@ -5122,54 +5173,108 @@
       </p:sp>
       <p:sp>
         <p:nvSpPr>
-          <p:cNvPr id="4" name="TextBox 4"/>
-          <p:cNvSpPr txBox="1"/>
+          <p:cNvPr name="TextBox 4" id="4"/>
+          <p:cNvSpPr txBox="true"/>
           <p:nvPr/>
         </p:nvSpPr>
         <p:spPr>
-          <a:xfrm>
-            <a:off x="9587557" y="3852600"/>
-            <a:ext cx="6962330" cy="1724660"/>
+          <a:xfrm rot="0">
+            <a:off x="7143114" y="2543175"/>
+            <a:ext cx="4001772" cy="5200650"/>
           </a:xfrm>
           <a:prstGeom prst="rect">
             <a:avLst/>
           </a:prstGeom>
         </p:spPr>
         <p:txBody>
-          <a:bodyPr lIns="0" tIns="0" rIns="0" bIns="0" rtlCol="0" anchor="t">
+          <a:bodyPr anchor="t" rtlCol="false" tIns="0" lIns="0" bIns="0" rIns="0">
             <a:spAutoFit/>
           </a:bodyPr>
           <a:lstStyle/>
           <a:p>
-            <a:pPr marL="0" lvl="0" indent="0" algn="ctr">
+            <a:pPr algn="ctr" marL="0" indent="0" lvl="0">
               <a:lnSpc>
-                <a:spcPts val="2320"/>
+                <a:spcPts val="2999"/>
               </a:lnSpc>
             </a:pPr>
             <a:r>
-              <a:rPr lang="en-US" sz="2000" spc="40">
+              <a:rPr lang="en-US" sz="2499" spc="49">
                 <a:solidFill>
-                  <a:srgbClr val="414B3B"/>
+                  <a:srgbClr val="000000"/>
                 </a:solidFill>
-                <a:latin typeface="Open Sans"/>
+                <a:latin typeface="Open Sans 1"/>
               </a:rPr>
               <a:t>4. Chatbot  consiglia Macchine:</a:t>
             </a:r>
           </a:p>
           <a:p>
-            <a:pPr marL="0" lvl="0" indent="0" algn="ctr">
+            <a:pPr algn="ctr" marL="0" indent="0" lvl="0">
               <a:lnSpc>
-                <a:spcPts val="2320"/>
+                <a:spcPts val="2999"/>
               </a:lnSpc>
             </a:pPr>
             <a:r>
-              <a:rPr lang="en-US" sz="2000" spc="40">
+              <a:rPr lang="en-US" sz="2499" spc="49">
                 <a:solidFill>
-                  <a:srgbClr val="414B3B"/>
+                  <a:srgbClr val="000000"/>
                 </a:solidFill>
-                <a:latin typeface="Open Sans"/>
+                <a:latin typeface="Open Sans 1"/>
               </a:rPr>
               <a:t>Il nostro sito è dotato di un chatbot intelligente. Sa consigliare le migliori opzioni di automobili in base ai loro criteri di ricerca e preferenze. Questo strumento interattivo fornisce agli utenti un'assistenza immediata e personalizzata durante il processo di ricerca.</a:t>
+            </a:r>
+          </a:p>
+        </p:txBody>
+      </p:sp>
+      <p:sp>
+        <p:nvSpPr>
+          <p:cNvPr name="TextBox 5" id="5"/>
+          <p:cNvSpPr txBox="true"/>
+          <p:nvPr/>
+        </p:nvSpPr>
+        <p:spPr>
+          <a:xfrm rot="0">
+            <a:off x="12686664" y="3100387"/>
+            <a:ext cx="4001772" cy="4086225"/>
+          </a:xfrm>
+          <a:prstGeom prst="rect">
+            <a:avLst/>
+          </a:prstGeom>
+        </p:spPr>
+        <p:txBody>
+          <a:bodyPr anchor="t" rtlCol="false" tIns="0" lIns="0" bIns="0" rIns="0">
+            <a:spAutoFit/>
+          </a:bodyPr>
+          <a:lstStyle/>
+          <a:p>
+            <a:pPr algn="ctr" marL="0" indent="0" lvl="0">
+              <a:lnSpc>
+                <a:spcPts val="2999"/>
+              </a:lnSpc>
+            </a:pPr>
+            <a:r>
+              <a:rPr lang="en-US" sz="2499" spc="49">
+                <a:solidFill>
+                  <a:srgbClr val="000000"/>
+                </a:solidFill>
+                <a:latin typeface="Open Sans 1"/>
+              </a:rPr>
+              <a:t>5. Admin:</a:t>
+            </a:r>
+          </a:p>
+          <a:p>
+            <a:pPr algn="ctr" marL="0" indent="0" lvl="0">
+              <a:lnSpc>
+                <a:spcPts val="2999"/>
+              </a:lnSpc>
+            </a:pPr>
+            <a:r>
+              <a:rPr lang="en-US" sz="2499" spc="49">
+                <a:solidFill>
+                  <a:srgbClr val="000000"/>
+                </a:solidFill>
+                <a:latin typeface="Open Sans 1"/>
+              </a:rPr>
+              <a:t>Il nostro sito include un'opzione amministrativa che consente all’utente con privilegi di amministratore di modificare, cancellare ed aggiungere macchine e marchi, ed eliminare gli utenti.</a:t>
             </a:r>
           </a:p>
         </p:txBody>
@@ -5179,21 +5284,17 @@
   <p:clrMapOvr>
     <a:masterClrMapping/>
   </p:clrMapOvr>
-  <p:transition spd="slow">
-    <p:push dir="u"/>
-  </p:transition>
 </p:sld>
 </file>
 
 <file path=ppt/slides/slide7.xml><?xml version="1.0" encoding="utf-8"?>
-<p:sld xmlns:a="http://schemas.openxmlformats.org/drawingml/2006/main" xmlns:r="http://schemas.openxmlformats.org/officeDocument/2006/relationships" xmlns:p="http://schemas.openxmlformats.org/presentationml/2006/main">
+<p:sld xmlns:p="http://schemas.openxmlformats.org/presentationml/2006/main" xmlns:a="http://schemas.openxmlformats.org/drawingml/2006/main" xmlns:r="http://schemas.openxmlformats.org/officeDocument/2006/relationships">
   <p:cSld>
     <p:bg>
       <p:bgPr>
         <a:solidFill>
           <a:srgbClr val="FFF9F3"/>
         </a:solidFill>
-        <a:effectLst/>
       </p:bgPr>
     </p:bg>
     <p:spTree>
@@ -5212,34 +5313,34 @@
       </p:grpSpPr>
       <p:sp>
         <p:nvSpPr>
-          <p:cNvPr id="2" name="Freeform 2"/>
+          <p:cNvPr name="Freeform 2" id="2" descr="Financial analysis and forecasting icon"/>
           <p:cNvSpPr/>
           <p:nvPr/>
         </p:nvSpPr>
         <p:spPr>
-          <a:xfrm>
-            <a:off x="232248" y="711857"/>
-            <a:ext cx="1592904" cy="1646412"/>
+          <a:xfrm flipH="false" flipV="false" rot="0">
+            <a:off x="11675396" y="2239963"/>
+            <a:ext cx="5807074" cy="5807074"/>
           </a:xfrm>
           <a:custGeom>
             <a:avLst/>
             <a:gdLst/>
             <a:ahLst/>
             <a:cxnLst/>
-            <a:rect l="l" t="t" r="r" b="b"/>
+            <a:rect r="r" b="b" t="t" l="l"/>
             <a:pathLst>
-              <a:path w="1592904" h="1646412">
+              <a:path h="5807074" w="5807074">
                 <a:moveTo>
                   <a:pt x="0" y="0"/>
                 </a:moveTo>
                 <a:lnTo>
-                  <a:pt x="1592904" y="0"/>
+                  <a:pt x="5807074" y="0"/>
                 </a:lnTo>
                 <a:lnTo>
-                  <a:pt x="1592904" y="1646413"/>
+                  <a:pt x="5807074" y="5807074"/>
                 </a:lnTo>
                 <a:lnTo>
-                  <a:pt x="0" y="1646413"/>
+                  <a:pt x="0" y="5807074"/>
                 </a:lnTo>
                 <a:lnTo>
                   <a:pt x="0" y="0"/>
@@ -5257,92 +5358,238 @@
               </a:extLst>
             </a:blip>
             <a:stretch>
-              <a:fillRect/>
+              <a:fillRect l="0" t="0" r="0" b="0"/>
             </a:stretch>
           </a:blipFill>
         </p:spPr>
-        <p:txBody>
-          <a:bodyPr/>
-          <a:lstStyle/>
-          <a:p>
-            <a:endParaRPr lang="it-IT"/>
-          </a:p>
-        </p:txBody>
-      </p:sp>
-      <p:sp>
-        <p:nvSpPr>
-          <p:cNvPr id="3" name="TextBox 3"/>
-          <p:cNvSpPr txBox="1"/>
+      </p:sp>
+      <p:grpSp>
+        <p:nvGrpSpPr>
+          <p:cNvPr name="Group 3" id="3"/>
+          <p:cNvGrpSpPr/>
           <p:nvPr/>
-        </p:nvSpPr>
-        <p:spPr>
-          <a:xfrm>
-            <a:off x="2262341" y="1259085"/>
-            <a:ext cx="13763318" cy="1099185"/>
-          </a:xfrm>
-          <a:prstGeom prst="rect">
-            <a:avLst/>
-          </a:prstGeom>
-        </p:spPr>
-        <p:txBody>
-          <a:bodyPr lIns="0" tIns="0" rIns="0" bIns="0" rtlCol="0" anchor="t">
-            <a:spAutoFit/>
-          </a:bodyPr>
-          <a:lstStyle/>
-          <a:p>
-            <a:pPr marL="0" lvl="0" indent="0" algn="ctr">
-              <a:lnSpc>
-                <a:spcPts val="2940"/>
-              </a:lnSpc>
-            </a:pPr>
-            <a:r>
-              <a:rPr lang="en-US" sz="2100" spc="42">
-                <a:solidFill>
-                  <a:srgbClr val="000000"/>
-                </a:solidFill>
-                <a:latin typeface="Open Sans"/>
-              </a:rPr>
-              <a:t>5. Admin:</a:t>
-            </a:r>
-          </a:p>
-          <a:p>
-            <a:pPr marL="0" lvl="0" indent="0" algn="ctr">
-              <a:lnSpc>
-                <a:spcPts val="2940"/>
-              </a:lnSpc>
-            </a:pPr>
-            <a:r>
-              <a:rPr lang="en-US" sz="2100" spc="42">
-                <a:solidFill>
-                  <a:srgbClr val="000000"/>
-                </a:solidFill>
-                <a:latin typeface="Open Sans"/>
-              </a:rPr>
-              <a:t>Il nostro sito include un'opzione amministrativa che consente agli utenti con privilegi di amministratore di modificare, cancellare ed aggiungere macchine, nonché gestire gli utenti registrati. .</a:t>
-            </a:r>
-          </a:p>
-        </p:txBody>
-      </p:sp>
+        </p:nvGrpSpPr>
+        <p:grpSpPr>
+          <a:xfrm rot="0">
+            <a:off x="0" y="0"/>
+            <a:ext cx="8713961" cy="10244956"/>
+            <a:chOff x="0" y="0"/>
+            <a:chExt cx="11618615" cy="13659941"/>
+          </a:xfrm>
+        </p:grpSpPr>
+        <p:sp>
+          <p:nvSpPr>
+            <p:cNvPr name="AutoShape 4" id="4"/>
+            <p:cNvSpPr/>
+            <p:nvPr/>
+          </p:nvSpPr>
+          <p:spPr>
+            <a:xfrm rot="0">
+              <a:off x="0" y="3229521"/>
+              <a:ext cx="10261745" cy="10113"/>
+            </a:xfrm>
+            <a:prstGeom prst="rect">
+              <a:avLst/>
+            </a:prstGeom>
+            <a:solidFill>
+              <a:srgbClr val="000000"/>
+            </a:solidFill>
+          </p:spPr>
+        </p:sp>
+        <p:sp>
+          <p:nvSpPr>
+            <p:cNvPr name="TextBox 5" id="5"/>
+            <p:cNvSpPr txBox="true"/>
+            <p:nvPr/>
+          </p:nvSpPr>
+          <p:spPr>
+            <a:xfrm rot="0">
+              <a:off x="0" y="47625"/>
+              <a:ext cx="11618615" cy="2045723"/>
+            </a:xfrm>
+            <a:prstGeom prst="rect">
+              <a:avLst/>
+            </a:prstGeom>
+          </p:spPr>
+          <p:txBody>
+            <a:bodyPr anchor="t" rtlCol="false" tIns="0" lIns="0" bIns="0" rIns="0">
+              <a:spAutoFit/>
+            </a:bodyPr>
+            <a:lstStyle/>
+            <a:p>
+              <a:pPr marL="0" indent="0" lvl="0">
+                <a:lnSpc>
+                  <a:spcPts val="5912"/>
+                </a:lnSpc>
+              </a:pPr>
+              <a:r>
+                <a:rPr lang="en-US" sz="5374">
+                  <a:solidFill>
+                    <a:srgbClr val="000000"/>
+                  </a:solidFill>
+                  <a:latin typeface="Open Sans 2 Bold"/>
+                </a:rPr>
+                <a:t>Analisi dei dati: Correlazioni e Previsioni</a:t>
+              </a:r>
+            </a:p>
+          </p:txBody>
+        </p:sp>
+        <p:sp>
+          <p:nvSpPr>
+            <p:cNvPr name="TextBox 6" id="6"/>
+            <p:cNvSpPr txBox="true"/>
+            <p:nvPr/>
+          </p:nvSpPr>
+          <p:spPr>
+            <a:xfrm rot="0">
+              <a:off x="0" y="4050079"/>
+              <a:ext cx="11618615" cy="4052358"/>
+            </a:xfrm>
+            <a:prstGeom prst="rect">
+              <a:avLst/>
+            </a:prstGeom>
+          </p:spPr>
+          <p:txBody>
+            <a:bodyPr anchor="t" rtlCol="false" tIns="0" lIns="0" bIns="0" rIns="0">
+              <a:spAutoFit/>
+            </a:bodyPr>
+            <a:lstStyle/>
+            <a:p>
+              <a:pPr marL="0" indent="0" lvl="0">
+                <a:lnSpc>
+                  <a:spcPts val="3499"/>
+                </a:lnSpc>
+              </a:pPr>
+              <a:r>
+                <a:rPr lang="en-US" sz="2499">
+                  <a:solidFill>
+                    <a:srgbClr val="000000"/>
+                  </a:solidFill>
+                  <a:latin typeface="Open Sans 2"/>
+                </a:rPr>
+                <a:t>Identificazione delle correlazioni tra le varie variabili al fine di migliorare le nostre previsioni. Utilizzando un notebook Jupyter, abbiamo esplorato i dati in dettaglio.</a:t>
+              </a:r>
+            </a:p>
+            <a:p>
+              <a:pPr marL="0" indent="0" lvl="0">
+                <a:lnSpc>
+                  <a:spcPts val="3499"/>
+                </a:lnSpc>
+              </a:pPr>
+              <a:r>
+                <a:rPr lang="en-US" sz="2499">
+                  <a:solidFill>
+                    <a:srgbClr val="000000"/>
+                  </a:solidFill>
+                  <a:latin typeface="Open Sans 2"/>
+                </a:rPr>
+                <a:t>Ci siamo concentrati sulla visualizzazione dei dati tramite grafici come gli scatterplot, che ci hanno permesso di comprendere meglio le relazioni tra le variabili, in particolare con il prezzo.</a:t>
+              </a:r>
+            </a:p>
+          </p:txBody>
+        </p:sp>
+        <p:sp>
+          <p:nvSpPr>
+            <p:cNvPr name="TextBox 7" id="7"/>
+            <p:cNvSpPr txBox="true"/>
+            <p:nvPr/>
+          </p:nvSpPr>
+          <p:spPr>
+            <a:xfrm rot="0">
+              <a:off x="0" y="9160574"/>
+              <a:ext cx="11618615" cy="1715558"/>
+            </a:xfrm>
+            <a:prstGeom prst="rect">
+              <a:avLst/>
+            </a:prstGeom>
+          </p:spPr>
+          <p:txBody>
+            <a:bodyPr anchor="t" rtlCol="false" tIns="0" lIns="0" bIns="0" rIns="0">
+              <a:spAutoFit/>
+            </a:bodyPr>
+            <a:lstStyle/>
+            <a:p>
+              <a:pPr marL="0" indent="0" lvl="0">
+                <a:lnSpc>
+                  <a:spcPts val="3499"/>
+                </a:lnSpc>
+              </a:pPr>
+              <a:r>
+                <a:rPr lang="en-US" sz="2499">
+                  <a:solidFill>
+                    <a:srgbClr val="000000"/>
+                  </a:solidFill>
+                  <a:latin typeface="Open Sans 2"/>
+                </a:rPr>
+                <a:t>A</a:t>
+              </a:r>
+              <a:r>
+                <a:rPr lang="en-US" sz="2499">
+                  <a:solidFill>
+                    <a:srgbClr val="000000"/>
+                  </a:solidFill>
+                  <a:latin typeface="Open Sans 2"/>
+                </a:rPr>
+                <a:t>bbiamo applicato modelli di regressione lineare di scikit-learn per quantificare le correlazioni e fare previsioni più accurate.</a:t>
+              </a:r>
+            </a:p>
+          </p:txBody>
+        </p:sp>
+        <p:sp>
+          <p:nvSpPr>
+            <p:cNvPr name="TextBox 8" id="8"/>
+            <p:cNvSpPr txBox="true"/>
+            <p:nvPr/>
+          </p:nvSpPr>
+          <p:spPr>
+            <a:xfrm rot="0">
+              <a:off x="0" y="11944383"/>
+              <a:ext cx="11618615" cy="1715558"/>
+            </a:xfrm>
+            <a:prstGeom prst="rect">
+              <a:avLst/>
+            </a:prstGeom>
+          </p:spPr>
+          <p:txBody>
+            <a:bodyPr anchor="t" rtlCol="false" tIns="0" lIns="0" bIns="0" rIns="0">
+              <a:spAutoFit/>
+            </a:bodyPr>
+            <a:lstStyle/>
+            <a:p>
+              <a:pPr marL="0" indent="0" lvl="0">
+                <a:lnSpc>
+                  <a:spcPts val="3499"/>
+                </a:lnSpc>
+              </a:pPr>
+              <a:r>
+                <a:rPr lang="en-US" sz="2499">
+                  <a:solidFill>
+                    <a:srgbClr val="000000"/>
+                  </a:solidFill>
+                  <a:latin typeface="Open Sans 2"/>
+                </a:rPr>
+                <a:t>In conclusione, l'analisi dei dati ci ha fornito preziose informazioni che ci consentiranno di prendere decisioni più informate e di migliorare le nostre previsioni future</a:t>
+              </a:r>
+            </a:p>
+          </p:txBody>
+        </p:sp>
+      </p:grpSp>
     </p:spTree>
   </p:cSld>
   <p:clrMapOvr>
     <a:masterClrMapping/>
   </p:clrMapOvr>
-  <p:transition spd="slow">
-    <p:push dir="u"/>
-  </p:transition>
 </p:sld>
 </file>
 
 <file path=ppt/slides/slide8.xml><?xml version="1.0" encoding="utf-8"?>
-<p:sld xmlns:a="http://schemas.openxmlformats.org/drawingml/2006/main" xmlns:r="http://schemas.openxmlformats.org/officeDocument/2006/relationships" xmlns:p="http://schemas.openxmlformats.org/presentationml/2006/main">
+<p:sld xmlns:p="http://schemas.openxmlformats.org/presentationml/2006/main" xmlns:a="http://schemas.openxmlformats.org/drawingml/2006/main" xmlns:r="http://schemas.openxmlformats.org/officeDocument/2006/relationships">
   <p:cSld>
     <p:bg>
       <p:bgPr>
         <a:solidFill>
           <a:srgbClr val="FFF9F3"/>
         </a:solidFill>
-        <a:effectLst/>
       </p:bgPr>
     </p:bg>
     <p:spTree>
@@ -5361,12 +5608,12 @@
       </p:grpSpPr>
       <p:sp>
         <p:nvSpPr>
-          <p:cNvPr id="2" name="Freeform 2" descr="Car Flat Pictogram"/>
+          <p:cNvPr name="Freeform 2" id="2" descr="Car Flat Pictogram"/>
           <p:cNvSpPr/>
           <p:nvPr/>
         </p:nvSpPr>
         <p:spPr>
-          <a:xfrm>
+          <a:xfrm flipH="false" flipV="false" rot="0">
             <a:off x="0" y="6812173"/>
             <a:ext cx="6017016" cy="3474827"/>
           </a:xfrm>
@@ -5375,9 +5622,9 @@
             <a:gdLst/>
             <a:ahLst/>
             <a:cxnLst/>
-            <a:rect l="l" t="t" r="r" b="b"/>
+            <a:rect r="r" b="b" t="t" l="l"/>
             <a:pathLst>
-              <a:path w="6017016" h="3474827">
+              <a:path h="3474827" w="6017016">
                 <a:moveTo>
                   <a:pt x="0" y="0"/>
                 </a:moveTo>
@@ -5406,26 +5653,19 @@
               </a:extLst>
             </a:blip>
             <a:stretch>
-              <a:fillRect/>
+              <a:fillRect l="0" t="0" r="0" b="0"/>
             </a:stretch>
           </a:blipFill>
         </p:spPr>
-        <p:txBody>
-          <a:bodyPr/>
-          <a:lstStyle/>
-          <a:p>
-            <a:endParaRPr lang="it-IT"/>
-          </a:p>
-        </p:txBody>
       </p:sp>
       <p:grpSp>
         <p:nvGrpSpPr>
-          <p:cNvPr id="3" name="Group 3"/>
+          <p:cNvPr name="Group 3" id="3"/>
           <p:cNvGrpSpPr/>
           <p:nvPr/>
         </p:nvGrpSpPr>
         <p:grpSpPr>
-          <a:xfrm>
+          <a:xfrm rot="0">
             <a:off x="9144000" y="0"/>
             <a:ext cx="9144000" cy="10287000"/>
             <a:chOff x="0" y="0"/>
@@ -5434,12 +5674,12 @@
         </p:grpSpPr>
         <p:sp>
           <p:nvSpPr>
-            <p:cNvPr id="4" name="Freeform 4"/>
+            <p:cNvPr name="Freeform 4" id="4"/>
             <p:cNvSpPr/>
             <p:nvPr/>
           </p:nvSpPr>
           <p:spPr>
-            <a:xfrm>
+            <a:xfrm flipH="false" flipV="false" rot="0">
               <a:off x="0" y="0"/>
               <a:ext cx="2408296" cy="2709333"/>
             </a:xfrm>
@@ -5448,9 +5688,9 @@
               <a:gdLst/>
               <a:ahLst/>
               <a:cxnLst/>
-              <a:rect l="l" t="t" r="r" b="b"/>
+              <a:rect r="r" b="b" t="t" l="l"/>
               <a:pathLst>
-                <a:path w="2408296" h="2709333">
+                <a:path h="2709333" w="2408296">
                   <a:moveTo>
                     <a:pt x="0" y="0"/>
                   </a:moveTo>
@@ -5471,18 +5711,11 @@
               <a:srgbClr val="8CA87C"/>
             </a:solidFill>
           </p:spPr>
-          <p:txBody>
-            <a:bodyPr/>
-            <a:lstStyle/>
-            <a:p>
-              <a:endParaRPr lang="it-IT"/>
-            </a:p>
-          </p:txBody>
         </p:sp>
         <p:sp>
           <p:nvSpPr>
-            <p:cNvPr id="5" name="TextBox 5"/>
-            <p:cNvSpPr txBox="1"/>
+            <p:cNvPr name="TextBox 5" id="5"/>
+            <p:cNvSpPr txBox="true"/>
             <p:nvPr/>
           </p:nvSpPr>
           <p:spPr>
@@ -5495,7 +5728,7 @@
             </a:prstGeom>
           </p:spPr>
           <p:txBody>
-            <a:bodyPr lIns="50800" tIns="50800" rIns="50800" bIns="50800" rtlCol="0" anchor="ctr"/>
+            <a:bodyPr anchor="ctr" rtlCol="false" tIns="50800" lIns="50800" bIns="50800" rIns="50800"/>
             <a:lstStyle/>
             <a:p>
               <a:pPr algn="ctr">
@@ -5503,19 +5736,18 @@
                   <a:spcPts val="3150"/>
                 </a:lnSpc>
               </a:pPr>
-              <a:endParaRPr/>
             </a:p>
           </p:txBody>
         </p:sp>
       </p:grpSp>
       <p:sp>
         <p:nvSpPr>
-          <p:cNvPr id="6" name="TextBox 6"/>
-          <p:cNvSpPr txBox="1"/>
+          <p:cNvPr name="TextBox 6" id="6"/>
+          <p:cNvSpPr txBox="true"/>
           <p:nvPr/>
         </p:nvSpPr>
         <p:spPr>
-          <a:xfrm>
+          <a:xfrm rot="0">
             <a:off x="10769933" y="3224213"/>
             <a:ext cx="6133767" cy="4029075"/>
           </a:xfrm>
@@ -5524,12 +5756,12 @@
           </a:prstGeom>
         </p:spPr>
         <p:txBody>
-          <a:bodyPr lIns="0" tIns="0" rIns="0" bIns="0" rtlCol="0" anchor="t">
+          <a:bodyPr anchor="t" rtlCol="false" tIns="0" lIns="0" bIns="0" rIns="0">
             <a:spAutoFit/>
           </a:bodyPr>
           <a:lstStyle/>
           <a:p>
-            <a:pPr marL="0" lvl="0" indent="0" algn="l">
+            <a:pPr algn="l" marL="0" indent="0" lvl="0">
               <a:lnSpc>
                 <a:spcPts val="6299"/>
               </a:lnSpc>
@@ -5538,7 +5770,7 @@
               </a:spcBef>
             </a:pPr>
             <a:r>
-              <a:rPr lang="en-US" sz="6999" u="none" strike="noStrike" spc="139">
+              <a:rPr lang="en-US" sz="6999" spc="139" strike="noStrike" u="none">
                 <a:solidFill>
                   <a:srgbClr val="414B3B"/>
                 </a:solidFill>
@@ -5548,7 +5780,7 @@
             </a:r>
           </a:p>
           <a:p>
-            <a:pPr marL="0" lvl="0" indent="0" algn="l">
+            <a:pPr algn="l" marL="0" indent="0" lvl="0">
               <a:lnSpc>
                 <a:spcPts val="6299"/>
               </a:lnSpc>
@@ -5557,7 +5789,7 @@
               </a:spcBef>
             </a:pPr>
             <a:r>
-              <a:rPr lang="en-US" sz="6999" u="none" strike="noStrike" spc="139">
+              <a:rPr lang="en-US" sz="6999" spc="139" strike="noStrike" u="none">
                 <a:solidFill>
                   <a:srgbClr val="414B3B"/>
                 </a:solidFill>
@@ -5567,7 +5799,7 @@
             </a:r>
           </a:p>
           <a:p>
-            <a:pPr marL="0" lvl="0" indent="0" algn="l">
+            <a:pPr algn="l" marL="0" indent="0" lvl="0">
               <a:lnSpc>
                 <a:spcPts val="6299"/>
               </a:lnSpc>
@@ -5576,7 +5808,7 @@
               </a:spcBef>
             </a:pPr>
             <a:r>
-              <a:rPr lang="en-US" sz="6999" u="none" strike="noStrike" spc="139">
+              <a:rPr lang="en-US" sz="6999" spc="139" strike="noStrike" u="none">
                 <a:solidFill>
                   <a:srgbClr val="414B3B"/>
                 </a:solidFill>
@@ -5586,7 +5818,7 @@
             </a:r>
           </a:p>
           <a:p>
-            <a:pPr marL="0" lvl="0" indent="0" algn="l">
+            <a:pPr algn="l" marL="0" indent="0" lvl="0">
               <a:lnSpc>
                 <a:spcPts val="6299"/>
               </a:lnSpc>
@@ -5595,7 +5827,7 @@
               </a:spcBef>
             </a:pPr>
             <a:r>
-              <a:rPr lang="en-US" sz="6999" u="none" strike="noStrike" spc="139">
+              <a:rPr lang="en-US" sz="6999" spc="139" strike="noStrike" u="none">
                 <a:solidFill>
                   <a:srgbClr val="414B3B"/>
                 </a:solidFill>
@@ -5605,7 +5837,7 @@
             </a:r>
           </a:p>
           <a:p>
-            <a:pPr marL="0" lvl="0" indent="0" algn="l">
+            <a:pPr algn="l" marL="0" indent="0" lvl="0">
               <a:lnSpc>
                 <a:spcPts val="6299"/>
               </a:lnSpc>
@@ -5614,7 +5846,7 @@
               </a:spcBef>
             </a:pPr>
             <a:r>
-              <a:rPr lang="en-US" sz="6999" u="none" strike="noStrike" spc="139">
+              <a:rPr lang="en-US" sz="6999" spc="139" strike="noStrike" u="none">
                 <a:solidFill>
                   <a:srgbClr val="414B3B"/>
                 </a:solidFill>
@@ -5627,12 +5859,12 @@
       </p:sp>
       <p:sp>
         <p:nvSpPr>
-          <p:cNvPr id="7" name="TextBox 7"/>
-          <p:cNvSpPr txBox="1"/>
+          <p:cNvPr name="TextBox 7" id="7"/>
+          <p:cNvSpPr txBox="true"/>
           <p:nvPr/>
         </p:nvSpPr>
         <p:spPr>
-          <a:xfrm>
+          <a:xfrm rot="0">
             <a:off x="1384300" y="4901610"/>
             <a:ext cx="6299200" cy="636179"/>
           </a:xfrm>
@@ -5641,12 +5873,12 @@
           </a:prstGeom>
         </p:spPr>
         <p:txBody>
-          <a:bodyPr lIns="0" tIns="0" rIns="0" bIns="0" rtlCol="0" anchor="t">
+          <a:bodyPr anchor="t" rtlCol="false" tIns="0" lIns="0" bIns="0" rIns="0">
             <a:spAutoFit/>
           </a:bodyPr>
           <a:lstStyle/>
           <a:p>
-            <a:pPr marL="0" lvl="0" indent="0" algn="l">
+            <a:pPr algn="l" marL="0" indent="0" lvl="0">
               <a:lnSpc>
                 <a:spcPts val="4677"/>
               </a:lnSpc>
@@ -5655,11 +5887,11 @@
               </a:spcBef>
             </a:pPr>
             <a:r>
-              <a:rPr lang="en-US" sz="5197" u="none" strike="noStrike" spc="259">
+              <a:rPr lang="en-US" sz="5197" spc="259" strike="noStrike" u="none">
                 <a:solidFill>
                   <a:srgbClr val="414B3B"/>
                 </a:solidFill>
-                <a:latin typeface="Open Sans Bold"/>
+                <a:latin typeface="Open Sans 1 Bold"/>
               </a:rPr>
               <a:t>UN PROGETTO DI:</a:t>
             </a:r>
@@ -5671,18 +5903,38 @@
   <p:clrMapOvr>
     <a:masterClrMapping/>
   </p:clrMapOvr>
-  <mc:AlternateContent xmlns:mc="http://schemas.openxmlformats.org/markup-compatibility/2006">
-    <mc:Choice xmlns:p14="http://schemas.microsoft.com/office/powerpoint/2010/main" Requires="p14">
-      <p:transition spd="slow" p14:dur="800">
-        <p:circle/>
-      </p:transition>
-    </mc:Choice>
-    <mc:Fallback>
-      <p:transition spd="slow">
-        <p:circle/>
-      </p:transition>
-    </mc:Fallback>
-  </mc:AlternateContent>
+</p:sld>
+</file>
+
+<file path=ppt/slides/slide9.xml><?xml version="1.0" encoding="utf-8"?>
+<p:sld xmlns:p="http://schemas.openxmlformats.org/presentationml/2006/main" xmlns:a="http://schemas.openxmlformats.org/drawingml/2006/main">
+  <p:cSld>
+    <p:bg>
+      <p:bgPr>
+        <a:solidFill>
+          <a:srgbClr val="FFF9F3"/>
+        </a:solidFill>
+      </p:bgPr>
+    </p:bg>
+    <p:spTree>
+      <p:nvGrpSpPr>
+        <p:cNvPr id="1" name=""/>
+        <p:cNvGrpSpPr/>
+        <p:nvPr/>
+      </p:nvGrpSpPr>
+      <p:grpSpPr>
+        <a:xfrm>
+          <a:off x="0" y="0"/>
+          <a:ext cx="0" cy="0"/>
+          <a:chOff x="0" y="0"/>
+          <a:chExt cx="0" cy="0"/>
+        </a:xfrm>
+      </p:grpSpPr>
+    </p:spTree>
+  </p:cSld>
+  <p:clrMapOvr>
+    <a:masterClrMapping/>
+  </p:clrMapOvr>
 </p:sld>
 </file>
 

--- a/presentazione/Presentazione ProjectWork-DrivenChoice.pptx
+++ b/presentazione/Presentazione ProjectWork-DrivenChoice.pptx
@@ -1,106 +1,41 @@
 
 <file path=ppt/presentation.xml><?xml version="1.0" encoding="utf-8"?>
-<p:presentation xmlns:a="http://schemas.openxmlformats.org/drawingml/2006/main" xmlns:r="http://schemas.openxmlformats.org/officeDocument/2006/relationships" xmlns:p="http://schemas.openxmlformats.org/presentationml/2006/main" saveSubsetFonts="1" embedTrueTypeFonts="true">
+<p:presentation xmlns:a="http://schemas.openxmlformats.org/drawingml/2006/main" xmlns:r="http://schemas.openxmlformats.org/officeDocument/2006/relationships" xmlns:p="http://schemas.openxmlformats.org/presentationml/2006/main" embedTrueTypeFonts="1" saveSubsetFonts="1">
   <p:sldMasterIdLst>
     <p:sldMasterId id="2147483648" r:id="rId1"/>
   </p:sldMasterIdLst>
   <p:sldIdLst>
-    <p:sldId id="256" r:id="rId27"/>
-    <p:sldId id="257" r:id="rId28"/>
-    <p:sldId id="258" r:id="rId29"/>
-    <p:sldId id="259" r:id="rId30"/>
-    <p:sldId id="260" r:id="rId31"/>
-    <p:sldId id="261" r:id="rId32"/>
-    <p:sldId id="262" r:id="rId33"/>
-    <p:sldId id="263" r:id="rId34"/>
-    <p:sldId id="264" r:id="rId35"/>
+    <p:sldId id="256" r:id="rId2"/>
+    <p:sldId id="257" r:id="rId3"/>
+    <p:sldId id="258" r:id="rId4"/>
+    <p:sldId id="259" r:id="rId5"/>
+    <p:sldId id="260" r:id="rId6"/>
+    <p:sldId id="261" r:id="rId7"/>
+    <p:sldId id="262" r:id="rId8"/>
+    <p:sldId id="263" r:id="rId9"/>
   </p:sldIdLst>
   <p:sldSz cx="18288000" cy="10287000"/>
   <p:notesSz cx="6858000" cy="9144000"/>
   <p:embeddedFontLst>
     <p:embeddedFont>
-      <p:font typeface="Open Sans 1" charset="1" panose="020B0606030504020204"/>
-      <p:regular r:id="rId6"/>
-    </p:embeddedFont>
-    <p:embeddedFont>
-      <p:font typeface="Open Sans 1 Bold" charset="1" panose="020B0806030504020204"/>
-      <p:regular r:id="rId7"/>
-    </p:embeddedFont>
-    <p:embeddedFont>
-      <p:font typeface="Open Sans 1 Italics" charset="1" panose="020B0606030504020204"/>
-      <p:regular r:id="rId8"/>
-    </p:embeddedFont>
-    <p:embeddedFont>
-      <p:font typeface="Open Sans 1 Bold Italics" charset="1" panose="020B0806030504020204"/>
-      <p:regular r:id="rId9"/>
-    </p:embeddedFont>
-    <p:embeddedFont>
-      <p:font typeface="Arimo" charset="1" panose="020B0604020202020204"/>
+      <p:font typeface="Archivo Black" panose="020B0604020202020204" charset="0"/>
       <p:regular r:id="rId10"/>
     </p:embeddedFont>
     <p:embeddedFont>
-      <p:font typeface="Arimo Bold" charset="1" panose="020B0704020202020204"/>
+      <p:font typeface="Open Sans 1" panose="020B0604020202020204" charset="0"/>
       <p:regular r:id="rId11"/>
     </p:embeddedFont>
     <p:embeddedFont>
-      <p:font typeface="Arimo Italics" charset="1" panose="020B0604020202090204"/>
+      <p:font typeface="Open Sans 1 Bold" panose="020B0604020202020204" charset="0"/>
       <p:regular r:id="rId12"/>
     </p:embeddedFont>
     <p:embeddedFont>
-      <p:font typeface="Arimo Bold Italics" charset="1" panose="020B0704020202090204"/>
+      <p:font typeface="Open Sans 2" panose="020B0604020202020204" charset="0"/>
       <p:regular r:id="rId13"/>
     </p:embeddedFont>
     <p:embeddedFont>
-      <p:font typeface="Archivo Black" charset="1" panose="020B0A03020202020B04"/>
+      <p:font typeface="Open Sans 2 Bold" panose="020B0604020202020204" charset="0"/>
       <p:regular r:id="rId14"/>
-    </p:embeddedFont>
-    <p:embeddedFont>
-      <p:font typeface="Open Sans 2" charset="1" panose="00000000000000000000"/>
-      <p:regular r:id="rId15"/>
-    </p:embeddedFont>
-    <p:embeddedFont>
-      <p:font typeface="Open Sans 2 Bold" charset="1" panose="00000000000000000000"/>
-      <p:regular r:id="rId16"/>
-    </p:embeddedFont>
-    <p:embeddedFont>
-      <p:font typeface="Open Sans 2 Italics" charset="1" panose="00000000000000000000"/>
-      <p:regular r:id="rId17"/>
-    </p:embeddedFont>
-    <p:embeddedFont>
-      <p:font typeface="Open Sans 2 Bold Italics" charset="1" panose="00000000000000000000"/>
-      <p:regular r:id="rId18"/>
-    </p:embeddedFont>
-    <p:embeddedFont>
-      <p:font typeface="Open Sans 2 Light" charset="1" panose="00000000000000000000"/>
-      <p:regular r:id="rId19"/>
-    </p:embeddedFont>
-    <p:embeddedFont>
-      <p:font typeface="Open Sans 2 Light Italics" charset="1" panose="00000000000000000000"/>
-      <p:regular r:id="rId20"/>
-    </p:embeddedFont>
-    <p:embeddedFont>
-      <p:font typeface="Open Sans 2 Medium" charset="1" panose="00000000000000000000"/>
-      <p:regular r:id="rId21"/>
-    </p:embeddedFont>
-    <p:embeddedFont>
-      <p:font typeface="Open Sans 2 Medium Italics" charset="1" panose="00000000000000000000"/>
-      <p:regular r:id="rId22"/>
-    </p:embeddedFont>
-    <p:embeddedFont>
-      <p:font typeface="Open Sans 2 Semi-Bold" charset="1" panose="00000000000000000000"/>
-      <p:regular r:id="rId23"/>
-    </p:embeddedFont>
-    <p:embeddedFont>
-      <p:font typeface="Open Sans 2 Semi-Bold Italics" charset="1" panose="00000000000000000000"/>
-      <p:regular r:id="rId24"/>
-    </p:embeddedFont>
-    <p:embeddedFont>
-      <p:font typeface="Open Sans 2 Ultra-Bold" charset="1" panose="00000000000000000000"/>
-      <p:regular r:id="rId25"/>
-    </p:embeddedFont>
-    <p:embeddedFont>
-      <p:font typeface="Open Sans 2 Ultra-Bold Italics" charset="1" panose="00000000000000000000"/>
-      <p:regular r:id="rId26"/>
     </p:embeddedFont>
   </p:embeddedFontLst>
   <p:defaultTextStyle>
@@ -198,6 +133,22 @@
       </a:defRPr>
     </a:lvl9pPr>
   </p:defaultTextStyle>
+  <p:extLst>
+    <p:ext uri="{EFAFB233-063F-42B5-8137-9DF3F51BA10A}">
+      <p15:sldGuideLst xmlns:p15="http://schemas.microsoft.com/office/powerpoint/2012/main">
+        <p15:guide id="1" orient="horz" pos="2160">
+          <p15:clr>
+            <a:srgbClr val="A4A3A4"/>
+          </p15:clr>
+        </p15:guide>
+        <p15:guide id="2" pos="2880">
+          <p15:clr>
+            <a:srgbClr val="A4A3A4"/>
+          </p15:clr>
+        </p15:guide>
+      </p15:sldGuideLst>
+    </p:ext>
+  </p:extLst>
 </p:presentation>
 </file>
 
@@ -239,10 +190,9 @@
           <a:lstStyle/>
           <a:p>
             <a:r>
-              <a:rPr lang="en-US" smtClean="0"/>
+              <a:rPr lang="en-US"/>
               <a:t>Click to edit Master title style</a:t>
             </a:r>
-            <a:endParaRPr lang="en-US"/>
           </a:p>
         </p:txBody>
       </p:sp>
@@ -358,10 +308,9 @@
           </a:lstStyle>
           <a:p>
             <a:r>
-              <a:rPr lang="en-US" smtClean="0"/>
+              <a:rPr lang="en-US"/>
               <a:t>Click to edit Master subtitle style</a:t>
             </a:r>
-            <a:endParaRPr lang="en-US"/>
           </a:p>
         </p:txBody>
       </p:sp>
@@ -383,7 +332,7 @@
             <a:fld id="{1D8BD707-D9CF-40AE-B4C6-C98DA3205C09}" type="datetimeFigureOut">
               <a:rPr lang="en-US" smtClean="0"/>
               <a:pPr/>
-              <a:t>8/1/2011</a:t>
+              <a:t>2/29/2024</a:t>
             </a:fld>
             <a:endParaRPr lang="en-US"/>
           </a:p>
@@ -426,7 +375,7 @@
             <a:fld id="{B6F15528-21DE-4FAA-801E-634DDDAF4B2B}" type="slidenum">
               <a:rPr lang="en-US" smtClean="0"/>
               <a:pPr/>
-              <a:t>‹#›</a:t>
+              <a:t>‹N›</a:t>
             </a:fld>
             <a:endParaRPr lang="en-US"/>
           </a:p>
@@ -473,10 +422,9 @@
           <a:lstStyle/>
           <a:p>
             <a:r>
-              <a:rPr lang="en-US" smtClean="0"/>
+              <a:rPr lang="en-US"/>
               <a:t>Click to edit Master title style</a:t>
             </a:r>
-            <a:endParaRPr lang="en-US"/>
           </a:p>
         </p:txBody>
       </p:sp>
@@ -497,38 +445,37 @@
           <a:p>
             <a:pPr lvl="0"/>
             <a:r>
-              <a:rPr lang="en-US" smtClean="0"/>
+              <a:rPr lang="en-US"/>
               <a:t>Click to edit Master text styles</a:t>
             </a:r>
           </a:p>
           <a:p>
             <a:pPr lvl="1"/>
             <a:r>
-              <a:rPr lang="en-US" smtClean="0"/>
+              <a:rPr lang="en-US"/>
               <a:t>Second level</a:t>
             </a:r>
           </a:p>
           <a:p>
             <a:pPr lvl="2"/>
             <a:r>
-              <a:rPr lang="en-US" smtClean="0"/>
+              <a:rPr lang="en-US"/>
               <a:t>Third level</a:t>
             </a:r>
           </a:p>
           <a:p>
             <a:pPr lvl="3"/>
             <a:r>
-              <a:rPr lang="en-US" smtClean="0"/>
+              <a:rPr lang="en-US"/>
               <a:t>Fourth level</a:t>
             </a:r>
           </a:p>
           <a:p>
             <a:pPr lvl="4"/>
             <a:r>
-              <a:rPr lang="en-US" smtClean="0"/>
+              <a:rPr lang="en-US"/>
               <a:t>Fifth level</a:t>
             </a:r>
-            <a:endParaRPr lang="en-US"/>
           </a:p>
         </p:txBody>
       </p:sp>
@@ -550,7 +497,7 @@
             <a:fld id="{1D8BD707-D9CF-40AE-B4C6-C98DA3205C09}" type="datetimeFigureOut">
               <a:rPr lang="en-US" smtClean="0"/>
               <a:pPr/>
-              <a:t>8/1/2011</a:t>
+              <a:t>2/29/2024</a:t>
             </a:fld>
             <a:endParaRPr lang="en-US"/>
           </a:p>
@@ -593,7 +540,7 @@
             <a:fld id="{B6F15528-21DE-4FAA-801E-634DDDAF4B2B}" type="slidenum">
               <a:rPr lang="en-US" smtClean="0"/>
               <a:pPr/>
-              <a:t>‹#›</a:t>
+              <a:t>‹N›</a:t>
             </a:fld>
             <a:endParaRPr lang="en-US"/>
           </a:p>
@@ -645,10 +592,9 @@
           <a:lstStyle/>
           <a:p>
             <a:r>
-              <a:rPr lang="en-US" smtClean="0"/>
+              <a:rPr lang="en-US"/>
               <a:t>Click to edit Master title style</a:t>
             </a:r>
-            <a:endParaRPr lang="en-US"/>
           </a:p>
         </p:txBody>
       </p:sp>
@@ -674,38 +620,37 @@
           <a:p>
             <a:pPr lvl="0"/>
             <a:r>
-              <a:rPr lang="en-US" smtClean="0"/>
+              <a:rPr lang="en-US"/>
               <a:t>Click to edit Master text styles</a:t>
             </a:r>
           </a:p>
           <a:p>
             <a:pPr lvl="1"/>
             <a:r>
-              <a:rPr lang="en-US" smtClean="0"/>
+              <a:rPr lang="en-US"/>
               <a:t>Second level</a:t>
             </a:r>
           </a:p>
           <a:p>
             <a:pPr lvl="2"/>
             <a:r>
-              <a:rPr lang="en-US" smtClean="0"/>
+              <a:rPr lang="en-US"/>
               <a:t>Third level</a:t>
             </a:r>
           </a:p>
           <a:p>
             <a:pPr lvl="3"/>
             <a:r>
-              <a:rPr lang="en-US" smtClean="0"/>
+              <a:rPr lang="en-US"/>
               <a:t>Fourth level</a:t>
             </a:r>
           </a:p>
           <a:p>
             <a:pPr lvl="4"/>
             <a:r>
-              <a:rPr lang="en-US" smtClean="0"/>
+              <a:rPr lang="en-US"/>
               <a:t>Fifth level</a:t>
             </a:r>
-            <a:endParaRPr lang="en-US"/>
           </a:p>
         </p:txBody>
       </p:sp>
@@ -727,7 +672,7 @@
             <a:fld id="{1D8BD707-D9CF-40AE-B4C6-C98DA3205C09}" type="datetimeFigureOut">
               <a:rPr lang="en-US" smtClean="0"/>
               <a:pPr/>
-              <a:t>8/1/2011</a:t>
+              <a:t>2/29/2024</a:t>
             </a:fld>
             <a:endParaRPr lang="en-US"/>
           </a:p>
@@ -770,7 +715,7 @@
             <a:fld id="{B6F15528-21DE-4FAA-801E-634DDDAF4B2B}" type="slidenum">
               <a:rPr lang="en-US" smtClean="0"/>
               <a:pPr/>
-              <a:t>‹#›</a:t>
+              <a:t>‹N›</a:t>
             </a:fld>
             <a:endParaRPr lang="en-US"/>
           </a:p>
@@ -817,10 +762,9 @@
           <a:lstStyle/>
           <a:p>
             <a:r>
-              <a:rPr lang="en-US" smtClean="0"/>
+              <a:rPr lang="en-US"/>
               <a:t>Click to edit Master title style</a:t>
             </a:r>
-            <a:endParaRPr lang="en-US"/>
           </a:p>
         </p:txBody>
       </p:sp>
@@ -841,38 +785,37 @@
           <a:p>
             <a:pPr lvl="0"/>
             <a:r>
-              <a:rPr lang="en-US" smtClean="0"/>
+              <a:rPr lang="en-US"/>
               <a:t>Click to edit Master text styles</a:t>
             </a:r>
           </a:p>
           <a:p>
             <a:pPr lvl="1"/>
             <a:r>
-              <a:rPr lang="en-US" smtClean="0"/>
+              <a:rPr lang="en-US"/>
               <a:t>Second level</a:t>
             </a:r>
           </a:p>
           <a:p>
             <a:pPr lvl="2"/>
             <a:r>
-              <a:rPr lang="en-US" smtClean="0"/>
+              <a:rPr lang="en-US"/>
               <a:t>Third level</a:t>
             </a:r>
           </a:p>
           <a:p>
             <a:pPr lvl="3"/>
             <a:r>
-              <a:rPr lang="en-US" smtClean="0"/>
+              <a:rPr lang="en-US"/>
               <a:t>Fourth level</a:t>
             </a:r>
           </a:p>
           <a:p>
             <a:pPr lvl="4"/>
             <a:r>
-              <a:rPr lang="en-US" smtClean="0"/>
+              <a:rPr lang="en-US"/>
               <a:t>Fifth level</a:t>
             </a:r>
-            <a:endParaRPr lang="en-US"/>
           </a:p>
         </p:txBody>
       </p:sp>
@@ -894,7 +837,7 @@
             <a:fld id="{1D8BD707-D9CF-40AE-B4C6-C98DA3205C09}" type="datetimeFigureOut">
               <a:rPr lang="en-US" smtClean="0"/>
               <a:pPr/>
-              <a:t>8/1/2011</a:t>
+              <a:t>2/29/2024</a:t>
             </a:fld>
             <a:endParaRPr lang="en-US"/>
           </a:p>
@@ -937,7 +880,7 @@
             <a:fld id="{B6F15528-21DE-4FAA-801E-634DDDAF4B2B}" type="slidenum">
               <a:rPr lang="en-US" smtClean="0"/>
               <a:pPr/>
-              <a:t>‹#›</a:t>
+              <a:t>‹N›</a:t>
             </a:fld>
             <a:endParaRPr lang="en-US"/>
           </a:p>
@@ -993,10 +936,9 @@
           </a:lstStyle>
           <a:p>
             <a:r>
-              <a:rPr lang="en-US" smtClean="0"/>
+              <a:rPr lang="en-US"/>
               <a:t>Click to edit Master title style</a:t>
             </a:r>
-            <a:endParaRPr lang="en-US"/>
           </a:p>
         </p:txBody>
       </p:sp>
@@ -1113,7 +1055,7 @@
           <a:p>
             <a:pPr lvl="0"/>
             <a:r>
-              <a:rPr lang="en-US" smtClean="0"/>
+              <a:rPr lang="en-US"/>
               <a:t>Click to edit Master text styles</a:t>
             </a:r>
           </a:p>
@@ -1137,7 +1079,7 @@
             <a:fld id="{1D8BD707-D9CF-40AE-B4C6-C98DA3205C09}" type="datetimeFigureOut">
               <a:rPr lang="en-US" smtClean="0"/>
               <a:pPr/>
-              <a:t>8/1/2011</a:t>
+              <a:t>2/29/2024</a:t>
             </a:fld>
             <a:endParaRPr lang="en-US"/>
           </a:p>
@@ -1180,7 +1122,7 @@
             <a:fld id="{B6F15528-21DE-4FAA-801E-634DDDAF4B2B}" type="slidenum">
               <a:rPr lang="en-US" smtClean="0"/>
               <a:pPr/>
-              <a:t>‹#›</a:t>
+              <a:t>‹N›</a:t>
             </a:fld>
             <a:endParaRPr lang="en-US"/>
           </a:p>
@@ -1227,10 +1169,9 @@
           <a:lstStyle/>
           <a:p>
             <a:r>
-              <a:rPr lang="en-US" smtClean="0"/>
+              <a:rPr lang="en-US"/>
               <a:t>Click to edit Master title style</a:t>
             </a:r>
-            <a:endParaRPr lang="en-US"/>
           </a:p>
         </p:txBody>
       </p:sp>
@@ -1284,38 +1225,37 @@
           <a:p>
             <a:pPr lvl="0"/>
             <a:r>
-              <a:rPr lang="en-US" smtClean="0"/>
+              <a:rPr lang="en-US"/>
               <a:t>Click to edit Master text styles</a:t>
             </a:r>
           </a:p>
           <a:p>
             <a:pPr lvl="1"/>
             <a:r>
-              <a:rPr lang="en-US" smtClean="0"/>
+              <a:rPr lang="en-US"/>
               <a:t>Second level</a:t>
             </a:r>
           </a:p>
           <a:p>
             <a:pPr lvl="2"/>
             <a:r>
-              <a:rPr lang="en-US" smtClean="0"/>
+              <a:rPr lang="en-US"/>
               <a:t>Third level</a:t>
             </a:r>
           </a:p>
           <a:p>
             <a:pPr lvl="3"/>
             <a:r>
-              <a:rPr lang="en-US" smtClean="0"/>
+              <a:rPr lang="en-US"/>
               <a:t>Fourth level</a:t>
             </a:r>
           </a:p>
           <a:p>
             <a:pPr lvl="4"/>
             <a:r>
-              <a:rPr lang="en-US" smtClean="0"/>
+              <a:rPr lang="en-US"/>
               <a:t>Fifth level</a:t>
             </a:r>
-            <a:endParaRPr lang="en-US"/>
           </a:p>
         </p:txBody>
       </p:sp>
@@ -1369,38 +1309,37 @@
           <a:p>
             <a:pPr lvl="0"/>
             <a:r>
-              <a:rPr lang="en-US" smtClean="0"/>
+              <a:rPr lang="en-US"/>
               <a:t>Click to edit Master text styles</a:t>
             </a:r>
           </a:p>
           <a:p>
             <a:pPr lvl="1"/>
             <a:r>
-              <a:rPr lang="en-US" smtClean="0"/>
+              <a:rPr lang="en-US"/>
               <a:t>Second level</a:t>
             </a:r>
           </a:p>
           <a:p>
             <a:pPr lvl="2"/>
             <a:r>
-              <a:rPr lang="en-US" smtClean="0"/>
+              <a:rPr lang="en-US"/>
               <a:t>Third level</a:t>
             </a:r>
           </a:p>
           <a:p>
             <a:pPr lvl="3"/>
             <a:r>
-              <a:rPr lang="en-US" smtClean="0"/>
+              <a:rPr lang="en-US"/>
               <a:t>Fourth level</a:t>
             </a:r>
           </a:p>
           <a:p>
             <a:pPr lvl="4"/>
             <a:r>
-              <a:rPr lang="en-US" smtClean="0"/>
+              <a:rPr lang="en-US"/>
               <a:t>Fifth level</a:t>
             </a:r>
-            <a:endParaRPr lang="en-US"/>
           </a:p>
         </p:txBody>
       </p:sp>
@@ -1422,7 +1361,7 @@
             <a:fld id="{1D8BD707-D9CF-40AE-B4C6-C98DA3205C09}" type="datetimeFigureOut">
               <a:rPr lang="en-US" smtClean="0"/>
               <a:pPr/>
-              <a:t>8/1/2011</a:t>
+              <a:t>2/29/2024</a:t>
             </a:fld>
             <a:endParaRPr lang="en-US"/>
           </a:p>
@@ -1465,7 +1404,7 @@
             <a:fld id="{B6F15528-21DE-4FAA-801E-634DDDAF4B2B}" type="slidenum">
               <a:rPr lang="en-US" smtClean="0"/>
               <a:pPr/>
-              <a:t>‹#›</a:t>
+              <a:t>‹N›</a:t>
             </a:fld>
             <a:endParaRPr lang="en-US"/>
           </a:p>
@@ -1516,10 +1455,9 @@
           </a:lstStyle>
           <a:p>
             <a:r>
-              <a:rPr lang="en-US" smtClean="0"/>
+              <a:rPr lang="en-US"/>
               <a:t>Click to edit Master title style</a:t>
             </a:r>
-            <a:endParaRPr lang="en-US"/>
           </a:p>
         </p:txBody>
       </p:sp>
@@ -1582,7 +1520,7 @@
           <a:p>
             <a:pPr lvl="0"/>
             <a:r>
-              <a:rPr lang="en-US" smtClean="0"/>
+              <a:rPr lang="en-US"/>
               <a:t>Click to edit Master text styles</a:t>
             </a:r>
           </a:p>
@@ -1638,38 +1576,37 @@
           <a:p>
             <a:pPr lvl="0"/>
             <a:r>
-              <a:rPr lang="en-US" smtClean="0"/>
+              <a:rPr lang="en-US"/>
               <a:t>Click to edit Master text styles</a:t>
             </a:r>
           </a:p>
           <a:p>
             <a:pPr lvl="1"/>
             <a:r>
-              <a:rPr lang="en-US" smtClean="0"/>
+              <a:rPr lang="en-US"/>
               <a:t>Second level</a:t>
             </a:r>
           </a:p>
           <a:p>
             <a:pPr lvl="2"/>
             <a:r>
-              <a:rPr lang="en-US" smtClean="0"/>
+              <a:rPr lang="en-US"/>
               <a:t>Third level</a:t>
             </a:r>
           </a:p>
           <a:p>
             <a:pPr lvl="3"/>
             <a:r>
-              <a:rPr lang="en-US" smtClean="0"/>
+              <a:rPr lang="en-US"/>
               <a:t>Fourth level</a:t>
             </a:r>
           </a:p>
           <a:p>
             <a:pPr lvl="4"/>
             <a:r>
-              <a:rPr lang="en-US" smtClean="0"/>
+              <a:rPr lang="en-US"/>
               <a:t>Fifth level</a:t>
             </a:r>
-            <a:endParaRPr lang="en-US"/>
           </a:p>
         </p:txBody>
       </p:sp>
@@ -1732,7 +1669,7 @@
           <a:p>
             <a:pPr lvl="0"/>
             <a:r>
-              <a:rPr lang="en-US" smtClean="0"/>
+              <a:rPr lang="en-US"/>
               <a:t>Click to edit Master text styles</a:t>
             </a:r>
           </a:p>
@@ -1788,38 +1725,37 @@
           <a:p>
             <a:pPr lvl="0"/>
             <a:r>
-              <a:rPr lang="en-US" smtClean="0"/>
+              <a:rPr lang="en-US"/>
               <a:t>Click to edit Master text styles</a:t>
             </a:r>
           </a:p>
           <a:p>
             <a:pPr lvl="1"/>
             <a:r>
-              <a:rPr lang="en-US" smtClean="0"/>
+              <a:rPr lang="en-US"/>
               <a:t>Second level</a:t>
             </a:r>
           </a:p>
           <a:p>
             <a:pPr lvl="2"/>
             <a:r>
-              <a:rPr lang="en-US" smtClean="0"/>
+              <a:rPr lang="en-US"/>
               <a:t>Third level</a:t>
             </a:r>
           </a:p>
           <a:p>
             <a:pPr lvl="3"/>
             <a:r>
-              <a:rPr lang="en-US" smtClean="0"/>
+              <a:rPr lang="en-US"/>
               <a:t>Fourth level</a:t>
             </a:r>
           </a:p>
           <a:p>
             <a:pPr lvl="4"/>
             <a:r>
-              <a:rPr lang="en-US" smtClean="0"/>
+              <a:rPr lang="en-US"/>
               <a:t>Fifth level</a:t>
             </a:r>
-            <a:endParaRPr lang="en-US"/>
           </a:p>
         </p:txBody>
       </p:sp>
@@ -1841,7 +1777,7 @@
             <a:fld id="{1D8BD707-D9CF-40AE-B4C6-C98DA3205C09}" type="datetimeFigureOut">
               <a:rPr lang="en-US" smtClean="0"/>
               <a:pPr/>
-              <a:t>8/1/2011</a:t>
+              <a:t>2/29/2024</a:t>
             </a:fld>
             <a:endParaRPr lang="en-US"/>
           </a:p>
@@ -1884,7 +1820,7 @@
             <a:fld id="{B6F15528-21DE-4FAA-801E-634DDDAF4B2B}" type="slidenum">
               <a:rPr lang="en-US" smtClean="0"/>
               <a:pPr/>
-              <a:t>‹#›</a:t>
+              <a:t>‹N›</a:t>
             </a:fld>
             <a:endParaRPr lang="en-US"/>
           </a:p>
@@ -1931,10 +1867,9 @@
           <a:lstStyle/>
           <a:p>
             <a:r>
-              <a:rPr lang="en-US" smtClean="0"/>
+              <a:rPr lang="en-US"/>
               <a:t>Click to edit Master title style</a:t>
             </a:r>
-            <a:endParaRPr lang="en-US"/>
           </a:p>
         </p:txBody>
       </p:sp>
@@ -1956,7 +1891,7 @@
             <a:fld id="{1D8BD707-D9CF-40AE-B4C6-C98DA3205C09}" type="datetimeFigureOut">
               <a:rPr lang="en-US" smtClean="0"/>
               <a:pPr/>
-              <a:t>8/1/2011</a:t>
+              <a:t>2/29/2024</a:t>
             </a:fld>
             <a:endParaRPr lang="en-US"/>
           </a:p>
@@ -1999,7 +1934,7 @@
             <a:fld id="{B6F15528-21DE-4FAA-801E-634DDDAF4B2B}" type="slidenum">
               <a:rPr lang="en-US" smtClean="0"/>
               <a:pPr/>
-              <a:t>‹#›</a:t>
+              <a:t>‹N›</a:t>
             </a:fld>
             <a:endParaRPr lang="en-US"/>
           </a:p>
@@ -2048,7 +1983,7 @@
             <a:fld id="{1D8BD707-D9CF-40AE-B4C6-C98DA3205C09}" type="datetimeFigureOut">
               <a:rPr lang="en-US" smtClean="0"/>
               <a:pPr/>
-              <a:t>8/1/2011</a:t>
+              <a:t>2/29/2024</a:t>
             </a:fld>
             <a:endParaRPr lang="en-US"/>
           </a:p>
@@ -2091,7 +2026,7 @@
             <a:fld id="{B6F15528-21DE-4FAA-801E-634DDDAF4B2B}" type="slidenum">
               <a:rPr lang="en-US" smtClean="0"/>
               <a:pPr/>
-              <a:t>‹#›</a:t>
+              <a:t>‹N›</a:t>
             </a:fld>
             <a:endParaRPr lang="en-US"/>
           </a:p>
@@ -2147,10 +2082,9 @@
           </a:lstStyle>
           <a:p>
             <a:r>
-              <a:rPr lang="en-US" smtClean="0"/>
+              <a:rPr lang="en-US"/>
               <a:t>Click to edit Master title style</a:t>
             </a:r>
-            <a:endParaRPr lang="en-US"/>
           </a:p>
         </p:txBody>
       </p:sp>
@@ -2204,38 +2138,37 @@
           <a:p>
             <a:pPr lvl="0"/>
             <a:r>
-              <a:rPr lang="en-US" smtClean="0"/>
+              <a:rPr lang="en-US"/>
               <a:t>Click to edit Master text styles</a:t>
             </a:r>
           </a:p>
           <a:p>
             <a:pPr lvl="1"/>
             <a:r>
-              <a:rPr lang="en-US" smtClean="0"/>
+              <a:rPr lang="en-US"/>
               <a:t>Second level</a:t>
             </a:r>
           </a:p>
           <a:p>
             <a:pPr lvl="2"/>
             <a:r>
-              <a:rPr lang="en-US" smtClean="0"/>
+              <a:rPr lang="en-US"/>
               <a:t>Third level</a:t>
             </a:r>
           </a:p>
           <a:p>
             <a:pPr lvl="3"/>
             <a:r>
-              <a:rPr lang="en-US" smtClean="0"/>
+              <a:rPr lang="en-US"/>
               <a:t>Fourth level</a:t>
             </a:r>
           </a:p>
           <a:p>
             <a:pPr lvl="4"/>
             <a:r>
-              <a:rPr lang="en-US" smtClean="0"/>
+              <a:rPr lang="en-US"/>
               <a:t>Fifth level</a:t>
             </a:r>
-            <a:endParaRPr lang="en-US"/>
           </a:p>
         </p:txBody>
       </p:sp>
@@ -2298,7 +2231,7 @@
           <a:p>
             <a:pPr lvl="0"/>
             <a:r>
-              <a:rPr lang="en-US" smtClean="0"/>
+              <a:rPr lang="en-US"/>
               <a:t>Click to edit Master text styles</a:t>
             </a:r>
           </a:p>
@@ -2322,7 +2255,7 @@
             <a:fld id="{1D8BD707-D9CF-40AE-B4C6-C98DA3205C09}" type="datetimeFigureOut">
               <a:rPr lang="en-US" smtClean="0"/>
               <a:pPr/>
-              <a:t>8/1/2011</a:t>
+              <a:t>2/29/2024</a:t>
             </a:fld>
             <a:endParaRPr lang="en-US"/>
           </a:p>
@@ -2365,7 +2298,7 @@
             <a:fld id="{B6F15528-21DE-4FAA-801E-634DDDAF4B2B}" type="slidenum">
               <a:rPr lang="en-US" smtClean="0"/>
               <a:pPr/>
-              <a:t>‹#›</a:t>
+              <a:t>‹N›</a:t>
             </a:fld>
             <a:endParaRPr lang="en-US"/>
           </a:p>
@@ -2421,10 +2354,9 @@
           </a:lstStyle>
           <a:p>
             <a:r>
-              <a:rPr lang="en-US" smtClean="0"/>
+              <a:rPr lang="en-US"/>
               <a:t>Click to edit Master title style</a:t>
             </a:r>
-            <a:endParaRPr lang="en-US"/>
           </a:p>
         </p:txBody>
       </p:sp>
@@ -2548,7 +2480,7 @@
           <a:p>
             <a:pPr lvl="0"/>
             <a:r>
-              <a:rPr lang="en-US" smtClean="0"/>
+              <a:rPr lang="en-US"/>
               <a:t>Click to edit Master text styles</a:t>
             </a:r>
           </a:p>
@@ -2572,7 +2504,7 @@
             <a:fld id="{1D8BD707-D9CF-40AE-B4C6-C98DA3205C09}" type="datetimeFigureOut">
               <a:rPr lang="en-US" smtClean="0"/>
               <a:pPr/>
-              <a:t>8/1/2011</a:t>
+              <a:t>2/29/2024</a:t>
             </a:fld>
             <a:endParaRPr lang="en-US"/>
           </a:p>
@@ -2615,7 +2547,7 @@
             <a:fld id="{B6F15528-21DE-4FAA-801E-634DDDAF4B2B}" type="slidenum">
               <a:rPr lang="en-US" smtClean="0"/>
               <a:pPr/>
-              <a:t>‹#›</a:t>
+              <a:t>‹N›</a:t>
             </a:fld>
             <a:endParaRPr lang="en-US"/>
           </a:p>
@@ -2677,10 +2609,9 @@
           <a:lstStyle/>
           <a:p>
             <a:r>
-              <a:rPr lang="en-US" smtClean="0"/>
+              <a:rPr lang="en-US"/>
               <a:t>Click to edit Master title style</a:t>
             </a:r>
-            <a:endParaRPr lang="en-US"/>
           </a:p>
         </p:txBody>
       </p:sp>
@@ -2711,38 +2642,37 @@
           <a:p>
             <a:pPr lvl="0"/>
             <a:r>
-              <a:rPr lang="en-US" smtClean="0"/>
+              <a:rPr lang="en-US"/>
               <a:t>Click to edit Master text styles</a:t>
             </a:r>
           </a:p>
           <a:p>
             <a:pPr lvl="1"/>
             <a:r>
-              <a:rPr lang="en-US" smtClean="0"/>
+              <a:rPr lang="en-US"/>
               <a:t>Second level</a:t>
             </a:r>
           </a:p>
           <a:p>
             <a:pPr lvl="2"/>
             <a:r>
-              <a:rPr lang="en-US" smtClean="0"/>
+              <a:rPr lang="en-US"/>
               <a:t>Third level</a:t>
             </a:r>
           </a:p>
           <a:p>
             <a:pPr lvl="3"/>
             <a:r>
-              <a:rPr lang="en-US" smtClean="0"/>
+              <a:rPr lang="en-US"/>
               <a:t>Fourth level</a:t>
             </a:r>
           </a:p>
           <a:p>
             <a:pPr lvl="4"/>
             <a:r>
-              <a:rPr lang="en-US" smtClean="0"/>
+              <a:rPr lang="en-US"/>
               <a:t>Fifth level</a:t>
             </a:r>
-            <a:endParaRPr lang="en-US"/>
           </a:p>
         </p:txBody>
       </p:sp>
@@ -2782,7 +2712,7 @@
             <a:fld id="{1D8BD707-D9CF-40AE-B4C6-C98DA3205C09}" type="datetimeFigureOut">
               <a:rPr lang="en-US" smtClean="0"/>
               <a:pPr/>
-              <a:t>8/1/2011</a:t>
+              <a:t>2/29/2024</a:t>
             </a:fld>
             <a:endParaRPr lang="en-US"/>
           </a:p>
@@ -2861,7 +2791,7 @@
             <a:fld id="{B6F15528-21DE-4FAA-801E-634DDDAF4B2B}" type="slidenum">
               <a:rPr lang="en-US" smtClean="0"/>
               <a:pPr/>
-              <a:t>‹#›</a:t>
+              <a:t>‹N›</a:t>
             </a:fld>
             <a:endParaRPr lang="en-US"/>
           </a:p>
@@ -3137,13 +3067,14 @@
 </file>
 
 <file path=ppt/slides/slide1.xml><?xml version="1.0" encoding="utf-8"?>
-<p:sld xmlns:p="http://schemas.openxmlformats.org/presentationml/2006/main" xmlns:a="http://schemas.openxmlformats.org/drawingml/2006/main" xmlns:r="http://schemas.openxmlformats.org/officeDocument/2006/relationships">
+<p:sld xmlns:a="http://schemas.openxmlformats.org/drawingml/2006/main" xmlns:r="http://schemas.openxmlformats.org/officeDocument/2006/relationships" xmlns:p="http://schemas.openxmlformats.org/presentationml/2006/main">
   <p:cSld>
     <p:bg>
       <p:bgPr>
         <a:solidFill>
           <a:srgbClr val="FFF9F3"/>
         </a:solidFill>
+        <a:effectLst/>
       </p:bgPr>
     </p:bg>
     <p:spTree>
@@ -3162,12 +3093,12 @@
       </p:grpSpPr>
       <p:grpSp>
         <p:nvGrpSpPr>
-          <p:cNvPr name="Group 2" id="2"/>
+          <p:cNvPr id="2" name="Group 2"/>
           <p:cNvGrpSpPr/>
           <p:nvPr/>
         </p:nvGrpSpPr>
         <p:grpSpPr>
-          <a:xfrm rot="0">
+          <a:xfrm>
             <a:off x="9967792" y="695647"/>
             <a:ext cx="8846915" cy="8895706"/>
             <a:chOff x="0" y="0"/>
@@ -3176,12 +3107,12 @@
         </p:grpSpPr>
         <p:sp>
           <p:nvSpPr>
-            <p:cNvPr name="Freeform 3" id="3"/>
+            <p:cNvPr id="3" name="Freeform 3"/>
             <p:cNvSpPr/>
             <p:nvPr/>
           </p:nvSpPr>
           <p:spPr>
-            <a:xfrm flipH="false" flipV="false" rot="0">
+            <a:xfrm>
               <a:off x="0" y="0"/>
               <a:ext cx="2330052" cy="2342902"/>
             </a:xfrm>
@@ -3190,9 +3121,9 @@
               <a:gdLst/>
               <a:ahLst/>
               <a:cxnLst/>
-              <a:rect r="r" b="b" t="t" l="l"/>
+              <a:rect l="l" t="t" r="r" b="b"/>
               <a:pathLst>
-                <a:path h="2342902" w="2330052">
+                <a:path w="2330052" h="2342902">
                   <a:moveTo>
                     <a:pt x="0" y="0"/>
                   </a:moveTo>
@@ -3213,11 +3144,18 @@
               <a:srgbClr val="8CA87C"/>
             </a:solidFill>
           </p:spPr>
+          <p:txBody>
+            <a:bodyPr/>
+            <a:lstStyle/>
+            <a:p>
+              <a:endParaRPr lang="it-IT"/>
+            </a:p>
+          </p:txBody>
         </p:sp>
         <p:sp>
           <p:nvSpPr>
-            <p:cNvPr name="TextBox 4" id="4"/>
-            <p:cNvSpPr txBox="true"/>
+            <p:cNvPr id="4" name="TextBox 4"/>
+            <p:cNvSpPr txBox="1"/>
             <p:nvPr/>
           </p:nvSpPr>
           <p:spPr>
@@ -3230,7 +3168,7 @@
             </a:prstGeom>
           </p:spPr>
           <p:txBody>
-            <a:bodyPr anchor="ctr" rtlCol="false" tIns="50800" lIns="50800" bIns="50800" rIns="50800"/>
+            <a:bodyPr lIns="50800" tIns="50800" rIns="50800" bIns="50800" rtlCol="0" anchor="ctr"/>
             <a:lstStyle/>
             <a:p>
               <a:pPr algn="ctr">
@@ -3238,18 +3176,19 @@
                   <a:spcPts val="3150"/>
                 </a:lnSpc>
               </a:pPr>
+              <a:endParaRPr/>
             </a:p>
           </p:txBody>
         </p:sp>
       </p:grpSp>
       <p:grpSp>
         <p:nvGrpSpPr>
-          <p:cNvPr name="Group 5" id="5"/>
+          <p:cNvPr id="5" name="Group 5"/>
           <p:cNvGrpSpPr/>
           <p:nvPr/>
         </p:nvGrpSpPr>
         <p:grpSpPr>
-          <a:xfrm rot="0">
+          <a:xfrm>
             <a:off x="16093379" y="9392570"/>
             <a:ext cx="2091000" cy="70256"/>
             <a:chOff x="0" y="0"/>
@@ -3258,12 +3197,12 @@
         </p:grpSpPr>
         <p:sp>
           <p:nvSpPr>
-            <p:cNvPr name="Freeform 6" id="6"/>
+            <p:cNvPr id="6" name="Freeform 6"/>
             <p:cNvSpPr/>
             <p:nvPr/>
           </p:nvSpPr>
           <p:spPr>
-            <a:xfrm flipH="false" flipV="false" rot="0">
+            <a:xfrm>
               <a:off x="0" y="0"/>
               <a:ext cx="547795" cy="18406"/>
             </a:xfrm>
@@ -3272,9 +3211,9 @@
               <a:gdLst/>
               <a:ahLst/>
               <a:cxnLst/>
-              <a:rect r="r" b="b" t="t" l="l"/>
+              <a:rect l="l" t="t" r="r" b="b"/>
               <a:pathLst>
-                <a:path h="18406" w="547795">
+                <a:path w="547795" h="18406">
                   <a:moveTo>
                     <a:pt x="0" y="0"/>
                   </a:moveTo>
@@ -3295,11 +3234,18 @@
               <a:srgbClr val="414B3B"/>
             </a:solidFill>
           </p:spPr>
+          <p:txBody>
+            <a:bodyPr/>
+            <a:lstStyle/>
+            <a:p>
+              <a:endParaRPr lang="it-IT"/>
+            </a:p>
+          </p:txBody>
         </p:sp>
         <p:sp>
           <p:nvSpPr>
-            <p:cNvPr name="TextBox 7" id="7"/>
-            <p:cNvSpPr txBox="true"/>
+            <p:cNvPr id="7" name="TextBox 7"/>
+            <p:cNvSpPr txBox="1"/>
             <p:nvPr/>
           </p:nvSpPr>
           <p:spPr>
@@ -3312,7 +3258,7 @@
             </a:prstGeom>
           </p:spPr>
           <p:txBody>
-            <a:bodyPr anchor="ctr" rtlCol="false" tIns="50800" lIns="50800" bIns="50800" rIns="50800"/>
+            <a:bodyPr lIns="50800" tIns="50800" rIns="50800" bIns="50800" rtlCol="0" anchor="ctr"/>
             <a:lstStyle/>
             <a:p>
               <a:pPr algn="ctr">
@@ -3320,18 +3266,19 @@
                   <a:spcPts val="4420"/>
                 </a:lnSpc>
               </a:pPr>
+              <a:endParaRPr/>
             </a:p>
           </p:txBody>
         </p:sp>
       </p:grpSp>
       <p:sp>
         <p:nvSpPr>
-          <p:cNvPr name="Freeform 8" id="8"/>
+          <p:cNvPr id="8" name="Freeform 8"/>
           <p:cNvSpPr/>
           <p:nvPr/>
         </p:nvSpPr>
         <p:spPr>
-          <a:xfrm flipH="false" flipV="false" rot="0">
+          <a:xfrm>
             <a:off x="10279536" y="2380565"/>
             <a:ext cx="7494114" cy="5525869"/>
           </a:xfrm>
@@ -3340,9 +3287,9 @@
             <a:gdLst/>
             <a:ahLst/>
             <a:cxnLst/>
-            <a:rect r="r" b="b" t="t" l="l"/>
+            <a:rect l="l" t="t" r="r" b="b"/>
             <a:pathLst>
-              <a:path h="5525869" w="7494114">
+              <a:path w="7494114" h="5525869">
                 <a:moveTo>
                   <a:pt x="0" y="0"/>
                 </a:moveTo>
@@ -3371,19 +3318,26 @@
               </a:extLst>
             </a:blip>
             <a:stretch>
-              <a:fillRect l="0" t="0" r="0" b="0"/>
+              <a:fillRect/>
             </a:stretch>
           </a:blipFill>
         </p:spPr>
-      </p:sp>
-      <p:sp>
-        <p:nvSpPr>
-          <p:cNvPr name="TextBox 9" id="9"/>
-          <p:cNvSpPr txBox="true"/>
+        <p:txBody>
+          <a:bodyPr/>
+          <a:lstStyle/>
+          <a:p>
+            <a:endParaRPr lang="it-IT"/>
+          </a:p>
+        </p:txBody>
+      </p:sp>
+      <p:sp>
+        <p:nvSpPr>
+          <p:cNvPr id="9" name="TextBox 9"/>
+          <p:cNvSpPr txBox="1"/>
           <p:nvPr/>
         </p:nvSpPr>
         <p:spPr>
-          <a:xfrm rot="0">
+          <a:xfrm>
             <a:off x="670465" y="1620223"/>
             <a:ext cx="7379790" cy="685443"/>
           </a:xfrm>
@@ -3392,12 +3346,12 @@
           </a:prstGeom>
         </p:spPr>
         <p:txBody>
-          <a:bodyPr anchor="t" rtlCol="false" tIns="0" lIns="0" bIns="0" rIns="0">
+          <a:bodyPr lIns="0" tIns="0" rIns="0" bIns="0" rtlCol="0" anchor="t">
             <a:spAutoFit/>
           </a:bodyPr>
           <a:lstStyle/>
           <a:p>
-            <a:pPr marL="0" indent="0" lvl="0">
+            <a:pPr marL="0" lvl="0" indent="0">
               <a:lnSpc>
                 <a:spcPts val="5230"/>
               </a:lnSpc>
@@ -3416,7 +3370,7 @@
       </p:sp>
       <p:sp>
         <p:nvSpPr>
-          <p:cNvPr name="AutoShape 10" id="10"/>
+          <p:cNvPr id="10" name="AutoShape 10"/>
           <p:cNvSpPr/>
           <p:nvPr/>
         </p:nvSpPr>
@@ -3428,24 +3382,31 @@
           <a:prstGeom prst="line">
             <a:avLst/>
           </a:prstGeom>
-          <a:ln cap="flat" w="38100">
+          <a:ln w="38100" cap="flat">
             <a:solidFill>
               <a:srgbClr val="414B3B"/>
             </a:solidFill>
             <a:prstDash val="solid"/>
-            <a:headEnd type="none" len="sm" w="sm"/>
-            <a:tailEnd type="none" len="sm" w="sm"/>
+            <a:headEnd type="none" w="sm" len="sm"/>
+            <a:tailEnd type="none" w="sm" len="sm"/>
           </a:ln>
         </p:spPr>
-      </p:sp>
-      <p:sp>
-        <p:nvSpPr>
-          <p:cNvPr name="TextBox 11" id="11"/>
-          <p:cNvSpPr txBox="true"/>
+        <p:txBody>
+          <a:bodyPr/>
+          <a:lstStyle/>
+          <a:p>
+            <a:endParaRPr lang="it-IT"/>
+          </a:p>
+        </p:txBody>
+      </p:sp>
+      <p:sp>
+        <p:nvSpPr>
+          <p:cNvPr id="11" name="TextBox 11"/>
+          <p:cNvSpPr txBox="1"/>
           <p:nvPr/>
         </p:nvSpPr>
         <p:spPr>
-          <a:xfrm rot="0">
+          <a:xfrm>
             <a:off x="1028700" y="6610350"/>
             <a:ext cx="6461944" cy="2647950"/>
           </a:xfrm>
@@ -3454,12 +3415,12 @@
           </a:prstGeom>
         </p:spPr>
         <p:txBody>
-          <a:bodyPr anchor="t" rtlCol="false" tIns="0" lIns="0" bIns="0" rIns="0">
+          <a:bodyPr lIns="0" tIns="0" rIns="0" bIns="0" rtlCol="0" anchor="t">
             <a:spAutoFit/>
           </a:bodyPr>
           <a:lstStyle/>
           <a:p>
-            <a:pPr marL="0" indent="0" lvl="0">
+            <a:pPr marL="0" lvl="0" indent="0">
               <a:lnSpc>
                 <a:spcPts val="4200"/>
               </a:lnSpc>
@@ -3481,17 +3442,30 @@
   <p:clrMapOvr>
     <a:masterClrMapping/>
   </p:clrMapOvr>
+  <mc:AlternateContent xmlns:mc="http://schemas.openxmlformats.org/markup-compatibility/2006">
+    <mc:Choice xmlns:p14="http://schemas.microsoft.com/office/powerpoint/2010/main" Requires="p14">
+      <p:transition spd="slow" p14:dur="3400">
+        <p14:reveal/>
+      </p:transition>
+    </mc:Choice>
+    <mc:Fallback>
+      <p:transition spd="slow">
+        <p:fade/>
+      </p:transition>
+    </mc:Fallback>
+  </mc:AlternateContent>
 </p:sld>
 </file>
 
 <file path=ppt/slides/slide2.xml><?xml version="1.0" encoding="utf-8"?>
-<p:sld xmlns:p="http://schemas.openxmlformats.org/presentationml/2006/main" xmlns:a="http://schemas.openxmlformats.org/drawingml/2006/main" xmlns:r="http://schemas.openxmlformats.org/officeDocument/2006/relationships">
+<p:sld xmlns:a="http://schemas.openxmlformats.org/drawingml/2006/main" xmlns:r="http://schemas.openxmlformats.org/officeDocument/2006/relationships" xmlns:p="http://schemas.openxmlformats.org/presentationml/2006/main">
   <p:cSld>
     <p:bg>
       <p:bgPr>
         <a:solidFill>
           <a:srgbClr val="FFF9F3"/>
         </a:solidFill>
+        <a:effectLst/>
       </p:bgPr>
     </p:bg>
     <p:spTree>
@@ -3510,12 +3484,12 @@
       </p:grpSpPr>
       <p:grpSp>
         <p:nvGrpSpPr>
-          <p:cNvPr name="Group 2" id="2"/>
+          <p:cNvPr id="2" name="Group 2"/>
           <p:cNvGrpSpPr/>
           <p:nvPr/>
         </p:nvGrpSpPr>
         <p:grpSpPr>
-          <a:xfrm rot="0">
+          <a:xfrm>
             <a:off x="0" y="0"/>
             <a:ext cx="9430959" cy="10287000"/>
             <a:chOff x="0" y="0"/>
@@ -3524,12 +3498,12 @@
         </p:grpSpPr>
         <p:sp>
           <p:nvSpPr>
-            <p:cNvPr name="Freeform 3" id="3"/>
+            <p:cNvPr id="3" name="Freeform 3"/>
             <p:cNvSpPr/>
             <p:nvPr/>
           </p:nvSpPr>
           <p:spPr>
-            <a:xfrm flipH="false" flipV="false" rot="0">
+            <a:xfrm>
               <a:off x="0" y="0"/>
               <a:ext cx="2483874" cy="2709333"/>
             </a:xfrm>
@@ -3538,9 +3512,9 @@
               <a:gdLst/>
               <a:ahLst/>
               <a:cxnLst/>
-              <a:rect r="r" b="b" t="t" l="l"/>
+              <a:rect l="l" t="t" r="r" b="b"/>
               <a:pathLst>
-                <a:path h="2709333" w="2483874">
+                <a:path w="2483874" h="2709333">
                   <a:moveTo>
                     <a:pt x="0" y="0"/>
                   </a:moveTo>
@@ -3561,11 +3535,18 @@
               <a:srgbClr val="8CA87C"/>
             </a:solidFill>
           </p:spPr>
+          <p:txBody>
+            <a:bodyPr/>
+            <a:lstStyle/>
+            <a:p>
+              <a:endParaRPr lang="it-IT"/>
+            </a:p>
+          </p:txBody>
         </p:sp>
         <p:sp>
           <p:nvSpPr>
-            <p:cNvPr name="TextBox 4" id="4"/>
-            <p:cNvSpPr txBox="true"/>
+            <p:cNvPr id="4" name="TextBox 4"/>
+            <p:cNvSpPr txBox="1"/>
             <p:nvPr/>
           </p:nvSpPr>
           <p:spPr>
@@ -3578,7 +3559,7 @@
             </a:prstGeom>
           </p:spPr>
           <p:txBody>
-            <a:bodyPr anchor="ctr" rtlCol="false" tIns="50800" lIns="50800" bIns="50800" rIns="50800"/>
+            <a:bodyPr lIns="50800" tIns="50800" rIns="50800" bIns="50800" rtlCol="0" anchor="ctr"/>
             <a:lstStyle/>
             <a:p>
               <a:pPr algn="ctr">
@@ -3586,18 +3567,19 @@
                   <a:spcPts val="3150"/>
                 </a:lnSpc>
               </a:pPr>
+              <a:endParaRPr/>
             </a:p>
           </p:txBody>
         </p:sp>
       </p:grpSp>
       <p:sp>
         <p:nvSpPr>
-          <p:cNvPr name="Freeform 5" id="5"/>
+          <p:cNvPr id="5" name="Freeform 5"/>
           <p:cNvSpPr/>
           <p:nvPr/>
         </p:nvSpPr>
         <p:spPr>
-          <a:xfrm flipH="false" flipV="false" rot="0">
+          <a:xfrm>
             <a:off x="998738" y="1832222"/>
             <a:ext cx="7433482" cy="6622557"/>
           </a:xfrm>
@@ -3606,9 +3588,9 @@
             <a:gdLst/>
             <a:ahLst/>
             <a:cxnLst/>
-            <a:rect r="r" b="b" t="t" l="l"/>
+            <a:rect l="l" t="t" r="r" b="b"/>
             <a:pathLst>
-              <a:path h="6622557" w="7433482">
+              <a:path w="7433482" h="6622557">
                 <a:moveTo>
                   <a:pt x="0" y="0"/>
                 </a:moveTo>
@@ -3637,19 +3619,26 @@
               </a:extLst>
             </a:blip>
             <a:stretch>
-              <a:fillRect l="0" t="0" r="0" b="0"/>
+              <a:fillRect/>
             </a:stretch>
           </a:blipFill>
         </p:spPr>
-      </p:sp>
-      <p:sp>
-        <p:nvSpPr>
-          <p:cNvPr name="TextBox 6" id="6"/>
-          <p:cNvSpPr txBox="true"/>
+        <p:txBody>
+          <a:bodyPr/>
+          <a:lstStyle/>
+          <a:p>
+            <a:endParaRPr lang="it-IT"/>
+          </a:p>
+        </p:txBody>
+      </p:sp>
+      <p:sp>
+        <p:nvSpPr>
+          <p:cNvPr id="6" name="TextBox 6"/>
+          <p:cNvSpPr txBox="1"/>
           <p:nvPr/>
         </p:nvSpPr>
         <p:spPr>
-          <a:xfrm rot="0">
+          <a:xfrm>
             <a:off x="10868037" y="1104900"/>
             <a:ext cx="5122944" cy="828584"/>
           </a:xfrm>
@@ -3658,12 +3647,12 @@
           </a:prstGeom>
         </p:spPr>
         <p:txBody>
-          <a:bodyPr anchor="t" rtlCol="false" tIns="0" lIns="0" bIns="0" rIns="0">
+          <a:bodyPr lIns="0" tIns="0" rIns="0" bIns="0" rtlCol="0" anchor="t">
             <a:spAutoFit/>
           </a:bodyPr>
           <a:lstStyle/>
           <a:p>
-            <a:pPr marL="0" indent="0" lvl="0">
+            <a:pPr marL="0" lvl="0" indent="0">
               <a:lnSpc>
                 <a:spcPts val="6295"/>
               </a:lnSpc>
@@ -3682,12 +3671,12 @@
       </p:sp>
       <p:sp>
         <p:nvSpPr>
-          <p:cNvPr name="TextBox 7" id="7"/>
-          <p:cNvSpPr txBox="true"/>
+          <p:cNvPr id="7" name="TextBox 7"/>
+          <p:cNvSpPr txBox="1"/>
           <p:nvPr/>
         </p:nvSpPr>
         <p:spPr>
-          <a:xfrm rot="0">
+          <a:xfrm>
             <a:off x="10185735" y="3072000"/>
             <a:ext cx="7416995" cy="6118225"/>
           </a:xfrm>
@@ -3696,7 +3685,7 @@
           </a:prstGeom>
         </p:spPr>
         <p:txBody>
-          <a:bodyPr anchor="t" rtlCol="false" tIns="0" lIns="0" bIns="0" rIns="0">
+          <a:bodyPr lIns="0" tIns="0" rIns="0" bIns="0" rtlCol="0" anchor="t">
             <a:spAutoFit/>
           </a:bodyPr>
           <a:lstStyle/>
@@ -3707,13 +3696,580 @@
               </a:lnSpc>
             </a:pPr>
             <a:r>
-              <a:rPr lang="en-US" sz="2499" spc="49">
-                <a:solidFill>
-                  <a:srgbClr val="414B3B"/>
-                </a:solidFill>
-                <a:latin typeface="Open Sans 1"/>
-              </a:rPr>
-              <a:t>Siamo lieti di presentarvi  Drivenchoice, un punto di riferimento per le vostre esigenze automobilistiche dal 2023. Attraverso il nostro sito, offriamo un'ampia gamma di modelli di automobili per soddisfare ogni preferenza e necessità. Il nostro obiettivo è rendere l'esperienza dell'utente pratica e semplice, permettendo agli utenti di accedere facilmente a una vasta selezione di veicoli.</a:t>
+              <a:rPr lang="en-US" sz="2499" spc="49" dirty="0" err="1">
+                <a:solidFill>
+                  <a:srgbClr val="414B3B"/>
+                </a:solidFill>
+                <a:latin typeface="Open Sans 1"/>
+              </a:rPr>
+              <a:t>Siamo</a:t>
+            </a:r>
+            <a:r>
+              <a:rPr lang="en-US" sz="2499" spc="49" dirty="0">
+                <a:solidFill>
+                  <a:srgbClr val="414B3B"/>
+                </a:solidFill>
+                <a:latin typeface="Open Sans 1"/>
+              </a:rPr>
+              <a:t> </a:t>
+            </a:r>
+            <a:r>
+              <a:rPr lang="en-US" sz="2499" spc="49" dirty="0" err="1">
+                <a:solidFill>
+                  <a:srgbClr val="414B3B"/>
+                </a:solidFill>
+                <a:latin typeface="Open Sans 1"/>
+              </a:rPr>
+              <a:t>lieti</a:t>
+            </a:r>
+            <a:r>
+              <a:rPr lang="en-US" sz="2499" spc="49" dirty="0">
+                <a:solidFill>
+                  <a:srgbClr val="414B3B"/>
+                </a:solidFill>
+                <a:latin typeface="Open Sans 1"/>
+              </a:rPr>
+              <a:t> di </a:t>
+            </a:r>
+            <a:r>
+              <a:rPr lang="en-US" sz="2499" spc="49" dirty="0" err="1">
+                <a:solidFill>
+                  <a:srgbClr val="414B3B"/>
+                </a:solidFill>
+                <a:latin typeface="Open Sans 1"/>
+              </a:rPr>
+              <a:t>presentarvi</a:t>
+            </a:r>
+            <a:r>
+              <a:rPr lang="en-US" sz="2499" spc="49" dirty="0">
+                <a:solidFill>
+                  <a:srgbClr val="414B3B"/>
+                </a:solidFill>
+                <a:latin typeface="Open Sans 1"/>
+              </a:rPr>
+              <a:t>  </a:t>
+            </a:r>
+            <a:r>
+              <a:rPr lang="en-US" sz="2499" spc="49" dirty="0" err="1">
+                <a:solidFill>
+                  <a:srgbClr val="414B3B"/>
+                </a:solidFill>
+                <a:latin typeface="Open Sans 1"/>
+              </a:rPr>
+              <a:t>Drivenchoice</a:t>
+            </a:r>
+            <a:r>
+              <a:rPr lang="en-US" sz="2499" spc="49" dirty="0">
+                <a:solidFill>
+                  <a:srgbClr val="414B3B"/>
+                </a:solidFill>
+                <a:latin typeface="Open Sans 1"/>
+              </a:rPr>
+              <a:t>, un punto di </a:t>
+            </a:r>
+            <a:r>
+              <a:rPr lang="en-US" sz="2499" spc="49" dirty="0" err="1">
+                <a:solidFill>
+                  <a:srgbClr val="414B3B"/>
+                </a:solidFill>
+                <a:latin typeface="Open Sans 1"/>
+              </a:rPr>
+              <a:t>riferimento</a:t>
+            </a:r>
+            <a:r>
+              <a:rPr lang="en-US" sz="2499" spc="49" dirty="0">
+                <a:solidFill>
+                  <a:srgbClr val="414B3B"/>
+                </a:solidFill>
+                <a:latin typeface="Open Sans 1"/>
+              </a:rPr>
+              <a:t> per le </a:t>
+            </a:r>
+            <a:r>
+              <a:rPr lang="en-US" sz="2499" spc="49" dirty="0" err="1">
+                <a:solidFill>
+                  <a:srgbClr val="414B3B"/>
+                </a:solidFill>
+                <a:latin typeface="Open Sans 1"/>
+              </a:rPr>
+              <a:t>vostre</a:t>
+            </a:r>
+            <a:r>
+              <a:rPr lang="en-US" sz="2499" spc="49" dirty="0">
+                <a:solidFill>
+                  <a:srgbClr val="414B3B"/>
+                </a:solidFill>
+                <a:latin typeface="Open Sans 1"/>
+              </a:rPr>
+              <a:t> </a:t>
+            </a:r>
+            <a:r>
+              <a:rPr lang="en-US" sz="2499" spc="49" dirty="0" err="1">
+                <a:solidFill>
+                  <a:srgbClr val="414B3B"/>
+                </a:solidFill>
+                <a:latin typeface="Open Sans 1"/>
+              </a:rPr>
+              <a:t>esigenze</a:t>
+            </a:r>
+            <a:r>
+              <a:rPr lang="en-US" sz="2499" spc="49" dirty="0">
+                <a:solidFill>
+                  <a:srgbClr val="414B3B"/>
+                </a:solidFill>
+                <a:latin typeface="Open Sans 1"/>
+              </a:rPr>
+              <a:t> </a:t>
+            </a:r>
+            <a:r>
+              <a:rPr lang="en-US" sz="2499" spc="49" dirty="0" err="1">
+                <a:solidFill>
+                  <a:srgbClr val="414B3B"/>
+                </a:solidFill>
+                <a:latin typeface="Open Sans 1"/>
+              </a:rPr>
+              <a:t>automobilistiche</a:t>
+            </a:r>
+            <a:r>
+              <a:rPr lang="en-US" sz="2499" spc="49" dirty="0">
+                <a:solidFill>
+                  <a:srgbClr val="414B3B"/>
+                </a:solidFill>
+                <a:latin typeface="Open Sans 1"/>
+              </a:rPr>
+              <a:t> dal 2023. </a:t>
+            </a:r>
+            <a:r>
+              <a:rPr lang="en-US" sz="2499" spc="49" dirty="0" err="1">
+                <a:solidFill>
+                  <a:srgbClr val="414B3B"/>
+                </a:solidFill>
+                <a:latin typeface="Open Sans 1"/>
+              </a:rPr>
+              <a:t>Attraverso</a:t>
+            </a:r>
+            <a:r>
+              <a:rPr lang="en-US" sz="2499" spc="49" dirty="0">
+                <a:solidFill>
+                  <a:srgbClr val="414B3B"/>
+                </a:solidFill>
+                <a:latin typeface="Open Sans 1"/>
+              </a:rPr>
+              <a:t> il nostro </a:t>
+            </a:r>
+            <a:r>
+              <a:rPr lang="en-US" sz="2499" spc="49" dirty="0" err="1">
+                <a:solidFill>
+                  <a:srgbClr val="414B3B"/>
+                </a:solidFill>
+                <a:latin typeface="Open Sans 1"/>
+              </a:rPr>
+              <a:t>sito</a:t>
+            </a:r>
+            <a:r>
+              <a:rPr lang="en-US" sz="2499" spc="49" dirty="0">
+                <a:solidFill>
+                  <a:srgbClr val="414B3B"/>
+                </a:solidFill>
+                <a:latin typeface="Open Sans 1"/>
+              </a:rPr>
+              <a:t>, </a:t>
+            </a:r>
+            <a:r>
+              <a:rPr lang="en-US" sz="2499" spc="49" dirty="0" err="1">
+                <a:solidFill>
+                  <a:srgbClr val="414B3B"/>
+                </a:solidFill>
+                <a:latin typeface="Open Sans 1"/>
+              </a:rPr>
+              <a:t>offriamo</a:t>
+            </a:r>
+            <a:r>
+              <a:rPr lang="en-US" sz="2499" spc="49" dirty="0">
+                <a:solidFill>
+                  <a:srgbClr val="414B3B"/>
+                </a:solidFill>
+                <a:latin typeface="Open Sans 1"/>
+              </a:rPr>
+              <a:t> </a:t>
+            </a:r>
+            <a:r>
+              <a:rPr lang="en-US" sz="2499" spc="49" dirty="0" err="1">
+                <a:solidFill>
+                  <a:srgbClr val="414B3B"/>
+                </a:solidFill>
+                <a:latin typeface="Open Sans 1"/>
+              </a:rPr>
+              <a:t>un'ampia</a:t>
+            </a:r>
+            <a:r>
+              <a:rPr lang="en-US" sz="2499" spc="49" dirty="0">
+                <a:solidFill>
+                  <a:srgbClr val="414B3B"/>
+                </a:solidFill>
+                <a:latin typeface="Open Sans 1"/>
+              </a:rPr>
+              <a:t> gamma di </a:t>
+            </a:r>
+            <a:r>
+              <a:rPr lang="en-US" sz="2499" spc="49" dirty="0" err="1">
+                <a:solidFill>
+                  <a:srgbClr val="414B3B"/>
+                </a:solidFill>
+                <a:latin typeface="Open Sans 1"/>
+              </a:rPr>
+              <a:t>modelli</a:t>
+            </a:r>
+            <a:r>
+              <a:rPr lang="en-US" sz="2499" spc="49" dirty="0">
+                <a:solidFill>
+                  <a:srgbClr val="414B3B"/>
+                </a:solidFill>
+                <a:latin typeface="Open Sans 1"/>
+              </a:rPr>
+              <a:t> di </a:t>
+            </a:r>
+            <a:r>
+              <a:rPr lang="en-US" sz="2499" spc="49" dirty="0" err="1">
+                <a:solidFill>
+                  <a:srgbClr val="414B3B"/>
+                </a:solidFill>
+                <a:latin typeface="Open Sans 1"/>
+              </a:rPr>
+              <a:t>automobili</a:t>
+            </a:r>
+            <a:r>
+              <a:rPr lang="en-US" sz="2499" spc="49" dirty="0">
+                <a:solidFill>
+                  <a:srgbClr val="414B3B"/>
+                </a:solidFill>
+                <a:latin typeface="Open Sans 1"/>
+              </a:rPr>
+              <a:t> per </a:t>
+            </a:r>
+            <a:r>
+              <a:rPr lang="en-US" sz="2499" spc="49" dirty="0" err="1">
+                <a:solidFill>
+                  <a:srgbClr val="414B3B"/>
+                </a:solidFill>
+                <a:latin typeface="Open Sans 1"/>
+              </a:rPr>
+              <a:t>soddisfare</a:t>
+            </a:r>
+            <a:r>
+              <a:rPr lang="en-US" sz="2499" spc="49" dirty="0">
+                <a:solidFill>
+                  <a:srgbClr val="414B3B"/>
+                </a:solidFill>
+                <a:latin typeface="Open Sans 1"/>
+              </a:rPr>
+              <a:t> </a:t>
+            </a:r>
+            <a:r>
+              <a:rPr lang="en-US" sz="2499" spc="49" dirty="0" err="1">
+                <a:solidFill>
+                  <a:srgbClr val="414B3B"/>
+                </a:solidFill>
+                <a:latin typeface="Open Sans 1"/>
+              </a:rPr>
+              <a:t>ogni</a:t>
+            </a:r>
+            <a:r>
+              <a:rPr lang="en-US" sz="2499" spc="49" dirty="0">
+                <a:solidFill>
+                  <a:srgbClr val="414B3B"/>
+                </a:solidFill>
+                <a:latin typeface="Open Sans 1"/>
+              </a:rPr>
+              <a:t> </a:t>
+            </a:r>
+            <a:r>
+              <a:rPr lang="en-US" sz="2499" spc="49" dirty="0" err="1">
+                <a:solidFill>
+                  <a:srgbClr val="414B3B"/>
+                </a:solidFill>
+                <a:latin typeface="Open Sans 1"/>
+              </a:rPr>
+              <a:t>preferenza</a:t>
+            </a:r>
+            <a:r>
+              <a:rPr lang="en-US" sz="2499" spc="49" dirty="0">
+                <a:solidFill>
+                  <a:srgbClr val="414B3B"/>
+                </a:solidFill>
+                <a:latin typeface="Open Sans 1"/>
+              </a:rPr>
+              <a:t> e </a:t>
+            </a:r>
+            <a:r>
+              <a:rPr lang="en-US" sz="2499" spc="49" dirty="0" err="1">
+                <a:solidFill>
+                  <a:srgbClr val="414B3B"/>
+                </a:solidFill>
+                <a:latin typeface="Open Sans 1"/>
+              </a:rPr>
+              <a:t>necessità</a:t>
+            </a:r>
+            <a:r>
+              <a:rPr lang="en-US" sz="2499" spc="49" dirty="0">
+                <a:solidFill>
+                  <a:srgbClr val="414B3B"/>
+                </a:solidFill>
+                <a:latin typeface="Open Sans 1"/>
+              </a:rPr>
+              <a:t>. Il nostro </a:t>
+            </a:r>
+            <a:r>
+              <a:rPr lang="en-US" sz="2499" spc="49" dirty="0" err="1">
+                <a:solidFill>
+                  <a:srgbClr val="414B3B"/>
+                </a:solidFill>
+                <a:latin typeface="Open Sans 1"/>
+              </a:rPr>
+              <a:t>obiettivo</a:t>
+            </a:r>
+            <a:r>
+              <a:rPr lang="en-US" sz="2499" spc="49" dirty="0">
+                <a:solidFill>
+                  <a:srgbClr val="414B3B"/>
+                </a:solidFill>
+                <a:latin typeface="Open Sans 1"/>
+              </a:rPr>
+              <a:t> è </a:t>
+            </a:r>
+            <a:r>
+              <a:rPr lang="en-US" sz="2499" spc="49" dirty="0" err="1">
+                <a:solidFill>
+                  <a:srgbClr val="414B3B"/>
+                </a:solidFill>
+                <a:latin typeface="Open Sans 1"/>
+              </a:rPr>
+              <a:t>rendere</a:t>
+            </a:r>
+            <a:r>
+              <a:rPr lang="en-US" sz="2499" spc="49" dirty="0">
+                <a:solidFill>
+                  <a:srgbClr val="414B3B"/>
+                </a:solidFill>
+                <a:latin typeface="Open Sans 1"/>
+              </a:rPr>
+              <a:t> </a:t>
+            </a:r>
+            <a:r>
+              <a:rPr lang="en-US" sz="2499" spc="49" dirty="0" err="1">
+                <a:solidFill>
+                  <a:srgbClr val="414B3B"/>
+                </a:solidFill>
+                <a:latin typeface="Open Sans 1"/>
+              </a:rPr>
+              <a:t>l'esperienza</a:t>
+            </a:r>
+            <a:r>
+              <a:rPr lang="en-US" sz="2499" spc="49" dirty="0">
+                <a:solidFill>
+                  <a:srgbClr val="414B3B"/>
+                </a:solidFill>
+                <a:latin typeface="Open Sans 1"/>
+              </a:rPr>
+              <a:t> </a:t>
+            </a:r>
+            <a:r>
+              <a:rPr lang="en-US" sz="2499" spc="49" dirty="0" err="1">
+                <a:solidFill>
+                  <a:srgbClr val="414B3B"/>
+                </a:solidFill>
+                <a:latin typeface="Open Sans 1"/>
+              </a:rPr>
+              <a:t>dell'utente</a:t>
+            </a:r>
+            <a:r>
+              <a:rPr lang="en-US" sz="2499" spc="49" dirty="0">
+                <a:solidFill>
+                  <a:srgbClr val="414B3B"/>
+                </a:solidFill>
+                <a:latin typeface="Open Sans 1"/>
+              </a:rPr>
+              <a:t> </a:t>
+            </a:r>
+            <a:r>
+              <a:rPr lang="en-US" sz="2499" spc="49" dirty="0" err="1">
+                <a:solidFill>
+                  <a:srgbClr val="414B3B"/>
+                </a:solidFill>
+                <a:latin typeface="Open Sans 1"/>
+              </a:rPr>
+              <a:t>pratica</a:t>
+            </a:r>
+            <a:r>
+              <a:rPr lang="en-US" sz="2499" spc="49" dirty="0">
+                <a:solidFill>
+                  <a:srgbClr val="414B3B"/>
+                </a:solidFill>
+                <a:latin typeface="Open Sans 1"/>
+              </a:rPr>
+              <a:t> e semplice, </a:t>
+            </a:r>
+            <a:r>
+              <a:rPr lang="en-US" sz="2499" spc="49" dirty="0" err="1">
+                <a:solidFill>
+                  <a:srgbClr val="414B3B"/>
+                </a:solidFill>
+                <a:latin typeface="Open Sans 1"/>
+              </a:rPr>
+              <a:t>permettendo</a:t>
+            </a:r>
+            <a:r>
+              <a:rPr lang="en-US" sz="2499" spc="49" dirty="0">
+                <a:solidFill>
+                  <a:srgbClr val="414B3B"/>
+                </a:solidFill>
+                <a:latin typeface="Open Sans 1"/>
+              </a:rPr>
+              <a:t> </a:t>
+            </a:r>
+            <a:r>
+              <a:rPr lang="en-US" sz="2499" spc="49" dirty="0" err="1">
+                <a:solidFill>
+                  <a:srgbClr val="414B3B"/>
+                </a:solidFill>
+                <a:latin typeface="Open Sans 1"/>
+              </a:rPr>
+              <a:t>agli</a:t>
+            </a:r>
+            <a:r>
+              <a:rPr lang="en-US" sz="2499" spc="49" dirty="0">
+                <a:solidFill>
+                  <a:srgbClr val="414B3B"/>
+                </a:solidFill>
+                <a:latin typeface="Open Sans 1"/>
+              </a:rPr>
+              <a:t> </a:t>
+            </a:r>
+            <a:r>
+              <a:rPr lang="en-US" sz="2499" spc="49" dirty="0" err="1">
+                <a:solidFill>
+                  <a:srgbClr val="414B3B"/>
+                </a:solidFill>
+                <a:latin typeface="Open Sans 1"/>
+              </a:rPr>
+              <a:t>utenti</a:t>
+            </a:r>
+            <a:r>
+              <a:rPr lang="en-US" sz="2499" spc="49" dirty="0">
+                <a:solidFill>
+                  <a:srgbClr val="414B3B"/>
+                </a:solidFill>
+                <a:latin typeface="Open Sans 1"/>
+              </a:rPr>
+              <a:t> di </a:t>
+            </a:r>
+            <a:r>
+              <a:rPr lang="en-US" sz="2499" spc="49" dirty="0" err="1">
+                <a:solidFill>
+                  <a:srgbClr val="414B3B"/>
+                </a:solidFill>
+                <a:latin typeface="Open Sans 1"/>
+              </a:rPr>
+              <a:t>accedere</a:t>
+            </a:r>
+            <a:r>
+              <a:rPr lang="en-US" sz="2499" spc="49" dirty="0">
+                <a:solidFill>
+                  <a:srgbClr val="414B3B"/>
+                </a:solidFill>
+                <a:latin typeface="Open Sans 1"/>
+              </a:rPr>
+              <a:t> </a:t>
+            </a:r>
+            <a:r>
+              <a:rPr lang="en-US" sz="2499" spc="49" dirty="0" err="1">
+                <a:solidFill>
+                  <a:srgbClr val="414B3B"/>
+                </a:solidFill>
+                <a:latin typeface="Open Sans 1"/>
+              </a:rPr>
+              <a:t>facilmente</a:t>
+            </a:r>
+            <a:r>
+              <a:rPr lang="en-US" sz="2499" spc="49" dirty="0">
+                <a:solidFill>
+                  <a:srgbClr val="414B3B"/>
+                </a:solidFill>
+                <a:latin typeface="Open Sans 1"/>
+              </a:rPr>
+              <a:t> a </a:t>
+            </a:r>
+            <a:r>
+              <a:rPr lang="en-US" sz="2499" spc="49" dirty="0" err="1">
+                <a:solidFill>
+                  <a:srgbClr val="414B3B"/>
+                </a:solidFill>
+                <a:latin typeface="Open Sans 1"/>
+              </a:rPr>
+              <a:t>una</a:t>
+            </a:r>
+            <a:r>
+              <a:rPr lang="en-US" sz="2499" spc="49" dirty="0">
+                <a:solidFill>
+                  <a:srgbClr val="414B3B"/>
+                </a:solidFill>
+                <a:latin typeface="Open Sans 1"/>
+              </a:rPr>
+              <a:t> </a:t>
+            </a:r>
+            <a:r>
+              <a:rPr lang="en-US" sz="2499" spc="49" dirty="0" err="1">
+                <a:solidFill>
+                  <a:srgbClr val="414B3B"/>
+                </a:solidFill>
+                <a:latin typeface="Open Sans 1"/>
+              </a:rPr>
+              <a:t>vasta</a:t>
+            </a:r>
+            <a:r>
+              <a:rPr lang="en-US" sz="2499" spc="49" dirty="0">
+                <a:solidFill>
+                  <a:srgbClr val="414B3B"/>
+                </a:solidFill>
+                <a:latin typeface="Open Sans 1"/>
+              </a:rPr>
+              <a:t> </a:t>
+            </a:r>
+            <a:r>
+              <a:rPr lang="en-US" sz="2499" spc="49" dirty="0" err="1">
+                <a:solidFill>
+                  <a:srgbClr val="414B3B"/>
+                </a:solidFill>
+                <a:latin typeface="Open Sans 1"/>
+              </a:rPr>
+              <a:t>selezione</a:t>
+            </a:r>
+            <a:r>
+              <a:rPr lang="en-US" sz="2499" spc="49" dirty="0">
+                <a:solidFill>
+                  <a:srgbClr val="414B3B"/>
+                </a:solidFill>
+                <a:latin typeface="Open Sans 1"/>
+              </a:rPr>
+              <a:t> di </a:t>
+            </a:r>
+            <a:r>
+              <a:rPr lang="en-US" sz="2499" spc="49" dirty="0" err="1">
+                <a:solidFill>
+                  <a:srgbClr val="414B3B"/>
+                </a:solidFill>
+                <a:latin typeface="Open Sans 1"/>
+              </a:rPr>
+              <a:t>veicoli</a:t>
+            </a:r>
+            <a:r>
+              <a:rPr lang="en-US" sz="2499" spc="49" dirty="0">
+                <a:solidFill>
+                  <a:srgbClr val="414B3B"/>
+                </a:solidFill>
+                <a:latin typeface="Open Sans 1"/>
+              </a:rPr>
+              <a:t>.</a:t>
             </a:r>
           </a:p>
           <a:p>
@@ -3722,28 +4278,277 @@
                 <a:spcPts val="3499"/>
               </a:lnSpc>
             </a:pPr>
-          </a:p>
-          <a:p>
-            <a:pPr marL="0" indent="0" lvl="0">
+            <a:endParaRPr lang="en-US" sz="2499" spc="49" dirty="0">
+              <a:solidFill>
+                <a:srgbClr val="414B3B"/>
+              </a:solidFill>
+              <a:latin typeface="Open Sans 1"/>
+            </a:endParaRPr>
+          </a:p>
+          <a:p>
+            <a:pPr marL="0" lvl="0" indent="0">
               <a:lnSpc>
                 <a:spcPts val="3499"/>
               </a:lnSpc>
             </a:pPr>
             <a:r>
-              <a:rPr lang="en-US" sz="2499" spc="49">
-                <a:solidFill>
-                  <a:srgbClr val="414B3B"/>
-                </a:solidFill>
-                <a:latin typeface="Open Sans 1"/>
-              </a:rPr>
-              <a:t>Abbiamo implementato funzionalità intuitive e pratiche, garantendo che gli utenti possano navigare e trovare il veicolo perfetto per loro con facilità.</a:t>
-            </a:r>
-          </a:p>
-        </p:txBody>
-      </p:sp>
-      <p:sp>
-        <p:nvSpPr>
-          <p:cNvPr name="AutoShape 8" id="8"/>
+              <a:rPr lang="en-US" sz="2499" spc="49" dirty="0" err="1">
+                <a:solidFill>
+                  <a:srgbClr val="414B3B"/>
+                </a:solidFill>
+                <a:latin typeface="Open Sans 1"/>
+              </a:rPr>
+              <a:t>Abbiamo</a:t>
+            </a:r>
+            <a:r>
+              <a:rPr lang="en-US" sz="2499" spc="49" dirty="0">
+                <a:solidFill>
+                  <a:srgbClr val="414B3B"/>
+                </a:solidFill>
+                <a:latin typeface="Open Sans 1"/>
+              </a:rPr>
+              <a:t> </a:t>
+            </a:r>
+            <a:r>
+              <a:rPr lang="en-US" sz="2499" spc="49" dirty="0" err="1">
+                <a:solidFill>
+                  <a:srgbClr val="414B3B"/>
+                </a:solidFill>
+                <a:latin typeface="Open Sans 1"/>
+              </a:rPr>
+              <a:t>implementato</a:t>
+            </a:r>
+            <a:r>
+              <a:rPr lang="en-US" sz="2499" spc="49" dirty="0">
+                <a:solidFill>
+                  <a:srgbClr val="414B3B"/>
+                </a:solidFill>
+                <a:latin typeface="Open Sans 1"/>
+              </a:rPr>
+              <a:t> </a:t>
+            </a:r>
+            <a:r>
+              <a:rPr lang="en-US" sz="2499" spc="49" dirty="0" err="1">
+                <a:solidFill>
+                  <a:srgbClr val="414B3B"/>
+                </a:solidFill>
+                <a:latin typeface="Open Sans 1"/>
+              </a:rPr>
+              <a:t>funzionalità</a:t>
+            </a:r>
+            <a:r>
+              <a:rPr lang="en-US" sz="2499" spc="49" dirty="0">
+                <a:solidFill>
+                  <a:srgbClr val="414B3B"/>
+                </a:solidFill>
+                <a:latin typeface="Open Sans 1"/>
+              </a:rPr>
+              <a:t> intuitive e </a:t>
+            </a:r>
+            <a:r>
+              <a:rPr lang="en-US" sz="2499" spc="49" dirty="0" err="1">
+                <a:solidFill>
+                  <a:srgbClr val="414B3B"/>
+                </a:solidFill>
+                <a:latin typeface="Open Sans 1"/>
+              </a:rPr>
+              <a:t>pratiche</a:t>
+            </a:r>
+            <a:r>
+              <a:rPr lang="en-US" sz="2499" spc="49" dirty="0">
+                <a:solidFill>
+                  <a:srgbClr val="414B3B"/>
+                </a:solidFill>
+                <a:latin typeface="Open Sans 1"/>
+              </a:rPr>
+              <a:t>, </a:t>
+            </a:r>
+            <a:r>
+              <a:rPr lang="en-US" sz="2499" spc="49" dirty="0" err="1">
+                <a:solidFill>
+                  <a:srgbClr val="414B3B"/>
+                </a:solidFill>
+                <a:latin typeface="Open Sans 1"/>
+              </a:rPr>
+              <a:t>garantendo</a:t>
+            </a:r>
+            <a:r>
+              <a:rPr lang="en-US" sz="2499" spc="49" dirty="0">
+                <a:solidFill>
+                  <a:srgbClr val="414B3B"/>
+                </a:solidFill>
+                <a:latin typeface="Open Sans 1"/>
+              </a:rPr>
+              <a:t> </a:t>
+            </a:r>
+            <a:r>
+              <a:rPr lang="en-US" sz="2499" spc="49" dirty="0" err="1">
+                <a:solidFill>
+                  <a:srgbClr val="414B3B"/>
+                </a:solidFill>
+                <a:latin typeface="Open Sans 1"/>
+              </a:rPr>
+              <a:t>che</a:t>
+            </a:r>
+            <a:r>
+              <a:rPr lang="en-US" sz="2499" spc="49" dirty="0">
+                <a:solidFill>
+                  <a:srgbClr val="414B3B"/>
+                </a:solidFill>
+                <a:latin typeface="Open Sans 1"/>
+              </a:rPr>
+              <a:t> </a:t>
+            </a:r>
+            <a:r>
+              <a:rPr lang="en-US" sz="2499" spc="49" dirty="0" err="1">
+                <a:solidFill>
+                  <a:srgbClr val="414B3B"/>
+                </a:solidFill>
+                <a:latin typeface="Open Sans 1"/>
+              </a:rPr>
+              <a:t>gli</a:t>
+            </a:r>
+            <a:r>
+              <a:rPr lang="en-US" sz="2499" spc="49" dirty="0">
+                <a:solidFill>
+                  <a:srgbClr val="414B3B"/>
+                </a:solidFill>
+                <a:latin typeface="Open Sans 1"/>
+              </a:rPr>
+              <a:t> </a:t>
+            </a:r>
+            <a:r>
+              <a:rPr lang="en-US" sz="2499" spc="49" dirty="0" err="1">
+                <a:solidFill>
+                  <a:srgbClr val="414B3B"/>
+                </a:solidFill>
+                <a:latin typeface="Open Sans 1"/>
+              </a:rPr>
+              <a:t>utenti</a:t>
+            </a:r>
+            <a:r>
+              <a:rPr lang="en-US" sz="2499" spc="49" dirty="0">
+                <a:solidFill>
+                  <a:srgbClr val="414B3B"/>
+                </a:solidFill>
+                <a:latin typeface="Open Sans 1"/>
+              </a:rPr>
+              <a:t> </a:t>
+            </a:r>
+            <a:r>
+              <a:rPr lang="en-US" sz="2499" spc="49" dirty="0" err="1">
+                <a:solidFill>
+                  <a:srgbClr val="414B3B"/>
+                </a:solidFill>
+                <a:latin typeface="Open Sans 1"/>
+              </a:rPr>
+              <a:t>possano</a:t>
+            </a:r>
+            <a:r>
+              <a:rPr lang="en-US" sz="2499" spc="49" dirty="0">
+                <a:solidFill>
+                  <a:srgbClr val="414B3B"/>
+                </a:solidFill>
+                <a:latin typeface="Open Sans 1"/>
+              </a:rPr>
+              <a:t> </a:t>
+            </a:r>
+            <a:r>
+              <a:rPr lang="en-US" sz="2499" spc="49" dirty="0" err="1">
+                <a:solidFill>
+                  <a:srgbClr val="414B3B"/>
+                </a:solidFill>
+                <a:latin typeface="Open Sans 1"/>
+              </a:rPr>
+              <a:t>navigare</a:t>
+            </a:r>
+            <a:r>
+              <a:rPr lang="en-US" sz="2499" spc="49" dirty="0">
+                <a:solidFill>
+                  <a:srgbClr val="414B3B"/>
+                </a:solidFill>
+                <a:latin typeface="Open Sans 1"/>
+              </a:rPr>
+              <a:t> e </a:t>
+            </a:r>
+            <a:r>
+              <a:rPr lang="en-US" sz="2499" spc="49" dirty="0" err="1">
+                <a:solidFill>
+                  <a:srgbClr val="414B3B"/>
+                </a:solidFill>
+                <a:latin typeface="Open Sans 1"/>
+              </a:rPr>
+              <a:t>trovare</a:t>
+            </a:r>
+            <a:r>
+              <a:rPr lang="en-US" sz="2499" spc="49" dirty="0">
+                <a:solidFill>
+                  <a:srgbClr val="414B3B"/>
+                </a:solidFill>
+                <a:latin typeface="Open Sans 1"/>
+              </a:rPr>
+              <a:t> il </a:t>
+            </a:r>
+            <a:r>
+              <a:rPr lang="en-US" sz="2499" spc="49" dirty="0" err="1">
+                <a:solidFill>
+                  <a:srgbClr val="414B3B"/>
+                </a:solidFill>
+                <a:latin typeface="Open Sans 1"/>
+              </a:rPr>
+              <a:t>veicolo</a:t>
+            </a:r>
+            <a:r>
+              <a:rPr lang="en-US" sz="2499" spc="49" dirty="0">
+                <a:solidFill>
+                  <a:srgbClr val="414B3B"/>
+                </a:solidFill>
+                <a:latin typeface="Open Sans 1"/>
+              </a:rPr>
+              <a:t> </a:t>
+            </a:r>
+            <a:r>
+              <a:rPr lang="en-US" sz="2499" spc="49" dirty="0" err="1">
+                <a:solidFill>
+                  <a:srgbClr val="414B3B"/>
+                </a:solidFill>
+                <a:latin typeface="Open Sans 1"/>
+              </a:rPr>
+              <a:t>perfetto</a:t>
+            </a:r>
+            <a:r>
+              <a:rPr lang="en-US" sz="2499" spc="49" dirty="0">
+                <a:solidFill>
+                  <a:srgbClr val="414B3B"/>
+                </a:solidFill>
+                <a:latin typeface="Open Sans 1"/>
+              </a:rPr>
+              <a:t> per loro con </a:t>
+            </a:r>
+            <a:r>
+              <a:rPr lang="en-US" sz="2499" spc="49" dirty="0" err="1">
+                <a:solidFill>
+                  <a:srgbClr val="414B3B"/>
+                </a:solidFill>
+                <a:latin typeface="Open Sans 1"/>
+              </a:rPr>
+              <a:t>facilità</a:t>
+            </a:r>
+            <a:r>
+              <a:rPr lang="en-US" sz="2499" spc="49" dirty="0">
+                <a:solidFill>
+                  <a:srgbClr val="414B3B"/>
+                </a:solidFill>
+                <a:latin typeface="Open Sans 1"/>
+              </a:rPr>
+              <a:t>.</a:t>
+            </a:r>
+          </a:p>
+        </p:txBody>
+      </p:sp>
+      <p:sp>
+        <p:nvSpPr>
+          <p:cNvPr id="8" name="AutoShape 8"/>
           <p:cNvSpPr/>
           <p:nvPr/>
         </p:nvSpPr>
@@ -3755,32 +4560,43 @@
           <a:prstGeom prst="line">
             <a:avLst/>
           </a:prstGeom>
-          <a:ln cap="flat" w="38100">
+          <a:ln w="38100" cap="flat">
             <a:solidFill>
               <a:srgbClr val="5D5340"/>
             </a:solidFill>
             <a:prstDash val="solid"/>
-            <a:headEnd type="none" len="sm" w="sm"/>
-            <a:tailEnd type="none" len="sm" w="sm"/>
+            <a:headEnd type="none" w="sm" len="sm"/>
+            <a:tailEnd type="none" w="sm" len="sm"/>
           </a:ln>
         </p:spPr>
+        <p:txBody>
+          <a:bodyPr/>
+          <a:lstStyle/>
+          <a:p>
+            <a:endParaRPr lang="it-IT"/>
+          </a:p>
+        </p:txBody>
       </p:sp>
     </p:spTree>
   </p:cSld>
   <p:clrMapOvr>
     <a:masterClrMapping/>
   </p:clrMapOvr>
+  <p:transition spd="slow">
+    <p:push dir="u"/>
+  </p:transition>
 </p:sld>
 </file>
 
 <file path=ppt/slides/slide3.xml><?xml version="1.0" encoding="utf-8"?>
-<p:sld xmlns:p="http://schemas.openxmlformats.org/presentationml/2006/main" xmlns:a="http://schemas.openxmlformats.org/drawingml/2006/main" xmlns:r="http://schemas.openxmlformats.org/officeDocument/2006/relationships">
+<p:sld xmlns:a="http://schemas.openxmlformats.org/drawingml/2006/main" xmlns:r="http://schemas.openxmlformats.org/officeDocument/2006/relationships" xmlns:p="http://schemas.openxmlformats.org/presentationml/2006/main">
   <p:cSld>
     <p:bg>
       <p:bgPr>
         <a:solidFill>
           <a:srgbClr val="FFF9F3"/>
         </a:solidFill>
+        <a:effectLst/>
       </p:bgPr>
     </p:bg>
     <p:spTree>
@@ -3799,12 +4615,12 @@
       </p:grpSpPr>
       <p:sp>
         <p:nvSpPr>
-          <p:cNvPr name="AutoShape 2" id="2"/>
+          <p:cNvPr id="2" name="AutoShape 2"/>
           <p:cNvSpPr/>
           <p:nvPr/>
         </p:nvSpPr>
         <p:spPr>
-          <a:xfrm rot="0">
+          <a:xfrm>
             <a:off x="0" y="0"/>
             <a:ext cx="9144000" cy="10287000"/>
           </a:xfrm>
@@ -3815,15 +4631,22 @@
             <a:srgbClr val="8CA87C"/>
           </a:solidFill>
         </p:spPr>
-      </p:sp>
-      <p:sp>
-        <p:nvSpPr>
-          <p:cNvPr name="Freeform 3" id="3"/>
+        <p:txBody>
+          <a:bodyPr/>
+          <a:lstStyle/>
+          <a:p>
+            <a:endParaRPr lang="it-IT"/>
+          </a:p>
+        </p:txBody>
+      </p:sp>
+      <p:sp>
+        <p:nvSpPr>
+          <p:cNvPr id="3" name="Freeform 3"/>
           <p:cNvSpPr/>
           <p:nvPr/>
         </p:nvSpPr>
         <p:spPr>
-          <a:xfrm flipH="false" flipV="false" rot="0">
+          <a:xfrm>
             <a:off x="1955826" y="4214609"/>
             <a:ext cx="4114800" cy="4114800"/>
           </a:xfrm>
@@ -3832,9 +4655,9 @@
             <a:gdLst/>
             <a:ahLst/>
             <a:cxnLst/>
-            <a:rect r="r" b="b" t="t" l="l"/>
+            <a:rect l="l" t="t" r="r" b="b"/>
             <a:pathLst>
-              <a:path h="4114800" w="4114800">
+              <a:path w="4114800" h="4114800">
                 <a:moveTo>
                   <a:pt x="0" y="0"/>
                 </a:moveTo>
@@ -3863,19 +4686,26 @@
               </a:extLst>
             </a:blip>
             <a:stretch>
-              <a:fillRect l="0" t="0" r="0" b="0"/>
+              <a:fillRect/>
             </a:stretch>
           </a:blipFill>
         </p:spPr>
-      </p:sp>
-      <p:sp>
-        <p:nvSpPr>
-          <p:cNvPr name="TextBox 4" id="4"/>
-          <p:cNvSpPr txBox="true"/>
+        <p:txBody>
+          <a:bodyPr/>
+          <a:lstStyle/>
+          <a:p>
+            <a:endParaRPr lang="it-IT"/>
+          </a:p>
+        </p:txBody>
+      </p:sp>
+      <p:sp>
+        <p:nvSpPr>
+          <p:cNvPr id="4" name="TextBox 4"/>
+          <p:cNvSpPr txBox="1"/>
           <p:nvPr/>
         </p:nvSpPr>
         <p:spPr>
-          <a:xfrm rot="0">
+          <a:xfrm>
             <a:off x="1094445" y="1318895"/>
             <a:ext cx="6955109" cy="2219325"/>
           </a:xfrm>
@@ -3884,12 +4714,12 @@
           </a:prstGeom>
         </p:spPr>
         <p:txBody>
-          <a:bodyPr anchor="t" rtlCol="false" tIns="0" lIns="0" bIns="0" rIns="0">
+          <a:bodyPr lIns="0" tIns="0" rIns="0" bIns="0" rtlCol="0" anchor="t">
             <a:spAutoFit/>
           </a:bodyPr>
           <a:lstStyle/>
           <a:p>
-            <a:pPr marL="0" indent="0" lvl="0">
+            <a:pPr marL="0" lvl="0" indent="0">
               <a:lnSpc>
                 <a:spcPts val="8925"/>
               </a:lnSpc>
@@ -3911,26 +4741,26 @@
       </p:sp>
       <p:sp>
         <p:nvSpPr>
-          <p:cNvPr name="TextBox 5" id="5"/>
-          <p:cNvSpPr txBox="true"/>
+          <p:cNvPr id="5" name="TextBox 5"/>
+          <p:cNvSpPr txBox="1"/>
           <p:nvPr/>
         </p:nvSpPr>
         <p:spPr>
-          <a:xfrm rot="0">
+          <a:xfrm>
             <a:off x="10391803" y="3490595"/>
-            <a:ext cx="6622754" cy="3051175"/>
+            <a:ext cx="6622754" cy="3112390"/>
           </a:xfrm>
           <a:prstGeom prst="rect">
             <a:avLst/>
           </a:prstGeom>
         </p:spPr>
         <p:txBody>
-          <a:bodyPr anchor="t" rtlCol="false" tIns="0" lIns="0" bIns="0" rIns="0">
+          <a:bodyPr lIns="0" tIns="0" rIns="0" bIns="0" rtlCol="0" anchor="t">
             <a:spAutoFit/>
           </a:bodyPr>
           <a:lstStyle/>
           <a:p>
-            <a:pPr algn="l" marL="0" indent="0" lvl="0">
+            <a:pPr marL="0" lvl="0" indent="0" algn="l">
               <a:lnSpc>
                 <a:spcPts val="3499"/>
               </a:lnSpc>
@@ -3939,13 +4769,310 @@
               </a:spcBef>
             </a:pPr>
             <a:r>
-              <a:rPr lang="en-US" sz="2499" spc="49">
-                <a:solidFill>
-                  <a:srgbClr val="414B3B"/>
-                </a:solidFill>
-                <a:latin typeface="Open Sans 1"/>
-              </a:rPr>
-              <a:t>abbiamo utilizzato la metodologia Scrum in questo progetto. Scrum ci ha permesso di mantenere il focus sulle priorità, adattarci rapidamente ai cambiamenti e mantenere una comunicazione trasparente e continua all'interno del nostro team.</a:t>
+              <a:rPr lang="en-US" sz="2499" spc="49" dirty="0" err="1">
+                <a:solidFill>
+                  <a:srgbClr val="414B3B"/>
+                </a:solidFill>
+                <a:latin typeface="Open Sans 1"/>
+              </a:rPr>
+              <a:t>Abbiamo</a:t>
+            </a:r>
+            <a:r>
+              <a:rPr lang="en-US" sz="2499" spc="49" dirty="0">
+                <a:solidFill>
+                  <a:srgbClr val="414B3B"/>
+                </a:solidFill>
+                <a:latin typeface="Open Sans 1"/>
+              </a:rPr>
+              <a:t> </a:t>
+            </a:r>
+            <a:r>
+              <a:rPr lang="en-US" sz="2499" spc="49" dirty="0" err="1">
+                <a:solidFill>
+                  <a:srgbClr val="414B3B"/>
+                </a:solidFill>
+                <a:latin typeface="Open Sans 1"/>
+              </a:rPr>
+              <a:t>utilizzato</a:t>
+            </a:r>
+            <a:r>
+              <a:rPr lang="en-US" sz="2499" spc="49" dirty="0">
+                <a:solidFill>
+                  <a:srgbClr val="414B3B"/>
+                </a:solidFill>
+                <a:latin typeface="Open Sans 1"/>
+              </a:rPr>
+              <a:t> la </a:t>
+            </a:r>
+            <a:r>
+              <a:rPr lang="en-US" sz="2499" spc="49" dirty="0" err="1">
+                <a:solidFill>
+                  <a:srgbClr val="414B3B"/>
+                </a:solidFill>
+                <a:latin typeface="Open Sans 1"/>
+              </a:rPr>
+              <a:t>metodologia</a:t>
+            </a:r>
+            <a:r>
+              <a:rPr lang="en-US" sz="2499" spc="49" dirty="0">
+                <a:solidFill>
+                  <a:srgbClr val="414B3B"/>
+                </a:solidFill>
+                <a:latin typeface="Open Sans 1"/>
+              </a:rPr>
+              <a:t> Scrum in </a:t>
+            </a:r>
+            <a:r>
+              <a:rPr lang="en-US" sz="2499" spc="49" dirty="0" err="1">
+                <a:solidFill>
+                  <a:srgbClr val="414B3B"/>
+                </a:solidFill>
+                <a:latin typeface="Open Sans 1"/>
+              </a:rPr>
+              <a:t>questo</a:t>
+            </a:r>
+            <a:r>
+              <a:rPr lang="en-US" sz="2499" spc="49" dirty="0">
+                <a:solidFill>
+                  <a:srgbClr val="414B3B"/>
+                </a:solidFill>
+                <a:latin typeface="Open Sans 1"/>
+              </a:rPr>
+              <a:t> </a:t>
+            </a:r>
+            <a:r>
+              <a:rPr lang="en-US" sz="2499" spc="49" dirty="0" err="1">
+                <a:solidFill>
+                  <a:srgbClr val="414B3B"/>
+                </a:solidFill>
+                <a:latin typeface="Open Sans 1"/>
+              </a:rPr>
+              <a:t>progetto</a:t>
+            </a:r>
+            <a:r>
+              <a:rPr lang="en-US" sz="2499" spc="49" dirty="0">
+                <a:solidFill>
+                  <a:srgbClr val="414B3B"/>
+                </a:solidFill>
+                <a:latin typeface="Open Sans 1"/>
+              </a:rPr>
+              <a:t>. Scrum ci ha </a:t>
+            </a:r>
+            <a:r>
+              <a:rPr lang="en-US" sz="2499" spc="49" dirty="0" err="1">
+                <a:solidFill>
+                  <a:srgbClr val="414B3B"/>
+                </a:solidFill>
+                <a:latin typeface="Open Sans 1"/>
+              </a:rPr>
+              <a:t>permesso</a:t>
+            </a:r>
+            <a:r>
+              <a:rPr lang="en-US" sz="2499" spc="49" dirty="0">
+                <a:solidFill>
+                  <a:srgbClr val="414B3B"/>
+                </a:solidFill>
+                <a:latin typeface="Open Sans 1"/>
+              </a:rPr>
+              <a:t> di </a:t>
+            </a:r>
+            <a:r>
+              <a:rPr lang="en-US" sz="2499" spc="49" dirty="0" err="1">
+                <a:solidFill>
+                  <a:srgbClr val="414B3B"/>
+                </a:solidFill>
+                <a:latin typeface="Open Sans 1"/>
+              </a:rPr>
+              <a:t>mantenere</a:t>
+            </a:r>
+            <a:r>
+              <a:rPr lang="en-US" sz="2499" spc="49" dirty="0">
+                <a:solidFill>
+                  <a:srgbClr val="414B3B"/>
+                </a:solidFill>
+                <a:latin typeface="Open Sans 1"/>
+              </a:rPr>
+              <a:t> il focus </a:t>
+            </a:r>
+            <a:r>
+              <a:rPr lang="en-US" sz="2499" spc="49" dirty="0" err="1">
+                <a:solidFill>
+                  <a:srgbClr val="414B3B"/>
+                </a:solidFill>
+                <a:latin typeface="Open Sans 1"/>
+              </a:rPr>
+              <a:t>sulle</a:t>
+            </a:r>
+            <a:r>
+              <a:rPr lang="en-US" sz="2499" spc="49" dirty="0">
+                <a:solidFill>
+                  <a:srgbClr val="414B3B"/>
+                </a:solidFill>
+                <a:latin typeface="Open Sans 1"/>
+              </a:rPr>
+              <a:t> </a:t>
+            </a:r>
+            <a:r>
+              <a:rPr lang="en-US" sz="2499" spc="49" dirty="0" err="1">
+                <a:solidFill>
+                  <a:srgbClr val="414B3B"/>
+                </a:solidFill>
+                <a:latin typeface="Open Sans 1"/>
+              </a:rPr>
+              <a:t>priorità</a:t>
+            </a:r>
+            <a:r>
+              <a:rPr lang="en-US" sz="2499" spc="49" dirty="0">
+                <a:solidFill>
+                  <a:srgbClr val="414B3B"/>
+                </a:solidFill>
+                <a:latin typeface="Open Sans 1"/>
+              </a:rPr>
+              <a:t>, </a:t>
+            </a:r>
+            <a:r>
+              <a:rPr lang="en-US" sz="2499" spc="49" dirty="0" err="1">
+                <a:solidFill>
+                  <a:srgbClr val="414B3B"/>
+                </a:solidFill>
+                <a:latin typeface="Open Sans 1"/>
+              </a:rPr>
+              <a:t>adattarci</a:t>
+            </a:r>
+            <a:r>
+              <a:rPr lang="en-US" sz="2499" spc="49" dirty="0">
+                <a:solidFill>
+                  <a:srgbClr val="414B3B"/>
+                </a:solidFill>
+                <a:latin typeface="Open Sans 1"/>
+              </a:rPr>
+              <a:t> </a:t>
+            </a:r>
+            <a:r>
+              <a:rPr lang="en-US" sz="2499" spc="49" dirty="0" err="1">
+                <a:solidFill>
+                  <a:srgbClr val="414B3B"/>
+                </a:solidFill>
+                <a:latin typeface="Open Sans 1"/>
+              </a:rPr>
+              <a:t>rapidamente</a:t>
+            </a:r>
+            <a:r>
+              <a:rPr lang="en-US" sz="2499" spc="49" dirty="0">
+                <a:solidFill>
+                  <a:srgbClr val="414B3B"/>
+                </a:solidFill>
+                <a:latin typeface="Open Sans 1"/>
+              </a:rPr>
+              <a:t> ai </a:t>
+            </a:r>
+            <a:r>
+              <a:rPr lang="en-US" sz="2499" spc="49" dirty="0" err="1">
+                <a:solidFill>
+                  <a:srgbClr val="414B3B"/>
+                </a:solidFill>
+                <a:latin typeface="Open Sans 1"/>
+              </a:rPr>
+              <a:t>cambiamenti</a:t>
+            </a:r>
+            <a:r>
+              <a:rPr lang="en-US" sz="2499" spc="49" dirty="0">
+                <a:solidFill>
+                  <a:srgbClr val="414B3B"/>
+                </a:solidFill>
+                <a:latin typeface="Open Sans 1"/>
+              </a:rPr>
+              <a:t> e </a:t>
+            </a:r>
+            <a:r>
+              <a:rPr lang="en-US" sz="2499" spc="49" dirty="0" err="1">
+                <a:solidFill>
+                  <a:srgbClr val="414B3B"/>
+                </a:solidFill>
+                <a:latin typeface="Open Sans 1"/>
+              </a:rPr>
+              <a:t>mantenere</a:t>
+            </a:r>
+            <a:r>
+              <a:rPr lang="en-US" sz="2499" spc="49" dirty="0">
+                <a:solidFill>
+                  <a:srgbClr val="414B3B"/>
+                </a:solidFill>
+                <a:latin typeface="Open Sans 1"/>
+              </a:rPr>
+              <a:t> </a:t>
+            </a:r>
+            <a:r>
+              <a:rPr lang="en-US" sz="2499" spc="49" dirty="0" err="1">
+                <a:solidFill>
+                  <a:srgbClr val="414B3B"/>
+                </a:solidFill>
+                <a:latin typeface="Open Sans 1"/>
+              </a:rPr>
+              <a:t>una</a:t>
+            </a:r>
+            <a:r>
+              <a:rPr lang="en-US" sz="2499" spc="49" dirty="0">
+                <a:solidFill>
+                  <a:srgbClr val="414B3B"/>
+                </a:solidFill>
+                <a:latin typeface="Open Sans 1"/>
+              </a:rPr>
+              <a:t> </a:t>
+            </a:r>
+            <a:r>
+              <a:rPr lang="en-US" sz="2499" spc="49" dirty="0" err="1">
+                <a:solidFill>
+                  <a:srgbClr val="414B3B"/>
+                </a:solidFill>
+                <a:latin typeface="Open Sans 1"/>
+              </a:rPr>
+              <a:t>comunicazione</a:t>
+            </a:r>
+            <a:r>
+              <a:rPr lang="en-US" sz="2499" spc="49" dirty="0">
+                <a:solidFill>
+                  <a:srgbClr val="414B3B"/>
+                </a:solidFill>
+                <a:latin typeface="Open Sans 1"/>
+              </a:rPr>
+              <a:t> </a:t>
+            </a:r>
+            <a:r>
+              <a:rPr lang="en-US" sz="2499" spc="49" dirty="0" err="1">
+                <a:solidFill>
+                  <a:srgbClr val="414B3B"/>
+                </a:solidFill>
+                <a:latin typeface="Open Sans 1"/>
+              </a:rPr>
+              <a:t>trasparente</a:t>
+            </a:r>
+            <a:r>
+              <a:rPr lang="en-US" sz="2499" spc="49" dirty="0">
+                <a:solidFill>
+                  <a:srgbClr val="414B3B"/>
+                </a:solidFill>
+                <a:latin typeface="Open Sans 1"/>
+              </a:rPr>
+              <a:t> e continua </a:t>
+            </a:r>
+            <a:r>
+              <a:rPr lang="en-US" sz="2499" spc="49" dirty="0" err="1">
+                <a:solidFill>
+                  <a:srgbClr val="414B3B"/>
+                </a:solidFill>
+                <a:latin typeface="Open Sans 1"/>
+              </a:rPr>
+              <a:t>all'interno</a:t>
+            </a:r>
+            <a:r>
+              <a:rPr lang="en-US" sz="2499" spc="49" dirty="0">
+                <a:solidFill>
+                  <a:srgbClr val="414B3B"/>
+                </a:solidFill>
+                <a:latin typeface="Open Sans 1"/>
+              </a:rPr>
+              <a:t> del nostro team.</a:t>
             </a:r>
           </a:p>
         </p:txBody>
@@ -3955,17 +5082,21 @@
   <p:clrMapOvr>
     <a:masterClrMapping/>
   </p:clrMapOvr>
+  <p:transition spd="slow">
+    <p:push dir="u"/>
+  </p:transition>
 </p:sld>
 </file>
 
 <file path=ppt/slides/slide4.xml><?xml version="1.0" encoding="utf-8"?>
-<p:sld xmlns:p="http://schemas.openxmlformats.org/presentationml/2006/main" xmlns:a="http://schemas.openxmlformats.org/drawingml/2006/main" xmlns:r="http://schemas.openxmlformats.org/officeDocument/2006/relationships">
+<p:sld xmlns:a="http://schemas.openxmlformats.org/drawingml/2006/main" xmlns:r="http://schemas.openxmlformats.org/officeDocument/2006/relationships" xmlns:p="http://schemas.openxmlformats.org/presentationml/2006/main">
   <p:cSld>
     <p:bg>
       <p:bgPr>
         <a:solidFill>
           <a:srgbClr val="FFF9F3"/>
         </a:solidFill>
+        <a:effectLst/>
       </p:bgPr>
     </p:bg>
     <p:spTree>
@@ -3984,12 +5115,12 @@
       </p:grpSpPr>
       <p:sp>
         <p:nvSpPr>
-          <p:cNvPr name="Freeform 2" id="2"/>
+          <p:cNvPr id="2" name="Freeform 2"/>
           <p:cNvSpPr/>
           <p:nvPr/>
         </p:nvSpPr>
         <p:spPr>
-          <a:xfrm flipH="false" flipV="false" rot="0">
+          <a:xfrm>
             <a:off x="8119835" y="674173"/>
             <a:ext cx="1430883" cy="1452003"/>
           </a:xfrm>
@@ -3998,9 +5129,9 @@
             <a:gdLst/>
             <a:ahLst/>
             <a:cxnLst/>
-            <a:rect r="r" b="b" t="t" l="l"/>
+            <a:rect l="l" t="t" r="r" b="b"/>
             <a:pathLst>
-              <a:path h="1452003" w="1430883">
+              <a:path w="1430883" h="1452003">
                 <a:moveTo>
                   <a:pt x="0" y="0"/>
                 </a:moveTo>
@@ -4029,19 +5160,26 @@
               </a:extLst>
             </a:blip>
             <a:stretch>
-              <a:fillRect l="0" t="0" r="0" b="0"/>
+              <a:fillRect/>
             </a:stretch>
           </a:blipFill>
         </p:spPr>
-      </p:sp>
-      <p:sp>
-        <p:nvSpPr>
-          <p:cNvPr name="Freeform 3" id="3"/>
+        <p:txBody>
+          <a:bodyPr/>
+          <a:lstStyle/>
+          <a:p>
+            <a:endParaRPr lang="it-IT"/>
+          </a:p>
+        </p:txBody>
+      </p:sp>
+      <p:sp>
+        <p:nvSpPr>
+          <p:cNvPr id="3" name="Freeform 3"/>
           <p:cNvSpPr/>
           <p:nvPr/>
         </p:nvSpPr>
         <p:spPr>
-          <a:xfrm flipH="false" flipV="false" rot="0">
+          <a:xfrm>
             <a:off x="7771252" y="3205631"/>
             <a:ext cx="1779467" cy="1779467"/>
           </a:xfrm>
@@ -4050,9 +5188,9 @@
             <a:gdLst/>
             <a:ahLst/>
             <a:cxnLst/>
-            <a:rect r="r" b="b" t="t" l="l"/>
+            <a:rect l="l" t="t" r="r" b="b"/>
             <a:pathLst>
-              <a:path h="1779467" w="1779467">
+              <a:path w="1779467" h="1779467">
                 <a:moveTo>
                   <a:pt x="0" y="0"/>
                 </a:moveTo>
@@ -4081,19 +5219,26 @@
               </a:extLst>
             </a:blip>
             <a:stretch>
-              <a:fillRect l="0" t="0" r="0" b="0"/>
+              <a:fillRect/>
             </a:stretch>
           </a:blipFill>
         </p:spPr>
-      </p:sp>
-      <p:sp>
-        <p:nvSpPr>
-          <p:cNvPr name="Freeform 4" id="4"/>
+        <p:txBody>
+          <a:bodyPr/>
+          <a:lstStyle/>
+          <a:p>
+            <a:endParaRPr lang="it-IT"/>
+          </a:p>
+        </p:txBody>
+      </p:sp>
+      <p:sp>
+        <p:nvSpPr>
+          <p:cNvPr id="4" name="Freeform 4"/>
           <p:cNvSpPr/>
           <p:nvPr/>
         </p:nvSpPr>
         <p:spPr>
-          <a:xfrm flipH="false" flipV="false" rot="0">
+          <a:xfrm>
             <a:off x="7713117" y="5813773"/>
             <a:ext cx="2244321" cy="1281303"/>
           </a:xfrm>
@@ -4102,9 +5247,9 @@
             <a:gdLst/>
             <a:ahLst/>
             <a:cxnLst/>
-            <a:rect r="r" b="b" t="t" l="l"/>
+            <a:rect l="l" t="t" r="r" b="b"/>
             <a:pathLst>
-              <a:path h="1281303" w="2244321">
+              <a:path w="2244321" h="1281303">
                 <a:moveTo>
                   <a:pt x="0" y="0"/>
                 </a:moveTo>
@@ -4133,19 +5278,26 @@
               </a:extLst>
             </a:blip>
             <a:stretch>
-              <a:fillRect l="0" t="0" r="0" b="0"/>
+              <a:fillRect/>
             </a:stretch>
           </a:blipFill>
         </p:spPr>
-      </p:sp>
-      <p:sp>
-        <p:nvSpPr>
-          <p:cNvPr name="TextBox 5" id="5"/>
-          <p:cNvSpPr txBox="true"/>
+        <p:txBody>
+          <a:bodyPr/>
+          <a:lstStyle/>
+          <a:p>
+            <a:endParaRPr lang="it-IT"/>
+          </a:p>
+        </p:txBody>
+      </p:sp>
+      <p:sp>
+        <p:nvSpPr>
+          <p:cNvPr id="5" name="TextBox 5"/>
+          <p:cNvSpPr txBox="1"/>
           <p:nvPr/>
         </p:nvSpPr>
         <p:spPr>
-          <a:xfrm rot="0">
+          <a:xfrm>
             <a:off x="10476842" y="1086387"/>
             <a:ext cx="1493648" cy="742950"/>
           </a:xfrm>
@@ -4154,7 +5306,7 @@
           </a:prstGeom>
         </p:spPr>
         <p:txBody>
-          <a:bodyPr anchor="t" rtlCol="false" tIns="0" lIns="0" bIns="0" rIns="0">
+          <a:bodyPr lIns="0" tIns="0" rIns="0" bIns="0" rtlCol="0" anchor="t">
             <a:spAutoFit/>
           </a:bodyPr>
           <a:lstStyle/>
@@ -4175,7 +5327,7 @@
             </a:r>
           </a:p>
           <a:p>
-            <a:pPr algn="l" marL="0" indent="0" lvl="0">
+            <a:pPr marL="0" lvl="0" indent="0" algn="l">
               <a:lnSpc>
                 <a:spcPts val="2999"/>
               </a:lnSpc>
@@ -4197,12 +5349,12 @@
       </p:sp>
       <p:sp>
         <p:nvSpPr>
-          <p:cNvPr name="TextBox 6" id="6"/>
-          <p:cNvSpPr txBox="true"/>
+          <p:cNvPr id="6" name="TextBox 6"/>
+          <p:cNvSpPr txBox="1"/>
           <p:nvPr/>
         </p:nvSpPr>
         <p:spPr>
-          <a:xfrm rot="0">
+          <a:xfrm>
             <a:off x="10476842" y="3555825"/>
             <a:ext cx="1628715" cy="742950"/>
           </a:xfrm>
@@ -4211,7 +5363,7 @@
           </a:prstGeom>
         </p:spPr>
         <p:txBody>
-          <a:bodyPr anchor="t" rtlCol="false" tIns="0" lIns="0" bIns="0" rIns="0">
+          <a:bodyPr lIns="0" tIns="0" rIns="0" bIns="0" rtlCol="0" anchor="t">
             <a:spAutoFit/>
           </a:bodyPr>
           <a:lstStyle/>
@@ -4232,7 +5384,7 @@
             </a:r>
           </a:p>
           <a:p>
-            <a:pPr algn="l" marL="0" indent="0" lvl="0">
+            <a:pPr marL="0" lvl="0" indent="0" algn="l">
               <a:lnSpc>
                 <a:spcPts val="2999"/>
               </a:lnSpc>
@@ -4254,12 +5406,12 @@
       </p:sp>
       <p:sp>
         <p:nvSpPr>
-          <p:cNvPr name="TextBox 7" id="7"/>
-          <p:cNvSpPr txBox="true"/>
+          <p:cNvPr id="7" name="TextBox 7"/>
+          <p:cNvSpPr txBox="1"/>
           <p:nvPr/>
         </p:nvSpPr>
         <p:spPr>
-          <a:xfrm rot="0">
+          <a:xfrm>
             <a:off x="10552384" y="6082949"/>
             <a:ext cx="1553173" cy="742950"/>
           </a:xfrm>
@@ -4268,7 +5420,7 @@
           </a:prstGeom>
         </p:spPr>
         <p:txBody>
-          <a:bodyPr anchor="t" rtlCol="false" tIns="0" lIns="0" bIns="0" rIns="0">
+          <a:bodyPr lIns="0" tIns="0" rIns="0" bIns="0" rtlCol="0" anchor="t">
             <a:spAutoFit/>
           </a:bodyPr>
           <a:lstStyle/>
@@ -4289,7 +5441,7 @@
             </a:r>
           </a:p>
           <a:p>
-            <a:pPr algn="l" marL="0" indent="0" lvl="0">
+            <a:pPr marL="0" lvl="0" indent="0" algn="l">
               <a:lnSpc>
                 <a:spcPts val="2999"/>
               </a:lnSpc>
@@ -4311,12 +5463,12 @@
       </p:sp>
       <p:grpSp>
         <p:nvGrpSpPr>
-          <p:cNvPr name="Group 8" id="8"/>
+          <p:cNvPr id="8" name="Group 8"/>
           <p:cNvGrpSpPr/>
           <p:nvPr/>
         </p:nvGrpSpPr>
         <p:grpSpPr>
-          <a:xfrm rot="0">
+          <a:xfrm>
             <a:off x="16751300" y="-82023"/>
             <a:ext cx="1536700" cy="10451045"/>
             <a:chOff x="0" y="0"/>
@@ -4325,12 +5477,12 @@
         </p:grpSpPr>
         <p:sp>
           <p:nvSpPr>
-            <p:cNvPr name="Freeform 9" id="9"/>
+            <p:cNvPr id="9" name="Freeform 9"/>
             <p:cNvSpPr/>
             <p:nvPr/>
           </p:nvSpPr>
           <p:spPr>
-            <a:xfrm flipH="false" flipV="false" rot="0">
+            <a:xfrm>
               <a:off x="0" y="0"/>
               <a:ext cx="404728" cy="2752539"/>
             </a:xfrm>
@@ -4339,9 +5491,9 @@
               <a:gdLst/>
               <a:ahLst/>
               <a:cxnLst/>
-              <a:rect r="r" b="b" t="t" l="l"/>
+              <a:rect l="l" t="t" r="r" b="b"/>
               <a:pathLst>
-                <a:path h="2752539" w="404728">
+                <a:path w="404728" h="2752539">
                   <a:moveTo>
                     <a:pt x="0" y="0"/>
                   </a:moveTo>
@@ -4362,11 +5514,18 @@
               <a:srgbClr val="414B3B"/>
             </a:solidFill>
           </p:spPr>
+          <p:txBody>
+            <a:bodyPr/>
+            <a:lstStyle/>
+            <a:p>
+              <a:endParaRPr lang="it-IT"/>
+            </a:p>
+          </p:txBody>
         </p:sp>
         <p:sp>
           <p:nvSpPr>
-            <p:cNvPr name="TextBox 10" id="10"/>
-            <p:cNvSpPr txBox="true"/>
+            <p:cNvPr id="10" name="TextBox 10"/>
+            <p:cNvSpPr txBox="1"/>
             <p:nvPr/>
           </p:nvSpPr>
           <p:spPr>
@@ -4379,7 +5538,7 @@
             </a:prstGeom>
           </p:spPr>
           <p:txBody>
-            <a:bodyPr anchor="ctr" rtlCol="false" tIns="50800" lIns="50800" bIns="50800" rIns="50800"/>
+            <a:bodyPr lIns="50800" tIns="50800" rIns="50800" bIns="50800" rtlCol="0" anchor="ctr"/>
             <a:lstStyle/>
             <a:p>
               <a:pPr algn="ctr">
@@ -4387,18 +5546,19 @@
                   <a:spcPts val="3150"/>
                 </a:lnSpc>
               </a:pPr>
+              <a:endParaRPr/>
             </a:p>
           </p:txBody>
         </p:sp>
       </p:grpSp>
       <p:grpSp>
         <p:nvGrpSpPr>
-          <p:cNvPr name="Group 11" id="11"/>
+          <p:cNvPr id="11" name="Group 11"/>
           <p:cNvGrpSpPr/>
           <p:nvPr/>
         </p:nvGrpSpPr>
         <p:grpSpPr>
-          <a:xfrm rot="0">
+          <a:xfrm>
             <a:off x="0" y="0"/>
             <a:ext cx="6487951" cy="10287000"/>
             <a:chOff x="0" y="0"/>
@@ -4407,12 +5567,12 @@
         </p:grpSpPr>
         <p:sp>
           <p:nvSpPr>
-            <p:cNvPr name="Freeform 12" id="12"/>
+            <p:cNvPr id="12" name="Freeform 12"/>
             <p:cNvSpPr/>
             <p:nvPr/>
           </p:nvSpPr>
           <p:spPr>
-            <a:xfrm flipH="false" flipV="false" rot="0">
+            <a:xfrm>
               <a:off x="0" y="0"/>
               <a:ext cx="1708761" cy="2709333"/>
             </a:xfrm>
@@ -4421,9 +5581,9 @@
               <a:gdLst/>
               <a:ahLst/>
               <a:cxnLst/>
-              <a:rect r="r" b="b" t="t" l="l"/>
+              <a:rect l="l" t="t" r="r" b="b"/>
               <a:pathLst>
-                <a:path h="2709333" w="1708761">
+                <a:path w="1708761" h="2709333">
                   <a:moveTo>
                     <a:pt x="0" y="0"/>
                   </a:moveTo>
@@ -4444,11 +5604,18 @@
               <a:srgbClr val="8CA87C"/>
             </a:solidFill>
           </p:spPr>
+          <p:txBody>
+            <a:bodyPr/>
+            <a:lstStyle/>
+            <a:p>
+              <a:endParaRPr lang="it-IT"/>
+            </a:p>
+          </p:txBody>
         </p:sp>
         <p:sp>
           <p:nvSpPr>
-            <p:cNvPr name="TextBox 13" id="13"/>
-            <p:cNvSpPr txBox="true"/>
+            <p:cNvPr id="13" name="TextBox 13"/>
+            <p:cNvSpPr txBox="1"/>
             <p:nvPr/>
           </p:nvSpPr>
           <p:spPr>
@@ -4461,7 +5628,7 @@
             </a:prstGeom>
           </p:spPr>
           <p:txBody>
-            <a:bodyPr anchor="ctr" rtlCol="false" tIns="50800" lIns="50800" bIns="50800" rIns="50800"/>
+            <a:bodyPr lIns="50800" tIns="50800" rIns="50800" bIns="50800" rtlCol="0" anchor="ctr"/>
             <a:lstStyle/>
             <a:p>
               <a:pPr algn="ctr">
@@ -4469,18 +5636,19 @@
                   <a:spcPts val="3150"/>
                 </a:lnSpc>
               </a:pPr>
+              <a:endParaRPr/>
             </a:p>
           </p:txBody>
         </p:sp>
       </p:grpSp>
       <p:sp>
         <p:nvSpPr>
-          <p:cNvPr name="Freeform 14" id="14"/>
+          <p:cNvPr id="14" name="Freeform 14"/>
           <p:cNvSpPr/>
           <p:nvPr/>
         </p:nvSpPr>
         <p:spPr>
-          <a:xfrm flipH="false" flipV="false" rot="0">
+          <a:xfrm>
             <a:off x="8119835" y="7923751"/>
             <a:ext cx="1413296" cy="1768221"/>
           </a:xfrm>
@@ -4489,9 +5657,9 @@
             <a:gdLst/>
             <a:ahLst/>
             <a:cxnLst/>
-            <a:rect r="r" b="b" t="t" l="l"/>
+            <a:rect l="l" t="t" r="r" b="b"/>
             <a:pathLst>
-              <a:path h="1768221" w="1413296">
+              <a:path w="1413296" h="1768221">
                 <a:moveTo>
                   <a:pt x="0" y="0"/>
                 </a:moveTo>
@@ -4520,19 +5688,26 @@
               </a:extLst>
             </a:blip>
             <a:stretch>
-              <a:fillRect l="0" t="0" r="0" b="0"/>
+              <a:fillRect/>
             </a:stretch>
           </a:blipFill>
         </p:spPr>
-      </p:sp>
-      <p:sp>
-        <p:nvSpPr>
-          <p:cNvPr name="Freeform 15" id="15"/>
+        <p:txBody>
+          <a:bodyPr/>
+          <a:lstStyle/>
+          <a:p>
+            <a:endParaRPr lang="it-IT"/>
+          </a:p>
+        </p:txBody>
+      </p:sp>
+      <p:sp>
+        <p:nvSpPr>
+          <p:cNvPr id="15" name="Freeform 15"/>
           <p:cNvSpPr/>
           <p:nvPr/>
         </p:nvSpPr>
         <p:spPr>
-          <a:xfrm flipH="false" flipV="false" rot="0">
+          <a:xfrm>
             <a:off x="12613384" y="806497"/>
             <a:ext cx="1336628" cy="1336628"/>
           </a:xfrm>
@@ -4541,9 +5716,9 @@
             <a:gdLst/>
             <a:ahLst/>
             <a:cxnLst/>
-            <a:rect r="r" b="b" t="t" l="l"/>
+            <a:rect l="l" t="t" r="r" b="b"/>
             <a:pathLst>
-              <a:path h="1336628" w="1336628">
+              <a:path w="1336628" h="1336628">
                 <a:moveTo>
                   <a:pt x="0" y="0"/>
                 </a:moveTo>
@@ -4572,19 +5747,26 @@
               </a:extLst>
             </a:blip>
             <a:stretch>
-              <a:fillRect l="0" t="0" r="0" b="0"/>
+              <a:fillRect/>
             </a:stretch>
           </a:blipFill>
         </p:spPr>
-      </p:sp>
-      <p:sp>
-        <p:nvSpPr>
-          <p:cNvPr name="TextBox 16" id="16"/>
-          <p:cNvSpPr txBox="true"/>
+        <p:txBody>
+          <a:bodyPr/>
+          <a:lstStyle/>
+          <a:p>
+            <a:endParaRPr lang="it-IT"/>
+          </a:p>
+        </p:txBody>
+      </p:sp>
+      <p:sp>
+        <p:nvSpPr>
+          <p:cNvPr id="16" name="TextBox 16"/>
+          <p:cNvSpPr txBox="1"/>
           <p:nvPr/>
         </p:nvSpPr>
         <p:spPr>
-          <a:xfrm rot="0">
+          <a:xfrm>
             <a:off x="308362" y="4088681"/>
             <a:ext cx="5686038" cy="782395"/>
           </a:xfrm>
@@ -4593,12 +5775,12 @@
           </a:prstGeom>
         </p:spPr>
         <p:txBody>
-          <a:bodyPr anchor="t" rtlCol="false" tIns="0" lIns="0" bIns="0" rIns="0">
+          <a:bodyPr lIns="0" tIns="0" rIns="0" bIns="0" rtlCol="0" anchor="t">
             <a:spAutoFit/>
           </a:bodyPr>
           <a:lstStyle/>
           <a:p>
-            <a:pPr algn="l" marL="0" indent="0" lvl="0">
+            <a:pPr marL="0" lvl="0" indent="0" algn="l">
               <a:lnSpc>
                 <a:spcPts val="5738"/>
               </a:lnSpc>
@@ -4607,7 +5789,7 @@
               </a:spcBef>
             </a:pPr>
             <a:r>
-              <a:rPr lang="en-US" sz="5915" spc="118" u="none">
+              <a:rPr lang="en-US" sz="5915" u="none" spc="118">
                 <a:solidFill>
                   <a:srgbClr val="414B3B"/>
                 </a:solidFill>
@@ -4620,12 +5802,12 @@
       </p:sp>
       <p:sp>
         <p:nvSpPr>
-          <p:cNvPr name="TextBox 17" id="17"/>
-          <p:cNvSpPr txBox="true"/>
+          <p:cNvPr id="17" name="TextBox 17"/>
+          <p:cNvSpPr txBox="1"/>
           <p:nvPr/>
         </p:nvSpPr>
         <p:spPr>
-          <a:xfrm rot="0">
+          <a:xfrm>
             <a:off x="10552384" y="8064911"/>
             <a:ext cx="1553173" cy="1114425"/>
           </a:xfrm>
@@ -4634,7 +5816,7 @@
           </a:prstGeom>
         </p:spPr>
         <p:txBody>
-          <a:bodyPr anchor="t" rtlCol="false" tIns="0" lIns="0" bIns="0" rIns="0">
+          <a:bodyPr lIns="0" tIns="0" rIns="0" bIns="0" rtlCol="0" anchor="t">
             <a:spAutoFit/>
           </a:bodyPr>
           <a:lstStyle/>
@@ -4671,7 +5853,7 @@
             </a:r>
           </a:p>
           <a:p>
-            <a:pPr algn="l" marL="0" indent="0" lvl="0">
+            <a:pPr marL="0" lvl="0" indent="0" algn="l">
               <a:lnSpc>
                 <a:spcPts val="2999"/>
               </a:lnSpc>
@@ -4693,12 +5875,12 @@
       </p:sp>
       <p:sp>
         <p:nvSpPr>
-          <p:cNvPr name="TextBox 18" id="18"/>
-          <p:cNvSpPr txBox="true"/>
+          <p:cNvPr id="18" name="TextBox 18"/>
+          <p:cNvSpPr txBox="1"/>
           <p:nvPr/>
         </p:nvSpPr>
         <p:spPr>
-          <a:xfrm rot="0">
+          <a:xfrm>
             <a:off x="14166192" y="1028700"/>
             <a:ext cx="6706916" cy="1114425"/>
           </a:xfrm>
@@ -4707,7 +5889,7 @@
           </a:prstGeom>
         </p:spPr>
         <p:txBody>
-          <a:bodyPr anchor="t" rtlCol="false" tIns="0" lIns="0" bIns="0" rIns="0">
+          <a:bodyPr lIns="0" tIns="0" rIns="0" bIns="0" rtlCol="0" anchor="t">
             <a:spAutoFit/>
           </a:bodyPr>
           <a:lstStyle/>
@@ -4744,7 +5926,7 @@
             </a:r>
           </a:p>
           <a:p>
-            <a:pPr algn="l" marL="0" indent="0" lvl="0">
+            <a:pPr marL="0" lvl="0" indent="0" algn="l">
               <a:lnSpc>
                 <a:spcPts val="2999"/>
               </a:lnSpc>
@@ -4773,13 +5955,14 @@
 </file>
 
 <file path=ppt/slides/slide5.xml><?xml version="1.0" encoding="utf-8"?>
-<p:sld xmlns:p="http://schemas.openxmlformats.org/presentationml/2006/main" xmlns:a="http://schemas.openxmlformats.org/drawingml/2006/main" xmlns:r="http://schemas.openxmlformats.org/officeDocument/2006/relationships">
+<p:sld xmlns:a="http://schemas.openxmlformats.org/drawingml/2006/main" xmlns:r="http://schemas.openxmlformats.org/officeDocument/2006/relationships" xmlns:p="http://schemas.openxmlformats.org/presentationml/2006/main">
   <p:cSld>
     <p:bg>
       <p:bgPr>
         <a:solidFill>
           <a:srgbClr val="FFF9F3"/>
         </a:solidFill>
+        <a:effectLst/>
       </p:bgPr>
     </p:bg>
     <p:spTree>
@@ -4798,12 +5981,12 @@
       </p:grpSpPr>
       <p:sp>
         <p:nvSpPr>
-          <p:cNvPr name="Freeform 2" id="2" descr="Cycle Arrow Chart"/>
+          <p:cNvPr id="2" name="Freeform 2" descr="Cycle Arrow Chart"/>
           <p:cNvSpPr/>
           <p:nvPr/>
         </p:nvSpPr>
         <p:spPr>
-          <a:xfrm flipH="false" flipV="false" rot="0">
+          <a:xfrm>
             <a:off x="15584912" y="1141640"/>
             <a:ext cx="1959701" cy="1959701"/>
           </a:xfrm>
@@ -4812,9 +5995,9 @@
             <a:gdLst/>
             <a:ahLst/>
             <a:cxnLst/>
-            <a:rect r="r" b="b" t="t" l="l"/>
+            <a:rect l="l" t="t" r="r" b="b"/>
             <a:pathLst>
-              <a:path h="1959701" w="1959701">
+              <a:path w="1959701" h="1959701">
                 <a:moveTo>
                   <a:pt x="0" y="0"/>
                 </a:moveTo>
@@ -4843,19 +6026,26 @@
               </a:extLst>
             </a:blip>
             <a:stretch>
-              <a:fillRect l="0" t="0" r="0" b="0"/>
+              <a:fillRect/>
             </a:stretch>
           </a:blipFill>
         </p:spPr>
-      </p:sp>
-      <p:sp>
-        <p:nvSpPr>
-          <p:cNvPr name="TextBox 3" id="3"/>
-          <p:cNvSpPr txBox="true"/>
+        <p:txBody>
+          <a:bodyPr/>
+          <a:lstStyle/>
+          <a:p>
+            <a:endParaRPr lang="it-IT"/>
+          </a:p>
+        </p:txBody>
+      </p:sp>
+      <p:sp>
+        <p:nvSpPr>
+          <p:cNvPr id="3" name="TextBox 3"/>
+          <p:cNvSpPr txBox="1"/>
           <p:nvPr/>
         </p:nvSpPr>
         <p:spPr>
-          <a:xfrm rot="0">
+          <a:xfrm>
             <a:off x="1384300" y="1238250"/>
             <a:ext cx="9372600" cy="1703070"/>
           </a:xfrm>
@@ -4864,12 +6054,12 @@
           </a:prstGeom>
         </p:spPr>
         <p:txBody>
-          <a:bodyPr anchor="t" rtlCol="false" tIns="0" lIns="0" bIns="0" rIns="0">
+          <a:bodyPr lIns="0" tIns="0" rIns="0" bIns="0" rtlCol="0" anchor="t">
             <a:spAutoFit/>
           </a:bodyPr>
           <a:lstStyle/>
           <a:p>
-            <a:pPr algn="l" marL="0" indent="0" lvl="0">
+            <a:pPr marL="0" lvl="0" indent="0" algn="l">
               <a:lnSpc>
                 <a:spcPts val="6480"/>
               </a:lnSpc>
@@ -4878,7 +6068,7 @@
               </a:spcBef>
             </a:pPr>
             <a:r>
-              <a:rPr lang="en-US" sz="7200" spc="359" strike="noStrike" u="none">
+              <a:rPr lang="en-US" sz="7200" u="none" strike="noStrike" spc="359">
                 <a:solidFill>
                   <a:srgbClr val="000000"/>
                 </a:solidFill>
@@ -4891,12 +6081,12 @@
       </p:sp>
       <p:sp>
         <p:nvSpPr>
-          <p:cNvPr name="TextBox 4" id="4"/>
-          <p:cNvSpPr txBox="true"/>
+          <p:cNvPr id="4" name="TextBox 4"/>
+          <p:cNvSpPr txBox="1"/>
           <p:nvPr/>
         </p:nvSpPr>
         <p:spPr>
-          <a:xfrm rot="0">
+          <a:xfrm>
             <a:off x="1384300" y="5458450"/>
             <a:ext cx="5862227" cy="1857375"/>
           </a:xfrm>
@@ -4905,12 +6095,12 @@
           </a:prstGeom>
         </p:spPr>
         <p:txBody>
-          <a:bodyPr anchor="t" rtlCol="false" tIns="0" lIns="0" bIns="0" rIns="0">
+          <a:bodyPr lIns="0" tIns="0" rIns="0" bIns="0" rtlCol="0" anchor="t">
             <a:spAutoFit/>
           </a:bodyPr>
           <a:lstStyle/>
           <a:p>
-            <a:pPr algn="l" marL="0" indent="0" lvl="0">
+            <a:pPr marL="0" lvl="0" indent="0" algn="l">
               <a:lnSpc>
                 <a:spcPts val="2999"/>
               </a:lnSpc>
@@ -4919,7 +6109,7 @@
               </a:spcBef>
             </a:pPr>
             <a:r>
-              <a:rPr lang="en-US" sz="2499" spc="49" strike="noStrike" u="none">
+              <a:rPr lang="en-US" sz="2499" u="none" strike="noStrike" spc="49">
                 <a:solidFill>
                   <a:srgbClr val="000000"/>
                 </a:solidFill>
@@ -4929,7 +6119,7 @@
             </a:r>
           </a:p>
           <a:p>
-            <a:pPr algn="l" marL="0" indent="0" lvl="0">
+            <a:pPr marL="0" lvl="0" indent="0" algn="l">
               <a:lnSpc>
                 <a:spcPts val="2999"/>
               </a:lnSpc>
@@ -4938,7 +6128,7 @@
               </a:spcBef>
             </a:pPr>
             <a:r>
-              <a:rPr lang="en-US" sz="2499" spc="49" strike="noStrike" u="none">
+              <a:rPr lang="en-US" sz="2499" u="none" strike="noStrike" spc="49">
                 <a:solidFill>
                   <a:srgbClr val="000000"/>
                 </a:solidFill>
@@ -4951,12 +6141,12 @@
       </p:sp>
       <p:sp>
         <p:nvSpPr>
-          <p:cNvPr name="TextBox 5" id="5"/>
-          <p:cNvSpPr txBox="true"/>
+          <p:cNvPr id="5" name="TextBox 5"/>
+          <p:cNvSpPr txBox="1"/>
           <p:nvPr/>
         </p:nvSpPr>
         <p:spPr>
-          <a:xfrm rot="0">
+          <a:xfrm>
             <a:off x="10875531" y="5458450"/>
             <a:ext cx="5986879" cy="3343275"/>
           </a:xfrm>
@@ -4965,12 +6155,12 @@
           </a:prstGeom>
         </p:spPr>
         <p:txBody>
-          <a:bodyPr anchor="t" rtlCol="false" tIns="0" lIns="0" bIns="0" rIns="0">
+          <a:bodyPr lIns="0" tIns="0" rIns="0" bIns="0" rtlCol="0" anchor="t">
             <a:spAutoFit/>
           </a:bodyPr>
           <a:lstStyle/>
           <a:p>
-            <a:pPr algn="l" marL="0" indent="0" lvl="0">
+            <a:pPr marL="0" lvl="0" indent="0" algn="l">
               <a:lnSpc>
                 <a:spcPts val="2999"/>
               </a:lnSpc>
@@ -4979,7 +6169,7 @@
               </a:spcBef>
             </a:pPr>
             <a:r>
-              <a:rPr lang="en-US" sz="2499" spc="49" strike="noStrike" u="none">
+              <a:rPr lang="en-US" sz="2499" u="none" strike="noStrike" spc="49">
                 <a:solidFill>
                   <a:srgbClr val="000000"/>
                 </a:solidFill>
@@ -4989,7 +6179,7 @@
             </a:r>
           </a:p>
           <a:p>
-            <a:pPr algn="l" marL="0" indent="0" lvl="0">
+            <a:pPr marL="0" lvl="0" indent="0" algn="l">
               <a:lnSpc>
                 <a:spcPts val="2999"/>
               </a:lnSpc>
@@ -4998,7 +6188,7 @@
               </a:spcBef>
             </a:pPr>
             <a:r>
-              <a:rPr lang="en-US" sz="2499" spc="49" strike="noStrike" u="none">
+              <a:rPr lang="en-US" sz="2499" u="none" strike="noStrike" spc="49">
                 <a:solidFill>
                   <a:srgbClr val="000000"/>
                 </a:solidFill>
@@ -5011,44 +6201,55 @@
       </p:sp>
       <p:sp>
         <p:nvSpPr>
-          <p:cNvPr name="AutoShape 6" id="6"/>
+          <p:cNvPr id="6" name="AutoShape 6"/>
           <p:cNvSpPr/>
           <p:nvPr/>
         </p:nvSpPr>
         <p:spPr>
-          <a:xfrm flipH="true" flipV="true">
+          <a:xfrm flipH="1" flipV="1">
             <a:off x="5" y="4058197"/>
             <a:ext cx="18288049" cy="9525"/>
           </a:xfrm>
           <a:prstGeom prst="line">
             <a:avLst/>
           </a:prstGeom>
-          <a:ln cap="flat" w="19050">
+          <a:ln w="19050" cap="flat">
             <a:solidFill>
               <a:srgbClr val="414B3B"/>
             </a:solidFill>
             <a:prstDash val="solid"/>
-            <a:headEnd type="none" len="sm" w="sm"/>
-            <a:tailEnd type="none" len="sm" w="sm"/>
+            <a:headEnd type="none" w="sm" len="sm"/>
+            <a:tailEnd type="none" w="sm" len="sm"/>
           </a:ln>
         </p:spPr>
+        <p:txBody>
+          <a:bodyPr/>
+          <a:lstStyle/>
+          <a:p>
+            <a:endParaRPr lang="it-IT"/>
+          </a:p>
+        </p:txBody>
       </p:sp>
     </p:spTree>
   </p:cSld>
   <p:clrMapOvr>
     <a:masterClrMapping/>
   </p:clrMapOvr>
+  <p:transition spd="slow">
+    <p:push dir="u"/>
+  </p:transition>
 </p:sld>
 </file>
 
 <file path=ppt/slides/slide6.xml><?xml version="1.0" encoding="utf-8"?>
-<p:sld xmlns:p="http://schemas.openxmlformats.org/presentationml/2006/main" xmlns:a="http://schemas.openxmlformats.org/drawingml/2006/main" xmlns:r="http://schemas.openxmlformats.org/officeDocument/2006/relationships">
+<p:sld xmlns:a="http://schemas.openxmlformats.org/drawingml/2006/main" xmlns:r="http://schemas.openxmlformats.org/officeDocument/2006/relationships" xmlns:p="http://schemas.openxmlformats.org/presentationml/2006/main">
   <p:cSld>
     <p:bg>
       <p:bgPr>
         <a:solidFill>
           <a:srgbClr val="FFF9F3"/>
         </a:solidFill>
+        <a:effectLst/>
       </p:bgPr>
     </p:bg>
     <p:spTree>
@@ -5067,12 +6268,12 @@
       </p:grpSpPr>
       <p:sp>
         <p:nvSpPr>
-          <p:cNvPr name="Freeform 2" id="2" descr="Growth graph icon"/>
+          <p:cNvPr id="2" name="Freeform 2" descr="Growth graph icon"/>
           <p:cNvSpPr/>
           <p:nvPr/>
         </p:nvSpPr>
         <p:spPr>
-          <a:xfrm flipH="false" flipV="false" rot="0">
+          <a:xfrm>
             <a:off x="0" y="8018323"/>
             <a:ext cx="2627162" cy="2192486"/>
           </a:xfrm>
@@ -5081,9 +6282,9 @@
             <a:gdLst/>
             <a:ahLst/>
             <a:cxnLst/>
-            <a:rect r="r" b="b" t="t" l="l"/>
+            <a:rect l="l" t="t" r="r" b="b"/>
             <a:pathLst>
-              <a:path h="2192486" w="2627162">
+              <a:path w="2627162" h="2192486">
                 <a:moveTo>
                   <a:pt x="0" y="0"/>
                 </a:moveTo>
@@ -5112,19 +6313,26 @@
               </a:extLst>
             </a:blip>
             <a:stretch>
-              <a:fillRect l="0" t="0" r="0" b="0"/>
+              <a:fillRect/>
             </a:stretch>
           </a:blipFill>
         </p:spPr>
-      </p:sp>
-      <p:sp>
-        <p:nvSpPr>
-          <p:cNvPr name="TextBox 3" id="3"/>
-          <p:cNvSpPr txBox="true"/>
+        <p:txBody>
+          <a:bodyPr/>
+          <a:lstStyle/>
+          <a:p>
+            <a:endParaRPr lang="it-IT"/>
+          </a:p>
+        </p:txBody>
+      </p:sp>
+      <p:sp>
+        <p:nvSpPr>
+          <p:cNvPr id="3" name="TextBox 3"/>
+          <p:cNvSpPr txBox="1"/>
           <p:nvPr/>
         </p:nvSpPr>
         <p:spPr>
-          <a:xfrm rot="0">
+          <a:xfrm>
             <a:off x="1599564" y="3471862"/>
             <a:ext cx="4001772" cy="3343275"/>
           </a:xfrm>
@@ -5133,12 +6341,12 @@
           </a:prstGeom>
         </p:spPr>
         <p:txBody>
-          <a:bodyPr anchor="t" rtlCol="false" tIns="0" lIns="0" bIns="0" rIns="0">
+          <a:bodyPr lIns="0" tIns="0" rIns="0" bIns="0" rtlCol="0" anchor="t">
             <a:spAutoFit/>
           </a:bodyPr>
           <a:lstStyle/>
           <a:p>
-            <a:pPr algn="ctr" marL="0" indent="0" lvl="0">
+            <a:pPr marL="0" lvl="0" indent="0" algn="ctr">
               <a:lnSpc>
                 <a:spcPts val="2999"/>
               </a:lnSpc>
@@ -5154,7 +6362,7 @@
             </a:r>
           </a:p>
           <a:p>
-            <a:pPr algn="ctr" marL="0" indent="0" lvl="0">
+            <a:pPr marL="0" lvl="0" indent="0" algn="ctr">
               <a:lnSpc>
                 <a:spcPts val="2999"/>
               </a:lnSpc>
@@ -5173,12 +6381,12 @@
       </p:sp>
       <p:sp>
         <p:nvSpPr>
-          <p:cNvPr name="TextBox 4" id="4"/>
-          <p:cNvSpPr txBox="true"/>
+          <p:cNvPr id="4" name="TextBox 4"/>
+          <p:cNvSpPr txBox="1"/>
           <p:nvPr/>
         </p:nvSpPr>
         <p:spPr>
-          <a:xfrm rot="0">
+          <a:xfrm>
             <a:off x="7143114" y="2543175"/>
             <a:ext cx="4001772" cy="5200650"/>
           </a:xfrm>
@@ -5187,12 +6395,12 @@
           </a:prstGeom>
         </p:spPr>
         <p:txBody>
-          <a:bodyPr anchor="t" rtlCol="false" tIns="0" lIns="0" bIns="0" rIns="0">
+          <a:bodyPr lIns="0" tIns="0" rIns="0" bIns="0" rtlCol="0" anchor="t">
             <a:spAutoFit/>
           </a:bodyPr>
           <a:lstStyle/>
           <a:p>
-            <a:pPr algn="ctr" marL="0" indent="0" lvl="0">
+            <a:pPr marL="0" lvl="0" indent="0" algn="ctr">
               <a:lnSpc>
                 <a:spcPts val="2999"/>
               </a:lnSpc>
@@ -5208,7 +6416,7 @@
             </a:r>
           </a:p>
           <a:p>
-            <a:pPr algn="ctr" marL="0" indent="0" lvl="0">
+            <a:pPr marL="0" lvl="0" indent="0" algn="ctr">
               <a:lnSpc>
                 <a:spcPts val="2999"/>
               </a:lnSpc>
@@ -5227,12 +6435,12 @@
       </p:sp>
       <p:sp>
         <p:nvSpPr>
-          <p:cNvPr name="TextBox 5" id="5"/>
-          <p:cNvSpPr txBox="true"/>
+          <p:cNvPr id="5" name="TextBox 5"/>
+          <p:cNvSpPr txBox="1"/>
           <p:nvPr/>
         </p:nvSpPr>
         <p:spPr>
-          <a:xfrm rot="0">
+          <a:xfrm>
             <a:off x="12686664" y="3100387"/>
             <a:ext cx="4001772" cy="4086225"/>
           </a:xfrm>
@@ -5241,12 +6449,12 @@
           </a:prstGeom>
         </p:spPr>
         <p:txBody>
-          <a:bodyPr anchor="t" rtlCol="false" tIns="0" lIns="0" bIns="0" rIns="0">
+          <a:bodyPr lIns="0" tIns="0" rIns="0" bIns="0" rtlCol="0" anchor="t">
             <a:spAutoFit/>
           </a:bodyPr>
           <a:lstStyle/>
           <a:p>
-            <a:pPr algn="ctr" marL="0" indent="0" lvl="0">
+            <a:pPr marL="0" lvl="0" indent="0" algn="ctr">
               <a:lnSpc>
                 <a:spcPts val="2999"/>
               </a:lnSpc>
@@ -5262,7 +6470,7 @@
             </a:r>
           </a:p>
           <a:p>
-            <a:pPr algn="ctr" marL="0" indent="0" lvl="0">
+            <a:pPr marL="0" lvl="0" indent="0" algn="ctr">
               <a:lnSpc>
                 <a:spcPts val="2999"/>
               </a:lnSpc>
@@ -5284,17 +6492,21 @@
   <p:clrMapOvr>
     <a:masterClrMapping/>
   </p:clrMapOvr>
+  <p:transition spd="slow">
+    <p:push dir="u"/>
+  </p:transition>
 </p:sld>
 </file>
 
 <file path=ppt/slides/slide7.xml><?xml version="1.0" encoding="utf-8"?>
-<p:sld xmlns:p="http://schemas.openxmlformats.org/presentationml/2006/main" xmlns:a="http://schemas.openxmlformats.org/drawingml/2006/main" xmlns:r="http://schemas.openxmlformats.org/officeDocument/2006/relationships">
+<p:sld xmlns:a="http://schemas.openxmlformats.org/drawingml/2006/main" xmlns:r="http://schemas.openxmlformats.org/officeDocument/2006/relationships" xmlns:p="http://schemas.openxmlformats.org/presentationml/2006/main">
   <p:cSld>
     <p:bg>
       <p:bgPr>
         <a:solidFill>
           <a:srgbClr val="FFF9F3"/>
         </a:solidFill>
+        <a:effectLst/>
       </p:bgPr>
     </p:bg>
     <p:spTree>
@@ -5313,12 +6525,12 @@
       </p:grpSpPr>
       <p:sp>
         <p:nvSpPr>
-          <p:cNvPr name="Freeform 2" id="2" descr="Financial analysis and forecasting icon"/>
+          <p:cNvPr id="2" name="Freeform 2" descr="Financial analysis and forecasting icon"/>
           <p:cNvSpPr/>
           <p:nvPr/>
         </p:nvSpPr>
         <p:spPr>
-          <a:xfrm flipH="false" flipV="false" rot="0">
+          <a:xfrm>
             <a:off x="11675396" y="2239963"/>
             <a:ext cx="5807074" cy="5807074"/>
           </a:xfrm>
@@ -5327,9 +6539,9 @@
             <a:gdLst/>
             <a:ahLst/>
             <a:cxnLst/>
-            <a:rect r="r" b="b" t="t" l="l"/>
+            <a:rect l="l" t="t" r="r" b="b"/>
             <a:pathLst>
-              <a:path h="5807074" w="5807074">
+              <a:path w="5807074" h="5807074">
                 <a:moveTo>
                   <a:pt x="0" y="0"/>
                 </a:moveTo>
@@ -5358,19 +6570,26 @@
               </a:extLst>
             </a:blip>
             <a:stretch>
-              <a:fillRect l="0" t="0" r="0" b="0"/>
+              <a:fillRect/>
             </a:stretch>
           </a:blipFill>
         </p:spPr>
+        <p:txBody>
+          <a:bodyPr/>
+          <a:lstStyle/>
+          <a:p>
+            <a:endParaRPr lang="it-IT"/>
+          </a:p>
+        </p:txBody>
       </p:sp>
       <p:grpSp>
         <p:nvGrpSpPr>
-          <p:cNvPr name="Group 3" id="3"/>
+          <p:cNvPr id="3" name="Group 3"/>
           <p:cNvGrpSpPr/>
           <p:nvPr/>
         </p:nvGrpSpPr>
         <p:grpSpPr>
-          <a:xfrm rot="0">
+          <a:xfrm>
             <a:off x="0" y="0"/>
             <a:ext cx="8713961" cy="10244956"/>
             <a:chOff x="0" y="0"/>
@@ -5379,12 +6598,12 @@
         </p:grpSpPr>
         <p:sp>
           <p:nvSpPr>
-            <p:cNvPr name="AutoShape 4" id="4"/>
+            <p:cNvPr id="4" name="AutoShape 4"/>
             <p:cNvSpPr/>
             <p:nvPr/>
           </p:nvSpPr>
           <p:spPr>
-            <a:xfrm rot="0">
+            <a:xfrm>
               <a:off x="0" y="3229521"/>
               <a:ext cx="10261745" cy="10113"/>
             </a:xfrm>
@@ -5395,15 +6614,22 @@
               <a:srgbClr val="000000"/>
             </a:solidFill>
           </p:spPr>
+          <p:txBody>
+            <a:bodyPr/>
+            <a:lstStyle/>
+            <a:p>
+              <a:endParaRPr lang="it-IT"/>
+            </a:p>
+          </p:txBody>
         </p:sp>
         <p:sp>
           <p:nvSpPr>
-            <p:cNvPr name="TextBox 5" id="5"/>
-            <p:cNvSpPr txBox="true"/>
+            <p:cNvPr id="5" name="TextBox 5"/>
+            <p:cNvSpPr txBox="1"/>
             <p:nvPr/>
           </p:nvSpPr>
           <p:spPr>
-            <a:xfrm rot="0">
+            <a:xfrm>
               <a:off x="0" y="47625"/>
               <a:ext cx="11618615" cy="2045723"/>
             </a:xfrm>
@@ -5412,12 +6638,12 @@
             </a:prstGeom>
           </p:spPr>
           <p:txBody>
-            <a:bodyPr anchor="t" rtlCol="false" tIns="0" lIns="0" bIns="0" rIns="0">
+            <a:bodyPr lIns="0" tIns="0" rIns="0" bIns="0" rtlCol="0" anchor="t">
               <a:spAutoFit/>
             </a:bodyPr>
             <a:lstStyle/>
             <a:p>
-              <a:pPr marL="0" indent="0" lvl="0">
+              <a:pPr marL="0" lvl="0" indent="0">
                 <a:lnSpc>
                   <a:spcPts val="5912"/>
                 </a:lnSpc>
@@ -5436,12 +6662,12 @@
         </p:sp>
         <p:sp>
           <p:nvSpPr>
-            <p:cNvPr name="TextBox 6" id="6"/>
-            <p:cNvSpPr txBox="true"/>
+            <p:cNvPr id="6" name="TextBox 6"/>
+            <p:cNvSpPr txBox="1"/>
             <p:nvPr/>
           </p:nvSpPr>
           <p:spPr>
-            <a:xfrm rot="0">
+            <a:xfrm>
               <a:off x="0" y="4050079"/>
               <a:ext cx="11618615" cy="4052358"/>
             </a:xfrm>
@@ -5450,12 +6676,687 @@
             </a:prstGeom>
           </p:spPr>
           <p:txBody>
-            <a:bodyPr anchor="t" rtlCol="false" tIns="0" lIns="0" bIns="0" rIns="0">
+            <a:bodyPr lIns="0" tIns="0" rIns="0" bIns="0" rtlCol="0" anchor="t">
               <a:spAutoFit/>
             </a:bodyPr>
             <a:lstStyle/>
             <a:p>
-              <a:pPr marL="0" indent="0" lvl="0">
+              <a:pPr marL="0" lvl="0" indent="0">
+                <a:lnSpc>
+                  <a:spcPts val="3499"/>
+                </a:lnSpc>
+              </a:pPr>
+              <a:r>
+                <a:rPr lang="en-US" sz="2499" dirty="0" err="1">
+                  <a:solidFill>
+                    <a:srgbClr val="000000"/>
+                  </a:solidFill>
+                  <a:latin typeface="Open Sans 2"/>
+                </a:rPr>
+                <a:t>Identificazione</a:t>
+              </a:r>
+              <a:r>
+                <a:rPr lang="en-US" sz="2499" dirty="0">
+                  <a:solidFill>
+                    <a:srgbClr val="000000"/>
+                  </a:solidFill>
+                  <a:latin typeface="Open Sans 2"/>
+                </a:rPr>
+                <a:t> </a:t>
+              </a:r>
+              <a:r>
+                <a:rPr lang="en-US" sz="2499" dirty="0" err="1">
+                  <a:solidFill>
+                    <a:srgbClr val="000000"/>
+                  </a:solidFill>
+                  <a:latin typeface="Open Sans 2"/>
+                </a:rPr>
+                <a:t>delle</a:t>
+              </a:r>
+              <a:r>
+                <a:rPr lang="en-US" sz="2499" dirty="0">
+                  <a:solidFill>
+                    <a:srgbClr val="000000"/>
+                  </a:solidFill>
+                  <a:latin typeface="Open Sans 2"/>
+                </a:rPr>
+                <a:t> </a:t>
+              </a:r>
+              <a:r>
+                <a:rPr lang="en-US" sz="2499" dirty="0" err="1">
+                  <a:solidFill>
+                    <a:srgbClr val="000000"/>
+                  </a:solidFill>
+                  <a:latin typeface="Open Sans 2"/>
+                </a:rPr>
+                <a:t>correlazioni</a:t>
+              </a:r>
+              <a:r>
+                <a:rPr lang="en-US" sz="2499" dirty="0">
+                  <a:solidFill>
+                    <a:srgbClr val="000000"/>
+                  </a:solidFill>
+                  <a:latin typeface="Open Sans 2"/>
+                </a:rPr>
+                <a:t> </a:t>
+              </a:r>
+              <a:r>
+                <a:rPr lang="en-US" sz="2499" dirty="0" err="1">
+                  <a:solidFill>
+                    <a:srgbClr val="000000"/>
+                  </a:solidFill>
+                  <a:latin typeface="Open Sans 2"/>
+                </a:rPr>
+                <a:t>tra</a:t>
+              </a:r>
+              <a:r>
+                <a:rPr lang="en-US" sz="2499" dirty="0">
+                  <a:solidFill>
+                    <a:srgbClr val="000000"/>
+                  </a:solidFill>
+                  <a:latin typeface="Open Sans 2"/>
+                </a:rPr>
+                <a:t> le </a:t>
+              </a:r>
+              <a:r>
+                <a:rPr lang="en-US" sz="2499" dirty="0" err="1">
+                  <a:solidFill>
+                    <a:srgbClr val="000000"/>
+                  </a:solidFill>
+                  <a:latin typeface="Open Sans 2"/>
+                </a:rPr>
+                <a:t>varie</a:t>
+              </a:r>
+              <a:r>
+                <a:rPr lang="en-US" sz="2499" dirty="0">
+                  <a:solidFill>
+                    <a:srgbClr val="000000"/>
+                  </a:solidFill>
+                  <a:latin typeface="Open Sans 2"/>
+                </a:rPr>
+                <a:t> </a:t>
+              </a:r>
+              <a:r>
+                <a:rPr lang="en-US" sz="2499" dirty="0" err="1">
+                  <a:solidFill>
+                    <a:srgbClr val="000000"/>
+                  </a:solidFill>
+                  <a:latin typeface="Open Sans 2"/>
+                </a:rPr>
+                <a:t>variabili</a:t>
+              </a:r>
+              <a:r>
+                <a:rPr lang="en-US" sz="2499" dirty="0">
+                  <a:solidFill>
+                    <a:srgbClr val="000000"/>
+                  </a:solidFill>
+                  <a:latin typeface="Open Sans 2"/>
+                </a:rPr>
+                <a:t> al fine di </a:t>
+              </a:r>
+              <a:r>
+                <a:rPr lang="en-US" sz="2499" dirty="0" err="1">
+                  <a:solidFill>
+                    <a:srgbClr val="000000"/>
+                  </a:solidFill>
+                  <a:latin typeface="Open Sans 2"/>
+                </a:rPr>
+                <a:t>migliorare</a:t>
+              </a:r>
+              <a:r>
+                <a:rPr lang="en-US" sz="2499" dirty="0">
+                  <a:solidFill>
+                    <a:srgbClr val="000000"/>
+                  </a:solidFill>
+                  <a:latin typeface="Open Sans 2"/>
+                </a:rPr>
+                <a:t> le </a:t>
+              </a:r>
+              <a:r>
+                <a:rPr lang="en-US" sz="2499" dirty="0" err="1">
+                  <a:solidFill>
+                    <a:srgbClr val="000000"/>
+                  </a:solidFill>
+                  <a:latin typeface="Open Sans 2"/>
+                </a:rPr>
+                <a:t>nostre</a:t>
+              </a:r>
+              <a:r>
+                <a:rPr lang="en-US" sz="2499" dirty="0">
+                  <a:solidFill>
+                    <a:srgbClr val="000000"/>
+                  </a:solidFill>
+                  <a:latin typeface="Open Sans 2"/>
+                </a:rPr>
+                <a:t> </a:t>
+              </a:r>
+              <a:r>
+                <a:rPr lang="en-US" sz="2499" dirty="0" err="1">
+                  <a:solidFill>
+                    <a:srgbClr val="000000"/>
+                  </a:solidFill>
+                  <a:latin typeface="Open Sans 2"/>
+                </a:rPr>
+                <a:t>previsioni</a:t>
+              </a:r>
+              <a:r>
+                <a:rPr lang="en-US" sz="2499" dirty="0">
+                  <a:solidFill>
+                    <a:srgbClr val="000000"/>
+                  </a:solidFill>
+                  <a:latin typeface="Open Sans 2"/>
+                </a:rPr>
+                <a:t>. </a:t>
+              </a:r>
+              <a:r>
+                <a:rPr lang="en-US" sz="2499" dirty="0" err="1">
+                  <a:solidFill>
+                    <a:srgbClr val="000000"/>
+                  </a:solidFill>
+                  <a:latin typeface="Open Sans 2"/>
+                </a:rPr>
+                <a:t>Utilizzando</a:t>
+              </a:r>
+              <a:r>
+                <a:rPr lang="en-US" sz="2499" dirty="0">
+                  <a:solidFill>
+                    <a:srgbClr val="000000"/>
+                  </a:solidFill>
+                  <a:latin typeface="Open Sans 2"/>
+                </a:rPr>
+                <a:t> un notebook </a:t>
+              </a:r>
+              <a:r>
+                <a:rPr lang="en-US" sz="2499" dirty="0" err="1">
+                  <a:solidFill>
+                    <a:srgbClr val="000000"/>
+                  </a:solidFill>
+                  <a:latin typeface="Open Sans 2"/>
+                </a:rPr>
+                <a:t>Jupyter</a:t>
+              </a:r>
+              <a:r>
+                <a:rPr lang="en-US" sz="2499" dirty="0">
+                  <a:solidFill>
+                    <a:srgbClr val="000000"/>
+                  </a:solidFill>
+                  <a:latin typeface="Open Sans 2"/>
+                </a:rPr>
+                <a:t>, </a:t>
+              </a:r>
+              <a:r>
+                <a:rPr lang="en-US" sz="2499" dirty="0" err="1">
+                  <a:solidFill>
+                    <a:srgbClr val="000000"/>
+                  </a:solidFill>
+                  <a:latin typeface="Open Sans 2"/>
+                </a:rPr>
+                <a:t>abbiamo</a:t>
+              </a:r>
+              <a:r>
+                <a:rPr lang="en-US" sz="2499" dirty="0">
+                  <a:solidFill>
+                    <a:srgbClr val="000000"/>
+                  </a:solidFill>
+                  <a:latin typeface="Open Sans 2"/>
+                </a:rPr>
+                <a:t> </a:t>
+              </a:r>
+              <a:r>
+                <a:rPr lang="en-US" sz="2499" dirty="0" err="1">
+                  <a:solidFill>
+                    <a:srgbClr val="000000"/>
+                  </a:solidFill>
+                  <a:latin typeface="Open Sans 2"/>
+                </a:rPr>
+                <a:t>esplorato</a:t>
+              </a:r>
+              <a:r>
+                <a:rPr lang="en-US" sz="2499" dirty="0">
+                  <a:solidFill>
+                    <a:srgbClr val="000000"/>
+                  </a:solidFill>
+                  <a:latin typeface="Open Sans 2"/>
+                </a:rPr>
+                <a:t> </a:t>
+              </a:r>
+              <a:r>
+                <a:rPr lang="en-US" sz="2499" dirty="0" err="1">
+                  <a:solidFill>
+                    <a:srgbClr val="000000"/>
+                  </a:solidFill>
+                  <a:latin typeface="Open Sans 2"/>
+                </a:rPr>
+                <a:t>i</a:t>
+              </a:r>
+              <a:r>
+                <a:rPr lang="en-US" sz="2499" dirty="0">
+                  <a:solidFill>
+                    <a:srgbClr val="000000"/>
+                  </a:solidFill>
+                  <a:latin typeface="Open Sans 2"/>
+                </a:rPr>
+                <a:t> </a:t>
+              </a:r>
+              <a:r>
+                <a:rPr lang="en-US" sz="2499" dirty="0" err="1">
+                  <a:solidFill>
+                    <a:srgbClr val="000000"/>
+                  </a:solidFill>
+                  <a:latin typeface="Open Sans 2"/>
+                </a:rPr>
+                <a:t>dati</a:t>
+              </a:r>
+              <a:r>
+                <a:rPr lang="en-US" sz="2499" dirty="0">
+                  <a:solidFill>
+                    <a:srgbClr val="000000"/>
+                  </a:solidFill>
+                  <a:latin typeface="Open Sans 2"/>
+                </a:rPr>
+                <a:t> in </a:t>
+              </a:r>
+              <a:r>
+                <a:rPr lang="en-US" sz="2499" dirty="0" err="1">
+                  <a:solidFill>
+                    <a:srgbClr val="000000"/>
+                  </a:solidFill>
+                  <a:latin typeface="Open Sans 2"/>
+                </a:rPr>
+                <a:t>dettaglio</a:t>
+              </a:r>
+              <a:r>
+                <a:rPr lang="en-US" sz="2499" dirty="0">
+                  <a:solidFill>
+                    <a:srgbClr val="000000"/>
+                  </a:solidFill>
+                  <a:latin typeface="Open Sans 2"/>
+                </a:rPr>
+                <a:t>.</a:t>
+              </a:r>
+            </a:p>
+            <a:p>
+              <a:pPr marL="0" lvl="0" indent="0">
+                <a:lnSpc>
+                  <a:spcPts val="3499"/>
+                </a:lnSpc>
+              </a:pPr>
+              <a:r>
+                <a:rPr lang="en-US" sz="2499" dirty="0">
+                  <a:solidFill>
+                    <a:srgbClr val="000000"/>
+                  </a:solidFill>
+                  <a:latin typeface="Open Sans 2"/>
+                </a:rPr>
+                <a:t>Ci </a:t>
+              </a:r>
+              <a:r>
+                <a:rPr lang="en-US" sz="2499" dirty="0" err="1">
+                  <a:solidFill>
+                    <a:srgbClr val="000000"/>
+                  </a:solidFill>
+                  <a:latin typeface="Open Sans 2"/>
+                </a:rPr>
+                <a:t>siamo</a:t>
+              </a:r>
+              <a:r>
+                <a:rPr lang="en-US" sz="2499" dirty="0">
+                  <a:solidFill>
+                    <a:srgbClr val="000000"/>
+                  </a:solidFill>
+                  <a:latin typeface="Open Sans 2"/>
+                </a:rPr>
+                <a:t> </a:t>
+              </a:r>
+              <a:r>
+                <a:rPr lang="en-US" sz="2499" dirty="0" err="1">
+                  <a:solidFill>
+                    <a:srgbClr val="000000"/>
+                  </a:solidFill>
+                  <a:latin typeface="Open Sans 2"/>
+                </a:rPr>
+                <a:t>concentrati</a:t>
+              </a:r>
+              <a:r>
+                <a:rPr lang="en-US" sz="2499" dirty="0">
+                  <a:solidFill>
+                    <a:srgbClr val="000000"/>
+                  </a:solidFill>
+                  <a:latin typeface="Open Sans 2"/>
+                </a:rPr>
+                <a:t> </a:t>
+              </a:r>
+              <a:r>
+                <a:rPr lang="en-US" sz="2499" dirty="0" err="1">
+                  <a:solidFill>
+                    <a:srgbClr val="000000"/>
+                  </a:solidFill>
+                  <a:latin typeface="Open Sans 2"/>
+                </a:rPr>
+                <a:t>sulla</a:t>
+              </a:r>
+              <a:r>
+                <a:rPr lang="en-US" sz="2499" dirty="0">
+                  <a:solidFill>
+                    <a:srgbClr val="000000"/>
+                  </a:solidFill>
+                  <a:latin typeface="Open Sans 2"/>
+                </a:rPr>
+                <a:t> </a:t>
+              </a:r>
+              <a:r>
+                <a:rPr lang="en-US" sz="2499" dirty="0" err="1">
+                  <a:solidFill>
+                    <a:srgbClr val="000000"/>
+                  </a:solidFill>
+                  <a:latin typeface="Open Sans 2"/>
+                </a:rPr>
+                <a:t>visualizzazione</a:t>
+              </a:r>
+              <a:r>
+                <a:rPr lang="en-US" sz="2499" dirty="0">
+                  <a:solidFill>
+                    <a:srgbClr val="000000"/>
+                  </a:solidFill>
+                  <a:latin typeface="Open Sans 2"/>
+                </a:rPr>
+                <a:t> </a:t>
+              </a:r>
+              <a:r>
+                <a:rPr lang="en-US" sz="2499" dirty="0" err="1">
+                  <a:solidFill>
+                    <a:srgbClr val="000000"/>
+                  </a:solidFill>
+                  <a:latin typeface="Open Sans 2"/>
+                </a:rPr>
+                <a:t>dei</a:t>
+              </a:r>
+              <a:r>
+                <a:rPr lang="en-US" sz="2499" dirty="0">
+                  <a:solidFill>
+                    <a:srgbClr val="000000"/>
+                  </a:solidFill>
+                  <a:latin typeface="Open Sans 2"/>
+                </a:rPr>
+                <a:t> </a:t>
+              </a:r>
+              <a:r>
+                <a:rPr lang="en-US" sz="2499" dirty="0" err="1">
+                  <a:solidFill>
+                    <a:srgbClr val="000000"/>
+                  </a:solidFill>
+                  <a:latin typeface="Open Sans 2"/>
+                </a:rPr>
+                <a:t>dati</a:t>
+              </a:r>
+              <a:r>
+                <a:rPr lang="en-US" sz="2499" dirty="0">
+                  <a:solidFill>
+                    <a:srgbClr val="000000"/>
+                  </a:solidFill>
+                  <a:latin typeface="Open Sans 2"/>
+                </a:rPr>
+                <a:t> </a:t>
+              </a:r>
+              <a:r>
+                <a:rPr lang="en-US" sz="2499" dirty="0" err="1">
+                  <a:solidFill>
+                    <a:srgbClr val="000000"/>
+                  </a:solidFill>
+                  <a:latin typeface="Open Sans 2"/>
+                </a:rPr>
+                <a:t>tramite</a:t>
+              </a:r>
+              <a:r>
+                <a:rPr lang="en-US" sz="2499" dirty="0">
+                  <a:solidFill>
+                    <a:srgbClr val="000000"/>
+                  </a:solidFill>
+                  <a:latin typeface="Open Sans 2"/>
+                </a:rPr>
+                <a:t> </a:t>
+              </a:r>
+              <a:r>
+                <a:rPr lang="en-US" sz="2499" dirty="0" err="1">
+                  <a:solidFill>
+                    <a:srgbClr val="000000"/>
+                  </a:solidFill>
+                  <a:latin typeface="Open Sans 2"/>
+                </a:rPr>
+                <a:t>grafici</a:t>
+              </a:r>
+              <a:r>
+                <a:rPr lang="en-US" sz="2499" dirty="0">
+                  <a:solidFill>
+                    <a:srgbClr val="000000"/>
+                  </a:solidFill>
+                  <a:latin typeface="Open Sans 2"/>
+                </a:rPr>
+                <a:t> come </a:t>
+              </a:r>
+              <a:r>
+                <a:rPr lang="en-US" sz="2499" dirty="0" err="1">
+                  <a:solidFill>
+                    <a:srgbClr val="000000"/>
+                  </a:solidFill>
+                  <a:latin typeface="Open Sans 2"/>
+                </a:rPr>
+                <a:t>gli</a:t>
+              </a:r>
+              <a:r>
+                <a:rPr lang="en-US" sz="2499" dirty="0">
+                  <a:solidFill>
+                    <a:srgbClr val="000000"/>
+                  </a:solidFill>
+                  <a:latin typeface="Open Sans 2"/>
+                </a:rPr>
+                <a:t> scatterplot, </a:t>
+              </a:r>
+              <a:r>
+                <a:rPr lang="en-US" sz="2499" dirty="0" err="1">
+                  <a:solidFill>
+                    <a:srgbClr val="000000"/>
+                  </a:solidFill>
+                  <a:latin typeface="Open Sans 2"/>
+                </a:rPr>
+                <a:t>che</a:t>
+              </a:r>
+              <a:r>
+                <a:rPr lang="en-US" sz="2499" dirty="0">
+                  <a:solidFill>
+                    <a:srgbClr val="000000"/>
+                  </a:solidFill>
+                  <a:latin typeface="Open Sans 2"/>
+                </a:rPr>
+                <a:t> ci </a:t>
+              </a:r>
+              <a:r>
+                <a:rPr lang="en-US" sz="2499" dirty="0" err="1">
+                  <a:solidFill>
+                    <a:srgbClr val="000000"/>
+                  </a:solidFill>
+                  <a:latin typeface="Open Sans 2"/>
+                </a:rPr>
+                <a:t>hanno</a:t>
+              </a:r>
+              <a:r>
+                <a:rPr lang="en-US" sz="2499" dirty="0">
+                  <a:solidFill>
+                    <a:srgbClr val="000000"/>
+                  </a:solidFill>
+                  <a:latin typeface="Open Sans 2"/>
+                </a:rPr>
+                <a:t> </a:t>
+              </a:r>
+              <a:r>
+                <a:rPr lang="en-US" sz="2499" dirty="0" err="1">
+                  <a:solidFill>
+                    <a:srgbClr val="000000"/>
+                  </a:solidFill>
+                  <a:latin typeface="Open Sans 2"/>
+                </a:rPr>
+                <a:t>permesso</a:t>
+              </a:r>
+              <a:r>
+                <a:rPr lang="en-US" sz="2499" dirty="0">
+                  <a:solidFill>
+                    <a:srgbClr val="000000"/>
+                  </a:solidFill>
+                  <a:latin typeface="Open Sans 2"/>
+                </a:rPr>
+                <a:t> di </a:t>
+              </a:r>
+              <a:r>
+                <a:rPr lang="en-US" sz="2499" dirty="0" err="1">
+                  <a:solidFill>
+                    <a:srgbClr val="000000"/>
+                  </a:solidFill>
+                  <a:latin typeface="Open Sans 2"/>
+                </a:rPr>
+                <a:t>comprendere</a:t>
+              </a:r>
+              <a:r>
+                <a:rPr lang="en-US" sz="2499" dirty="0">
+                  <a:solidFill>
+                    <a:srgbClr val="000000"/>
+                  </a:solidFill>
+                  <a:latin typeface="Open Sans 2"/>
+                </a:rPr>
+                <a:t> </a:t>
+              </a:r>
+              <a:r>
+                <a:rPr lang="en-US" sz="2499" dirty="0" err="1">
+                  <a:solidFill>
+                    <a:srgbClr val="000000"/>
+                  </a:solidFill>
+                  <a:latin typeface="Open Sans 2"/>
+                </a:rPr>
+                <a:t>meglio</a:t>
+              </a:r>
+              <a:r>
+                <a:rPr lang="en-US" sz="2499" dirty="0">
+                  <a:solidFill>
+                    <a:srgbClr val="000000"/>
+                  </a:solidFill>
+                  <a:latin typeface="Open Sans 2"/>
+                </a:rPr>
+                <a:t> le </a:t>
+              </a:r>
+              <a:r>
+                <a:rPr lang="en-US" sz="2499" dirty="0" err="1">
+                  <a:solidFill>
+                    <a:srgbClr val="000000"/>
+                  </a:solidFill>
+                  <a:latin typeface="Open Sans 2"/>
+                </a:rPr>
+                <a:t>relazioni</a:t>
+              </a:r>
+              <a:r>
+                <a:rPr lang="en-US" sz="2499" dirty="0">
+                  <a:solidFill>
+                    <a:srgbClr val="000000"/>
+                  </a:solidFill>
+                  <a:latin typeface="Open Sans 2"/>
+                </a:rPr>
+                <a:t> </a:t>
+              </a:r>
+              <a:r>
+                <a:rPr lang="en-US" sz="2499" dirty="0" err="1">
+                  <a:solidFill>
+                    <a:srgbClr val="000000"/>
+                  </a:solidFill>
+                  <a:latin typeface="Open Sans 2"/>
+                </a:rPr>
+                <a:t>tra</a:t>
+              </a:r>
+              <a:r>
+                <a:rPr lang="en-US" sz="2499" dirty="0">
+                  <a:solidFill>
+                    <a:srgbClr val="000000"/>
+                  </a:solidFill>
+                  <a:latin typeface="Open Sans 2"/>
+                </a:rPr>
+                <a:t> le </a:t>
+              </a:r>
+              <a:r>
+                <a:rPr lang="en-US" sz="2499" dirty="0" err="1">
+                  <a:solidFill>
+                    <a:srgbClr val="000000"/>
+                  </a:solidFill>
+                  <a:latin typeface="Open Sans 2"/>
+                </a:rPr>
+                <a:t>variabili</a:t>
+              </a:r>
+              <a:r>
+                <a:rPr lang="en-US" sz="2499" dirty="0">
+                  <a:solidFill>
+                    <a:srgbClr val="000000"/>
+                  </a:solidFill>
+                  <a:latin typeface="Open Sans 2"/>
+                </a:rPr>
+                <a:t>, in </a:t>
+              </a:r>
+              <a:r>
+                <a:rPr lang="en-US" sz="2499" dirty="0" err="1">
+                  <a:solidFill>
+                    <a:srgbClr val="000000"/>
+                  </a:solidFill>
+                  <a:latin typeface="Open Sans 2"/>
+                </a:rPr>
+                <a:t>particolare</a:t>
+              </a:r>
+              <a:r>
+                <a:rPr lang="en-US" sz="2499" dirty="0">
+                  <a:solidFill>
+                    <a:srgbClr val="000000"/>
+                  </a:solidFill>
+                  <a:latin typeface="Open Sans 2"/>
+                </a:rPr>
+                <a:t> con il </a:t>
+              </a:r>
+              <a:r>
+                <a:rPr lang="en-US" sz="2499" dirty="0" err="1">
+                  <a:solidFill>
+                    <a:srgbClr val="000000"/>
+                  </a:solidFill>
+                  <a:latin typeface="Open Sans 2"/>
+                </a:rPr>
+                <a:t>prezzo</a:t>
+              </a:r>
+              <a:r>
+                <a:rPr lang="en-US" sz="2499" dirty="0">
+                  <a:solidFill>
+                    <a:srgbClr val="000000"/>
+                  </a:solidFill>
+                  <a:latin typeface="Open Sans 2"/>
+                </a:rPr>
+                <a:t>.</a:t>
+              </a:r>
+            </a:p>
+          </p:txBody>
+        </p:sp>
+        <p:sp>
+          <p:nvSpPr>
+            <p:cNvPr id="7" name="TextBox 7"/>
+            <p:cNvSpPr txBox="1"/>
+            <p:nvPr/>
+          </p:nvSpPr>
+          <p:spPr>
+            <a:xfrm>
+              <a:off x="0" y="9160574"/>
+              <a:ext cx="11618615" cy="1715558"/>
+            </a:xfrm>
+            <a:prstGeom prst="rect">
+              <a:avLst/>
+            </a:prstGeom>
+          </p:spPr>
+          <p:txBody>
+            <a:bodyPr lIns="0" tIns="0" rIns="0" bIns="0" rtlCol="0" anchor="t">
+              <a:spAutoFit/>
+            </a:bodyPr>
+            <a:lstStyle/>
+            <a:p>
+              <a:pPr marL="0" lvl="0" indent="0">
                 <a:lnSpc>
                   <a:spcPts val="3499"/>
                 </a:lnSpc>
@@ -5467,82 +7368,19 @@
                   </a:solidFill>
                   <a:latin typeface="Open Sans 2"/>
                 </a:rPr>
-                <a:t>Identificazione delle correlazioni tra le varie variabili al fine di migliorare le nostre previsioni. Utilizzando un notebook Jupyter, abbiamo esplorato i dati in dettaglio.</a:t>
-              </a:r>
-            </a:p>
-            <a:p>
-              <a:pPr marL="0" indent="0" lvl="0">
-                <a:lnSpc>
-                  <a:spcPts val="3499"/>
-                </a:lnSpc>
-              </a:pPr>
-              <a:r>
-                <a:rPr lang="en-US" sz="2499">
-                  <a:solidFill>
-                    <a:srgbClr val="000000"/>
-                  </a:solidFill>
-                  <a:latin typeface="Open Sans 2"/>
-                </a:rPr>
-                <a:t>Ci siamo concentrati sulla visualizzazione dei dati tramite grafici come gli scatterplot, che ci hanno permesso di comprendere meglio le relazioni tra le variabili, in particolare con il prezzo.</a:t>
+                <a:t>Abbiamo applicato modelli di regressione lineare di scikit-learn per quantificare le correlazioni e fare previsioni più accurate.</a:t>
               </a:r>
             </a:p>
           </p:txBody>
         </p:sp>
         <p:sp>
           <p:nvSpPr>
-            <p:cNvPr name="TextBox 7" id="7"/>
-            <p:cNvSpPr txBox="true"/>
+            <p:cNvPr id="8" name="TextBox 8"/>
+            <p:cNvSpPr txBox="1"/>
             <p:nvPr/>
           </p:nvSpPr>
           <p:spPr>
-            <a:xfrm rot="0">
-              <a:off x="0" y="9160574"/>
-              <a:ext cx="11618615" cy="1715558"/>
-            </a:xfrm>
-            <a:prstGeom prst="rect">
-              <a:avLst/>
-            </a:prstGeom>
-          </p:spPr>
-          <p:txBody>
-            <a:bodyPr anchor="t" rtlCol="false" tIns="0" lIns="0" bIns="0" rIns="0">
-              <a:spAutoFit/>
-            </a:bodyPr>
-            <a:lstStyle/>
-            <a:p>
-              <a:pPr marL="0" indent="0" lvl="0">
-                <a:lnSpc>
-                  <a:spcPts val="3499"/>
-                </a:lnSpc>
-              </a:pPr>
-              <a:r>
-                <a:rPr lang="en-US" sz="2499">
-                  <a:solidFill>
-                    <a:srgbClr val="000000"/>
-                  </a:solidFill>
-                  <a:latin typeface="Open Sans 2"/>
-                </a:rPr>
-                <a:t>A</a:t>
-              </a:r>
-              <a:r>
-                <a:rPr lang="en-US" sz="2499">
-                  <a:solidFill>
-                    <a:srgbClr val="000000"/>
-                  </a:solidFill>
-                  <a:latin typeface="Open Sans 2"/>
-                </a:rPr>
-                <a:t>bbiamo applicato modelli di regressione lineare di scikit-learn per quantificare le correlazioni e fare previsioni più accurate.</a:t>
-              </a:r>
-            </a:p>
-          </p:txBody>
-        </p:sp>
-        <p:sp>
-          <p:nvSpPr>
-            <p:cNvPr name="TextBox 8" id="8"/>
-            <p:cNvSpPr txBox="true"/>
-            <p:nvPr/>
-          </p:nvSpPr>
-          <p:spPr>
-            <a:xfrm rot="0">
+            <a:xfrm>
               <a:off x="0" y="11944383"/>
               <a:ext cx="11618615" cy="1715558"/>
             </a:xfrm>
@@ -5551,12 +7389,12 @@
             </a:prstGeom>
           </p:spPr>
           <p:txBody>
-            <a:bodyPr anchor="t" rtlCol="false" tIns="0" lIns="0" bIns="0" rIns="0">
+            <a:bodyPr lIns="0" tIns="0" rIns="0" bIns="0" rtlCol="0" anchor="t">
               <a:spAutoFit/>
             </a:bodyPr>
             <a:lstStyle/>
             <a:p>
-              <a:pPr marL="0" indent="0" lvl="0">
+              <a:pPr marL="0" lvl="0" indent="0">
                 <a:lnSpc>
                   <a:spcPts val="3499"/>
                 </a:lnSpc>
@@ -5579,17 +7417,21 @@
   <p:clrMapOvr>
     <a:masterClrMapping/>
   </p:clrMapOvr>
+  <p:transition spd="slow">
+    <p:push dir="u"/>
+  </p:transition>
 </p:sld>
 </file>
 
 <file path=ppt/slides/slide8.xml><?xml version="1.0" encoding="utf-8"?>
-<p:sld xmlns:p="http://schemas.openxmlformats.org/presentationml/2006/main" xmlns:a="http://schemas.openxmlformats.org/drawingml/2006/main" xmlns:r="http://schemas.openxmlformats.org/officeDocument/2006/relationships">
+<p:sld xmlns:a="http://schemas.openxmlformats.org/drawingml/2006/main" xmlns:r="http://schemas.openxmlformats.org/officeDocument/2006/relationships" xmlns:p="http://schemas.openxmlformats.org/presentationml/2006/main">
   <p:cSld>
     <p:bg>
       <p:bgPr>
         <a:solidFill>
           <a:srgbClr val="FFF9F3"/>
         </a:solidFill>
+        <a:effectLst/>
       </p:bgPr>
     </p:bg>
     <p:spTree>
@@ -5608,12 +7450,12 @@
       </p:grpSpPr>
       <p:sp>
         <p:nvSpPr>
-          <p:cNvPr name="Freeform 2" id="2" descr="Car Flat Pictogram"/>
+          <p:cNvPr id="2" name="Freeform 2" descr="Car Flat Pictogram"/>
           <p:cNvSpPr/>
           <p:nvPr/>
         </p:nvSpPr>
         <p:spPr>
-          <a:xfrm flipH="false" flipV="false" rot="0">
+          <a:xfrm>
             <a:off x="0" y="6812173"/>
             <a:ext cx="6017016" cy="3474827"/>
           </a:xfrm>
@@ -5622,9 +7464,9 @@
             <a:gdLst/>
             <a:ahLst/>
             <a:cxnLst/>
-            <a:rect r="r" b="b" t="t" l="l"/>
+            <a:rect l="l" t="t" r="r" b="b"/>
             <a:pathLst>
-              <a:path h="3474827" w="6017016">
+              <a:path w="6017016" h="3474827">
                 <a:moveTo>
                   <a:pt x="0" y="0"/>
                 </a:moveTo>
@@ -5653,20 +7495,27 @@
               </a:extLst>
             </a:blip>
             <a:stretch>
-              <a:fillRect l="0" t="0" r="0" b="0"/>
+              <a:fillRect/>
             </a:stretch>
           </a:blipFill>
         </p:spPr>
+        <p:txBody>
+          <a:bodyPr/>
+          <a:lstStyle/>
+          <a:p>
+            <a:endParaRPr lang="it-IT"/>
+          </a:p>
+        </p:txBody>
       </p:sp>
       <p:grpSp>
         <p:nvGrpSpPr>
-          <p:cNvPr name="Group 3" id="3"/>
+          <p:cNvPr id="3" name="Group 3"/>
           <p:cNvGrpSpPr/>
           <p:nvPr/>
         </p:nvGrpSpPr>
         <p:grpSpPr>
-          <a:xfrm rot="0">
-            <a:off x="9144000" y="0"/>
+          <a:xfrm>
+            <a:off x="9144000" y="-14909"/>
             <a:ext cx="9144000" cy="10287000"/>
             <a:chOff x="0" y="0"/>
             <a:chExt cx="2408296" cy="2709333"/>
@@ -5674,12 +7523,12 @@
         </p:grpSpPr>
         <p:sp>
           <p:nvSpPr>
-            <p:cNvPr name="Freeform 4" id="4"/>
+            <p:cNvPr id="4" name="Freeform 4"/>
             <p:cNvSpPr/>
             <p:nvPr/>
           </p:nvSpPr>
           <p:spPr>
-            <a:xfrm flipH="false" flipV="false" rot="0">
+            <a:xfrm>
               <a:off x="0" y="0"/>
               <a:ext cx="2408296" cy="2709333"/>
             </a:xfrm>
@@ -5688,9 +7537,9 @@
               <a:gdLst/>
               <a:ahLst/>
               <a:cxnLst/>
-              <a:rect r="r" b="b" t="t" l="l"/>
+              <a:rect l="l" t="t" r="r" b="b"/>
               <a:pathLst>
-                <a:path h="2709333" w="2408296">
+                <a:path w="2408296" h="2709333">
                   <a:moveTo>
                     <a:pt x="0" y="0"/>
                   </a:moveTo>
@@ -5711,11 +7560,18 @@
               <a:srgbClr val="8CA87C"/>
             </a:solidFill>
           </p:spPr>
+          <p:txBody>
+            <a:bodyPr/>
+            <a:lstStyle/>
+            <a:p>
+              <a:endParaRPr lang="it-IT"/>
+            </a:p>
+          </p:txBody>
         </p:sp>
         <p:sp>
           <p:nvSpPr>
-            <p:cNvPr name="TextBox 5" id="5"/>
-            <p:cNvSpPr txBox="true"/>
+            <p:cNvPr id="5" name="TextBox 5"/>
+            <p:cNvSpPr txBox="1"/>
             <p:nvPr/>
           </p:nvSpPr>
           <p:spPr>
@@ -5728,7 +7584,7 @@
             </a:prstGeom>
           </p:spPr>
           <p:txBody>
-            <a:bodyPr anchor="ctr" rtlCol="false" tIns="50800" lIns="50800" bIns="50800" rIns="50800"/>
+            <a:bodyPr lIns="50800" tIns="50800" rIns="50800" bIns="50800" rtlCol="0" anchor="ctr"/>
             <a:lstStyle/>
             <a:p>
               <a:pPr algn="ctr">
@@ -5736,136 +7592,66 @@
                   <a:spcPts val="3150"/>
                 </a:lnSpc>
               </a:pPr>
+              <a:endParaRPr/>
             </a:p>
           </p:txBody>
         </p:sp>
       </p:grpSp>
       <p:sp>
         <p:nvSpPr>
-          <p:cNvPr name="TextBox 6" id="6"/>
-          <p:cNvSpPr txBox="true"/>
+          <p:cNvPr id="6" name="TextBox 6"/>
+          <p:cNvSpPr txBox="1"/>
           <p:nvPr/>
         </p:nvSpPr>
         <p:spPr>
-          <a:xfrm rot="0">
-            <a:off x="10769933" y="3224213"/>
-            <a:ext cx="6133767" cy="4029075"/>
+          <a:xfrm>
+            <a:off x="10820400" y="2839157"/>
+            <a:ext cx="6133767" cy="1107996"/>
           </a:xfrm>
           <a:prstGeom prst="rect">
             <a:avLst/>
           </a:prstGeom>
         </p:spPr>
         <p:txBody>
-          <a:bodyPr anchor="t" rtlCol="false" tIns="0" lIns="0" bIns="0" rIns="0">
+          <a:bodyPr lIns="0" tIns="0" rIns="0" bIns="0" rtlCol="0" anchor="t">
             <a:spAutoFit/>
           </a:bodyPr>
           <a:lstStyle/>
           <a:p>
-            <a:pPr algn="l" marL="0" indent="0" lvl="0">
-              <a:lnSpc>
-                <a:spcPts val="6299"/>
-              </a:lnSpc>
-              <a:spcBef>
-                <a:spcPct val="0"/>
-              </a:spcBef>
-            </a:pPr>
-            <a:r>
-              <a:rPr lang="en-US" sz="6999" spc="139" strike="noStrike" u="none">
-                <a:solidFill>
-                  <a:srgbClr val="414B3B"/>
-                </a:solidFill>
-                <a:latin typeface="Archivo Black"/>
-              </a:rPr>
-              <a:t>FABIO</a:t>
-            </a:r>
-          </a:p>
-          <a:p>
-            <a:pPr algn="l" marL="0" indent="0" lvl="0">
-              <a:lnSpc>
-                <a:spcPts val="6299"/>
-              </a:lnSpc>
-              <a:spcBef>
-                <a:spcPct val="0"/>
-              </a:spcBef>
-            </a:pPr>
-            <a:r>
-              <a:rPr lang="en-US" sz="6999" spc="139" strike="noStrike" u="none">
-                <a:solidFill>
-                  <a:srgbClr val="414B3B"/>
-                </a:solidFill>
-                <a:latin typeface="Archivo Black"/>
-              </a:rPr>
-              <a:t>LEONARDO</a:t>
-            </a:r>
-          </a:p>
-          <a:p>
-            <a:pPr algn="l" marL="0" indent="0" lvl="0">
-              <a:lnSpc>
-                <a:spcPts val="6299"/>
-              </a:lnSpc>
-              <a:spcBef>
-                <a:spcPct val="0"/>
-              </a:spcBef>
-            </a:pPr>
-            <a:r>
-              <a:rPr lang="en-US" sz="6999" spc="139" strike="noStrike" u="none">
-                <a:solidFill>
-                  <a:srgbClr val="414B3B"/>
-                </a:solidFill>
-                <a:latin typeface="Archivo Black"/>
-              </a:rPr>
-              <a:t>NICHOLAS</a:t>
-            </a:r>
-          </a:p>
-          <a:p>
-            <a:pPr algn="l" marL="0" indent="0" lvl="0">
-              <a:lnSpc>
-                <a:spcPts val="6299"/>
-              </a:lnSpc>
-              <a:spcBef>
-                <a:spcPct val="0"/>
-              </a:spcBef>
-            </a:pPr>
-            <a:r>
-              <a:rPr lang="en-US" sz="6999" spc="139" strike="noStrike" u="none">
-                <a:solidFill>
-                  <a:srgbClr val="414B3B"/>
-                </a:solidFill>
-                <a:latin typeface="Archivo Black"/>
-              </a:rPr>
-              <a:t>EDOARDO</a:t>
-            </a:r>
-          </a:p>
-          <a:p>
-            <a:pPr algn="l" marL="0" indent="0" lvl="0">
-              <a:lnSpc>
-                <a:spcPts val="6299"/>
-              </a:lnSpc>
-              <a:spcBef>
-                <a:spcPct val="0"/>
-              </a:spcBef>
-            </a:pPr>
-            <a:r>
-              <a:rPr lang="en-US" sz="6999" spc="139" strike="noStrike" u="none">
-                <a:solidFill>
-                  <a:srgbClr val="414B3B"/>
-                </a:solidFill>
-                <a:latin typeface="Archivo Black"/>
-              </a:rPr>
-              <a:t>ELEONORA</a:t>
-            </a:r>
-          </a:p>
-        </p:txBody>
-      </p:sp>
-      <p:sp>
-        <p:nvSpPr>
-          <p:cNvPr name="TextBox 7" id="7"/>
-          <p:cNvSpPr txBox="true"/>
+            <a:pPr algn="l"/>
+            <a:r>
+              <a:rPr lang="it-IT" sz="7200" b="1" i="0" dirty="0" err="1">
+                <a:solidFill>
+                  <a:srgbClr val="0F0F0F"/>
+                </a:solidFill>
+                <a:effectLst/>
+                <a:latin typeface="Open Sans 2" panose="020B0604020202020204" charset="0"/>
+                <a:ea typeface="Open Sans 2" panose="020B0604020202020204" charset="0"/>
+                <a:cs typeface="Open Sans 2" panose="020B0604020202020204" charset="0"/>
+              </a:rPr>
+              <a:t>Motörhead</a:t>
+            </a:r>
+            <a:endParaRPr lang="it-IT" sz="7200" b="1" i="0" dirty="0">
+              <a:solidFill>
+                <a:srgbClr val="0F0F0F"/>
+              </a:solidFill>
+              <a:effectLst/>
+              <a:latin typeface="Open Sans 2" panose="020B0604020202020204" charset="0"/>
+              <a:ea typeface="Open Sans 2" panose="020B0604020202020204" charset="0"/>
+              <a:cs typeface="Open Sans 2" panose="020B0604020202020204" charset="0"/>
+            </a:endParaRPr>
+          </a:p>
+        </p:txBody>
+      </p:sp>
+      <p:sp>
+        <p:nvSpPr>
+          <p:cNvPr id="7" name="TextBox 7"/>
+          <p:cNvSpPr txBox="1"/>
           <p:nvPr/>
         </p:nvSpPr>
         <p:spPr>
-          <a:xfrm rot="0">
-            <a:off x="1384300" y="4901610"/>
+          <a:xfrm>
+            <a:off x="2031834" y="3239122"/>
             <a:ext cx="6299200" cy="636179"/>
           </a:xfrm>
           <a:prstGeom prst="rect">
@@ -5873,12 +7659,12 @@
           </a:prstGeom>
         </p:spPr>
         <p:txBody>
-          <a:bodyPr anchor="t" rtlCol="false" tIns="0" lIns="0" bIns="0" rIns="0">
+          <a:bodyPr lIns="0" tIns="0" rIns="0" bIns="0" rtlCol="0" anchor="t">
             <a:spAutoFit/>
           </a:bodyPr>
           <a:lstStyle/>
           <a:p>
-            <a:pPr algn="l" marL="0" indent="0" lvl="0">
+            <a:pPr marL="0" lvl="0" indent="0" algn="l">
               <a:lnSpc>
                 <a:spcPts val="4677"/>
               </a:lnSpc>
@@ -5887,13 +7673,24 @@
               </a:spcBef>
             </a:pPr>
             <a:r>
-              <a:rPr lang="en-US" sz="5197" spc="259" strike="noStrike" u="none">
+              <a:rPr lang="en-US" sz="5197" b="1" u="none" strike="noStrike" spc="259" dirty="0">
+                <a:solidFill>
+                  <a:srgbClr val="414B3B"/>
+                </a:solidFill>
+                <a:latin typeface="Open Sans 2" panose="020B0604020202020204" charset="0"/>
+                <a:ea typeface="Open Sans 2" panose="020B0604020202020204" charset="0"/>
+                <a:cs typeface="Open Sans 2" panose="020B0604020202020204" charset="0"/>
+              </a:rPr>
+              <a:t>TEAM</a:t>
+            </a:r>
+            <a:r>
+              <a:rPr lang="en-US" sz="5197" u="none" strike="noStrike" spc="259" dirty="0">
                 <a:solidFill>
                   <a:srgbClr val="414B3B"/>
                 </a:solidFill>
                 <a:latin typeface="Open Sans 1 Bold"/>
               </a:rPr>
-              <a:t>UN PROGETTO DI:</a:t>
+              <a:t>:</a:t>
             </a:r>
           </a:p>
         </p:txBody>
@@ -5903,38 +7700,9 @@
   <p:clrMapOvr>
     <a:masterClrMapping/>
   </p:clrMapOvr>
-</p:sld>
-</file>
-
-<file path=ppt/slides/slide9.xml><?xml version="1.0" encoding="utf-8"?>
-<p:sld xmlns:p="http://schemas.openxmlformats.org/presentationml/2006/main" xmlns:a="http://schemas.openxmlformats.org/drawingml/2006/main">
-  <p:cSld>
-    <p:bg>
-      <p:bgPr>
-        <a:solidFill>
-          <a:srgbClr val="FFF9F3"/>
-        </a:solidFill>
-      </p:bgPr>
-    </p:bg>
-    <p:spTree>
-      <p:nvGrpSpPr>
-        <p:cNvPr id="1" name=""/>
-        <p:cNvGrpSpPr/>
-        <p:nvPr/>
-      </p:nvGrpSpPr>
-      <p:grpSpPr>
-        <a:xfrm>
-          <a:off x="0" y="0"/>
-          <a:ext cx="0" cy="0"/>
-          <a:chOff x="0" y="0"/>
-          <a:chExt cx="0" cy="0"/>
-        </a:xfrm>
-      </p:grpSpPr>
-    </p:spTree>
-  </p:cSld>
-  <p:clrMapOvr>
-    <a:masterClrMapping/>
-  </p:clrMapOvr>
+  <p:transition spd="slow">
+    <p:push dir="u"/>
+  </p:transition>
 </p:sld>
 </file>
 

--- a/presentazione/Presentazione ProjectWork-DrivenChoice.pptx
+++ b/presentazione/Presentazione ProjectWork-DrivenChoice.pptx
@@ -332,7 +332,7 @@
             <a:fld id="{1D8BD707-D9CF-40AE-B4C6-C98DA3205C09}" type="datetimeFigureOut">
               <a:rPr lang="en-US" smtClean="0"/>
               <a:pPr/>
-              <a:t>2/29/2024</a:t>
+              <a:t>3/1/2024</a:t>
             </a:fld>
             <a:endParaRPr lang="en-US"/>
           </a:p>
@@ -497,7 +497,7 @@
             <a:fld id="{1D8BD707-D9CF-40AE-B4C6-C98DA3205C09}" type="datetimeFigureOut">
               <a:rPr lang="en-US" smtClean="0"/>
               <a:pPr/>
-              <a:t>2/29/2024</a:t>
+              <a:t>3/1/2024</a:t>
             </a:fld>
             <a:endParaRPr lang="en-US"/>
           </a:p>
@@ -672,7 +672,7 @@
             <a:fld id="{1D8BD707-D9CF-40AE-B4C6-C98DA3205C09}" type="datetimeFigureOut">
               <a:rPr lang="en-US" smtClean="0"/>
               <a:pPr/>
-              <a:t>2/29/2024</a:t>
+              <a:t>3/1/2024</a:t>
             </a:fld>
             <a:endParaRPr lang="en-US"/>
           </a:p>
@@ -837,7 +837,7 @@
             <a:fld id="{1D8BD707-D9CF-40AE-B4C6-C98DA3205C09}" type="datetimeFigureOut">
               <a:rPr lang="en-US" smtClean="0"/>
               <a:pPr/>
-              <a:t>2/29/2024</a:t>
+              <a:t>3/1/2024</a:t>
             </a:fld>
             <a:endParaRPr lang="en-US"/>
           </a:p>
@@ -1079,7 +1079,7 @@
             <a:fld id="{1D8BD707-D9CF-40AE-B4C6-C98DA3205C09}" type="datetimeFigureOut">
               <a:rPr lang="en-US" smtClean="0"/>
               <a:pPr/>
-              <a:t>2/29/2024</a:t>
+              <a:t>3/1/2024</a:t>
             </a:fld>
             <a:endParaRPr lang="en-US"/>
           </a:p>
@@ -1361,7 +1361,7 @@
             <a:fld id="{1D8BD707-D9CF-40AE-B4C6-C98DA3205C09}" type="datetimeFigureOut">
               <a:rPr lang="en-US" smtClean="0"/>
               <a:pPr/>
-              <a:t>2/29/2024</a:t>
+              <a:t>3/1/2024</a:t>
             </a:fld>
             <a:endParaRPr lang="en-US"/>
           </a:p>
@@ -1777,7 +1777,7 @@
             <a:fld id="{1D8BD707-D9CF-40AE-B4C6-C98DA3205C09}" type="datetimeFigureOut">
               <a:rPr lang="en-US" smtClean="0"/>
               <a:pPr/>
-              <a:t>2/29/2024</a:t>
+              <a:t>3/1/2024</a:t>
             </a:fld>
             <a:endParaRPr lang="en-US"/>
           </a:p>
@@ -1891,7 +1891,7 @@
             <a:fld id="{1D8BD707-D9CF-40AE-B4C6-C98DA3205C09}" type="datetimeFigureOut">
               <a:rPr lang="en-US" smtClean="0"/>
               <a:pPr/>
-              <a:t>2/29/2024</a:t>
+              <a:t>3/1/2024</a:t>
             </a:fld>
             <a:endParaRPr lang="en-US"/>
           </a:p>
@@ -1983,7 +1983,7 @@
             <a:fld id="{1D8BD707-D9CF-40AE-B4C6-C98DA3205C09}" type="datetimeFigureOut">
               <a:rPr lang="en-US" smtClean="0"/>
               <a:pPr/>
-              <a:t>2/29/2024</a:t>
+              <a:t>3/1/2024</a:t>
             </a:fld>
             <a:endParaRPr lang="en-US"/>
           </a:p>
@@ -2255,7 +2255,7 @@
             <a:fld id="{1D8BD707-D9CF-40AE-B4C6-C98DA3205C09}" type="datetimeFigureOut">
               <a:rPr lang="en-US" smtClean="0"/>
               <a:pPr/>
-              <a:t>2/29/2024</a:t>
+              <a:t>3/1/2024</a:t>
             </a:fld>
             <a:endParaRPr lang="en-US"/>
           </a:p>
@@ -2504,7 +2504,7 @@
             <a:fld id="{1D8BD707-D9CF-40AE-B4C6-C98DA3205C09}" type="datetimeFigureOut">
               <a:rPr lang="en-US" smtClean="0"/>
               <a:pPr/>
-              <a:t>2/29/2024</a:t>
+              <a:t>3/1/2024</a:t>
             </a:fld>
             <a:endParaRPr lang="en-US"/>
           </a:p>
@@ -2712,7 +2712,7 @@
             <a:fld id="{1D8BD707-D9CF-40AE-B4C6-C98DA3205C09}" type="datetimeFigureOut">
               <a:rPr lang="en-US" smtClean="0"/>
               <a:pPr/>
-              <a:t>2/29/2024</a:t>
+              <a:t>3/1/2024</a:t>
             </a:fld>
             <a:endParaRPr lang="en-US"/>
           </a:p>
@@ -3442,13 +3442,13 @@
   <p:clrMapOvr>
     <a:masterClrMapping/>
   </p:clrMapOvr>
-  <mc:AlternateContent xmlns:mc="http://schemas.openxmlformats.org/markup-compatibility/2006">
-    <mc:Choice xmlns:p14="http://schemas.microsoft.com/office/powerpoint/2010/main" Requires="p14">
+  <mc:AlternateContent xmlns:mc="http://schemas.openxmlformats.org/markup-compatibility/2006" xmlns:p14="http://schemas.microsoft.com/office/powerpoint/2010/main">
+    <mc:Choice Requires="p14">
       <p:transition spd="slow" p14:dur="3400">
         <p14:reveal/>
       </p:transition>
     </mc:Choice>
-    <mc:Fallback>
+    <mc:Fallback xmlns="">
       <p:transition spd="slow">
         <p:fade/>
       </p:transition>
@@ -5951,6 +5951,9 @@
   <p:clrMapOvr>
     <a:masterClrMapping/>
   </p:clrMapOvr>
+  <p:transition spd="slow">
+    <p:push dir="u"/>
+  </p:transition>
 </p:sld>
 </file>
 
@@ -6352,13 +6355,85 @@
               </a:lnSpc>
             </a:pPr>
             <a:r>
-              <a:rPr lang="en-US" sz="2499" spc="49">
+              <a:rPr lang="en-US" sz="2499" spc="49" dirty="0">
                 <a:solidFill>
                   <a:srgbClr val="000000"/>
                 </a:solidFill>
                 <a:latin typeface="Open Sans 1"/>
               </a:rPr>
-              <a:t>3. Grafici delle Tendenze del Momento:</a:t>
+              <a:t>3. </a:t>
+            </a:r>
+            <a:r>
+              <a:rPr lang="en-US" sz="2499" spc="49" dirty="0" err="1">
+                <a:solidFill>
+                  <a:srgbClr val="000000"/>
+                </a:solidFill>
+                <a:latin typeface="Open Sans 1"/>
+              </a:rPr>
+              <a:t>Grafici</a:t>
+            </a:r>
+            <a:r>
+              <a:rPr lang="en-US" sz="2499" spc="49" dirty="0">
+                <a:solidFill>
+                  <a:srgbClr val="000000"/>
+                </a:solidFill>
+                <a:latin typeface="Open Sans 1"/>
+              </a:rPr>
+              <a:t> </a:t>
+            </a:r>
+            <a:r>
+              <a:rPr lang="en-US" sz="2499" spc="49" dirty="0" err="1">
+                <a:solidFill>
+                  <a:srgbClr val="000000"/>
+                </a:solidFill>
+                <a:latin typeface="Open Sans 1"/>
+              </a:rPr>
+              <a:t>delle</a:t>
+            </a:r>
+            <a:r>
+              <a:rPr lang="en-US" sz="2499" spc="49" dirty="0">
+                <a:solidFill>
+                  <a:srgbClr val="000000"/>
+                </a:solidFill>
+                <a:latin typeface="Open Sans 1"/>
+              </a:rPr>
+              <a:t> </a:t>
+            </a:r>
+            <a:r>
+              <a:rPr lang="en-US" sz="2499" spc="49" dirty="0" err="1">
+                <a:solidFill>
+                  <a:srgbClr val="000000"/>
+                </a:solidFill>
+                <a:latin typeface="Open Sans 1"/>
+              </a:rPr>
+              <a:t>Tendenze</a:t>
+            </a:r>
+            <a:r>
+              <a:rPr lang="en-US" sz="2499" spc="49" dirty="0">
+                <a:solidFill>
+                  <a:srgbClr val="000000"/>
+                </a:solidFill>
+                <a:latin typeface="Open Sans 1"/>
+              </a:rPr>
+              <a:t> del </a:t>
+            </a:r>
+            <a:r>
+              <a:rPr lang="en-US" sz="2499" spc="49" dirty="0" err="1">
+                <a:solidFill>
+                  <a:srgbClr val="000000"/>
+                </a:solidFill>
+                <a:latin typeface="Open Sans 1"/>
+              </a:rPr>
+              <a:t>Momento</a:t>
+            </a:r>
+            <a:r>
+              <a:rPr lang="en-US" sz="2499" spc="49" dirty="0">
+                <a:solidFill>
+                  <a:srgbClr val="000000"/>
+                </a:solidFill>
+                <a:latin typeface="Open Sans 1"/>
+              </a:rPr>
+              <a:t>:</a:t>
             </a:r>
           </a:p>
           <a:p>
@@ -6368,13 +6443,301 @@
               </a:lnSpc>
             </a:pPr>
             <a:r>
-              <a:rPr lang="en-US" sz="2499" spc="49">
+              <a:rPr lang="en-US" sz="2499" spc="49" dirty="0">
                 <a:solidFill>
                   <a:srgbClr val="000000"/>
                 </a:solidFill>
                 <a:latin typeface="Open Sans 1"/>
               </a:rPr>
-              <a:t>I nostri grafici forniscono agli utenti una panoramica chiara delle tendenze attuali e li aiutano a valutare meglio le loro opzioni di acquisto.</a:t>
+              <a:t>I </a:t>
+            </a:r>
+            <a:r>
+              <a:rPr lang="en-US" sz="2499" spc="49" dirty="0" err="1">
+                <a:solidFill>
+                  <a:srgbClr val="000000"/>
+                </a:solidFill>
+                <a:latin typeface="Open Sans 1"/>
+              </a:rPr>
+              <a:t>nostri</a:t>
+            </a:r>
+            <a:r>
+              <a:rPr lang="en-US" sz="2499" spc="49" dirty="0">
+                <a:solidFill>
+                  <a:srgbClr val="000000"/>
+                </a:solidFill>
+                <a:latin typeface="Open Sans 1"/>
+              </a:rPr>
+              <a:t> </a:t>
+            </a:r>
+            <a:r>
+              <a:rPr lang="en-US" sz="2499" spc="49" dirty="0" err="1">
+                <a:solidFill>
+                  <a:srgbClr val="000000"/>
+                </a:solidFill>
+                <a:latin typeface="Open Sans 1"/>
+              </a:rPr>
+              <a:t>grafici</a:t>
+            </a:r>
+            <a:r>
+              <a:rPr lang="en-US" sz="2499" spc="49" dirty="0">
+                <a:solidFill>
+                  <a:srgbClr val="000000"/>
+                </a:solidFill>
+                <a:latin typeface="Open Sans 1"/>
+              </a:rPr>
+              <a:t> </a:t>
+            </a:r>
+            <a:r>
+              <a:rPr lang="en-US" sz="2499" spc="49" dirty="0" err="1">
+                <a:solidFill>
+                  <a:srgbClr val="000000"/>
+                </a:solidFill>
+                <a:latin typeface="Open Sans 1"/>
+              </a:rPr>
+              <a:t>forniscono</a:t>
+            </a:r>
+            <a:r>
+              <a:rPr lang="en-US" sz="2499" spc="49" dirty="0">
+                <a:solidFill>
+                  <a:srgbClr val="000000"/>
+                </a:solidFill>
+                <a:latin typeface="Open Sans 1"/>
+              </a:rPr>
+              <a:t> </a:t>
+            </a:r>
+            <a:r>
+              <a:rPr lang="en-US" sz="2499" spc="49" dirty="0" err="1">
+                <a:solidFill>
+                  <a:srgbClr val="000000"/>
+                </a:solidFill>
+                <a:latin typeface="Open Sans 1"/>
+              </a:rPr>
+              <a:t>agli</a:t>
+            </a:r>
+            <a:r>
+              <a:rPr lang="en-US" sz="2499" spc="49" dirty="0">
+                <a:solidFill>
+                  <a:srgbClr val="000000"/>
+                </a:solidFill>
+                <a:latin typeface="Open Sans 1"/>
+              </a:rPr>
+              <a:t> </a:t>
+            </a:r>
+            <a:r>
+              <a:rPr lang="en-US" sz="2499" spc="49" dirty="0" err="1">
+                <a:solidFill>
+                  <a:srgbClr val="000000"/>
+                </a:solidFill>
+                <a:latin typeface="Open Sans 1"/>
+              </a:rPr>
+              <a:t>utenti</a:t>
+            </a:r>
+            <a:r>
+              <a:rPr lang="en-US" sz="2499" spc="49" dirty="0">
+                <a:solidFill>
+                  <a:srgbClr val="000000"/>
+                </a:solidFill>
+                <a:latin typeface="Open Sans 1"/>
+              </a:rPr>
+              <a:t> </a:t>
+            </a:r>
+            <a:r>
+              <a:rPr lang="en-US" sz="2499" spc="49" dirty="0" err="1">
+                <a:solidFill>
+                  <a:srgbClr val="000000"/>
+                </a:solidFill>
+                <a:latin typeface="Open Sans 1"/>
+              </a:rPr>
+              <a:t>una</a:t>
+            </a:r>
+            <a:r>
+              <a:rPr lang="en-US" sz="2499" spc="49" dirty="0">
+                <a:solidFill>
+                  <a:srgbClr val="000000"/>
+                </a:solidFill>
+                <a:latin typeface="Open Sans 1"/>
+              </a:rPr>
+              <a:t> </a:t>
+            </a:r>
+            <a:r>
+              <a:rPr lang="en-US" sz="2499" spc="49" dirty="0" err="1">
+                <a:solidFill>
+                  <a:srgbClr val="000000"/>
+                </a:solidFill>
+                <a:latin typeface="Open Sans 1"/>
+              </a:rPr>
+              <a:t>panoramica</a:t>
+            </a:r>
+            <a:r>
+              <a:rPr lang="en-US" sz="2499" spc="49" dirty="0">
+                <a:solidFill>
+                  <a:srgbClr val="000000"/>
+                </a:solidFill>
+                <a:latin typeface="Open Sans 1"/>
+              </a:rPr>
+              <a:t> </a:t>
+            </a:r>
+            <a:r>
+              <a:rPr lang="en-US" sz="2499" spc="49" dirty="0" err="1">
+                <a:solidFill>
+                  <a:srgbClr val="000000"/>
+                </a:solidFill>
+                <a:latin typeface="Open Sans 1"/>
+              </a:rPr>
+              <a:t>chiara</a:t>
+            </a:r>
+            <a:r>
+              <a:rPr lang="en-US" sz="2499" spc="49" dirty="0">
+                <a:solidFill>
+                  <a:srgbClr val="000000"/>
+                </a:solidFill>
+                <a:latin typeface="Open Sans 1"/>
+              </a:rPr>
+              <a:t> </a:t>
+            </a:r>
+            <a:r>
+              <a:rPr lang="en-US" sz="2499" spc="49" dirty="0" err="1">
+                <a:solidFill>
+                  <a:srgbClr val="000000"/>
+                </a:solidFill>
+                <a:latin typeface="Open Sans 1"/>
+              </a:rPr>
+              <a:t>delle</a:t>
+            </a:r>
+            <a:r>
+              <a:rPr lang="en-US" sz="2499" spc="49" dirty="0">
+                <a:solidFill>
+                  <a:srgbClr val="000000"/>
+                </a:solidFill>
+                <a:latin typeface="Open Sans 1"/>
+              </a:rPr>
+              <a:t> </a:t>
+            </a:r>
+            <a:r>
+              <a:rPr lang="en-US" sz="2499" spc="49" dirty="0" err="1">
+                <a:solidFill>
+                  <a:srgbClr val="000000"/>
+                </a:solidFill>
+                <a:latin typeface="Open Sans 1"/>
+              </a:rPr>
+              <a:t>tendenze</a:t>
+            </a:r>
+            <a:r>
+              <a:rPr lang="en-US" sz="2499" spc="49" dirty="0">
+                <a:solidFill>
+                  <a:srgbClr val="000000"/>
+                </a:solidFill>
+                <a:latin typeface="Open Sans 1"/>
+              </a:rPr>
+              <a:t> </a:t>
+            </a:r>
+            <a:r>
+              <a:rPr lang="en-US" sz="2499" spc="49" dirty="0" err="1">
+                <a:solidFill>
+                  <a:srgbClr val="000000"/>
+                </a:solidFill>
+                <a:latin typeface="Open Sans 1"/>
+              </a:rPr>
+              <a:t>attuali</a:t>
+            </a:r>
+            <a:r>
+              <a:rPr lang="en-US" sz="2499" spc="49" dirty="0">
+                <a:solidFill>
+                  <a:srgbClr val="000000"/>
+                </a:solidFill>
+                <a:latin typeface="Open Sans 1"/>
+              </a:rPr>
+              <a:t> e li </a:t>
+            </a:r>
+            <a:r>
+              <a:rPr lang="en-US" sz="2499" spc="49" dirty="0" err="1">
+                <a:solidFill>
+                  <a:srgbClr val="000000"/>
+                </a:solidFill>
+                <a:latin typeface="Open Sans 1"/>
+              </a:rPr>
+              <a:t>aiutano</a:t>
+            </a:r>
+            <a:r>
+              <a:rPr lang="en-US" sz="2499" spc="49" dirty="0">
+                <a:solidFill>
+                  <a:srgbClr val="000000"/>
+                </a:solidFill>
+                <a:latin typeface="Open Sans 1"/>
+              </a:rPr>
+              <a:t> a </a:t>
+            </a:r>
+            <a:r>
+              <a:rPr lang="en-US" sz="2499" spc="49" dirty="0" err="1">
+                <a:solidFill>
+                  <a:srgbClr val="000000"/>
+                </a:solidFill>
+                <a:latin typeface="Open Sans 1"/>
+              </a:rPr>
+              <a:t>valutare</a:t>
+            </a:r>
+            <a:r>
+              <a:rPr lang="en-US" sz="2499" spc="49" dirty="0">
+                <a:solidFill>
+                  <a:srgbClr val="000000"/>
+                </a:solidFill>
+                <a:latin typeface="Open Sans 1"/>
+              </a:rPr>
+              <a:t> </a:t>
+            </a:r>
+            <a:r>
+              <a:rPr lang="en-US" sz="2499" spc="49" dirty="0" err="1">
+                <a:solidFill>
+                  <a:srgbClr val="000000"/>
+                </a:solidFill>
+                <a:latin typeface="Open Sans 1"/>
+              </a:rPr>
+              <a:t>meglio</a:t>
+            </a:r>
+            <a:r>
+              <a:rPr lang="en-US" sz="2499" spc="49" dirty="0">
+                <a:solidFill>
+                  <a:srgbClr val="000000"/>
+                </a:solidFill>
+                <a:latin typeface="Open Sans 1"/>
+              </a:rPr>
+              <a:t> le loro </a:t>
+            </a:r>
+            <a:r>
+              <a:rPr lang="en-US" sz="2499" spc="49" dirty="0" err="1">
+                <a:solidFill>
+                  <a:srgbClr val="000000"/>
+                </a:solidFill>
+                <a:latin typeface="Open Sans 1"/>
+              </a:rPr>
+              <a:t>opzioni</a:t>
+            </a:r>
+            <a:r>
+              <a:rPr lang="en-US" sz="2499" spc="49" dirty="0">
+                <a:solidFill>
+                  <a:srgbClr val="000000"/>
+                </a:solidFill>
+                <a:latin typeface="Open Sans 1"/>
+              </a:rPr>
+              <a:t> di </a:t>
+            </a:r>
+            <a:r>
+              <a:rPr lang="en-US" sz="2499" spc="49" dirty="0" err="1">
+                <a:solidFill>
+                  <a:srgbClr val="000000"/>
+                </a:solidFill>
+                <a:latin typeface="Open Sans 1"/>
+              </a:rPr>
+              <a:t>acquisto</a:t>
+            </a:r>
+            <a:r>
+              <a:rPr lang="en-US" sz="2499" spc="49" dirty="0">
+                <a:solidFill>
+                  <a:srgbClr val="000000"/>
+                </a:solidFill>
+                <a:latin typeface="Open Sans 1"/>
+              </a:rPr>
+              <a:t>.</a:t>
             </a:r>
           </a:p>
         </p:txBody>
@@ -6590,10 +6953,10 @@
         </p:nvGrpSpPr>
         <p:grpSpPr>
           <a:xfrm>
-            <a:off x="0" y="0"/>
-            <a:ext cx="8713961" cy="10244956"/>
-            <a:chOff x="0" y="0"/>
-            <a:chExt cx="11618615" cy="13659941"/>
+            <a:off x="0" y="35719"/>
+            <a:ext cx="8713961" cy="9341915"/>
+            <a:chOff x="0" y="47625"/>
+            <a:chExt cx="11618615" cy="12455887"/>
           </a:xfrm>
         </p:grpSpPr>
         <p:sp>
@@ -6669,7 +7032,7 @@
           <p:spPr>
             <a:xfrm>
               <a:off x="0" y="4050079"/>
-              <a:ext cx="11618615" cy="4052358"/>
+              <a:ext cx="11618615" cy="559128"/>
             </a:xfrm>
             <a:prstGeom prst="rect">
               <a:avLst/>
@@ -6686,652 +7049,12 @@
                   <a:spcPts val="3499"/>
                 </a:lnSpc>
               </a:pPr>
-              <a:r>
-                <a:rPr lang="en-US" sz="2499" dirty="0" err="1">
-                  <a:solidFill>
-                    <a:srgbClr val="000000"/>
-                  </a:solidFill>
-                  <a:latin typeface="Open Sans 2"/>
-                </a:rPr>
-                <a:t>Identificazione</a:t>
-              </a:r>
-              <a:r>
-                <a:rPr lang="en-US" sz="2499" dirty="0">
-                  <a:solidFill>
-                    <a:srgbClr val="000000"/>
-                  </a:solidFill>
-                  <a:latin typeface="Open Sans 2"/>
-                </a:rPr>
-                <a:t> </a:t>
-              </a:r>
-              <a:r>
-                <a:rPr lang="en-US" sz="2499" dirty="0" err="1">
-                  <a:solidFill>
-                    <a:srgbClr val="000000"/>
-                  </a:solidFill>
-                  <a:latin typeface="Open Sans 2"/>
-                </a:rPr>
-                <a:t>delle</a:t>
-              </a:r>
-              <a:r>
-                <a:rPr lang="en-US" sz="2499" dirty="0">
-                  <a:solidFill>
-                    <a:srgbClr val="000000"/>
-                  </a:solidFill>
-                  <a:latin typeface="Open Sans 2"/>
-                </a:rPr>
-                <a:t> </a:t>
-              </a:r>
-              <a:r>
-                <a:rPr lang="en-US" sz="2499" dirty="0" err="1">
-                  <a:solidFill>
-                    <a:srgbClr val="000000"/>
-                  </a:solidFill>
-                  <a:latin typeface="Open Sans 2"/>
-                </a:rPr>
-                <a:t>correlazioni</a:t>
-              </a:r>
-              <a:r>
-                <a:rPr lang="en-US" sz="2499" dirty="0">
-                  <a:solidFill>
-                    <a:srgbClr val="000000"/>
-                  </a:solidFill>
-                  <a:latin typeface="Open Sans 2"/>
-                </a:rPr>
-                <a:t> </a:t>
-              </a:r>
-              <a:r>
-                <a:rPr lang="en-US" sz="2499" dirty="0" err="1">
-                  <a:solidFill>
-                    <a:srgbClr val="000000"/>
-                  </a:solidFill>
-                  <a:latin typeface="Open Sans 2"/>
-                </a:rPr>
-                <a:t>tra</a:t>
-              </a:r>
-              <a:r>
-                <a:rPr lang="en-US" sz="2499" dirty="0">
-                  <a:solidFill>
-                    <a:srgbClr val="000000"/>
-                  </a:solidFill>
-                  <a:latin typeface="Open Sans 2"/>
-                </a:rPr>
-                <a:t> le </a:t>
-              </a:r>
-              <a:r>
-                <a:rPr lang="en-US" sz="2499" dirty="0" err="1">
-                  <a:solidFill>
-                    <a:srgbClr val="000000"/>
-                  </a:solidFill>
-                  <a:latin typeface="Open Sans 2"/>
-                </a:rPr>
-                <a:t>varie</a:t>
-              </a:r>
-              <a:r>
-                <a:rPr lang="en-US" sz="2499" dirty="0">
-                  <a:solidFill>
-                    <a:srgbClr val="000000"/>
-                  </a:solidFill>
-                  <a:latin typeface="Open Sans 2"/>
-                </a:rPr>
-                <a:t> </a:t>
-              </a:r>
-              <a:r>
-                <a:rPr lang="en-US" sz="2499" dirty="0" err="1">
-                  <a:solidFill>
-                    <a:srgbClr val="000000"/>
-                  </a:solidFill>
-                  <a:latin typeface="Open Sans 2"/>
-                </a:rPr>
-                <a:t>variabili</a:t>
-              </a:r>
-              <a:r>
-                <a:rPr lang="en-US" sz="2499" dirty="0">
-                  <a:solidFill>
-                    <a:srgbClr val="000000"/>
-                  </a:solidFill>
-                  <a:latin typeface="Open Sans 2"/>
-                </a:rPr>
-                <a:t> al fine di </a:t>
-              </a:r>
-              <a:r>
-                <a:rPr lang="en-US" sz="2499" dirty="0" err="1">
-                  <a:solidFill>
-                    <a:srgbClr val="000000"/>
-                  </a:solidFill>
-                  <a:latin typeface="Open Sans 2"/>
-                </a:rPr>
-                <a:t>migliorare</a:t>
-              </a:r>
-              <a:r>
-                <a:rPr lang="en-US" sz="2499" dirty="0">
-                  <a:solidFill>
-                    <a:srgbClr val="000000"/>
-                  </a:solidFill>
-                  <a:latin typeface="Open Sans 2"/>
-                </a:rPr>
-                <a:t> le </a:t>
-              </a:r>
-              <a:r>
-                <a:rPr lang="en-US" sz="2499" dirty="0" err="1">
-                  <a:solidFill>
-                    <a:srgbClr val="000000"/>
-                  </a:solidFill>
-                  <a:latin typeface="Open Sans 2"/>
-                </a:rPr>
-                <a:t>nostre</a:t>
-              </a:r>
-              <a:r>
-                <a:rPr lang="en-US" sz="2499" dirty="0">
-                  <a:solidFill>
-                    <a:srgbClr val="000000"/>
-                  </a:solidFill>
-                  <a:latin typeface="Open Sans 2"/>
-                </a:rPr>
-                <a:t> </a:t>
-              </a:r>
-              <a:r>
-                <a:rPr lang="en-US" sz="2499" dirty="0" err="1">
-                  <a:solidFill>
-                    <a:srgbClr val="000000"/>
-                  </a:solidFill>
-                  <a:latin typeface="Open Sans 2"/>
-                </a:rPr>
-                <a:t>previsioni</a:t>
-              </a:r>
-              <a:r>
-                <a:rPr lang="en-US" sz="2499" dirty="0">
-                  <a:solidFill>
-                    <a:srgbClr val="000000"/>
-                  </a:solidFill>
-                  <a:latin typeface="Open Sans 2"/>
-                </a:rPr>
-                <a:t>. </a:t>
-              </a:r>
-              <a:r>
-                <a:rPr lang="en-US" sz="2499" dirty="0" err="1">
-                  <a:solidFill>
-                    <a:srgbClr val="000000"/>
-                  </a:solidFill>
-                  <a:latin typeface="Open Sans 2"/>
-                </a:rPr>
-                <a:t>Utilizzando</a:t>
-              </a:r>
-              <a:r>
-                <a:rPr lang="en-US" sz="2499" dirty="0">
-                  <a:solidFill>
-                    <a:srgbClr val="000000"/>
-                  </a:solidFill>
-                  <a:latin typeface="Open Sans 2"/>
-                </a:rPr>
-                <a:t> un notebook </a:t>
-              </a:r>
-              <a:r>
-                <a:rPr lang="en-US" sz="2499" dirty="0" err="1">
-                  <a:solidFill>
-                    <a:srgbClr val="000000"/>
-                  </a:solidFill>
-                  <a:latin typeface="Open Sans 2"/>
-                </a:rPr>
-                <a:t>Jupyter</a:t>
-              </a:r>
-              <a:r>
-                <a:rPr lang="en-US" sz="2499" dirty="0">
-                  <a:solidFill>
-                    <a:srgbClr val="000000"/>
-                  </a:solidFill>
-                  <a:latin typeface="Open Sans 2"/>
-                </a:rPr>
-                <a:t>, </a:t>
-              </a:r>
-              <a:r>
-                <a:rPr lang="en-US" sz="2499" dirty="0" err="1">
-                  <a:solidFill>
-                    <a:srgbClr val="000000"/>
-                  </a:solidFill>
-                  <a:latin typeface="Open Sans 2"/>
-                </a:rPr>
-                <a:t>abbiamo</a:t>
-              </a:r>
-              <a:r>
-                <a:rPr lang="en-US" sz="2499" dirty="0">
-                  <a:solidFill>
-                    <a:srgbClr val="000000"/>
-                  </a:solidFill>
-                  <a:latin typeface="Open Sans 2"/>
-                </a:rPr>
-                <a:t> </a:t>
-              </a:r>
-              <a:r>
-                <a:rPr lang="en-US" sz="2499" dirty="0" err="1">
-                  <a:solidFill>
-                    <a:srgbClr val="000000"/>
-                  </a:solidFill>
-                  <a:latin typeface="Open Sans 2"/>
-                </a:rPr>
-                <a:t>esplorato</a:t>
-              </a:r>
-              <a:r>
-                <a:rPr lang="en-US" sz="2499" dirty="0">
-                  <a:solidFill>
-                    <a:srgbClr val="000000"/>
-                  </a:solidFill>
-                  <a:latin typeface="Open Sans 2"/>
-                </a:rPr>
-                <a:t> </a:t>
-              </a:r>
-              <a:r>
-                <a:rPr lang="en-US" sz="2499" dirty="0" err="1">
-                  <a:solidFill>
-                    <a:srgbClr val="000000"/>
-                  </a:solidFill>
-                  <a:latin typeface="Open Sans 2"/>
-                </a:rPr>
-                <a:t>i</a:t>
-              </a:r>
-              <a:r>
-                <a:rPr lang="en-US" sz="2499" dirty="0">
-                  <a:solidFill>
-                    <a:srgbClr val="000000"/>
-                  </a:solidFill>
-                  <a:latin typeface="Open Sans 2"/>
-                </a:rPr>
-                <a:t> </a:t>
-              </a:r>
-              <a:r>
-                <a:rPr lang="en-US" sz="2499" dirty="0" err="1">
-                  <a:solidFill>
-                    <a:srgbClr val="000000"/>
-                  </a:solidFill>
-                  <a:latin typeface="Open Sans 2"/>
-                </a:rPr>
-                <a:t>dati</a:t>
-              </a:r>
-              <a:r>
-                <a:rPr lang="en-US" sz="2499" dirty="0">
-                  <a:solidFill>
-                    <a:srgbClr val="000000"/>
-                  </a:solidFill>
-                  <a:latin typeface="Open Sans 2"/>
-                </a:rPr>
-                <a:t> in </a:t>
-              </a:r>
-              <a:r>
-                <a:rPr lang="en-US" sz="2499" dirty="0" err="1">
-                  <a:solidFill>
-                    <a:srgbClr val="000000"/>
-                  </a:solidFill>
-                  <a:latin typeface="Open Sans 2"/>
-                </a:rPr>
-                <a:t>dettaglio</a:t>
-              </a:r>
-              <a:r>
-                <a:rPr lang="en-US" sz="2499" dirty="0">
-                  <a:solidFill>
-                    <a:srgbClr val="000000"/>
-                  </a:solidFill>
-                  <a:latin typeface="Open Sans 2"/>
-                </a:rPr>
-                <a:t>.</a:t>
-              </a:r>
-            </a:p>
-            <a:p>
-              <a:pPr marL="0" lvl="0" indent="0">
-                <a:lnSpc>
-                  <a:spcPts val="3499"/>
-                </a:lnSpc>
-              </a:pPr>
-              <a:r>
-                <a:rPr lang="en-US" sz="2499" dirty="0">
-                  <a:solidFill>
-                    <a:srgbClr val="000000"/>
-                  </a:solidFill>
-                  <a:latin typeface="Open Sans 2"/>
-                </a:rPr>
-                <a:t>Ci </a:t>
-              </a:r>
-              <a:r>
-                <a:rPr lang="en-US" sz="2499" dirty="0" err="1">
-                  <a:solidFill>
-                    <a:srgbClr val="000000"/>
-                  </a:solidFill>
-                  <a:latin typeface="Open Sans 2"/>
-                </a:rPr>
-                <a:t>siamo</a:t>
-              </a:r>
-              <a:r>
-                <a:rPr lang="en-US" sz="2499" dirty="0">
-                  <a:solidFill>
-                    <a:srgbClr val="000000"/>
-                  </a:solidFill>
-                  <a:latin typeface="Open Sans 2"/>
-                </a:rPr>
-                <a:t> </a:t>
-              </a:r>
-              <a:r>
-                <a:rPr lang="en-US" sz="2499" dirty="0" err="1">
-                  <a:solidFill>
-                    <a:srgbClr val="000000"/>
-                  </a:solidFill>
-                  <a:latin typeface="Open Sans 2"/>
-                </a:rPr>
-                <a:t>concentrati</a:t>
-              </a:r>
-              <a:r>
-                <a:rPr lang="en-US" sz="2499" dirty="0">
-                  <a:solidFill>
-                    <a:srgbClr val="000000"/>
-                  </a:solidFill>
-                  <a:latin typeface="Open Sans 2"/>
-                </a:rPr>
-                <a:t> </a:t>
-              </a:r>
-              <a:r>
-                <a:rPr lang="en-US" sz="2499" dirty="0" err="1">
-                  <a:solidFill>
-                    <a:srgbClr val="000000"/>
-                  </a:solidFill>
-                  <a:latin typeface="Open Sans 2"/>
-                </a:rPr>
-                <a:t>sulla</a:t>
-              </a:r>
-              <a:r>
-                <a:rPr lang="en-US" sz="2499" dirty="0">
-                  <a:solidFill>
-                    <a:srgbClr val="000000"/>
-                  </a:solidFill>
-                  <a:latin typeface="Open Sans 2"/>
-                </a:rPr>
-                <a:t> </a:t>
-              </a:r>
-              <a:r>
-                <a:rPr lang="en-US" sz="2499" dirty="0" err="1">
-                  <a:solidFill>
-                    <a:srgbClr val="000000"/>
-                  </a:solidFill>
-                  <a:latin typeface="Open Sans 2"/>
-                </a:rPr>
-                <a:t>visualizzazione</a:t>
-              </a:r>
-              <a:r>
-                <a:rPr lang="en-US" sz="2499" dirty="0">
-                  <a:solidFill>
-                    <a:srgbClr val="000000"/>
-                  </a:solidFill>
-                  <a:latin typeface="Open Sans 2"/>
-                </a:rPr>
-                <a:t> </a:t>
-              </a:r>
-              <a:r>
-                <a:rPr lang="en-US" sz="2499" dirty="0" err="1">
-                  <a:solidFill>
-                    <a:srgbClr val="000000"/>
-                  </a:solidFill>
-                  <a:latin typeface="Open Sans 2"/>
-                </a:rPr>
-                <a:t>dei</a:t>
-              </a:r>
-              <a:r>
-                <a:rPr lang="en-US" sz="2499" dirty="0">
-                  <a:solidFill>
-                    <a:srgbClr val="000000"/>
-                  </a:solidFill>
-                  <a:latin typeface="Open Sans 2"/>
-                </a:rPr>
-                <a:t> </a:t>
-              </a:r>
-              <a:r>
-                <a:rPr lang="en-US" sz="2499" dirty="0" err="1">
-                  <a:solidFill>
-                    <a:srgbClr val="000000"/>
-                  </a:solidFill>
-                  <a:latin typeface="Open Sans 2"/>
-                </a:rPr>
-                <a:t>dati</a:t>
-              </a:r>
-              <a:r>
-                <a:rPr lang="en-US" sz="2499" dirty="0">
-                  <a:solidFill>
-                    <a:srgbClr val="000000"/>
-                  </a:solidFill>
-                  <a:latin typeface="Open Sans 2"/>
-                </a:rPr>
-                <a:t> </a:t>
-              </a:r>
-              <a:r>
-                <a:rPr lang="en-US" sz="2499" dirty="0" err="1">
-                  <a:solidFill>
-                    <a:srgbClr val="000000"/>
-                  </a:solidFill>
-                  <a:latin typeface="Open Sans 2"/>
-                </a:rPr>
-                <a:t>tramite</a:t>
-              </a:r>
-              <a:r>
-                <a:rPr lang="en-US" sz="2499" dirty="0">
-                  <a:solidFill>
-                    <a:srgbClr val="000000"/>
-                  </a:solidFill>
-                  <a:latin typeface="Open Sans 2"/>
-                </a:rPr>
-                <a:t> </a:t>
-              </a:r>
-              <a:r>
-                <a:rPr lang="en-US" sz="2499" dirty="0" err="1">
-                  <a:solidFill>
-                    <a:srgbClr val="000000"/>
-                  </a:solidFill>
-                  <a:latin typeface="Open Sans 2"/>
-                </a:rPr>
-                <a:t>grafici</a:t>
-              </a:r>
-              <a:r>
-                <a:rPr lang="en-US" sz="2499" dirty="0">
-                  <a:solidFill>
-                    <a:srgbClr val="000000"/>
-                  </a:solidFill>
-                  <a:latin typeface="Open Sans 2"/>
-                </a:rPr>
-                <a:t> come </a:t>
-              </a:r>
-              <a:r>
-                <a:rPr lang="en-US" sz="2499" dirty="0" err="1">
-                  <a:solidFill>
-                    <a:srgbClr val="000000"/>
-                  </a:solidFill>
-                  <a:latin typeface="Open Sans 2"/>
-                </a:rPr>
-                <a:t>gli</a:t>
-              </a:r>
-              <a:r>
-                <a:rPr lang="en-US" sz="2499" dirty="0">
-                  <a:solidFill>
-                    <a:srgbClr val="000000"/>
-                  </a:solidFill>
-                  <a:latin typeface="Open Sans 2"/>
-                </a:rPr>
-                <a:t> scatterplot, </a:t>
-              </a:r>
-              <a:r>
-                <a:rPr lang="en-US" sz="2499" dirty="0" err="1">
-                  <a:solidFill>
-                    <a:srgbClr val="000000"/>
-                  </a:solidFill>
-                  <a:latin typeface="Open Sans 2"/>
-                </a:rPr>
-                <a:t>che</a:t>
-              </a:r>
-              <a:r>
-                <a:rPr lang="en-US" sz="2499" dirty="0">
-                  <a:solidFill>
-                    <a:srgbClr val="000000"/>
-                  </a:solidFill>
-                  <a:latin typeface="Open Sans 2"/>
-                </a:rPr>
-                <a:t> ci </a:t>
-              </a:r>
-              <a:r>
-                <a:rPr lang="en-US" sz="2499" dirty="0" err="1">
-                  <a:solidFill>
-                    <a:srgbClr val="000000"/>
-                  </a:solidFill>
-                  <a:latin typeface="Open Sans 2"/>
-                </a:rPr>
-                <a:t>hanno</a:t>
-              </a:r>
-              <a:r>
-                <a:rPr lang="en-US" sz="2499" dirty="0">
-                  <a:solidFill>
-                    <a:srgbClr val="000000"/>
-                  </a:solidFill>
-                  <a:latin typeface="Open Sans 2"/>
-                </a:rPr>
-                <a:t> </a:t>
-              </a:r>
-              <a:r>
-                <a:rPr lang="en-US" sz="2499" dirty="0" err="1">
-                  <a:solidFill>
-                    <a:srgbClr val="000000"/>
-                  </a:solidFill>
-                  <a:latin typeface="Open Sans 2"/>
-                </a:rPr>
-                <a:t>permesso</a:t>
-              </a:r>
-              <a:r>
-                <a:rPr lang="en-US" sz="2499" dirty="0">
-                  <a:solidFill>
-                    <a:srgbClr val="000000"/>
-                  </a:solidFill>
-                  <a:latin typeface="Open Sans 2"/>
-                </a:rPr>
-                <a:t> di </a:t>
-              </a:r>
-              <a:r>
-                <a:rPr lang="en-US" sz="2499" dirty="0" err="1">
-                  <a:solidFill>
-                    <a:srgbClr val="000000"/>
-                  </a:solidFill>
-                  <a:latin typeface="Open Sans 2"/>
-                </a:rPr>
-                <a:t>comprendere</a:t>
-              </a:r>
-              <a:r>
-                <a:rPr lang="en-US" sz="2499" dirty="0">
-                  <a:solidFill>
-                    <a:srgbClr val="000000"/>
-                  </a:solidFill>
-                  <a:latin typeface="Open Sans 2"/>
-                </a:rPr>
-                <a:t> </a:t>
-              </a:r>
-              <a:r>
-                <a:rPr lang="en-US" sz="2499" dirty="0" err="1">
-                  <a:solidFill>
-                    <a:srgbClr val="000000"/>
-                  </a:solidFill>
-                  <a:latin typeface="Open Sans 2"/>
-                </a:rPr>
-                <a:t>meglio</a:t>
-              </a:r>
-              <a:r>
-                <a:rPr lang="en-US" sz="2499" dirty="0">
-                  <a:solidFill>
-                    <a:srgbClr val="000000"/>
-                  </a:solidFill>
-                  <a:latin typeface="Open Sans 2"/>
-                </a:rPr>
-                <a:t> le </a:t>
-              </a:r>
-              <a:r>
-                <a:rPr lang="en-US" sz="2499" dirty="0" err="1">
-                  <a:solidFill>
-                    <a:srgbClr val="000000"/>
-                  </a:solidFill>
-                  <a:latin typeface="Open Sans 2"/>
-                </a:rPr>
-                <a:t>relazioni</a:t>
-              </a:r>
-              <a:r>
-                <a:rPr lang="en-US" sz="2499" dirty="0">
-                  <a:solidFill>
-                    <a:srgbClr val="000000"/>
-                  </a:solidFill>
-                  <a:latin typeface="Open Sans 2"/>
-                </a:rPr>
-                <a:t> </a:t>
-              </a:r>
-              <a:r>
-                <a:rPr lang="en-US" sz="2499" dirty="0" err="1">
-                  <a:solidFill>
-                    <a:srgbClr val="000000"/>
-                  </a:solidFill>
-                  <a:latin typeface="Open Sans 2"/>
-                </a:rPr>
-                <a:t>tra</a:t>
-              </a:r>
-              <a:r>
-                <a:rPr lang="en-US" sz="2499" dirty="0">
-                  <a:solidFill>
-                    <a:srgbClr val="000000"/>
-                  </a:solidFill>
-                  <a:latin typeface="Open Sans 2"/>
-                </a:rPr>
-                <a:t> le </a:t>
-              </a:r>
-              <a:r>
-                <a:rPr lang="en-US" sz="2499" dirty="0" err="1">
-                  <a:solidFill>
-                    <a:srgbClr val="000000"/>
-                  </a:solidFill>
-                  <a:latin typeface="Open Sans 2"/>
-                </a:rPr>
-                <a:t>variabili</a:t>
-              </a:r>
-              <a:r>
-                <a:rPr lang="en-US" sz="2499" dirty="0">
-                  <a:solidFill>
-                    <a:srgbClr val="000000"/>
-                  </a:solidFill>
-                  <a:latin typeface="Open Sans 2"/>
-                </a:rPr>
-                <a:t>, in </a:t>
-              </a:r>
-              <a:r>
-                <a:rPr lang="en-US" sz="2499" dirty="0" err="1">
-                  <a:solidFill>
-                    <a:srgbClr val="000000"/>
-                  </a:solidFill>
-                  <a:latin typeface="Open Sans 2"/>
-                </a:rPr>
-                <a:t>particolare</a:t>
-              </a:r>
-              <a:r>
-                <a:rPr lang="en-US" sz="2499" dirty="0">
-                  <a:solidFill>
-                    <a:srgbClr val="000000"/>
-                  </a:solidFill>
-                  <a:latin typeface="Open Sans 2"/>
-                </a:rPr>
-                <a:t> con il </a:t>
-              </a:r>
-              <a:r>
-                <a:rPr lang="en-US" sz="2499" dirty="0" err="1">
-                  <a:solidFill>
-                    <a:srgbClr val="000000"/>
-                  </a:solidFill>
-                  <a:latin typeface="Open Sans 2"/>
-                </a:rPr>
-                <a:t>prezzo</a:t>
-              </a:r>
-              <a:r>
-                <a:rPr lang="en-US" sz="2499" dirty="0">
-                  <a:solidFill>
-                    <a:srgbClr val="000000"/>
-                  </a:solidFill>
-                  <a:latin typeface="Open Sans 2"/>
-                </a:rPr>
-                <a:t>.</a:t>
-              </a:r>
+              <a:endParaRPr lang="en-US" sz="2499" dirty="0">
+                <a:solidFill>
+                  <a:srgbClr val="000000"/>
+                </a:solidFill>
+                <a:latin typeface="Open Sans 2"/>
+              </a:endParaRPr>
             </a:p>
           </p:txBody>
         </p:sp>
@@ -7344,7 +7067,7 @@
           <p:spPr>
             <a:xfrm>
               <a:off x="0" y="9160574"/>
-              <a:ext cx="11618615" cy="1715558"/>
+              <a:ext cx="11618615" cy="559128"/>
             </a:xfrm>
             <a:prstGeom prst="rect">
               <a:avLst/>
@@ -7361,15 +7084,12 @@
                   <a:spcPts val="3499"/>
                 </a:lnSpc>
               </a:pPr>
-              <a:r>
-                <a:rPr lang="en-US" sz="2499">
-                  <a:solidFill>
-                    <a:srgbClr val="000000"/>
-                  </a:solidFill>
-                  <a:latin typeface="Open Sans 2"/>
-                </a:rPr>
-                <a:t>Abbiamo applicato modelli di regressione lineare di scikit-learn per quantificare le correlazioni e fare previsioni più accurate.</a:t>
-              </a:r>
+              <a:endParaRPr lang="en-US" sz="2499" dirty="0">
+                <a:solidFill>
+                  <a:srgbClr val="000000"/>
+                </a:solidFill>
+                <a:latin typeface="Open Sans 2"/>
+              </a:endParaRPr>
             </a:p>
           </p:txBody>
         </p:sp>
@@ -7381,8 +7101,8 @@
           </p:nvSpPr>
           <p:spPr>
             <a:xfrm>
-              <a:off x="0" y="11944383"/>
-              <a:ext cx="11618615" cy="1715558"/>
+              <a:off x="0" y="11944384"/>
+              <a:ext cx="11618615" cy="559128"/>
             </a:xfrm>
             <a:prstGeom prst="rect">
               <a:avLst/>
@@ -7399,19 +7119,131 @@
                   <a:spcPts val="3499"/>
                 </a:lnSpc>
               </a:pPr>
-              <a:r>
-                <a:rPr lang="en-US" sz="2499">
-                  <a:solidFill>
-                    <a:srgbClr val="000000"/>
-                  </a:solidFill>
-                  <a:latin typeface="Open Sans 2"/>
-                </a:rPr>
-                <a:t>In conclusione, l'analisi dei dati ci ha fornito preziose informazioni che ci consentiranno di prendere decisioni più informate e di migliorare le nostre previsioni future</a:t>
-              </a:r>
+              <a:endParaRPr lang="en-US" sz="2499" dirty="0">
+                <a:solidFill>
+                  <a:srgbClr val="000000"/>
+                </a:solidFill>
+                <a:latin typeface="Open Sans 2"/>
+              </a:endParaRPr>
             </a:p>
           </p:txBody>
         </p:sp>
       </p:grpSp>
+      <p:sp>
+        <p:nvSpPr>
+          <p:cNvPr id="9" name="CasellaDiTesto 8">
+            <a:extLst>
+              <a:ext uri="{FF2B5EF4-FFF2-40B4-BE49-F238E27FC236}">
+                <a16:creationId xmlns:a16="http://schemas.microsoft.com/office/drawing/2014/main" id="{73CBE260-0BB5-732D-DF48-09707750103A}"/>
+              </a:ext>
+            </a:extLst>
+          </p:cNvPr>
+          <p:cNvSpPr txBox="1"/>
+          <p:nvPr/>
+        </p:nvSpPr>
+        <p:spPr>
+          <a:xfrm>
+            <a:off x="228600" y="2705100"/>
+            <a:ext cx="8915400" cy="6001643"/>
+          </a:xfrm>
+          <a:prstGeom prst="rect">
+            <a:avLst/>
+          </a:prstGeom>
+          <a:noFill/>
+        </p:spPr>
+        <p:txBody>
+          <a:bodyPr wrap="square" rtlCol="0">
+            <a:spAutoFit/>
+          </a:bodyPr>
+          <a:lstStyle/>
+          <a:p>
+            <a:r>
+              <a:rPr lang="it-IT" sz="2400" dirty="0">
+                <a:latin typeface="Open Sans 1" panose="020B0604020202020204" charset="0"/>
+                <a:ea typeface="Open Sans 1" panose="020B0604020202020204" charset="0"/>
+                <a:cs typeface="Open Sans 1" panose="020B0604020202020204" charset="0"/>
+              </a:rPr>
+              <a:t>Identificazione delle correlazioni tra le variabili al fine di migliorare le nostre previsioni e creare un modello di machine learning. Utilizzando Python, abbiamo esplorato i dati in dettaglio.</a:t>
+            </a:r>
+          </a:p>
+          <a:p>
+            <a:r>
+              <a:rPr lang="it-IT" sz="2400" dirty="0">
+                <a:latin typeface="Open Sans 1" panose="020B0604020202020204" charset="0"/>
+                <a:ea typeface="Open Sans 1" panose="020B0604020202020204" charset="0"/>
+                <a:cs typeface="Open Sans 1" panose="020B0604020202020204" charset="0"/>
+              </a:rPr>
+              <a:t>Ci siamo concentrati sulla visualizzazione dei dati tramite grafici come gli </a:t>
+            </a:r>
+            <a:r>
+              <a:rPr lang="it-IT" sz="2400" dirty="0" err="1">
+                <a:latin typeface="Open Sans 1" panose="020B0604020202020204" charset="0"/>
+                <a:ea typeface="Open Sans 1" panose="020B0604020202020204" charset="0"/>
+                <a:cs typeface="Open Sans 1" panose="020B0604020202020204" charset="0"/>
+              </a:rPr>
+              <a:t>scatterplot</a:t>
+            </a:r>
+            <a:r>
+              <a:rPr lang="it-IT" sz="2400" dirty="0">
+                <a:latin typeface="Open Sans 1" panose="020B0604020202020204" charset="0"/>
+                <a:ea typeface="Open Sans 1" panose="020B0604020202020204" charset="0"/>
+                <a:cs typeface="Open Sans 1" panose="020B0604020202020204" charset="0"/>
+              </a:rPr>
+              <a:t>, che ci hanno permesso di comprendere meglio le relazioni tra le variabili, in particolare con il prezzo.</a:t>
+            </a:r>
+          </a:p>
+          <a:p>
+            <a:endParaRPr lang="it-IT" sz="2400" dirty="0">
+              <a:latin typeface="Open Sans 1" panose="020B0604020202020204" charset="0"/>
+              <a:ea typeface="Open Sans 1" panose="020B0604020202020204" charset="0"/>
+              <a:cs typeface="Open Sans 1" panose="020B0604020202020204" charset="0"/>
+            </a:endParaRPr>
+          </a:p>
+          <a:p>
+            <a:r>
+              <a:rPr lang="it-IT" sz="2400" dirty="0">
+                <a:latin typeface="Open Sans 1" panose="020B0604020202020204" charset="0"/>
+                <a:ea typeface="Open Sans 1" panose="020B0604020202020204" charset="0"/>
+                <a:cs typeface="Open Sans 1" panose="020B0604020202020204" charset="0"/>
+              </a:rPr>
+              <a:t>Abbiamo applicato modelli di regressione lineare di </a:t>
+            </a:r>
+            <a:r>
+              <a:rPr lang="it-IT" sz="2400" dirty="0" err="1">
+                <a:latin typeface="Open Sans 1" panose="020B0604020202020204" charset="0"/>
+                <a:ea typeface="Open Sans 1" panose="020B0604020202020204" charset="0"/>
+                <a:cs typeface="Open Sans 1" panose="020B0604020202020204" charset="0"/>
+              </a:rPr>
+              <a:t>scikit-learn</a:t>
+            </a:r>
+            <a:r>
+              <a:rPr lang="it-IT" sz="2400" dirty="0">
+                <a:latin typeface="Open Sans 1" panose="020B0604020202020204" charset="0"/>
+                <a:ea typeface="Open Sans 1" panose="020B0604020202020204" charset="0"/>
+                <a:cs typeface="Open Sans 1" panose="020B0604020202020204" charset="0"/>
+              </a:rPr>
+              <a:t> per quantificare le correlazioni e fare previsioni più accurate.</a:t>
+            </a:r>
+          </a:p>
+          <a:p>
+            <a:endParaRPr lang="it-IT" sz="2400" dirty="0">
+              <a:latin typeface="Open Sans 1" panose="020B0604020202020204" charset="0"/>
+              <a:ea typeface="Open Sans 1" panose="020B0604020202020204" charset="0"/>
+              <a:cs typeface="Open Sans 1" panose="020B0604020202020204" charset="0"/>
+            </a:endParaRPr>
+          </a:p>
+          <a:p>
+            <a:r>
+              <a:rPr lang="it-IT" sz="2400" dirty="0">
+                <a:latin typeface="Open Sans 1" panose="020B0604020202020204" charset="0"/>
+                <a:ea typeface="Open Sans 1" panose="020B0604020202020204" charset="0"/>
+                <a:cs typeface="Open Sans 1" panose="020B0604020202020204" charset="0"/>
+              </a:rPr>
+              <a:t>In conclusione, l'analisi non ha rivelato alcun legame significativo tra i dati, rendendo impraticabile l’idea del machine learning.</a:t>
+            </a:r>
+          </a:p>
+        </p:txBody>
+      </p:sp>
     </p:spTree>
   </p:cSld>
   <p:clrMapOvr>
